--- a/documentatie/Presentaties/95presentatie.pptx
+++ b/documentatie/Presentaties/95presentatie.pptx
@@ -5,18 +5,23 @@
     <p:sldMasterId id="2147483648" r:id="rId1"/>
   </p:sldMasterIdLst>
   <p:notesMasterIdLst>
-    <p:notesMasterId r:id="rId11"/>
+    <p:notesMasterId r:id="rId16"/>
   </p:notesMasterIdLst>
   <p:sldIdLst>
-    <p:sldId id="256" r:id="rId2"/>
-    <p:sldId id="257" r:id="rId3"/>
-    <p:sldId id="258" r:id="rId4"/>
-    <p:sldId id="259" r:id="rId5"/>
-    <p:sldId id="260" r:id="rId6"/>
-    <p:sldId id="261" r:id="rId7"/>
-    <p:sldId id="262" r:id="rId8"/>
-    <p:sldId id="263" r:id="rId9"/>
-    <p:sldId id="264" r:id="rId10"/>
+    <p:sldId id="278" r:id="rId2"/>
+    <p:sldId id="277" r:id="rId3"/>
+    <p:sldId id="257" r:id="rId4"/>
+    <p:sldId id="276" r:id="rId5"/>
+    <p:sldId id="259" r:id="rId6"/>
+    <p:sldId id="260" r:id="rId7"/>
+    <p:sldId id="261" r:id="rId8"/>
+    <p:sldId id="262" r:id="rId9"/>
+    <p:sldId id="265" r:id="rId10"/>
+    <p:sldId id="266" r:id="rId11"/>
+    <p:sldId id="267" r:id="rId12"/>
+    <p:sldId id="272" r:id="rId13"/>
+    <p:sldId id="273" r:id="rId14"/>
+    <p:sldId id="269" r:id="rId15"/>
   </p:sldIdLst>
   <p:sldSz cx="12192000" cy="6858000"/>
   <p:notesSz cx="6858000" cy="9144000"/>
@@ -115,6 +120,11 @@
       </a:defRPr>
     </a:lvl9pPr>
   </p:defaultTextStyle>
+  <p:extLst>
+    <p:ext uri="{EFAFB233-063F-42B5-8137-9DF3F51BA10A}">
+      <p15:sldGuideLst xmlns:p15="http://schemas.microsoft.com/office/powerpoint/2012/main"/>
+    </p:ext>
+  </p:extLst>
 </p:presentation>
 </file>
 
@@ -200,7 +210,7 @@
           <a:p>
             <a:fld id="{D8C4443E-BF3F-495E-B38D-D5D067D97080}" type="datetimeFigureOut">
               <a:rPr lang="nl-NL" smtClean="0"/>
-              <a:t>23-1-2026</a:t>
+              <a:t>25-1-2026</a:t>
             </a:fld>
             <a:endParaRPr lang="nl-NL"/>
           </a:p>
@@ -472,7 +482,13 @@
   <p:cSld>
     <p:spTree>
       <p:nvGrpSpPr>
-        <p:cNvPr id="1" name=""/>
+        <p:cNvPr id="1" name="">
+          <a:extLst>
+            <a:ext uri="{FF2B5EF4-FFF2-40B4-BE49-F238E27FC236}">
+              <a16:creationId xmlns:a16="http://schemas.microsoft.com/office/drawing/2014/main" id="{C304D419-A075-B70D-04B7-2A3B0951D0E9}"/>
+            </a:ext>
+          </a:extLst>
+        </p:cNvPr>
         <p:cNvGrpSpPr/>
         <p:nvPr/>
       </p:nvGrpSpPr>
@@ -486,7 +502,13 @@
       </p:grpSpPr>
       <p:sp>
         <p:nvSpPr>
-          <p:cNvPr id="2" name="Tijdelijke aanduiding voor dia-afbeelding 1"/>
+          <p:cNvPr id="2" name="Tijdelijke aanduiding voor dia-afbeelding 1">
+            <a:extLst>
+              <a:ext uri="{FF2B5EF4-FFF2-40B4-BE49-F238E27FC236}">
+                <a16:creationId xmlns:a16="http://schemas.microsoft.com/office/drawing/2014/main" id="{7FF72C94-04F0-9CB5-F7E7-6C1DF4034A81}"/>
+              </a:ext>
+            </a:extLst>
+          </p:cNvPr>
           <p:cNvSpPr>
             <a:spLocks noGrp="1" noRot="1" noChangeAspect="1"/>
           </p:cNvSpPr>
@@ -498,7 +520,13 @@
       </p:sp>
       <p:sp>
         <p:nvSpPr>
-          <p:cNvPr id="3" name="Tijdelijke aanduiding voor notities 2"/>
+          <p:cNvPr id="3" name="Tijdelijke aanduiding voor notities 2">
+            <a:extLst>
+              <a:ext uri="{FF2B5EF4-FFF2-40B4-BE49-F238E27FC236}">
+                <a16:creationId xmlns:a16="http://schemas.microsoft.com/office/drawing/2014/main" id="{0EDEB4F4-AB9E-3763-3707-84C9C60FD23B}"/>
+              </a:ext>
+            </a:extLst>
+          </p:cNvPr>
           <p:cNvSpPr>
             <a:spLocks noGrp="1"/>
           </p:cNvSpPr>
@@ -511,46 +539,19 @@
           <a:bodyPr/>
           <a:lstStyle/>
           <a:p>
-            <a:r>
-              <a:rPr lang="nl-NL" dirty="0"/>
-              <a:t>Sens2sea is klein leer bedrijf bevind zich in het gebouw van de RDM op de Heijplaat. Het bedrijf ontwikkeld radar technologie. Radars zijn apparaten die radiogolven uitzenden en dan terug ontvangen waardoor locatie, snelheid en richting bepaald kan worden van objecten. Het voordeel hierbij is dat radar deze objecten kan detecteren bij slechte weersomstandigheden en zichtbaarheid. Voor het verbeteren van een signaal gebruik je antennes. Deze zorgen voor bundeling van de golven waardoor er een beter beeld ontstaat.</a:t>
-            </a:r>
-          </a:p>
-          <a:p>
-            <a:r>
-              <a:rPr lang="nl-NL" dirty="0"/>
-              <a:t>Sens2sea is sinds kort bezig met </a:t>
-            </a:r>
-            <a:r>
-              <a:rPr lang="nl-NL" dirty="0" err="1"/>
-              <a:t>fmcw</a:t>
-            </a:r>
-            <a:r>
-              <a:rPr lang="nl-NL" dirty="0"/>
-              <a:t> (frequentie </a:t>
-            </a:r>
-            <a:r>
-              <a:rPr lang="nl-NL" dirty="0" err="1"/>
-              <a:t>modulated</a:t>
-            </a:r>
-            <a:r>
-              <a:rPr lang="nl-NL" dirty="0"/>
-              <a:t> constant wave) radar. Dit is een manier van radar gebruiken waardoor er grotere nauwkeurigheid verkregen kan worden in draaibeweging van de radar. Hiervoor zijn parabool antennes nodig in eigen maten. Deze antennes worden in fabrieken met </a:t>
-            </a:r>
-            <a:r>
-              <a:rPr lang="nl-NL" dirty="0" err="1"/>
-              <a:t>met</a:t>
-            </a:r>
-            <a:r>
-              <a:rPr lang="nl-NL" dirty="0"/>
-              <a:t> een mal op standaard maten gemaakt, waardoor de prijs omlaag gaat. Sens2sea heeft deze antennes in eigen maten nodig waardoor er een nieuwe mal gemaakt zou moeten worden, en dit is duur. </a:t>
-            </a:r>
-          </a:p>
-        </p:txBody>
-      </p:sp>
-      <p:sp>
-        <p:nvSpPr>
-          <p:cNvPr id="4" name="Tijdelijke aanduiding voor dianummer 3"/>
+            <a:endParaRPr lang="nl-NL" dirty="0"/>
+          </a:p>
+        </p:txBody>
+      </p:sp>
+      <p:sp>
+        <p:nvSpPr>
+          <p:cNvPr id="4" name="Tijdelijke aanduiding voor dianummer 3">
+            <a:extLst>
+              <a:ext uri="{FF2B5EF4-FFF2-40B4-BE49-F238E27FC236}">
+                <a16:creationId xmlns:a16="http://schemas.microsoft.com/office/drawing/2014/main" id="{146AC262-2648-1107-8496-2C690C557059}"/>
+              </a:ext>
+            </a:extLst>
+          </p:cNvPr>
           <p:cNvSpPr>
             <a:spLocks noGrp="1"/>
           </p:cNvSpPr>
@@ -565,7 +566,7 @@
           <a:p>
             <a:fld id="{7F456FD9-521A-4E48-B277-6DB742BC5019}" type="slidenum">
               <a:rPr lang="nl-NL" smtClean="0"/>
-              <a:t>3</a:t>
+              <a:t>1</a:t>
             </a:fld>
             <a:endParaRPr lang="nl-NL"/>
           </a:p>
@@ -574,7 +575,7 @@
     </p:spTree>
     <p:extLst>
       <p:ext uri="{BB962C8B-B14F-4D97-AF65-F5344CB8AC3E}">
-        <p14:creationId xmlns:p14="http://schemas.microsoft.com/office/powerpoint/2010/main" val="2045270525"/>
+        <p14:creationId xmlns:p14="http://schemas.microsoft.com/office/powerpoint/2010/main" val="2796485210"/>
       </p:ext>
     </p:extLst>
   </p:cSld>
@@ -584,7 +585,7 @@
 </p:notes>
 </file>
 
-<file path=ppt/notesSlides/notesSlide2.xml><?xml version="1.0" encoding="utf-8"?>
+<file path=ppt/notesSlides/notesSlide10.xml><?xml version="1.0" encoding="utf-8"?>
 <p:notes xmlns:a="http://schemas.openxmlformats.org/drawingml/2006/main" xmlns:r="http://schemas.openxmlformats.org/officeDocument/2006/relationships" xmlns:p="http://schemas.openxmlformats.org/presentationml/2006/main">
   <p:cSld>
     <p:spTree>
@@ -629,9 +630,337 @@
           <a:lstStyle/>
           <a:p>
             <a:r>
+              <a:rPr lang="en-NL" dirty="0"/>
+              <a:t>De </a:t>
+            </a:r>
+            <a:r>
+              <a:rPr lang="en-NL" dirty="0" err="1"/>
+              <a:t>freesbank</a:t>
+            </a:r>
+            <a:r>
+              <a:rPr lang="en-NL" dirty="0"/>
+              <a:t> </a:t>
+            </a:r>
+            <a:r>
+              <a:rPr lang="en-NL" dirty="0" err="1"/>
+              <a:t>werkt</a:t>
+            </a:r>
+            <a:r>
+              <a:rPr lang="en-NL" dirty="0"/>
+              <a:t> in 3 </a:t>
+            </a:r>
+            <a:r>
+              <a:rPr lang="en-NL" dirty="0" err="1"/>
+              <a:t>assen</a:t>
+            </a:r>
+            <a:r>
+              <a:rPr lang="en-NL" dirty="0"/>
+              <a:t>, met 2 </a:t>
+            </a:r>
+            <a:r>
+              <a:rPr lang="en-NL" dirty="0" err="1"/>
+              <a:t>mogelijkheden</a:t>
+            </a:r>
+            <a:r>
+              <a:rPr lang="en-NL" dirty="0"/>
+              <a:t> in </a:t>
+            </a:r>
+            <a:r>
+              <a:rPr lang="en-NL" dirty="0" err="1"/>
+              <a:t>beweging</a:t>
+            </a:r>
+            <a:r>
+              <a:rPr lang="en-NL" dirty="0"/>
+              <a:t>, circle </a:t>
+            </a:r>
+            <a:r>
+              <a:rPr lang="en-NL" dirty="0" err="1"/>
+              <a:t>en</a:t>
+            </a:r>
+            <a:r>
+              <a:rPr lang="en-NL" dirty="0"/>
+              <a:t> </a:t>
+            </a:r>
+            <a:r>
+              <a:rPr lang="en-NL" dirty="0" err="1"/>
+              <a:t>rechte</a:t>
+            </a:r>
+            <a:r>
+              <a:rPr lang="en-NL" dirty="0"/>
+              <a:t> </a:t>
+            </a:r>
+            <a:r>
+              <a:rPr lang="en-NL" dirty="0" err="1"/>
+              <a:t>lijn</a:t>
+            </a:r>
+            <a:r>
+              <a:rPr lang="en-NL" dirty="0"/>
+              <a:t> (G2-3, G0-1).</a:t>
+            </a:r>
+          </a:p>
+          <a:p>
+            <a:r>
               <a:rPr lang="nl-NL" dirty="0"/>
-              <a:t>Hierom wilt sens2sea zelf de antennes fabriceren doormiddel van 3d printen. er zijn al testen mee gedaan door de radar op te splitsen in kleine onderdelen. Dit werkt, alleen kan de vorm anders worden tijdens het hechten van de onderdelen. Dus wilt Sens2sea de antenne in 1 keer fabriceren. Er bestaan opensource oplossingen, maar hiervan is het nadeel dat deze niet volledig aan te passen zijn naar de wensen van het bedrijf. En dat de locatie bepaling en de aansturing gescheiden moet worden. Verder moet er voor gezorgd worden dat het systeem modulair is waardoor er gemakkelijk nieuwe features toegevoegd kunnen worden. </a:t>
-            </a:r>
+              <a:t>I</a:t>
+            </a:r>
+            <a:r>
+              <a:rPr lang="en-NL" dirty="0" err="1"/>
+              <a:t>nput</a:t>
+            </a:r>
+            <a:r>
+              <a:rPr lang="en-NL" dirty="0"/>
+              <a:t> </a:t>
+            </a:r>
+            <a:r>
+              <a:rPr lang="en-NL" dirty="0" err="1"/>
+              <a:t>kan</a:t>
+            </a:r>
+            <a:r>
+              <a:rPr lang="en-NL" dirty="0"/>
+              <a:t> </a:t>
+            </a:r>
+            <a:r>
+              <a:rPr lang="en-NL" dirty="0" err="1"/>
+              <a:t>bepaald</a:t>
+            </a:r>
+            <a:r>
+              <a:rPr lang="en-NL" dirty="0"/>
+              <a:t> </a:t>
+            </a:r>
+            <a:r>
+              <a:rPr lang="en-NL" dirty="0" err="1"/>
+              <a:t>worden</a:t>
+            </a:r>
+            <a:r>
+              <a:rPr lang="en-NL" dirty="0"/>
+              <a:t> door </a:t>
+            </a:r>
+            <a:r>
+              <a:rPr lang="en-NL" dirty="0" err="1"/>
+              <a:t>sensoren</a:t>
+            </a:r>
+            <a:endParaRPr lang="en-NL" dirty="0"/>
+          </a:p>
+          <a:p>
+            <a:r>
+              <a:rPr lang="nl-NL" dirty="0"/>
+              <a:t>M</a:t>
+            </a:r>
+            <a:r>
+              <a:rPr lang="en-NL" dirty="0" err="1"/>
+              <a:t>odulair</a:t>
+            </a:r>
+            <a:r>
+              <a:rPr lang="en-NL" dirty="0"/>
+              <a:t> (door het </a:t>
+            </a:r>
+            <a:r>
+              <a:rPr lang="en-NL" dirty="0" err="1"/>
+              <a:t>modulaire</a:t>
+            </a:r>
+            <a:r>
+              <a:rPr lang="en-NL" dirty="0"/>
+              <a:t> </a:t>
+            </a:r>
+            <a:r>
+              <a:rPr lang="en-NL" dirty="0" err="1"/>
+              <a:t>ontwerp</a:t>
+            </a:r>
+            <a:r>
+              <a:rPr lang="en-NL" dirty="0"/>
+              <a:t> </a:t>
+            </a:r>
+            <a:r>
+              <a:rPr lang="en-NL" dirty="0" err="1"/>
+              <a:t>kunnen</a:t>
+            </a:r>
+            <a:r>
+              <a:rPr lang="en-NL" dirty="0"/>
+              <a:t> </a:t>
+            </a:r>
+            <a:r>
+              <a:rPr lang="en-NL" dirty="0" err="1"/>
+              <a:t>meerdere</a:t>
+            </a:r>
+            <a:r>
+              <a:rPr lang="en-NL" dirty="0"/>
+              <a:t> </a:t>
+            </a:r>
+            <a:r>
+              <a:rPr lang="en-NL" dirty="0" err="1"/>
+              <a:t>manieren</a:t>
+            </a:r>
+            <a:r>
+              <a:rPr lang="en-NL" dirty="0"/>
+              <a:t> van </a:t>
+            </a:r>
+            <a:r>
+              <a:rPr lang="en-NL" dirty="0" err="1"/>
+              <a:t>locatie</a:t>
+            </a:r>
+            <a:r>
+              <a:rPr lang="en-NL" dirty="0"/>
+              <a:t> </a:t>
+            </a:r>
+            <a:r>
+              <a:rPr lang="en-NL" dirty="0" err="1"/>
+              <a:t>bepaling</a:t>
+            </a:r>
+            <a:r>
+              <a:rPr lang="en-NL" dirty="0"/>
+              <a:t> </a:t>
+            </a:r>
+            <a:r>
+              <a:rPr lang="en-NL" dirty="0" err="1"/>
+              <a:t>gebruikt</a:t>
+            </a:r>
+            <a:r>
+              <a:rPr lang="en-NL" dirty="0"/>
+              <a:t> </a:t>
+            </a:r>
+            <a:r>
+              <a:rPr lang="en-NL" dirty="0" err="1"/>
+              <a:t>worden</a:t>
+            </a:r>
+            <a:r>
+              <a:rPr lang="en-NL" dirty="0"/>
+              <a:t>)</a:t>
+            </a:r>
+          </a:p>
+          <a:p>
+            <a:endParaRPr lang="en-NL" dirty="0"/>
+          </a:p>
+          <a:p>
+            <a:r>
+              <a:rPr lang="nl-NL" dirty="0"/>
+              <a:t>D</a:t>
+            </a:r>
+            <a:r>
+              <a:rPr lang="en-NL" dirty="0" err="1"/>
+              <a:t>ata</a:t>
+            </a:r>
+            <a:r>
+              <a:rPr lang="en-NL" dirty="0"/>
+              <a:t> </a:t>
+            </a:r>
+            <a:r>
+              <a:rPr lang="en-NL" dirty="0" err="1"/>
+              <a:t>opslaan</a:t>
+            </a:r>
+            <a:r>
+              <a:rPr lang="en-NL" dirty="0"/>
+              <a:t> op </a:t>
+            </a:r>
+            <a:r>
+              <a:rPr lang="en-NL" dirty="0" err="1"/>
+              <a:t>een</a:t>
+            </a:r>
+            <a:r>
+              <a:rPr lang="en-NL" dirty="0"/>
+              <a:t> </a:t>
+            </a:r>
+            <a:r>
+              <a:rPr lang="en-NL" dirty="0" err="1"/>
+              <a:t>sd</a:t>
+            </a:r>
+            <a:r>
+              <a:rPr lang="en-NL" dirty="0"/>
+              <a:t> </a:t>
+            </a:r>
+            <a:r>
+              <a:rPr lang="en-NL" dirty="0" err="1"/>
+              <a:t>kaart</a:t>
+            </a:r>
+            <a:r>
+              <a:rPr lang="en-NL" dirty="0"/>
+              <a:t> </a:t>
+            </a:r>
+            <a:r>
+              <a:rPr lang="en-NL" dirty="0" err="1"/>
+              <a:t>zoals</a:t>
+            </a:r>
+            <a:r>
+              <a:rPr lang="en-NL" dirty="0"/>
+              <a:t> </a:t>
+            </a:r>
+            <a:r>
+              <a:rPr lang="en-NL" dirty="0" err="1"/>
+              <a:t>waar</a:t>
+            </a:r>
+            <a:r>
+              <a:rPr lang="en-NL" dirty="0"/>
+              <a:t> </a:t>
+            </a:r>
+            <a:r>
+              <a:rPr lang="en-NL" dirty="0" err="1"/>
+              <a:t>deze</a:t>
+            </a:r>
+            <a:r>
+              <a:rPr lang="en-NL" dirty="0"/>
+              <a:t> is </a:t>
+            </a:r>
+            <a:r>
+              <a:rPr lang="en-NL" dirty="0" err="1"/>
+              <a:t>gebleven</a:t>
+            </a:r>
+            <a:r>
+              <a:rPr lang="en-NL" dirty="0"/>
+              <a:t> met </a:t>
+            </a:r>
+            <a:r>
+              <a:rPr lang="en-NL" dirty="0" err="1"/>
+              <a:t>printen</a:t>
+            </a:r>
+            <a:r>
+              <a:rPr lang="en-NL" dirty="0"/>
+              <a:t>.</a:t>
+            </a:r>
+          </a:p>
+          <a:p>
+            <a:r>
+              <a:rPr lang="nl-NL" dirty="0"/>
+              <a:t>D</a:t>
+            </a:r>
+            <a:r>
+              <a:rPr lang="en-NL" dirty="0"/>
+              <a:t>e files van </a:t>
+            </a:r>
+            <a:r>
+              <a:rPr lang="en-NL" dirty="0" err="1"/>
+              <a:t>een</a:t>
+            </a:r>
+            <a:r>
+              <a:rPr lang="en-NL" dirty="0"/>
+              <a:t> </a:t>
+            </a:r>
+            <a:r>
+              <a:rPr lang="en-NL" dirty="0" err="1"/>
+              <a:t>sd</a:t>
+            </a:r>
+            <a:r>
+              <a:rPr lang="en-NL" dirty="0"/>
+              <a:t> </a:t>
+            </a:r>
+            <a:r>
+              <a:rPr lang="en-NL" dirty="0" err="1"/>
+              <a:t>kaart</a:t>
+            </a:r>
+            <a:r>
+              <a:rPr lang="en-NL" dirty="0"/>
+              <a:t> </a:t>
+            </a:r>
+            <a:r>
+              <a:rPr lang="en-NL" dirty="0" err="1"/>
+              <a:t>aflezen</a:t>
+            </a:r>
+            <a:r>
+              <a:rPr lang="en-NL" dirty="0"/>
+              <a:t>.</a:t>
+            </a:r>
+            <a:endParaRPr lang="nl-NL" dirty="0"/>
+          </a:p>
+          <a:p>
+            <a:endParaRPr lang="nl-NL" dirty="0"/>
           </a:p>
         </p:txBody>
       </p:sp>
@@ -652,7 +981,7 @@
           <a:p>
             <a:fld id="{7F456FD9-521A-4E48-B277-6DB742BC5019}" type="slidenum">
               <a:rPr lang="nl-NL" smtClean="0"/>
-              <a:t>4</a:t>
+              <a:t>13</a:t>
             </a:fld>
             <a:endParaRPr lang="nl-NL"/>
           </a:p>
@@ -661,7 +990,115 @@
     </p:spTree>
     <p:extLst>
       <p:ext uri="{BB962C8B-B14F-4D97-AF65-F5344CB8AC3E}">
-        <p14:creationId xmlns:p14="http://schemas.microsoft.com/office/powerpoint/2010/main" val="2467563178"/>
+        <p14:creationId xmlns:p14="http://schemas.microsoft.com/office/powerpoint/2010/main" val="3394254308"/>
+      </p:ext>
+    </p:extLst>
+  </p:cSld>
+  <p:clrMapOvr>
+    <a:masterClrMapping/>
+  </p:clrMapOvr>
+</p:notes>
+</file>
+
+<file path=ppt/notesSlides/notesSlide2.xml><?xml version="1.0" encoding="utf-8"?>
+<p:notes xmlns:a="http://schemas.openxmlformats.org/drawingml/2006/main" xmlns:r="http://schemas.openxmlformats.org/officeDocument/2006/relationships" xmlns:p="http://schemas.openxmlformats.org/presentationml/2006/main">
+  <p:cSld>
+    <p:spTree>
+      <p:nvGrpSpPr>
+        <p:cNvPr id="1" name="">
+          <a:extLst>
+            <a:ext uri="{FF2B5EF4-FFF2-40B4-BE49-F238E27FC236}">
+              <a16:creationId xmlns:a16="http://schemas.microsoft.com/office/drawing/2014/main" id="{22851B25-B18A-0AED-7D39-6E54342EA4AF}"/>
+            </a:ext>
+          </a:extLst>
+        </p:cNvPr>
+        <p:cNvGrpSpPr/>
+        <p:nvPr/>
+      </p:nvGrpSpPr>
+      <p:grpSpPr>
+        <a:xfrm>
+          <a:off x="0" y="0"/>
+          <a:ext cx="0" cy="0"/>
+          <a:chOff x="0" y="0"/>
+          <a:chExt cx="0" cy="0"/>
+        </a:xfrm>
+      </p:grpSpPr>
+      <p:sp>
+        <p:nvSpPr>
+          <p:cNvPr id="2" name="Tijdelijke aanduiding voor dia-afbeelding 1">
+            <a:extLst>
+              <a:ext uri="{FF2B5EF4-FFF2-40B4-BE49-F238E27FC236}">
+                <a16:creationId xmlns:a16="http://schemas.microsoft.com/office/drawing/2014/main" id="{24EACE2E-1310-745D-5B53-F9151BD8A3D7}"/>
+              </a:ext>
+            </a:extLst>
+          </p:cNvPr>
+          <p:cNvSpPr>
+            <a:spLocks noGrp="1" noRot="1" noChangeAspect="1"/>
+          </p:cNvSpPr>
+          <p:nvPr>
+            <p:ph type="sldImg"/>
+          </p:nvPr>
+        </p:nvSpPr>
+        <p:spPr/>
+      </p:sp>
+      <p:sp>
+        <p:nvSpPr>
+          <p:cNvPr id="3" name="Tijdelijke aanduiding voor notities 2">
+            <a:extLst>
+              <a:ext uri="{FF2B5EF4-FFF2-40B4-BE49-F238E27FC236}">
+                <a16:creationId xmlns:a16="http://schemas.microsoft.com/office/drawing/2014/main" id="{DA00C334-3E81-8774-8521-A1DC756A798C}"/>
+              </a:ext>
+            </a:extLst>
+          </p:cNvPr>
+          <p:cNvSpPr>
+            <a:spLocks noGrp="1"/>
+          </p:cNvSpPr>
+          <p:nvPr>
+            <p:ph type="body" idx="1"/>
+          </p:nvPr>
+        </p:nvSpPr>
+        <p:spPr/>
+        <p:txBody>
+          <a:bodyPr/>
+          <a:lstStyle/>
+          <a:p>
+            <a:endParaRPr lang="nl-NL" dirty="0"/>
+          </a:p>
+        </p:txBody>
+      </p:sp>
+      <p:sp>
+        <p:nvSpPr>
+          <p:cNvPr id="4" name="Tijdelijke aanduiding voor dianummer 3">
+            <a:extLst>
+              <a:ext uri="{FF2B5EF4-FFF2-40B4-BE49-F238E27FC236}">
+                <a16:creationId xmlns:a16="http://schemas.microsoft.com/office/drawing/2014/main" id="{B838E3F3-710F-D0DD-4D18-3AA14844658E}"/>
+              </a:ext>
+            </a:extLst>
+          </p:cNvPr>
+          <p:cNvSpPr>
+            <a:spLocks noGrp="1"/>
+          </p:cNvSpPr>
+          <p:nvPr>
+            <p:ph type="sldNum" sz="quarter" idx="5"/>
+          </p:nvPr>
+        </p:nvSpPr>
+        <p:spPr/>
+        <p:txBody>
+          <a:bodyPr/>
+          <a:lstStyle/>
+          <a:p>
+            <a:fld id="{7F456FD9-521A-4E48-B277-6DB742BC5019}" type="slidenum">
+              <a:rPr lang="nl-NL" smtClean="0"/>
+              <a:t>2</a:t>
+            </a:fld>
+            <a:endParaRPr lang="nl-NL"/>
+          </a:p>
+        </p:txBody>
+      </p:sp>
+    </p:spTree>
+    <p:extLst>
+      <p:ext uri="{BB962C8B-B14F-4D97-AF65-F5344CB8AC3E}">
+        <p14:creationId xmlns:p14="http://schemas.microsoft.com/office/powerpoint/2010/main" val="2580179396"/>
       </p:ext>
     </p:extLst>
   </p:cSld>
@@ -676,7 +1113,13 @@
   <p:cSld>
     <p:spTree>
       <p:nvGrpSpPr>
-        <p:cNvPr id="1" name=""/>
+        <p:cNvPr id="1" name="">
+          <a:extLst>
+            <a:ext uri="{FF2B5EF4-FFF2-40B4-BE49-F238E27FC236}">
+              <a16:creationId xmlns:a16="http://schemas.microsoft.com/office/drawing/2014/main" id="{51457B5F-CC9E-A284-4A7A-0ABF0000A2C6}"/>
+            </a:ext>
+          </a:extLst>
+        </p:cNvPr>
         <p:cNvGrpSpPr/>
         <p:nvPr/>
       </p:nvGrpSpPr>
@@ -690,7 +1133,13 @@
       </p:grpSpPr>
       <p:sp>
         <p:nvSpPr>
-          <p:cNvPr id="2" name="Tijdelijke aanduiding voor dia-afbeelding 1"/>
+          <p:cNvPr id="2" name="Tijdelijke aanduiding voor dia-afbeelding 1">
+            <a:extLst>
+              <a:ext uri="{FF2B5EF4-FFF2-40B4-BE49-F238E27FC236}">
+                <a16:creationId xmlns:a16="http://schemas.microsoft.com/office/drawing/2014/main" id="{8520BE1A-8C1C-9B56-A369-9CC4169107A4}"/>
+              </a:ext>
+            </a:extLst>
+          </p:cNvPr>
           <p:cNvSpPr>
             <a:spLocks noGrp="1" noRot="1" noChangeAspect="1"/>
           </p:cNvSpPr>
@@ -702,7 +1151,13 @@
       </p:sp>
       <p:sp>
         <p:nvSpPr>
-          <p:cNvPr id="3" name="Tijdelijke aanduiding voor notities 2"/>
+          <p:cNvPr id="3" name="Tijdelijke aanduiding voor notities 2">
+            <a:extLst>
+              <a:ext uri="{FF2B5EF4-FFF2-40B4-BE49-F238E27FC236}">
+                <a16:creationId xmlns:a16="http://schemas.microsoft.com/office/drawing/2014/main" id="{E46CD6F2-F705-053E-E648-FCEF8BA53674}"/>
+              </a:ext>
+            </a:extLst>
+          </p:cNvPr>
           <p:cNvSpPr>
             <a:spLocks noGrp="1"/>
           </p:cNvSpPr>
@@ -717,20 +1172,49 @@
           <a:p>
             <a:r>
               <a:rPr lang="nl-NL" dirty="0"/>
-              <a:t>Hier is het systeem te zien dat er al was en wat er nu is</a:t>
+              <a:t>Sens2sea is klein leer bedrijf bevind zich in het gebouw van de RDM op de Heijplaat. Het bedrijf ontwikkeld radar technologie. Radars zijn apparaten die radiogolven uitzenden en dan terug ontvangen waardoor locatie, snelheid en richting bepaald kan worden van objecten. Het voordeel hierbij is dat radar deze objecten kan detecteren bij slechte weersomstandigheden en zichtbaarheid. Voor het verbeteren van een signaal gebruik je antennes. Deze zorgen voor bundeling van de golven waardoor er een beter beeld ontstaat.</a:t>
             </a:r>
           </a:p>
           <a:p>
             <a:r>
               <a:rPr lang="nl-NL" dirty="0"/>
-              <a:t>Er is te zien dat het regel systeem input krijgt waardoor de nauwkeurigheid gewaarborgd blijft.</a:t>
-            </a:r>
-          </a:p>
-        </p:txBody>
-      </p:sp>
-      <p:sp>
-        <p:nvSpPr>
-          <p:cNvPr id="4" name="Tijdelijke aanduiding voor dianummer 3"/>
+              <a:t>Sens2sea is sinds kort bezig met </a:t>
+            </a:r>
+            <a:r>
+              <a:rPr lang="nl-NL" dirty="0" err="1"/>
+              <a:t>fmcw</a:t>
+            </a:r>
+            <a:r>
+              <a:rPr lang="nl-NL" dirty="0"/>
+              <a:t> (frequentie </a:t>
+            </a:r>
+            <a:r>
+              <a:rPr lang="nl-NL" dirty="0" err="1"/>
+              <a:t>modulated</a:t>
+            </a:r>
+            <a:r>
+              <a:rPr lang="nl-NL" dirty="0"/>
+              <a:t> constant wave) radar. Dit is een manier van radar gebruiken waardoor er grotere nauwkeurigheid verkregen kan worden in draaibeweging van de radar. Hiervoor zijn parabool antennes nodig in eigen maten. Deze antennes worden in fabrieken met een mal op standaard maten gemaakt, waardoor de prijs omlaag gaat. Sens2sea heeft deze antennes in eigen maten nodig waardoor er een nieuwe mal gemaakt zou moeten worden, en dit is duur. </a:t>
+            </a:r>
+            <a:endParaRPr lang="en-NL" dirty="0"/>
+          </a:p>
+          <a:p>
+            <a:endParaRPr lang="en-NL" dirty="0"/>
+          </a:p>
+          <a:p>
+            <a:endParaRPr lang="nl-NL" dirty="0"/>
+          </a:p>
+        </p:txBody>
+      </p:sp>
+      <p:sp>
+        <p:nvSpPr>
+          <p:cNvPr id="4" name="Tijdelijke aanduiding voor dianummer 3">
+            <a:extLst>
+              <a:ext uri="{FF2B5EF4-FFF2-40B4-BE49-F238E27FC236}">
+                <a16:creationId xmlns:a16="http://schemas.microsoft.com/office/drawing/2014/main" id="{D1F0C909-25ED-BA49-ED9C-BA29BBECC777}"/>
+              </a:ext>
+            </a:extLst>
+          </p:cNvPr>
           <p:cNvSpPr>
             <a:spLocks noGrp="1"/>
           </p:cNvSpPr>
@@ -745,7 +1229,7 @@
           <a:p>
             <a:fld id="{7F456FD9-521A-4E48-B277-6DB742BC5019}" type="slidenum">
               <a:rPr lang="nl-NL" smtClean="0"/>
-              <a:t>5</a:t>
+              <a:t>4</a:t>
             </a:fld>
             <a:endParaRPr lang="nl-NL"/>
           </a:p>
@@ -754,7 +1238,7 @@
     </p:spTree>
     <p:extLst>
       <p:ext uri="{BB962C8B-B14F-4D97-AF65-F5344CB8AC3E}">
-        <p14:creationId xmlns:p14="http://schemas.microsoft.com/office/powerpoint/2010/main" val="860948573"/>
+        <p14:creationId xmlns:p14="http://schemas.microsoft.com/office/powerpoint/2010/main" val="1120562752"/>
       </p:ext>
     </p:extLst>
   </p:cSld>
@@ -810,16 +1294,453 @@
           <a:p>
             <a:r>
               <a:rPr lang="nl-NL" dirty="0"/>
-              <a:t>Voor de software heb ik meerdere commando’s </a:t>
-            </a:r>
-            <a:r>
-              <a:rPr lang="nl-NL" dirty="0" err="1"/>
-              <a:t>geimplementeerd</a:t>
+              <a:t>Hierom wilt sens2sea zelf de antennes fabriceren doormiddel van 3d printen</a:t>
+            </a:r>
+            <a:r>
+              <a:rPr lang="en-NL" dirty="0"/>
+              <a:t> </a:t>
+            </a:r>
+            <a:r>
+              <a:rPr lang="en-NL" dirty="0" err="1"/>
+              <a:t>en</a:t>
+            </a:r>
+            <a:r>
+              <a:rPr lang="en-NL" dirty="0"/>
+              <a:t> </a:t>
+            </a:r>
+            <a:r>
+              <a:rPr lang="en-NL" dirty="0" err="1"/>
+              <a:t>snijden</a:t>
             </a:r>
             <a:r>
               <a:rPr lang="nl-NL" dirty="0"/>
-              <a:t>. $?, G1, G0, G2, G3. Voor deze </a:t>
-            </a:r>
+              <a:t>. er zijn al testen mee gedaan door de radar op te splitsen in kleine onderdelen. Dit werkt, alleen kan de vorm anders worden tijdens het hechten van de onderdelen. Dus wilt Sens2sea de antenne in 1 keer fabriceren. </a:t>
+            </a:r>
+            <a:endParaRPr lang="en-NL" dirty="0"/>
+          </a:p>
+          <a:p>
+            <a:endParaRPr lang="en-NL" dirty="0"/>
+          </a:p>
+          <a:p>
+            <a:r>
+              <a:rPr lang="en-NL" dirty="0"/>
+              <a:t>Om </a:t>
+            </a:r>
+            <a:r>
+              <a:rPr lang="en-NL" dirty="0" err="1"/>
+              <a:t>dit</a:t>
+            </a:r>
+            <a:r>
+              <a:rPr lang="en-NL" dirty="0"/>
+              <a:t> </a:t>
+            </a:r>
+            <a:r>
+              <a:rPr lang="en-NL" dirty="0" err="1"/>
+              <a:t>te</a:t>
+            </a:r>
+            <a:r>
+              <a:rPr lang="en-NL" dirty="0"/>
+              <a:t> </a:t>
+            </a:r>
+            <a:r>
+              <a:rPr lang="en-NL" dirty="0" err="1"/>
+              <a:t>maken</a:t>
+            </a:r>
+            <a:r>
+              <a:rPr lang="en-NL" dirty="0"/>
+              <a:t> </a:t>
+            </a:r>
+            <a:r>
+              <a:rPr lang="en-NL" dirty="0" err="1"/>
+              <a:t>zijn</a:t>
+            </a:r>
+            <a:r>
+              <a:rPr lang="en-NL" dirty="0"/>
+              <a:t> er opensource </a:t>
+            </a:r>
+            <a:r>
+              <a:rPr lang="en-NL" dirty="0" err="1"/>
+              <a:t>oplossingen</a:t>
+            </a:r>
+            <a:r>
+              <a:rPr lang="en-NL" dirty="0"/>
+              <a:t> </a:t>
+            </a:r>
+            <a:r>
+              <a:rPr lang="en-NL" dirty="0" err="1"/>
+              <a:t>zoals</a:t>
+            </a:r>
+            <a:r>
+              <a:rPr lang="en-NL" dirty="0"/>
+              <a:t> GRBL.</a:t>
+            </a:r>
+            <a:r>
+              <a:rPr lang="nl-NL" dirty="0"/>
+              <a:t> </a:t>
+            </a:r>
+            <a:r>
+              <a:rPr lang="en-NL" dirty="0" err="1"/>
+              <a:t>Helaas</a:t>
+            </a:r>
+            <a:r>
+              <a:rPr lang="en-NL" dirty="0"/>
+              <a:t> </a:t>
+            </a:r>
+            <a:r>
+              <a:rPr lang="en-NL" dirty="0" err="1"/>
+              <a:t>zijn</a:t>
+            </a:r>
+            <a:r>
+              <a:rPr lang="en-NL" dirty="0"/>
+              <a:t> </a:t>
+            </a:r>
+            <a:r>
+              <a:rPr lang="en-NL" dirty="0" err="1"/>
+              <a:t>deze</a:t>
+            </a:r>
+            <a:r>
+              <a:rPr lang="en-NL" dirty="0"/>
+              <a:t> </a:t>
+            </a:r>
+            <a:r>
+              <a:rPr lang="en-NL" dirty="0" err="1"/>
+              <a:t>freesmachines</a:t>
+            </a:r>
+            <a:r>
+              <a:rPr lang="en-NL" dirty="0"/>
+              <a:t> </a:t>
+            </a:r>
+            <a:r>
+              <a:rPr lang="en-NL" dirty="0" err="1"/>
+              <a:t>niet</a:t>
+            </a:r>
+            <a:r>
+              <a:rPr lang="en-NL" dirty="0"/>
+              <a:t> </a:t>
+            </a:r>
+            <a:r>
+              <a:rPr lang="en-NL" dirty="0" err="1"/>
+              <a:t>aan</a:t>
+            </a:r>
+            <a:r>
+              <a:rPr lang="en-NL" dirty="0"/>
+              <a:t> </a:t>
+            </a:r>
+            <a:r>
+              <a:rPr lang="en-NL" dirty="0" err="1"/>
+              <a:t>te</a:t>
+            </a:r>
+            <a:r>
+              <a:rPr lang="en-NL" dirty="0"/>
+              <a:t> </a:t>
+            </a:r>
+            <a:r>
+              <a:rPr lang="en-NL" dirty="0" err="1"/>
+              <a:t>passen</a:t>
+            </a:r>
+            <a:r>
+              <a:rPr lang="en-NL" dirty="0"/>
+              <a:t> </a:t>
+            </a:r>
+            <a:r>
+              <a:rPr lang="en-NL" dirty="0" err="1"/>
+              <a:t>naar</a:t>
+            </a:r>
+            <a:r>
+              <a:rPr lang="en-NL" dirty="0"/>
+              <a:t> de </a:t>
+            </a:r>
+            <a:r>
+              <a:rPr lang="en-NL" dirty="0" err="1"/>
+              <a:t>wensen</a:t>
+            </a:r>
+            <a:r>
+              <a:rPr lang="en-NL" dirty="0"/>
+              <a:t> van het </a:t>
+            </a:r>
+            <a:r>
+              <a:rPr lang="en-NL" dirty="0" err="1"/>
+              <a:t>bedrijf</a:t>
+            </a:r>
+            <a:r>
+              <a:rPr lang="en-NL" dirty="0"/>
+              <a:t>. </a:t>
+            </a:r>
+            <a:r>
+              <a:rPr lang="en-NL" dirty="0" err="1"/>
+              <a:t>Hiervan</a:t>
+            </a:r>
+            <a:r>
+              <a:rPr lang="en-NL" dirty="0"/>
+              <a:t> is nu de </a:t>
+            </a:r>
+            <a:r>
+              <a:rPr lang="en-NL" dirty="0" err="1"/>
+              <a:t>belangrijkste</a:t>
+            </a:r>
+            <a:r>
+              <a:rPr lang="en-NL" dirty="0"/>
+              <a:t> </a:t>
+            </a:r>
+            <a:r>
+              <a:rPr lang="en-NL" dirty="0" err="1"/>
+              <a:t>dat</a:t>
+            </a:r>
+            <a:r>
+              <a:rPr lang="en-NL" dirty="0"/>
+              <a:t> de </a:t>
+            </a:r>
+            <a:r>
+              <a:rPr lang="en-NL" dirty="0" err="1"/>
+              <a:t>locatie</a:t>
+            </a:r>
+            <a:r>
+              <a:rPr lang="en-NL" dirty="0"/>
+              <a:t> </a:t>
+            </a:r>
+            <a:r>
+              <a:rPr lang="en-NL" dirty="0" err="1"/>
+              <a:t>bepaling</a:t>
+            </a:r>
+            <a:r>
+              <a:rPr lang="en-NL" dirty="0"/>
+              <a:t> </a:t>
+            </a:r>
+            <a:r>
+              <a:rPr lang="en-NL" dirty="0" err="1"/>
+              <a:t>en</a:t>
+            </a:r>
+            <a:r>
+              <a:rPr lang="en-NL" dirty="0"/>
+              <a:t> </a:t>
+            </a:r>
+            <a:r>
+              <a:rPr lang="en-NL" dirty="0" err="1"/>
+              <a:t>aansturing</a:t>
+            </a:r>
+            <a:r>
+              <a:rPr lang="en-NL" dirty="0"/>
+              <a:t> </a:t>
+            </a:r>
+            <a:r>
+              <a:rPr lang="en-NL" dirty="0" err="1"/>
+              <a:t>gescheiden</a:t>
+            </a:r>
+            <a:r>
+              <a:rPr lang="en-NL" dirty="0"/>
+              <a:t> </a:t>
+            </a:r>
+            <a:r>
+              <a:rPr lang="en-NL" dirty="0" err="1"/>
+              <a:t>moet</a:t>
+            </a:r>
+            <a:r>
+              <a:rPr lang="en-NL" dirty="0"/>
+              <a:t> </a:t>
+            </a:r>
+            <a:r>
+              <a:rPr lang="en-NL" dirty="0" err="1"/>
+              <a:t>worden</a:t>
+            </a:r>
+            <a:r>
+              <a:rPr lang="nl-NL" dirty="0"/>
+              <a:t>.</a:t>
+            </a:r>
+            <a:r>
+              <a:rPr lang="en-NL" dirty="0"/>
+              <a:t> Verder </a:t>
+            </a:r>
+            <a:r>
+              <a:rPr lang="en-NL" dirty="0" err="1"/>
+              <a:t>zijn</a:t>
+            </a:r>
+            <a:r>
+              <a:rPr lang="en-NL" dirty="0"/>
+              <a:t> er later </a:t>
+            </a:r>
+            <a:r>
+              <a:rPr lang="en-NL" dirty="0" err="1"/>
+              <a:t>wensen</a:t>
+            </a:r>
+            <a:r>
+              <a:rPr lang="en-NL" dirty="0"/>
+              <a:t> om de machine </a:t>
+            </a:r>
+            <a:r>
+              <a:rPr lang="en-NL" dirty="0" err="1"/>
+              <a:t>te</a:t>
+            </a:r>
+            <a:r>
+              <a:rPr lang="en-NL" dirty="0"/>
+              <a:t> laten </a:t>
+            </a:r>
+            <a:r>
+              <a:rPr lang="en-NL" dirty="0" err="1"/>
+              <a:t>printen</a:t>
+            </a:r>
+            <a:r>
+              <a:rPr lang="en-NL" dirty="0"/>
+              <a:t> </a:t>
+            </a:r>
+            <a:r>
+              <a:rPr lang="en-NL" dirty="0" err="1"/>
+              <a:t>en</a:t>
+            </a:r>
+            <a:r>
+              <a:rPr lang="en-NL" dirty="0"/>
+              <a:t> </a:t>
+            </a:r>
+            <a:r>
+              <a:rPr lang="en-NL" dirty="0" err="1"/>
+              <a:t>freesen</a:t>
+            </a:r>
+            <a:r>
+              <a:rPr lang="en-NL" dirty="0"/>
+              <a:t>, 5 assig </a:t>
+            </a:r>
+            <a:r>
+              <a:rPr lang="en-NL" dirty="0" err="1"/>
+              <a:t>te</a:t>
+            </a:r>
+            <a:r>
+              <a:rPr lang="en-NL" dirty="0"/>
+              <a:t> </a:t>
+            </a:r>
+            <a:r>
+              <a:rPr lang="en-NL" dirty="0" err="1"/>
+              <a:t>maken</a:t>
+            </a:r>
+            <a:r>
+              <a:rPr lang="en-NL" dirty="0"/>
+              <a:t> </a:t>
+            </a:r>
+            <a:r>
+              <a:rPr lang="en-NL" dirty="0" err="1"/>
+              <a:t>en</a:t>
+            </a:r>
+            <a:r>
+              <a:rPr lang="en-NL" dirty="0"/>
+              <a:t> </a:t>
+            </a:r>
+            <a:r>
+              <a:rPr lang="en-NL" dirty="0" err="1"/>
+              <a:t>sensoren</a:t>
+            </a:r>
+            <a:r>
+              <a:rPr lang="en-NL" dirty="0"/>
+              <a:t> </a:t>
+            </a:r>
+            <a:r>
+              <a:rPr lang="en-NL" dirty="0" err="1"/>
+              <a:t>kunnen</a:t>
+            </a:r>
+            <a:r>
+              <a:rPr lang="en-NL" dirty="0"/>
+              <a:t> </a:t>
+            </a:r>
+            <a:r>
+              <a:rPr lang="en-NL" dirty="0" err="1"/>
+              <a:t>verwisselen</a:t>
+            </a:r>
+            <a:r>
+              <a:rPr lang="nl-NL" dirty="0"/>
+              <a:t>.</a:t>
+            </a:r>
+            <a:r>
+              <a:rPr lang="en-NL" dirty="0"/>
+              <a:t> </a:t>
+            </a:r>
+            <a:r>
+              <a:rPr lang="en-NL" dirty="0" err="1"/>
+              <a:t>Hierdoor</a:t>
+            </a:r>
+            <a:r>
+              <a:rPr lang="en-NL" dirty="0"/>
+              <a:t> is het </a:t>
+            </a:r>
+            <a:r>
+              <a:rPr lang="en-NL" dirty="0" err="1"/>
+              <a:t>belangrijk</a:t>
+            </a:r>
+            <a:r>
+              <a:rPr lang="en-NL" dirty="0"/>
+              <a:t> </a:t>
+            </a:r>
+            <a:r>
+              <a:rPr lang="en-NL" dirty="0" err="1"/>
+              <a:t>dat</a:t>
+            </a:r>
+            <a:r>
+              <a:rPr lang="en-NL" dirty="0"/>
+              <a:t> de </a:t>
+            </a:r>
+            <a:r>
+              <a:rPr lang="en-NL" dirty="0" err="1"/>
+              <a:t>oplossing</a:t>
+            </a:r>
+            <a:r>
+              <a:rPr lang="en-NL" dirty="0"/>
+              <a:t> </a:t>
+            </a:r>
+            <a:r>
+              <a:rPr lang="en-NL" dirty="0" err="1"/>
+              <a:t>modulair</a:t>
+            </a:r>
+            <a:r>
+              <a:rPr lang="en-NL" dirty="0"/>
+              <a:t> </a:t>
+            </a:r>
+            <a:r>
+              <a:rPr lang="en-NL" dirty="0" err="1"/>
+              <a:t>wordt</a:t>
+            </a:r>
+            <a:r>
+              <a:rPr lang="en-NL" dirty="0"/>
+              <a:t> </a:t>
+            </a:r>
+            <a:r>
+              <a:rPr lang="en-NL" dirty="0" err="1"/>
+              <a:t>en</a:t>
+            </a:r>
+            <a:r>
+              <a:rPr lang="en-NL" dirty="0"/>
+              <a:t> </a:t>
+            </a:r>
+            <a:r>
+              <a:rPr lang="en-NL" dirty="0" err="1"/>
+              <a:t>zijn</a:t>
+            </a:r>
+            <a:r>
+              <a:rPr lang="en-NL" dirty="0"/>
+              <a:t> de opensource </a:t>
+            </a:r>
+            <a:r>
+              <a:rPr lang="en-NL" dirty="0" err="1"/>
+              <a:t>oplossingen</a:t>
+            </a:r>
+            <a:r>
+              <a:rPr lang="en-NL" dirty="0"/>
+              <a:t> </a:t>
+            </a:r>
+            <a:r>
+              <a:rPr lang="en-NL" dirty="0" err="1"/>
+              <a:t>niet</a:t>
+            </a:r>
+            <a:r>
+              <a:rPr lang="en-NL" dirty="0"/>
+              <a:t> </a:t>
+            </a:r>
+            <a:r>
+              <a:rPr lang="en-NL" dirty="0" err="1"/>
+              <a:t>genoeg</a:t>
+            </a:r>
+            <a:r>
+              <a:rPr lang="en-NL" dirty="0"/>
+              <a:t>.</a:t>
+            </a:r>
+          </a:p>
+          <a:p>
+            <a:endParaRPr lang="en-NL" dirty="0"/>
           </a:p>
         </p:txBody>
       </p:sp>
@@ -840,7 +1761,7 @@
           <a:p>
             <a:fld id="{7F456FD9-521A-4E48-B277-6DB742BC5019}" type="slidenum">
               <a:rPr lang="nl-NL" smtClean="0"/>
-              <a:t>7</a:t>
+              <a:t>5</a:t>
             </a:fld>
             <a:endParaRPr lang="nl-NL"/>
           </a:p>
@@ -849,7 +1770,7 @@
     </p:spTree>
     <p:extLst>
       <p:ext uri="{BB962C8B-B14F-4D97-AF65-F5344CB8AC3E}">
-        <p14:creationId xmlns:p14="http://schemas.microsoft.com/office/powerpoint/2010/main" val="558310822"/>
+        <p14:creationId xmlns:p14="http://schemas.microsoft.com/office/powerpoint/2010/main" val="2467563178"/>
       </p:ext>
     </p:extLst>
   </p:cSld>
@@ -904,8 +1825,604 @@
           <a:lstStyle/>
           <a:p>
             <a:r>
+              <a:rPr lang="en-NL" dirty="0" err="1"/>
+              <a:t>Mijn</a:t>
+            </a:r>
+            <a:r>
+              <a:rPr lang="en-NL" dirty="0"/>
+              <a:t> </a:t>
+            </a:r>
+            <a:r>
+              <a:rPr lang="en-NL" dirty="0" err="1"/>
+              <a:t>opdracht</a:t>
+            </a:r>
+            <a:r>
+              <a:rPr lang="en-NL" dirty="0"/>
+              <a:t> is om de </a:t>
+            </a:r>
+            <a:r>
+              <a:rPr lang="en-NL" dirty="0" err="1"/>
+              <a:t>aansturing</a:t>
+            </a:r>
+            <a:r>
+              <a:rPr lang="en-NL" dirty="0"/>
+              <a:t> </a:t>
+            </a:r>
+            <a:r>
+              <a:rPr lang="en-NL" dirty="0" err="1"/>
+              <a:t>en</a:t>
+            </a:r>
+            <a:r>
+              <a:rPr lang="en-NL" dirty="0"/>
+              <a:t> de </a:t>
+            </a:r>
+            <a:r>
+              <a:rPr lang="en-NL" dirty="0" err="1"/>
+              <a:t>locatie</a:t>
+            </a:r>
+            <a:r>
+              <a:rPr lang="en-NL" dirty="0"/>
+              <a:t> </a:t>
+            </a:r>
+            <a:r>
+              <a:rPr lang="en-NL" dirty="0" err="1"/>
+              <a:t>bepaling</a:t>
+            </a:r>
+            <a:r>
+              <a:rPr lang="en-NL" dirty="0"/>
+              <a:t> </a:t>
+            </a:r>
+            <a:r>
+              <a:rPr lang="en-NL" dirty="0" err="1"/>
+              <a:t>te</a:t>
+            </a:r>
+            <a:r>
+              <a:rPr lang="en-NL" dirty="0"/>
+              <a:t> </a:t>
+            </a:r>
+            <a:r>
+              <a:rPr lang="en-NL" dirty="0" err="1"/>
+              <a:t>scheiden</a:t>
+            </a:r>
+            <a:r>
+              <a:rPr lang="en-NL" dirty="0"/>
+              <a:t>.</a:t>
+            </a:r>
+          </a:p>
+          <a:p>
+            <a:endParaRPr lang="en-NL" dirty="0"/>
+          </a:p>
+          <a:p>
+            <a:r>
               <a:rPr lang="nl-NL" dirty="0"/>
-              <a:t>Als sensor om te gebruiken voor de locatie bepaling is een incrementele encoder naar voren gekomen. Omdat deze relatief goedkoop zijn tegenover de andere varianten en genoeg nauwkeurigheid boden voor het prototype. Deze encoder word uitgelezen door de microcontroller</a:t>
+              <a:t>H</a:t>
+            </a:r>
+            <a:r>
+              <a:rPr lang="en-NL" dirty="0" err="1"/>
+              <a:t>ier</a:t>
+            </a:r>
+            <a:r>
+              <a:rPr lang="en-NL" dirty="0"/>
+              <a:t> is </a:t>
+            </a:r>
+            <a:r>
+              <a:rPr lang="en-NL" dirty="0" err="1"/>
+              <a:t>een</a:t>
+            </a:r>
+            <a:r>
+              <a:rPr lang="en-NL" dirty="0"/>
+              <a:t> </a:t>
+            </a:r>
+            <a:r>
+              <a:rPr lang="en-NL" dirty="0" err="1"/>
+              <a:t>plaatje</a:t>
+            </a:r>
+            <a:r>
+              <a:rPr lang="en-NL" dirty="0"/>
+              <a:t> met de </a:t>
+            </a:r>
+            <a:r>
+              <a:rPr lang="en-NL" dirty="0" err="1"/>
+              <a:t>oude</a:t>
+            </a:r>
+            <a:r>
+              <a:rPr lang="en-NL" dirty="0"/>
+              <a:t> </a:t>
+            </a:r>
+            <a:r>
+              <a:rPr lang="en-NL" dirty="0" err="1"/>
+              <a:t>en</a:t>
+            </a:r>
+            <a:r>
+              <a:rPr lang="en-NL" dirty="0"/>
+              <a:t> </a:t>
+            </a:r>
+            <a:r>
+              <a:rPr lang="en-NL" dirty="0" err="1"/>
+              <a:t>nieuwe</a:t>
+            </a:r>
+            <a:r>
+              <a:rPr lang="en-NL" dirty="0"/>
+              <a:t> </a:t>
+            </a:r>
+            <a:r>
+              <a:rPr lang="en-NL" dirty="0" err="1"/>
+              <a:t>situatie</a:t>
+            </a:r>
+            <a:r>
+              <a:rPr lang="en-NL" dirty="0"/>
+              <a:t>.</a:t>
+            </a:r>
+          </a:p>
+          <a:p>
+            <a:r>
+              <a:rPr lang="en-NL" dirty="0"/>
+              <a:t>De </a:t>
+            </a:r>
+            <a:r>
+              <a:rPr lang="en-NL" dirty="0" err="1"/>
+              <a:t>oude</a:t>
+            </a:r>
+            <a:r>
+              <a:rPr lang="en-NL" dirty="0"/>
+              <a:t> </a:t>
+            </a:r>
+            <a:r>
+              <a:rPr lang="en-NL" dirty="0" err="1"/>
+              <a:t>situatie</a:t>
+            </a:r>
+            <a:r>
+              <a:rPr lang="en-NL" dirty="0"/>
+              <a:t> is </a:t>
+            </a:r>
+            <a:r>
+              <a:rPr lang="en-NL" dirty="0" err="1"/>
+              <a:t>gebaseerd</a:t>
+            </a:r>
+            <a:r>
+              <a:rPr lang="en-NL" dirty="0"/>
+              <a:t> op GRBL die </a:t>
+            </a:r>
+            <a:r>
+              <a:rPr lang="en-NL" dirty="0" err="1"/>
+              <a:t>alleen</a:t>
+            </a:r>
+            <a:r>
+              <a:rPr lang="en-NL" dirty="0"/>
+              <a:t> de </a:t>
+            </a:r>
+            <a:r>
+              <a:rPr lang="en-NL" dirty="0" err="1"/>
+              <a:t>actuatoren</a:t>
+            </a:r>
+            <a:r>
+              <a:rPr lang="en-NL" dirty="0"/>
+              <a:t> </a:t>
+            </a:r>
+            <a:r>
+              <a:rPr lang="en-NL" dirty="0" err="1"/>
+              <a:t>aansturen</a:t>
+            </a:r>
+            <a:r>
+              <a:rPr lang="en-NL" dirty="0"/>
+              <a:t>.</a:t>
+            </a:r>
+          </a:p>
+          <a:p>
+            <a:r>
+              <a:rPr lang="en-NL" dirty="0"/>
+              <a:t>Er is </a:t>
+            </a:r>
+            <a:r>
+              <a:rPr lang="en-NL" dirty="0" err="1"/>
+              <a:t>te</a:t>
+            </a:r>
+            <a:r>
+              <a:rPr lang="en-NL" dirty="0"/>
+              <a:t> </a:t>
+            </a:r>
+            <a:r>
+              <a:rPr lang="en-NL" dirty="0" err="1"/>
+              <a:t>zien</a:t>
+            </a:r>
+            <a:r>
+              <a:rPr lang="en-NL" dirty="0"/>
+              <a:t> </a:t>
+            </a:r>
+            <a:r>
+              <a:rPr lang="en-NL" dirty="0" err="1"/>
+              <a:t>dat</a:t>
+            </a:r>
+            <a:r>
+              <a:rPr lang="en-NL" dirty="0"/>
+              <a:t> er </a:t>
+            </a:r>
+            <a:r>
+              <a:rPr lang="en-NL" dirty="0" err="1"/>
+              <a:t>een</a:t>
+            </a:r>
+            <a:r>
+              <a:rPr lang="en-NL" dirty="0"/>
+              <a:t> circle </a:t>
+            </a:r>
+            <a:r>
+              <a:rPr lang="en-NL" dirty="0" err="1"/>
+              <a:t>ontstaat</a:t>
+            </a:r>
+            <a:r>
+              <a:rPr lang="en-NL" dirty="0"/>
+              <a:t> </a:t>
+            </a:r>
+            <a:r>
+              <a:rPr lang="en-NL" dirty="0" err="1"/>
+              <a:t>bij</a:t>
+            </a:r>
+            <a:r>
+              <a:rPr lang="en-NL" dirty="0"/>
+              <a:t> de </a:t>
+            </a:r>
+            <a:r>
+              <a:rPr lang="en-NL" dirty="0" err="1"/>
+              <a:t>nieuwe</a:t>
+            </a:r>
+            <a:r>
+              <a:rPr lang="en-NL" dirty="0"/>
+              <a:t> </a:t>
+            </a:r>
+            <a:r>
+              <a:rPr lang="en-NL" dirty="0" err="1"/>
+              <a:t>situatie</a:t>
+            </a:r>
+            <a:r>
+              <a:rPr lang="en-NL" dirty="0"/>
+              <a:t> </a:t>
+            </a:r>
+            <a:r>
+              <a:rPr lang="en-NL" dirty="0" err="1"/>
+              <a:t>en</a:t>
+            </a:r>
+            <a:r>
+              <a:rPr lang="en-NL" dirty="0"/>
+              <a:t> </a:t>
+            </a:r>
+            <a:r>
+              <a:rPr lang="en-NL" dirty="0" err="1"/>
+              <a:t>dat</a:t>
+            </a:r>
+            <a:r>
+              <a:rPr lang="en-NL" dirty="0"/>
+              <a:t> de </a:t>
+            </a:r>
+            <a:r>
+              <a:rPr lang="en-NL" dirty="0" err="1"/>
+              <a:t>beweging</a:t>
+            </a:r>
+            <a:r>
+              <a:rPr lang="en-NL" dirty="0"/>
+              <a:t> van de </a:t>
+            </a:r>
+            <a:r>
+              <a:rPr lang="en-NL" dirty="0" err="1"/>
+              <a:t>motoren</a:t>
+            </a:r>
+            <a:r>
+              <a:rPr lang="en-NL" dirty="0"/>
+              <a:t> </a:t>
+            </a:r>
+            <a:r>
+              <a:rPr lang="en-NL" dirty="0" err="1"/>
+              <a:t>i</a:t>
+            </a:r>
+            <a:r>
+              <a:rPr lang="nl-NL" dirty="0"/>
+              <a:t>m</a:t>
+            </a:r>
+            <a:r>
+              <a:rPr lang="en-NL" dirty="0"/>
+              <a:t>pact </a:t>
+            </a:r>
+            <a:r>
+              <a:rPr lang="en-NL" dirty="0" err="1"/>
+              <a:t>hebben</a:t>
+            </a:r>
+            <a:r>
+              <a:rPr lang="en-NL" dirty="0"/>
+              <a:t> op de </a:t>
+            </a:r>
+            <a:r>
+              <a:rPr lang="en-NL" dirty="0" err="1"/>
+              <a:t>bewegingen</a:t>
+            </a:r>
+            <a:r>
+              <a:rPr lang="en-NL" dirty="0"/>
+              <a:t> die </a:t>
+            </a:r>
+            <a:r>
+              <a:rPr lang="en-NL" dirty="0" err="1"/>
+              <a:t>verstuurd</a:t>
+            </a:r>
+            <a:r>
+              <a:rPr lang="en-NL" dirty="0"/>
+              <a:t> </a:t>
+            </a:r>
+            <a:r>
+              <a:rPr lang="en-NL" dirty="0" err="1"/>
+              <a:t>zullen</a:t>
+            </a:r>
+            <a:r>
+              <a:rPr lang="en-NL" dirty="0"/>
+              <a:t> </a:t>
+            </a:r>
+            <a:r>
+              <a:rPr lang="en-NL" dirty="0" err="1"/>
+              <a:t>worden</a:t>
+            </a:r>
+            <a:r>
+              <a:rPr lang="en-NL" dirty="0"/>
+              <a:t>.</a:t>
+            </a:r>
+          </a:p>
+          <a:p>
+            <a:endParaRPr lang="en-NL" dirty="0"/>
+          </a:p>
+          <a:p>
+            <a:r>
+              <a:rPr lang="en-NL" dirty="0"/>
+              <a:t>Bij </a:t>
+            </a:r>
+            <a:r>
+              <a:rPr lang="en-NL" dirty="0" err="1"/>
+              <a:t>deze</a:t>
+            </a:r>
+            <a:r>
+              <a:rPr lang="en-NL" dirty="0"/>
+              <a:t> </a:t>
+            </a:r>
+            <a:r>
+              <a:rPr lang="en-NL" dirty="0" err="1"/>
+              <a:t>opdracht</a:t>
+            </a:r>
+            <a:r>
+              <a:rPr lang="en-NL" dirty="0"/>
+              <a:t> is </a:t>
+            </a:r>
+            <a:r>
+              <a:rPr lang="en-NL" dirty="0" err="1"/>
+              <a:t>belangrijk</a:t>
+            </a:r>
+            <a:r>
+              <a:rPr lang="en-NL" dirty="0"/>
+              <a:t> </a:t>
+            </a:r>
+            <a:r>
+              <a:rPr lang="en-NL" dirty="0" err="1"/>
+              <a:t>dat</a:t>
+            </a:r>
+            <a:r>
+              <a:rPr lang="en-NL" dirty="0"/>
+              <a:t>:</a:t>
+            </a:r>
+          </a:p>
+          <a:p>
+            <a:r>
+              <a:rPr lang="en-NL" dirty="0"/>
+              <a:t>de </a:t>
+            </a:r>
+            <a:r>
+              <a:rPr lang="en-NL" dirty="0" err="1"/>
+              <a:t>locatie</a:t>
+            </a:r>
+            <a:r>
+              <a:rPr lang="en-NL" dirty="0"/>
+              <a:t> van de </a:t>
+            </a:r>
+            <a:r>
+              <a:rPr lang="en-NL" dirty="0" err="1"/>
+              <a:t>snijkop</a:t>
+            </a:r>
+            <a:r>
+              <a:rPr lang="en-NL" dirty="0"/>
+              <a:t> </a:t>
+            </a:r>
+            <a:r>
+              <a:rPr lang="en-NL" dirty="0" err="1"/>
+              <a:t>bepaald</a:t>
+            </a:r>
+            <a:r>
+              <a:rPr lang="en-NL" dirty="0"/>
+              <a:t> </a:t>
+            </a:r>
+            <a:r>
+              <a:rPr lang="en-NL" dirty="0" err="1"/>
+              <a:t>kan</a:t>
+            </a:r>
+            <a:r>
+              <a:rPr lang="en-NL" dirty="0"/>
+              <a:t> </a:t>
+            </a:r>
+            <a:r>
+              <a:rPr lang="en-NL" dirty="0" err="1"/>
+              <a:t>worden</a:t>
+            </a:r>
+            <a:r>
+              <a:rPr lang="en-NL" dirty="0"/>
+              <a:t> door </a:t>
+            </a:r>
+            <a:r>
+              <a:rPr lang="en-NL" dirty="0" err="1"/>
+              <a:t>een</a:t>
+            </a:r>
+            <a:r>
+              <a:rPr lang="en-NL" dirty="0"/>
+              <a:t> sensor.</a:t>
+            </a:r>
+          </a:p>
+          <a:p>
+            <a:r>
+              <a:rPr lang="en-NL" dirty="0"/>
+              <a:t>De machine over 3 </a:t>
+            </a:r>
+            <a:r>
+              <a:rPr lang="en-NL" dirty="0" err="1"/>
+              <a:t>assen</a:t>
+            </a:r>
+            <a:r>
+              <a:rPr lang="en-NL" dirty="0"/>
+              <a:t> </a:t>
+            </a:r>
+            <a:r>
+              <a:rPr lang="en-NL" dirty="0" err="1"/>
+              <a:t>kan</a:t>
+            </a:r>
+            <a:r>
+              <a:rPr lang="en-NL" dirty="0"/>
+              <a:t> </a:t>
+            </a:r>
+            <a:r>
+              <a:rPr lang="en-NL" dirty="0" err="1"/>
+              <a:t>beweging</a:t>
+            </a:r>
+            <a:r>
+              <a:rPr lang="en-NL" dirty="0"/>
+              <a:t>.</a:t>
+            </a:r>
+          </a:p>
+          <a:p>
+            <a:r>
+              <a:rPr lang="en-NL" dirty="0" err="1"/>
+              <a:t>Gcode</a:t>
+            </a:r>
+            <a:r>
+              <a:rPr lang="en-NL" dirty="0"/>
+              <a:t> </a:t>
+            </a:r>
+            <a:r>
+              <a:rPr lang="en-NL" dirty="0" err="1"/>
+              <a:t>kan</a:t>
+            </a:r>
+            <a:r>
+              <a:rPr lang="en-NL" dirty="0"/>
+              <a:t> </a:t>
+            </a:r>
+            <a:r>
+              <a:rPr lang="en-NL" dirty="0" err="1"/>
+              <a:t>gebruiken</a:t>
+            </a:r>
+            <a:r>
+              <a:rPr lang="en-NL" dirty="0"/>
+              <a:t>.</a:t>
+            </a:r>
+          </a:p>
+          <a:p>
+            <a:r>
+              <a:rPr lang="nl-NL" dirty="0"/>
+              <a:t>M</a:t>
+            </a:r>
+            <a:r>
+              <a:rPr lang="en-NL" dirty="0" err="1"/>
+              <a:t>odulair</a:t>
+            </a:r>
+            <a:r>
+              <a:rPr lang="en-NL" dirty="0"/>
+              <a:t> is</a:t>
+            </a:r>
+          </a:p>
+          <a:p>
+            <a:endParaRPr lang="en-NL" dirty="0"/>
+          </a:p>
+        </p:txBody>
+      </p:sp>
+      <p:sp>
+        <p:nvSpPr>
+          <p:cNvPr id="4" name="Tijdelijke aanduiding voor dianummer 3"/>
+          <p:cNvSpPr>
+            <a:spLocks noGrp="1"/>
+          </p:cNvSpPr>
+          <p:nvPr>
+            <p:ph type="sldNum" sz="quarter" idx="5"/>
+          </p:nvPr>
+        </p:nvSpPr>
+        <p:spPr/>
+        <p:txBody>
+          <a:bodyPr/>
+          <a:lstStyle/>
+          <a:p>
+            <a:fld id="{7F456FD9-521A-4E48-B277-6DB742BC5019}" type="slidenum">
+              <a:rPr lang="nl-NL" smtClean="0"/>
+              <a:t>6</a:t>
+            </a:fld>
+            <a:endParaRPr lang="nl-NL"/>
+          </a:p>
+        </p:txBody>
+      </p:sp>
+    </p:spTree>
+    <p:extLst>
+      <p:ext uri="{BB962C8B-B14F-4D97-AF65-F5344CB8AC3E}">
+        <p14:creationId xmlns:p14="http://schemas.microsoft.com/office/powerpoint/2010/main" val="860948573"/>
+      </p:ext>
+    </p:extLst>
+  </p:cSld>
+  <p:clrMapOvr>
+    <a:masterClrMapping/>
+  </p:clrMapOvr>
+</p:notes>
+</file>
+
+<file path=ppt/notesSlides/notesSlide6.xml><?xml version="1.0" encoding="utf-8"?>
+<p:notes xmlns:a="http://schemas.openxmlformats.org/drawingml/2006/main" xmlns:r="http://schemas.openxmlformats.org/officeDocument/2006/relationships" xmlns:p="http://schemas.openxmlformats.org/presentationml/2006/main">
+  <p:cSld>
+    <p:spTree>
+      <p:nvGrpSpPr>
+        <p:cNvPr id="1" name=""/>
+        <p:cNvGrpSpPr/>
+        <p:nvPr/>
+      </p:nvGrpSpPr>
+      <p:grpSpPr>
+        <a:xfrm>
+          <a:off x="0" y="0"/>
+          <a:ext cx="0" cy="0"/>
+          <a:chOff x="0" y="0"/>
+          <a:chExt cx="0" cy="0"/>
+        </a:xfrm>
+      </p:grpSpPr>
+      <p:sp>
+        <p:nvSpPr>
+          <p:cNvPr id="2" name="Tijdelijke aanduiding voor dia-afbeelding 1"/>
+          <p:cNvSpPr>
+            <a:spLocks noGrp="1" noRot="1" noChangeAspect="1"/>
+          </p:cNvSpPr>
+          <p:nvPr>
+            <p:ph type="sldImg"/>
+          </p:nvPr>
+        </p:nvSpPr>
+        <p:spPr/>
+      </p:sp>
+      <p:sp>
+        <p:nvSpPr>
+          <p:cNvPr id="3" name="Tijdelijke aanduiding voor notities 2"/>
+          <p:cNvSpPr>
+            <a:spLocks noGrp="1"/>
+          </p:cNvSpPr>
+          <p:nvPr>
+            <p:ph type="body" idx="1"/>
+          </p:nvPr>
+        </p:nvSpPr>
+        <p:spPr/>
+        <p:txBody>
+          <a:bodyPr/>
+          <a:lstStyle/>
+          <a:p>
+            <a:r>
+              <a:rPr lang="nl-NL" dirty="0"/>
+              <a:t>Voor de software heb ik meerdere commando’s </a:t>
+            </a:r>
+            <a:r>
+              <a:rPr lang="nl-NL" dirty="0" err="1"/>
+              <a:t>geimplementeerd</a:t>
+            </a:r>
+            <a:r>
+              <a:rPr lang="nl-NL" dirty="0"/>
+              <a:t>. $?, G1, G0, G2, G3. Voor deze </a:t>
             </a:r>
           </a:p>
         </p:txBody>
@@ -936,7 +2453,660 @@
     </p:spTree>
     <p:extLst>
       <p:ext uri="{BB962C8B-B14F-4D97-AF65-F5344CB8AC3E}">
-        <p14:creationId xmlns:p14="http://schemas.microsoft.com/office/powerpoint/2010/main" val="2420256941"/>
+        <p14:creationId xmlns:p14="http://schemas.microsoft.com/office/powerpoint/2010/main" val="558310822"/>
+      </p:ext>
+    </p:extLst>
+  </p:cSld>
+  <p:clrMapOvr>
+    <a:masterClrMapping/>
+  </p:clrMapOvr>
+</p:notes>
+</file>
+
+<file path=ppt/notesSlides/notesSlide7.xml><?xml version="1.0" encoding="utf-8"?>
+<p:notes xmlns:a="http://schemas.openxmlformats.org/drawingml/2006/main" xmlns:r="http://schemas.openxmlformats.org/officeDocument/2006/relationships" xmlns:p="http://schemas.openxmlformats.org/presentationml/2006/main">
+  <p:cSld>
+    <p:spTree>
+      <p:nvGrpSpPr>
+        <p:cNvPr id="1" name="">
+          <a:extLst>
+            <a:ext uri="{FF2B5EF4-FFF2-40B4-BE49-F238E27FC236}">
+              <a16:creationId xmlns:a16="http://schemas.microsoft.com/office/drawing/2014/main" id="{1E786A19-6416-3679-819B-781A210FCA41}"/>
+            </a:ext>
+          </a:extLst>
+        </p:cNvPr>
+        <p:cNvGrpSpPr/>
+        <p:nvPr/>
+      </p:nvGrpSpPr>
+      <p:grpSpPr>
+        <a:xfrm>
+          <a:off x="0" y="0"/>
+          <a:ext cx="0" cy="0"/>
+          <a:chOff x="0" y="0"/>
+          <a:chExt cx="0" cy="0"/>
+        </a:xfrm>
+      </p:grpSpPr>
+      <p:sp>
+        <p:nvSpPr>
+          <p:cNvPr id="2" name="Tijdelijke aanduiding voor dia-afbeelding 1">
+            <a:extLst>
+              <a:ext uri="{FF2B5EF4-FFF2-40B4-BE49-F238E27FC236}">
+                <a16:creationId xmlns:a16="http://schemas.microsoft.com/office/drawing/2014/main" id="{0ACC3DDF-F7AA-449E-4F3F-48F3C8E0DE3F}"/>
+              </a:ext>
+            </a:extLst>
+          </p:cNvPr>
+          <p:cNvSpPr>
+            <a:spLocks noGrp="1" noRot="1" noChangeAspect="1"/>
+          </p:cNvSpPr>
+          <p:nvPr>
+            <p:ph type="sldImg"/>
+          </p:nvPr>
+        </p:nvSpPr>
+        <p:spPr/>
+      </p:sp>
+      <p:sp>
+        <p:nvSpPr>
+          <p:cNvPr id="3" name="Tijdelijke aanduiding voor notities 2">
+            <a:extLst>
+              <a:ext uri="{FF2B5EF4-FFF2-40B4-BE49-F238E27FC236}">
+                <a16:creationId xmlns:a16="http://schemas.microsoft.com/office/drawing/2014/main" id="{B483C7F9-773A-A38E-5EA1-08ABBD6BB172}"/>
+              </a:ext>
+            </a:extLst>
+          </p:cNvPr>
+          <p:cNvSpPr>
+            <a:spLocks noGrp="1"/>
+          </p:cNvSpPr>
+          <p:nvPr>
+            <p:ph type="body" idx="1"/>
+          </p:nvPr>
+        </p:nvSpPr>
+        <p:spPr/>
+        <p:txBody>
+          <a:bodyPr/>
+          <a:lstStyle/>
+          <a:p>
+            <a:r>
+              <a:rPr lang="nl-NL" dirty="0"/>
+              <a:t>Voor de software heb ik meerdere commando’s </a:t>
+            </a:r>
+            <a:r>
+              <a:rPr lang="nl-NL" dirty="0" err="1"/>
+              <a:t>geimplementeerd</a:t>
+            </a:r>
+            <a:r>
+              <a:rPr lang="nl-NL" dirty="0"/>
+              <a:t>. $?, G1, G0, G2, G3. Voor deze </a:t>
+            </a:r>
+          </a:p>
+        </p:txBody>
+      </p:sp>
+      <p:sp>
+        <p:nvSpPr>
+          <p:cNvPr id="4" name="Tijdelijke aanduiding voor dianummer 3">
+            <a:extLst>
+              <a:ext uri="{FF2B5EF4-FFF2-40B4-BE49-F238E27FC236}">
+                <a16:creationId xmlns:a16="http://schemas.microsoft.com/office/drawing/2014/main" id="{C210012D-48B4-73A5-A641-D00A13628B23}"/>
+              </a:ext>
+            </a:extLst>
+          </p:cNvPr>
+          <p:cNvSpPr>
+            <a:spLocks noGrp="1"/>
+          </p:cNvSpPr>
+          <p:nvPr>
+            <p:ph type="sldNum" sz="quarter" idx="5"/>
+          </p:nvPr>
+        </p:nvSpPr>
+        <p:spPr/>
+        <p:txBody>
+          <a:bodyPr/>
+          <a:lstStyle/>
+          <a:p>
+            <a:fld id="{7F456FD9-521A-4E48-B277-6DB742BC5019}" type="slidenum">
+              <a:rPr lang="nl-NL" smtClean="0"/>
+              <a:t>9</a:t>
+            </a:fld>
+            <a:endParaRPr lang="nl-NL"/>
+          </a:p>
+        </p:txBody>
+      </p:sp>
+    </p:spTree>
+    <p:extLst>
+      <p:ext uri="{BB962C8B-B14F-4D97-AF65-F5344CB8AC3E}">
+        <p14:creationId xmlns:p14="http://schemas.microsoft.com/office/powerpoint/2010/main" val="304202874"/>
+      </p:ext>
+    </p:extLst>
+  </p:cSld>
+  <p:clrMapOvr>
+    <a:masterClrMapping/>
+  </p:clrMapOvr>
+</p:notes>
+</file>
+
+<file path=ppt/notesSlides/notesSlide8.xml><?xml version="1.0" encoding="utf-8"?>
+<p:notes xmlns:a="http://schemas.openxmlformats.org/drawingml/2006/main" xmlns:r="http://schemas.openxmlformats.org/officeDocument/2006/relationships" xmlns:p="http://schemas.openxmlformats.org/presentationml/2006/main">
+  <p:cSld>
+    <p:spTree>
+      <p:nvGrpSpPr>
+        <p:cNvPr id="1" name="">
+          <a:extLst>
+            <a:ext uri="{FF2B5EF4-FFF2-40B4-BE49-F238E27FC236}">
+              <a16:creationId xmlns:a16="http://schemas.microsoft.com/office/drawing/2014/main" id="{D1D3E244-2E20-5B92-082B-8FE57A11F7CE}"/>
+            </a:ext>
+          </a:extLst>
+        </p:cNvPr>
+        <p:cNvGrpSpPr/>
+        <p:nvPr/>
+      </p:nvGrpSpPr>
+      <p:grpSpPr>
+        <a:xfrm>
+          <a:off x="0" y="0"/>
+          <a:ext cx="0" cy="0"/>
+          <a:chOff x="0" y="0"/>
+          <a:chExt cx="0" cy="0"/>
+        </a:xfrm>
+      </p:grpSpPr>
+      <p:sp>
+        <p:nvSpPr>
+          <p:cNvPr id="2" name="Tijdelijke aanduiding voor dia-afbeelding 1">
+            <a:extLst>
+              <a:ext uri="{FF2B5EF4-FFF2-40B4-BE49-F238E27FC236}">
+                <a16:creationId xmlns:a16="http://schemas.microsoft.com/office/drawing/2014/main" id="{F726F5AF-5FD7-4D6D-BDC9-F19CF8291517}"/>
+              </a:ext>
+            </a:extLst>
+          </p:cNvPr>
+          <p:cNvSpPr>
+            <a:spLocks noGrp="1" noRot="1" noChangeAspect="1"/>
+          </p:cNvSpPr>
+          <p:nvPr>
+            <p:ph type="sldImg"/>
+          </p:nvPr>
+        </p:nvSpPr>
+        <p:spPr/>
+      </p:sp>
+      <p:sp>
+        <p:nvSpPr>
+          <p:cNvPr id="3" name="Tijdelijke aanduiding voor notities 2">
+            <a:extLst>
+              <a:ext uri="{FF2B5EF4-FFF2-40B4-BE49-F238E27FC236}">
+                <a16:creationId xmlns:a16="http://schemas.microsoft.com/office/drawing/2014/main" id="{A5DF974D-897C-85A1-5FCF-BE78948FDCC5}"/>
+              </a:ext>
+            </a:extLst>
+          </p:cNvPr>
+          <p:cNvSpPr>
+            <a:spLocks noGrp="1"/>
+          </p:cNvSpPr>
+          <p:nvPr>
+            <p:ph type="body" idx="1"/>
+          </p:nvPr>
+        </p:nvSpPr>
+        <p:spPr/>
+        <p:txBody>
+          <a:bodyPr/>
+          <a:lstStyle/>
+          <a:p>
+            <a:r>
+              <a:rPr lang="nl-NL" dirty="0"/>
+              <a:t>Voor de software heb ik meerdere commando’s </a:t>
+            </a:r>
+            <a:r>
+              <a:rPr lang="nl-NL" dirty="0" err="1"/>
+              <a:t>geimplementeerd</a:t>
+            </a:r>
+            <a:r>
+              <a:rPr lang="nl-NL" dirty="0"/>
+              <a:t>. $?, G1, G0, G2, G3. Voor deze </a:t>
+            </a:r>
+          </a:p>
+        </p:txBody>
+      </p:sp>
+      <p:sp>
+        <p:nvSpPr>
+          <p:cNvPr id="4" name="Tijdelijke aanduiding voor dianummer 3">
+            <a:extLst>
+              <a:ext uri="{FF2B5EF4-FFF2-40B4-BE49-F238E27FC236}">
+                <a16:creationId xmlns:a16="http://schemas.microsoft.com/office/drawing/2014/main" id="{E1834192-A33C-39E6-6BED-3C41A5309AC2}"/>
+              </a:ext>
+            </a:extLst>
+          </p:cNvPr>
+          <p:cNvSpPr>
+            <a:spLocks noGrp="1"/>
+          </p:cNvSpPr>
+          <p:nvPr>
+            <p:ph type="sldNum" sz="quarter" idx="5"/>
+          </p:nvPr>
+        </p:nvSpPr>
+        <p:spPr/>
+        <p:txBody>
+          <a:bodyPr/>
+          <a:lstStyle/>
+          <a:p>
+            <a:fld id="{7F456FD9-521A-4E48-B277-6DB742BC5019}" type="slidenum">
+              <a:rPr lang="nl-NL" smtClean="0"/>
+              <a:t>10</a:t>
+            </a:fld>
+            <a:endParaRPr lang="nl-NL"/>
+          </a:p>
+        </p:txBody>
+      </p:sp>
+    </p:spTree>
+    <p:extLst>
+      <p:ext uri="{BB962C8B-B14F-4D97-AF65-F5344CB8AC3E}">
+        <p14:creationId xmlns:p14="http://schemas.microsoft.com/office/powerpoint/2010/main" val="1352013804"/>
+      </p:ext>
+    </p:extLst>
+  </p:cSld>
+  <p:clrMapOvr>
+    <a:masterClrMapping/>
+  </p:clrMapOvr>
+</p:notes>
+</file>
+
+<file path=ppt/notesSlides/notesSlide9.xml><?xml version="1.0" encoding="utf-8"?>
+<p:notes xmlns:a="http://schemas.openxmlformats.org/drawingml/2006/main" xmlns:r="http://schemas.openxmlformats.org/officeDocument/2006/relationships" xmlns:p="http://schemas.openxmlformats.org/presentationml/2006/main">
+  <p:cSld>
+    <p:spTree>
+      <p:nvGrpSpPr>
+        <p:cNvPr id="1" name=""/>
+        <p:cNvGrpSpPr/>
+        <p:nvPr/>
+      </p:nvGrpSpPr>
+      <p:grpSpPr>
+        <a:xfrm>
+          <a:off x="0" y="0"/>
+          <a:ext cx="0" cy="0"/>
+          <a:chOff x="0" y="0"/>
+          <a:chExt cx="0" cy="0"/>
+        </a:xfrm>
+      </p:grpSpPr>
+      <p:sp>
+        <p:nvSpPr>
+          <p:cNvPr id="2" name="Tijdelijke aanduiding voor dia-afbeelding 1"/>
+          <p:cNvSpPr>
+            <a:spLocks noGrp="1" noRot="1" noChangeAspect="1"/>
+          </p:cNvSpPr>
+          <p:nvPr>
+            <p:ph type="sldImg"/>
+          </p:nvPr>
+        </p:nvSpPr>
+        <p:spPr/>
+      </p:sp>
+      <p:sp>
+        <p:nvSpPr>
+          <p:cNvPr id="3" name="Tijdelijke aanduiding voor notities 2"/>
+          <p:cNvSpPr>
+            <a:spLocks noGrp="1"/>
+          </p:cNvSpPr>
+          <p:nvPr>
+            <p:ph type="body" idx="1"/>
+          </p:nvPr>
+        </p:nvSpPr>
+        <p:spPr/>
+        <p:txBody>
+          <a:bodyPr/>
+          <a:lstStyle/>
+          <a:p>
+            <a:r>
+              <a:rPr lang="en-NL" dirty="0"/>
+              <a:t>De </a:t>
+            </a:r>
+            <a:r>
+              <a:rPr lang="en-NL" dirty="0" err="1"/>
+              <a:t>freesbank</a:t>
+            </a:r>
+            <a:r>
+              <a:rPr lang="en-NL" dirty="0"/>
+              <a:t> </a:t>
+            </a:r>
+            <a:r>
+              <a:rPr lang="en-NL" dirty="0" err="1"/>
+              <a:t>werkt</a:t>
+            </a:r>
+            <a:r>
+              <a:rPr lang="en-NL" dirty="0"/>
+              <a:t> in 3 </a:t>
+            </a:r>
+            <a:r>
+              <a:rPr lang="en-NL" dirty="0" err="1"/>
+              <a:t>assen</a:t>
+            </a:r>
+            <a:r>
+              <a:rPr lang="en-NL" dirty="0"/>
+              <a:t>, met 2 </a:t>
+            </a:r>
+            <a:r>
+              <a:rPr lang="en-NL" dirty="0" err="1"/>
+              <a:t>mogelijkheden</a:t>
+            </a:r>
+            <a:r>
+              <a:rPr lang="en-NL" dirty="0"/>
+              <a:t> in </a:t>
+            </a:r>
+            <a:r>
+              <a:rPr lang="en-NL" dirty="0" err="1"/>
+              <a:t>beweging</a:t>
+            </a:r>
+            <a:r>
+              <a:rPr lang="en-NL" dirty="0"/>
+              <a:t>, circle </a:t>
+            </a:r>
+            <a:r>
+              <a:rPr lang="en-NL" dirty="0" err="1"/>
+              <a:t>en</a:t>
+            </a:r>
+            <a:r>
+              <a:rPr lang="en-NL" dirty="0"/>
+              <a:t> </a:t>
+            </a:r>
+            <a:r>
+              <a:rPr lang="en-NL" dirty="0" err="1"/>
+              <a:t>rechte</a:t>
+            </a:r>
+            <a:r>
+              <a:rPr lang="en-NL" dirty="0"/>
+              <a:t> </a:t>
+            </a:r>
+            <a:r>
+              <a:rPr lang="en-NL" dirty="0" err="1"/>
+              <a:t>lijn</a:t>
+            </a:r>
+            <a:r>
+              <a:rPr lang="en-NL" dirty="0"/>
+              <a:t> (G2-3, G0-1).</a:t>
+            </a:r>
+          </a:p>
+          <a:p>
+            <a:r>
+              <a:rPr lang="nl-NL" dirty="0"/>
+              <a:t>I</a:t>
+            </a:r>
+            <a:r>
+              <a:rPr lang="en-NL" dirty="0" err="1"/>
+              <a:t>nput</a:t>
+            </a:r>
+            <a:r>
+              <a:rPr lang="en-NL" dirty="0"/>
+              <a:t> </a:t>
+            </a:r>
+            <a:r>
+              <a:rPr lang="en-NL" dirty="0" err="1"/>
+              <a:t>kan</a:t>
+            </a:r>
+            <a:r>
+              <a:rPr lang="en-NL" dirty="0"/>
+              <a:t> </a:t>
+            </a:r>
+            <a:r>
+              <a:rPr lang="en-NL" dirty="0" err="1"/>
+              <a:t>bepaald</a:t>
+            </a:r>
+            <a:r>
+              <a:rPr lang="en-NL" dirty="0"/>
+              <a:t> </a:t>
+            </a:r>
+            <a:r>
+              <a:rPr lang="en-NL" dirty="0" err="1"/>
+              <a:t>worden</a:t>
+            </a:r>
+            <a:r>
+              <a:rPr lang="en-NL" dirty="0"/>
+              <a:t> door </a:t>
+            </a:r>
+            <a:r>
+              <a:rPr lang="en-NL" dirty="0" err="1"/>
+              <a:t>sensoren</a:t>
+            </a:r>
+            <a:endParaRPr lang="en-NL" dirty="0"/>
+          </a:p>
+          <a:p>
+            <a:r>
+              <a:rPr lang="nl-NL" dirty="0"/>
+              <a:t>M</a:t>
+            </a:r>
+            <a:r>
+              <a:rPr lang="en-NL" dirty="0" err="1"/>
+              <a:t>odulair</a:t>
+            </a:r>
+            <a:r>
+              <a:rPr lang="en-NL" dirty="0"/>
+              <a:t> (door het </a:t>
+            </a:r>
+            <a:r>
+              <a:rPr lang="en-NL" dirty="0" err="1"/>
+              <a:t>modulaire</a:t>
+            </a:r>
+            <a:r>
+              <a:rPr lang="en-NL" dirty="0"/>
+              <a:t> </a:t>
+            </a:r>
+            <a:r>
+              <a:rPr lang="en-NL" dirty="0" err="1"/>
+              <a:t>ontwerp</a:t>
+            </a:r>
+            <a:r>
+              <a:rPr lang="en-NL" dirty="0"/>
+              <a:t> </a:t>
+            </a:r>
+            <a:r>
+              <a:rPr lang="en-NL" dirty="0" err="1"/>
+              <a:t>kunnen</a:t>
+            </a:r>
+            <a:r>
+              <a:rPr lang="en-NL" dirty="0"/>
+              <a:t> </a:t>
+            </a:r>
+            <a:r>
+              <a:rPr lang="en-NL" dirty="0" err="1"/>
+              <a:t>meerdere</a:t>
+            </a:r>
+            <a:r>
+              <a:rPr lang="en-NL" dirty="0"/>
+              <a:t> </a:t>
+            </a:r>
+            <a:r>
+              <a:rPr lang="en-NL" dirty="0" err="1"/>
+              <a:t>manieren</a:t>
+            </a:r>
+            <a:r>
+              <a:rPr lang="en-NL" dirty="0"/>
+              <a:t> van </a:t>
+            </a:r>
+            <a:r>
+              <a:rPr lang="en-NL" dirty="0" err="1"/>
+              <a:t>locatie</a:t>
+            </a:r>
+            <a:r>
+              <a:rPr lang="en-NL" dirty="0"/>
+              <a:t> </a:t>
+            </a:r>
+            <a:r>
+              <a:rPr lang="en-NL" dirty="0" err="1"/>
+              <a:t>bepaling</a:t>
+            </a:r>
+            <a:r>
+              <a:rPr lang="en-NL" dirty="0"/>
+              <a:t> </a:t>
+            </a:r>
+            <a:r>
+              <a:rPr lang="en-NL" dirty="0" err="1"/>
+              <a:t>gebruikt</a:t>
+            </a:r>
+            <a:r>
+              <a:rPr lang="en-NL" dirty="0"/>
+              <a:t> </a:t>
+            </a:r>
+            <a:r>
+              <a:rPr lang="en-NL" dirty="0" err="1"/>
+              <a:t>worden</a:t>
+            </a:r>
+            <a:r>
+              <a:rPr lang="en-NL" dirty="0"/>
+              <a:t>)</a:t>
+            </a:r>
+          </a:p>
+          <a:p>
+            <a:endParaRPr lang="en-NL" dirty="0"/>
+          </a:p>
+          <a:p>
+            <a:r>
+              <a:rPr lang="nl-NL" dirty="0"/>
+              <a:t>D</a:t>
+            </a:r>
+            <a:r>
+              <a:rPr lang="en-NL" dirty="0" err="1"/>
+              <a:t>ata</a:t>
+            </a:r>
+            <a:r>
+              <a:rPr lang="en-NL" dirty="0"/>
+              <a:t> </a:t>
+            </a:r>
+            <a:r>
+              <a:rPr lang="en-NL" dirty="0" err="1"/>
+              <a:t>opslaan</a:t>
+            </a:r>
+            <a:r>
+              <a:rPr lang="en-NL" dirty="0"/>
+              <a:t> op </a:t>
+            </a:r>
+            <a:r>
+              <a:rPr lang="en-NL" dirty="0" err="1"/>
+              <a:t>een</a:t>
+            </a:r>
+            <a:r>
+              <a:rPr lang="en-NL" dirty="0"/>
+              <a:t> </a:t>
+            </a:r>
+            <a:r>
+              <a:rPr lang="en-NL" dirty="0" err="1"/>
+              <a:t>sd</a:t>
+            </a:r>
+            <a:r>
+              <a:rPr lang="en-NL" dirty="0"/>
+              <a:t> </a:t>
+            </a:r>
+            <a:r>
+              <a:rPr lang="en-NL" dirty="0" err="1"/>
+              <a:t>kaart</a:t>
+            </a:r>
+            <a:r>
+              <a:rPr lang="en-NL" dirty="0"/>
+              <a:t> </a:t>
+            </a:r>
+            <a:r>
+              <a:rPr lang="en-NL" dirty="0" err="1"/>
+              <a:t>zoals</a:t>
+            </a:r>
+            <a:r>
+              <a:rPr lang="en-NL" dirty="0"/>
+              <a:t> </a:t>
+            </a:r>
+            <a:r>
+              <a:rPr lang="en-NL" dirty="0" err="1"/>
+              <a:t>waar</a:t>
+            </a:r>
+            <a:r>
+              <a:rPr lang="en-NL" dirty="0"/>
+              <a:t> </a:t>
+            </a:r>
+            <a:r>
+              <a:rPr lang="en-NL" dirty="0" err="1"/>
+              <a:t>deze</a:t>
+            </a:r>
+            <a:r>
+              <a:rPr lang="en-NL" dirty="0"/>
+              <a:t> is </a:t>
+            </a:r>
+            <a:r>
+              <a:rPr lang="en-NL" dirty="0" err="1"/>
+              <a:t>gebleven</a:t>
+            </a:r>
+            <a:r>
+              <a:rPr lang="en-NL" dirty="0"/>
+              <a:t> met </a:t>
+            </a:r>
+            <a:r>
+              <a:rPr lang="en-NL" dirty="0" err="1"/>
+              <a:t>printen</a:t>
+            </a:r>
+            <a:r>
+              <a:rPr lang="en-NL" dirty="0"/>
+              <a:t>.</a:t>
+            </a:r>
+          </a:p>
+          <a:p>
+            <a:r>
+              <a:rPr lang="nl-NL" dirty="0"/>
+              <a:t>D</a:t>
+            </a:r>
+            <a:r>
+              <a:rPr lang="en-NL" dirty="0"/>
+              <a:t>e files van </a:t>
+            </a:r>
+            <a:r>
+              <a:rPr lang="en-NL" dirty="0" err="1"/>
+              <a:t>een</a:t>
+            </a:r>
+            <a:r>
+              <a:rPr lang="en-NL" dirty="0"/>
+              <a:t> </a:t>
+            </a:r>
+            <a:r>
+              <a:rPr lang="en-NL" dirty="0" err="1"/>
+              <a:t>sd</a:t>
+            </a:r>
+            <a:r>
+              <a:rPr lang="en-NL" dirty="0"/>
+              <a:t> </a:t>
+            </a:r>
+            <a:r>
+              <a:rPr lang="en-NL" dirty="0" err="1"/>
+              <a:t>kaart</a:t>
+            </a:r>
+            <a:r>
+              <a:rPr lang="en-NL" dirty="0"/>
+              <a:t> </a:t>
+            </a:r>
+            <a:r>
+              <a:rPr lang="en-NL" dirty="0" err="1"/>
+              <a:t>aflezen</a:t>
+            </a:r>
+            <a:r>
+              <a:rPr lang="en-NL" dirty="0"/>
+              <a:t>.</a:t>
+            </a:r>
+            <a:endParaRPr lang="nl-NL" dirty="0"/>
+          </a:p>
+          <a:p>
+            <a:endParaRPr lang="nl-NL" dirty="0"/>
+          </a:p>
+        </p:txBody>
+      </p:sp>
+      <p:sp>
+        <p:nvSpPr>
+          <p:cNvPr id="4" name="Tijdelijke aanduiding voor dianummer 3"/>
+          <p:cNvSpPr>
+            <a:spLocks noGrp="1"/>
+          </p:cNvSpPr>
+          <p:nvPr>
+            <p:ph type="sldNum" sz="quarter" idx="5"/>
+          </p:nvPr>
+        </p:nvSpPr>
+        <p:spPr/>
+        <p:txBody>
+          <a:bodyPr/>
+          <a:lstStyle/>
+          <a:p>
+            <a:fld id="{7F456FD9-521A-4E48-B277-6DB742BC5019}" type="slidenum">
+              <a:rPr lang="nl-NL" smtClean="0"/>
+              <a:t>12</a:t>
+            </a:fld>
+            <a:endParaRPr lang="nl-NL"/>
+          </a:p>
+        </p:txBody>
+      </p:sp>
+    </p:spTree>
+    <p:extLst>
+      <p:ext uri="{BB962C8B-B14F-4D97-AF65-F5344CB8AC3E}">
+        <p14:creationId xmlns:p14="http://schemas.microsoft.com/office/powerpoint/2010/main" val="2844014676"/>
       </p:ext>
     </p:extLst>
   </p:cSld>
@@ -1093,7 +3263,7 @@
           <a:p>
             <a:fld id="{35ED0539-9519-4FBB-A88E-2F08C22A0731}" type="datetimeFigureOut">
               <a:rPr lang="nl-NL" smtClean="0"/>
-              <a:t>23-1-2026</a:t>
+              <a:t>25-1-2026</a:t>
             </a:fld>
             <a:endParaRPr lang="nl-NL"/>
           </a:p>
@@ -1291,7 +3461,7 @@
           <a:p>
             <a:fld id="{35ED0539-9519-4FBB-A88E-2F08C22A0731}" type="datetimeFigureOut">
               <a:rPr lang="nl-NL" smtClean="0"/>
-              <a:t>23-1-2026</a:t>
+              <a:t>25-1-2026</a:t>
             </a:fld>
             <a:endParaRPr lang="nl-NL"/>
           </a:p>
@@ -1499,7 +3669,7 @@
           <a:p>
             <a:fld id="{35ED0539-9519-4FBB-A88E-2F08C22A0731}" type="datetimeFigureOut">
               <a:rPr lang="nl-NL" smtClean="0"/>
-              <a:t>23-1-2026</a:t>
+              <a:t>25-1-2026</a:t>
             </a:fld>
             <a:endParaRPr lang="nl-NL"/>
           </a:p>
@@ -1697,7 +3867,7 @@
           <a:p>
             <a:fld id="{35ED0539-9519-4FBB-A88E-2F08C22A0731}" type="datetimeFigureOut">
               <a:rPr lang="nl-NL" smtClean="0"/>
-              <a:t>23-1-2026</a:t>
+              <a:t>25-1-2026</a:t>
             </a:fld>
             <a:endParaRPr lang="nl-NL"/>
           </a:p>
@@ -1972,7 +4142,7 @@
           <a:p>
             <a:fld id="{35ED0539-9519-4FBB-A88E-2F08C22A0731}" type="datetimeFigureOut">
               <a:rPr lang="nl-NL" smtClean="0"/>
-              <a:t>23-1-2026</a:t>
+              <a:t>25-1-2026</a:t>
             </a:fld>
             <a:endParaRPr lang="nl-NL"/>
           </a:p>
@@ -2237,7 +4407,7 @@
           <a:p>
             <a:fld id="{35ED0539-9519-4FBB-A88E-2F08C22A0731}" type="datetimeFigureOut">
               <a:rPr lang="nl-NL" smtClean="0"/>
-              <a:t>23-1-2026</a:t>
+              <a:t>25-1-2026</a:t>
             </a:fld>
             <a:endParaRPr lang="nl-NL"/>
           </a:p>
@@ -2649,7 +4819,7 @@
           <a:p>
             <a:fld id="{35ED0539-9519-4FBB-A88E-2F08C22A0731}" type="datetimeFigureOut">
               <a:rPr lang="nl-NL" smtClean="0"/>
-              <a:t>23-1-2026</a:t>
+              <a:t>25-1-2026</a:t>
             </a:fld>
             <a:endParaRPr lang="nl-NL"/>
           </a:p>
@@ -2790,7 +4960,7 @@
           <a:p>
             <a:fld id="{35ED0539-9519-4FBB-A88E-2F08C22A0731}" type="datetimeFigureOut">
               <a:rPr lang="nl-NL" smtClean="0"/>
-              <a:t>23-1-2026</a:t>
+              <a:t>25-1-2026</a:t>
             </a:fld>
             <a:endParaRPr lang="nl-NL"/>
           </a:p>
@@ -2903,7 +5073,7 @@
           <a:p>
             <a:fld id="{35ED0539-9519-4FBB-A88E-2F08C22A0731}" type="datetimeFigureOut">
               <a:rPr lang="nl-NL" smtClean="0"/>
-              <a:t>23-1-2026</a:t>
+              <a:t>25-1-2026</a:t>
             </a:fld>
             <a:endParaRPr lang="nl-NL"/>
           </a:p>
@@ -3214,7 +5384,7 @@
           <a:p>
             <a:fld id="{35ED0539-9519-4FBB-A88E-2F08C22A0731}" type="datetimeFigureOut">
               <a:rPr lang="nl-NL" smtClean="0"/>
-              <a:t>23-1-2026</a:t>
+              <a:t>25-1-2026</a:t>
             </a:fld>
             <a:endParaRPr lang="nl-NL"/>
           </a:p>
@@ -3502,7 +5672,7 @@
           <a:p>
             <a:fld id="{35ED0539-9519-4FBB-A88E-2F08C22A0731}" type="datetimeFigureOut">
               <a:rPr lang="nl-NL" smtClean="0"/>
-              <a:t>23-1-2026</a:t>
+              <a:t>25-1-2026</a:t>
             </a:fld>
             <a:endParaRPr lang="nl-NL"/>
           </a:p>
@@ -3743,7 +5913,7 @@
           <a:p>
             <a:fld id="{35ED0539-9519-4FBB-A88E-2F08C22A0731}" type="datetimeFigureOut">
               <a:rPr lang="nl-NL" smtClean="0"/>
-              <a:t>23-1-2026</a:t>
+              <a:t>25-1-2026</a:t>
             </a:fld>
             <a:endParaRPr lang="nl-NL"/>
           </a:p>
@@ -4148,7 +6318,13 @@
   <p:cSld>
     <p:spTree>
       <p:nvGrpSpPr>
-        <p:cNvPr id="1" name=""/>
+        <p:cNvPr id="1" name="">
+          <a:extLst>
+            <a:ext uri="{FF2B5EF4-FFF2-40B4-BE49-F238E27FC236}">
+              <a16:creationId xmlns:a16="http://schemas.microsoft.com/office/drawing/2014/main" id="{B3596157-922E-E1FC-EBF1-C51D2757180B}"/>
+            </a:ext>
+          </a:extLst>
+        </p:cNvPr>
         <p:cNvGrpSpPr/>
         <p:nvPr/>
       </p:nvGrpSpPr>
@@ -4165,7 +6341,7 @@
           <p:cNvPr id="2" name="Titel 1">
             <a:extLst>
               <a:ext uri="{FF2B5EF4-FFF2-40B4-BE49-F238E27FC236}">
-                <a16:creationId xmlns:a16="http://schemas.microsoft.com/office/drawing/2014/main" id="{B2A4439E-DF83-C012-3262-B92D0BA738B9}"/>
+                <a16:creationId xmlns:a16="http://schemas.microsoft.com/office/drawing/2014/main" id="{8BF2C124-AA0C-FEA3-B8F2-EDCEA17E10AE}"/>
               </a:ext>
             </a:extLst>
           </p:cNvPr>
@@ -4173,53 +6349,243 @@
             <a:spLocks noGrp="1"/>
           </p:cNvSpPr>
           <p:nvPr>
-            <p:ph type="ctrTitle"/>
-          </p:nvPr>
-        </p:nvSpPr>
-        <p:spPr/>
-        <p:txBody>
-          <a:bodyPr/>
+            <p:ph type="title"/>
+          </p:nvPr>
+        </p:nvSpPr>
+        <p:spPr>
+          <a:xfrm>
+            <a:off x="936009" y="2516685"/>
+            <a:ext cx="10319982" cy="663468"/>
+          </a:xfrm>
+        </p:spPr>
+        <p:txBody>
+          <a:bodyPr anchor="t">
+            <a:normAutofit fontScale="90000"/>
+          </a:bodyPr>
           <a:lstStyle/>
           <a:p>
+            <a:pPr algn="ctr"/>
+            <a:r>
+              <a:rPr lang="nl-NL" sz="4800" b="1" dirty="0"/>
+              <a:t>Aansturing freesbank</a:t>
+            </a:r>
+            <a:endParaRPr lang="nl-NL" sz="4800" b="1" noProof="0" dirty="0"/>
+          </a:p>
+        </p:txBody>
+      </p:sp>
+      <p:sp>
+        <p:nvSpPr>
+          <p:cNvPr id="4" name="Tekstvak 3">
+            <a:extLst>
+              <a:ext uri="{FF2B5EF4-FFF2-40B4-BE49-F238E27FC236}">
+                <a16:creationId xmlns:a16="http://schemas.microsoft.com/office/drawing/2014/main" id="{9F75A2BE-0CE6-68A6-1FA6-91F0ADE00A75}"/>
+              </a:ext>
+            </a:extLst>
+          </p:cNvPr>
+          <p:cNvSpPr txBox="1"/>
+          <p:nvPr/>
+        </p:nvSpPr>
+        <p:spPr>
+          <a:xfrm>
+            <a:off x="8512602" y="4852851"/>
+            <a:ext cx="3821373" cy="1714380"/>
+          </a:xfrm>
+          <a:prstGeom prst="rect">
+            <a:avLst/>
+          </a:prstGeom>
+          <a:noFill/>
+        </p:spPr>
+        <p:txBody>
+          <a:bodyPr wrap="square" rtlCol="0">
+            <a:spAutoFit/>
+          </a:bodyPr>
+          <a:lstStyle/>
+          <a:p>
+            <a:pPr>
+              <a:lnSpc>
+                <a:spcPct val="150000"/>
+              </a:lnSpc>
+            </a:pPr>
+            <a:r>
+              <a:rPr lang="en-NL" dirty="0"/>
+              <a:t>- Olaf Goudriaan (1071349)</a:t>
+            </a:r>
+          </a:p>
+          <a:p>
+            <a:pPr>
+              <a:lnSpc>
+                <a:spcPct val="150000"/>
+              </a:lnSpc>
+            </a:pPr>
+            <a:r>
+              <a:rPr lang="en-NL" dirty="0"/>
+              <a:t>- Geert </a:t>
+            </a:r>
+            <a:r>
+              <a:rPr lang="en-NL" dirty="0" err="1"/>
+              <a:t>Mosterdijk</a:t>
+            </a:r>
+            <a:br>
+              <a:rPr lang="en-NL" dirty="0"/>
+            </a:br>
+            <a:r>
+              <a:rPr lang="en-NL" dirty="0"/>
+              <a:t>- Wessel </a:t>
+            </a:r>
+            <a:r>
+              <a:rPr lang="en-NL" dirty="0" err="1"/>
+              <a:t>Oele</a:t>
+            </a:r>
+            <a:r>
+              <a:rPr lang="en-NL" dirty="0"/>
+              <a:t>, Renee </a:t>
+            </a:r>
             <a:r>
               <a:rPr lang="nl-NL" dirty="0"/>
-              <a:t>Aansturing freesbank</a:t>
-            </a:r>
-          </a:p>
-        </p:txBody>
-      </p:sp>
-      <p:sp>
-        <p:nvSpPr>
-          <p:cNvPr id="3" name="Ondertitel 2">
-            <a:extLst>
-              <a:ext uri="{FF2B5EF4-FFF2-40B4-BE49-F238E27FC236}">
-                <a16:creationId xmlns:a16="http://schemas.microsoft.com/office/drawing/2014/main" id="{BAC3498D-0E4E-F8DC-F66D-A5D7723DE000}"/>
-              </a:ext>
-            </a:extLst>
-          </p:cNvPr>
-          <p:cNvSpPr>
-            <a:spLocks noGrp="1"/>
-          </p:cNvSpPr>
-          <p:nvPr>
-            <p:ph type="subTitle" idx="1"/>
-          </p:nvPr>
-        </p:nvSpPr>
-        <p:spPr/>
-        <p:txBody>
-          <a:bodyPr/>
+              <a:t>van Dorn</a:t>
+            </a:r>
+          </a:p>
+          <a:p>
+            <a:pPr>
+              <a:lnSpc>
+                <a:spcPct val="150000"/>
+              </a:lnSpc>
+            </a:pPr>
+            <a:endParaRPr lang="nl-NL" dirty="0"/>
+          </a:p>
+        </p:txBody>
+      </p:sp>
+      <p:sp>
+        <p:nvSpPr>
+          <p:cNvPr id="5" name="Tekstvak 4">
+            <a:extLst>
+              <a:ext uri="{FF2B5EF4-FFF2-40B4-BE49-F238E27FC236}">
+                <a16:creationId xmlns:a16="http://schemas.microsoft.com/office/drawing/2014/main" id="{DAF10CA7-4369-7564-61FA-7B68FEF0E424}"/>
+              </a:ext>
+            </a:extLst>
+          </p:cNvPr>
+          <p:cNvSpPr txBox="1"/>
+          <p:nvPr/>
+        </p:nvSpPr>
+        <p:spPr>
+          <a:xfrm>
+            <a:off x="4662985" y="3226150"/>
+            <a:ext cx="2866030" cy="584775"/>
+          </a:xfrm>
+          <a:prstGeom prst="rect">
+            <a:avLst/>
+          </a:prstGeom>
+          <a:noFill/>
+        </p:spPr>
+        <p:txBody>
+          <a:bodyPr wrap="square" rtlCol="0">
+            <a:spAutoFit/>
+          </a:bodyPr>
           <a:lstStyle/>
           <a:p>
-            <a:r>
-              <a:rPr lang="nl-NL" dirty="0"/>
-              <a:t>Bij sens2sea</a:t>
-            </a:r>
-          </a:p>
-        </p:txBody>
-      </p:sp>
+            <a:pPr algn="ctr"/>
+            <a:r>
+              <a:rPr lang="en-NL" sz="3200" dirty="0"/>
+              <a:t>Sens2Sea</a:t>
+            </a:r>
+            <a:endParaRPr lang="nl-NL" sz="3200" dirty="0"/>
+          </a:p>
+        </p:txBody>
+      </p:sp>
+      <p:sp>
+        <p:nvSpPr>
+          <p:cNvPr id="7" name="Rechthoek 6">
+            <a:extLst>
+              <a:ext uri="{FF2B5EF4-FFF2-40B4-BE49-F238E27FC236}">
+                <a16:creationId xmlns:a16="http://schemas.microsoft.com/office/drawing/2014/main" id="{C2F15DFF-1330-4849-4AC4-9BF792E19D90}"/>
+              </a:ext>
+            </a:extLst>
+          </p:cNvPr>
+          <p:cNvSpPr/>
+          <p:nvPr/>
+        </p:nvSpPr>
+        <p:spPr>
+          <a:xfrm>
+            <a:off x="936009" y="3163316"/>
+            <a:ext cx="10319983" cy="79671"/>
+          </a:xfrm>
+          <a:prstGeom prst="rect">
+            <a:avLst/>
+          </a:prstGeom>
+          <a:solidFill>
+            <a:schemeClr val="accent4"/>
+          </a:solidFill>
+          <a:ln>
+            <a:solidFill>
+              <a:schemeClr val="bg1"/>
+            </a:solidFill>
+          </a:ln>
+        </p:spPr>
+        <p:style>
+          <a:lnRef idx="2">
+            <a:schemeClr val="accent1">
+              <a:shade val="15000"/>
+            </a:schemeClr>
+          </a:lnRef>
+          <a:fillRef idx="1">
+            <a:schemeClr val="accent1"/>
+          </a:fillRef>
+          <a:effectRef idx="0">
+            <a:schemeClr val="accent1"/>
+          </a:effectRef>
+          <a:fontRef idx="minor">
+            <a:schemeClr val="lt1"/>
+          </a:fontRef>
+        </p:style>
+        <p:txBody>
+          <a:bodyPr rtlCol="0" anchor="ctr"/>
+          <a:lstStyle/>
+          <a:p>
+            <a:pPr algn="ctr"/>
+            <a:endParaRPr lang="nl-NL"/>
+          </a:p>
+        </p:txBody>
+      </p:sp>
+      <p:pic>
+        <p:nvPicPr>
+          <p:cNvPr id="10" name="Afbeelding 9" descr="Afbeelding met Lettertype, Graphics, logo, grafische vormgeving&#10;&#10;Door AI gegenereerde inhoud is mogelijk onjuist.">
+            <a:extLst>
+              <a:ext uri="{FF2B5EF4-FFF2-40B4-BE49-F238E27FC236}">
+                <a16:creationId xmlns:a16="http://schemas.microsoft.com/office/drawing/2014/main" id="{F9AB93AE-9D82-3E04-B6BC-B7217204E25E}"/>
+              </a:ext>
+            </a:extLst>
+          </p:cNvPr>
+          <p:cNvPicPr>
+            <a:picLocks noChangeAspect="1"/>
+          </p:cNvPicPr>
+          <p:nvPr/>
+        </p:nvPicPr>
+        <p:blipFill>
+          <a:blip r:embed="rId3">
+            <a:extLst>
+              <a:ext uri="{28A0092B-C50C-407E-A947-70E740481C1C}">
+                <a14:useLocalDpi xmlns:a14="http://schemas.microsoft.com/office/drawing/2010/main" val="0"/>
+              </a:ext>
+            </a:extLst>
+          </a:blip>
+          <a:stretch>
+            <a:fillRect/>
+          </a:stretch>
+        </p:blipFill>
+        <p:spPr>
+          <a:xfrm>
+            <a:off x="7999413" y="57397"/>
+            <a:ext cx="4090988" cy="786590"/>
+          </a:xfrm>
+          <a:prstGeom prst="rect">
+            <a:avLst/>
+          </a:prstGeom>
+        </p:spPr>
+      </p:pic>
     </p:spTree>
     <p:extLst>
       <p:ext uri="{BB962C8B-B14F-4D97-AF65-F5344CB8AC3E}">
-        <p14:creationId xmlns:p14="http://schemas.microsoft.com/office/powerpoint/2010/main" val="3666691165"/>
+        <p14:creationId xmlns:p14="http://schemas.microsoft.com/office/powerpoint/2010/main" val="2700303713"/>
       </p:ext>
     </p:extLst>
   </p:cSld>
@@ -4229,302 +6595,7 @@
 </p:sld>
 </file>
 
-<file path=ppt/slides/slide2.xml><?xml version="1.0" encoding="utf-8"?>
-<p:sld xmlns:a="http://schemas.openxmlformats.org/drawingml/2006/main" xmlns:r="http://schemas.openxmlformats.org/officeDocument/2006/relationships" xmlns:p="http://schemas.openxmlformats.org/presentationml/2006/main">
-  <p:cSld>
-    <p:spTree>
-      <p:nvGrpSpPr>
-        <p:cNvPr id="1" name=""/>
-        <p:cNvGrpSpPr/>
-        <p:nvPr/>
-      </p:nvGrpSpPr>
-      <p:grpSpPr>
-        <a:xfrm>
-          <a:off x="0" y="0"/>
-          <a:ext cx="0" cy="0"/>
-          <a:chOff x="0" y="0"/>
-          <a:chExt cx="0" cy="0"/>
-        </a:xfrm>
-      </p:grpSpPr>
-      <p:sp>
-        <p:nvSpPr>
-          <p:cNvPr id="2" name="Titel 1">
-            <a:extLst>
-              <a:ext uri="{FF2B5EF4-FFF2-40B4-BE49-F238E27FC236}">
-                <a16:creationId xmlns:a16="http://schemas.microsoft.com/office/drawing/2014/main" id="{60BA7DD0-C474-FFCB-02CA-E5CF6B26ABFE}"/>
-              </a:ext>
-            </a:extLst>
-          </p:cNvPr>
-          <p:cNvSpPr>
-            <a:spLocks noGrp="1"/>
-          </p:cNvSpPr>
-          <p:nvPr>
-            <p:ph type="title"/>
-          </p:nvPr>
-        </p:nvSpPr>
-        <p:spPr/>
-        <p:txBody>
-          <a:bodyPr/>
-          <a:lstStyle/>
-          <a:p>
-            <a:r>
-              <a:rPr lang="nl-NL" dirty="0"/>
-              <a:t>Inhoud</a:t>
-            </a:r>
-          </a:p>
-        </p:txBody>
-      </p:sp>
-      <p:sp>
-        <p:nvSpPr>
-          <p:cNvPr id="3" name="Tijdelijke aanduiding voor inhoud 2">
-            <a:extLst>
-              <a:ext uri="{FF2B5EF4-FFF2-40B4-BE49-F238E27FC236}">
-                <a16:creationId xmlns:a16="http://schemas.microsoft.com/office/drawing/2014/main" id="{F616D1B4-C5E0-508A-E90D-2B05A11D31F5}"/>
-              </a:ext>
-            </a:extLst>
-          </p:cNvPr>
-          <p:cNvSpPr>
-            <a:spLocks noGrp="1"/>
-          </p:cNvSpPr>
-          <p:nvPr>
-            <p:ph idx="1"/>
-          </p:nvPr>
-        </p:nvSpPr>
-        <p:spPr/>
-        <p:txBody>
-          <a:bodyPr/>
-          <a:lstStyle/>
-          <a:p>
-            <a:r>
-              <a:rPr lang="nl-NL" dirty="0"/>
-              <a:t>Hebben over</a:t>
-            </a:r>
-          </a:p>
-          <a:p>
-            <a:endParaRPr lang="nl-NL" dirty="0"/>
-          </a:p>
-          <a:p>
-            <a:r>
-              <a:rPr lang="nl-NL" dirty="0"/>
-              <a:t>Context (wat does sens2sea)</a:t>
-            </a:r>
-          </a:p>
-          <a:p>
-            <a:r>
-              <a:rPr lang="nl-NL" dirty="0"/>
-              <a:t>Opdracht (wat houd de opdracht in en waarom)</a:t>
-            </a:r>
-          </a:p>
-          <a:p>
-            <a:r>
-              <a:rPr lang="nl-NL" dirty="0"/>
-              <a:t>Wat heb ik gedaan</a:t>
-            </a:r>
-          </a:p>
-          <a:p>
-            <a:r>
-              <a:rPr lang="nl-NL" dirty="0"/>
-              <a:t>Ontwerp (code??, hardware)</a:t>
-            </a:r>
-          </a:p>
-          <a:p>
-            <a:r>
-              <a:rPr lang="nl-NL" dirty="0"/>
-              <a:t>demo</a:t>
-            </a:r>
-          </a:p>
-          <a:p>
-            <a:endParaRPr lang="nl-NL" dirty="0"/>
-          </a:p>
-        </p:txBody>
-      </p:sp>
-    </p:spTree>
-    <p:extLst>
-      <p:ext uri="{BB962C8B-B14F-4D97-AF65-F5344CB8AC3E}">
-        <p14:creationId xmlns:p14="http://schemas.microsoft.com/office/powerpoint/2010/main" val="2680237111"/>
-      </p:ext>
-    </p:extLst>
-  </p:cSld>
-  <p:clrMapOvr>
-    <a:masterClrMapping/>
-  </p:clrMapOvr>
-</p:sld>
-</file>
-
-<file path=ppt/slides/slide3.xml><?xml version="1.0" encoding="utf-8"?>
-<p:sld xmlns:a="http://schemas.openxmlformats.org/drawingml/2006/main" xmlns:r="http://schemas.openxmlformats.org/officeDocument/2006/relationships" xmlns:p="http://schemas.openxmlformats.org/presentationml/2006/main">
-  <p:cSld>
-    <p:spTree>
-      <p:nvGrpSpPr>
-        <p:cNvPr id="1" name=""/>
-        <p:cNvGrpSpPr/>
-        <p:nvPr/>
-      </p:nvGrpSpPr>
-      <p:grpSpPr>
-        <a:xfrm>
-          <a:off x="0" y="0"/>
-          <a:ext cx="0" cy="0"/>
-          <a:chOff x="0" y="0"/>
-          <a:chExt cx="0" cy="0"/>
-        </a:xfrm>
-      </p:grpSpPr>
-      <p:sp>
-        <p:nvSpPr>
-          <p:cNvPr id="2" name="Titel 1">
-            <a:extLst>
-              <a:ext uri="{FF2B5EF4-FFF2-40B4-BE49-F238E27FC236}">
-                <a16:creationId xmlns:a16="http://schemas.microsoft.com/office/drawing/2014/main" id="{AAC67A4A-0E3D-64A6-5E18-E8EB6ECBE621}"/>
-              </a:ext>
-            </a:extLst>
-          </p:cNvPr>
-          <p:cNvSpPr>
-            <a:spLocks noGrp="1"/>
-          </p:cNvSpPr>
-          <p:nvPr>
-            <p:ph type="title"/>
-          </p:nvPr>
-        </p:nvSpPr>
-        <p:spPr/>
-        <p:txBody>
-          <a:bodyPr/>
-          <a:lstStyle/>
-          <a:p>
-            <a:r>
-              <a:rPr lang="nl-NL" dirty="0"/>
-              <a:t>Context</a:t>
-            </a:r>
-          </a:p>
-        </p:txBody>
-      </p:sp>
-      <p:sp>
-        <p:nvSpPr>
-          <p:cNvPr id="3" name="Tijdelijke aanduiding voor inhoud 2">
-            <a:extLst>
-              <a:ext uri="{FF2B5EF4-FFF2-40B4-BE49-F238E27FC236}">
-                <a16:creationId xmlns:a16="http://schemas.microsoft.com/office/drawing/2014/main" id="{F5112648-91B1-79D4-E264-7F0FE83D6794}"/>
-              </a:ext>
-            </a:extLst>
-          </p:cNvPr>
-          <p:cNvSpPr>
-            <a:spLocks noGrp="1"/>
-          </p:cNvSpPr>
-          <p:nvPr>
-            <p:ph idx="1"/>
-          </p:nvPr>
-        </p:nvSpPr>
-        <p:spPr/>
-        <p:txBody>
-          <a:bodyPr/>
-          <a:lstStyle/>
-          <a:p>
-            <a:r>
-              <a:rPr lang="nl-NL" dirty="0" err="1"/>
-              <a:t>Gcode</a:t>
-            </a:r>
-            <a:r>
-              <a:rPr lang="nl-NL" dirty="0"/>
-              <a:t>&gt;</a:t>
-            </a:r>
-          </a:p>
-        </p:txBody>
-      </p:sp>
-    </p:spTree>
-    <p:extLst>
-      <p:ext uri="{BB962C8B-B14F-4D97-AF65-F5344CB8AC3E}">
-        <p14:creationId xmlns:p14="http://schemas.microsoft.com/office/powerpoint/2010/main" val="491469657"/>
-      </p:ext>
-    </p:extLst>
-  </p:cSld>
-  <p:clrMapOvr>
-    <a:masterClrMapping/>
-  </p:clrMapOvr>
-</p:sld>
-</file>
-
-<file path=ppt/slides/slide4.xml><?xml version="1.0" encoding="utf-8"?>
-<p:sld xmlns:a="http://schemas.openxmlformats.org/drawingml/2006/main" xmlns:r="http://schemas.openxmlformats.org/officeDocument/2006/relationships" xmlns:p="http://schemas.openxmlformats.org/presentationml/2006/main">
-  <p:cSld>
-    <p:spTree>
-      <p:nvGrpSpPr>
-        <p:cNvPr id="1" name=""/>
-        <p:cNvGrpSpPr/>
-        <p:nvPr/>
-      </p:nvGrpSpPr>
-      <p:grpSpPr>
-        <a:xfrm>
-          <a:off x="0" y="0"/>
-          <a:ext cx="0" cy="0"/>
-          <a:chOff x="0" y="0"/>
-          <a:chExt cx="0" cy="0"/>
-        </a:xfrm>
-      </p:grpSpPr>
-      <p:sp>
-        <p:nvSpPr>
-          <p:cNvPr id="2" name="Titel 1">
-            <a:extLst>
-              <a:ext uri="{FF2B5EF4-FFF2-40B4-BE49-F238E27FC236}">
-                <a16:creationId xmlns:a16="http://schemas.microsoft.com/office/drawing/2014/main" id="{AD49DAC5-765C-EA77-48ED-D34D3F6EF724}"/>
-              </a:ext>
-            </a:extLst>
-          </p:cNvPr>
-          <p:cNvSpPr>
-            <a:spLocks noGrp="1"/>
-          </p:cNvSpPr>
-          <p:nvPr>
-            <p:ph type="title"/>
-          </p:nvPr>
-        </p:nvSpPr>
-        <p:spPr/>
-        <p:txBody>
-          <a:bodyPr/>
-          <a:lstStyle/>
-          <a:p>
-            <a:r>
-              <a:rPr lang="nl-NL" dirty="0"/>
-              <a:t>Opdracht</a:t>
-            </a:r>
-          </a:p>
-        </p:txBody>
-      </p:sp>
-      <p:sp>
-        <p:nvSpPr>
-          <p:cNvPr id="3" name="Tijdelijke aanduiding voor inhoud 2">
-            <a:extLst>
-              <a:ext uri="{FF2B5EF4-FFF2-40B4-BE49-F238E27FC236}">
-                <a16:creationId xmlns:a16="http://schemas.microsoft.com/office/drawing/2014/main" id="{3F2E7316-7C20-58A8-B103-68F6E84BD183}"/>
-              </a:ext>
-            </a:extLst>
-          </p:cNvPr>
-          <p:cNvSpPr>
-            <a:spLocks noGrp="1"/>
-          </p:cNvSpPr>
-          <p:nvPr>
-            <p:ph idx="1"/>
-          </p:nvPr>
-        </p:nvSpPr>
-        <p:spPr/>
-        <p:txBody>
-          <a:bodyPr/>
-          <a:lstStyle/>
-          <a:p>
-            <a:endParaRPr lang="nl-NL" dirty="0"/>
-          </a:p>
-        </p:txBody>
-      </p:sp>
-    </p:spTree>
-    <p:extLst>
-      <p:ext uri="{BB962C8B-B14F-4D97-AF65-F5344CB8AC3E}">
-        <p14:creationId xmlns:p14="http://schemas.microsoft.com/office/powerpoint/2010/main" val="1546574311"/>
-      </p:ext>
-    </p:extLst>
-  </p:cSld>
-  <p:clrMapOvr>
-    <a:masterClrMapping/>
-  </p:clrMapOvr>
-</p:sld>
-</file>
-
-<file path=ppt/slides/slide5.xml><?xml version="1.0" encoding="utf-8"?>
+<file path=ppt/slides/slide10.xml><?xml version="1.0" encoding="utf-8"?>
 <p:sld xmlns:a="http://schemas.openxmlformats.org/drawingml/2006/main" xmlns:r="http://schemas.openxmlformats.org/officeDocument/2006/relationships" xmlns:p="http://schemas.openxmlformats.org/presentationml/2006/main">
   <p:cSld>
     <p:bg>
@@ -4537,7 +6608,13 @@
     </p:bg>
     <p:spTree>
       <p:nvGrpSpPr>
-        <p:cNvPr id="1" name=""/>
+        <p:cNvPr id="1" name="">
+          <a:extLst>
+            <a:ext uri="{FF2B5EF4-FFF2-40B4-BE49-F238E27FC236}">
+              <a16:creationId xmlns:a16="http://schemas.microsoft.com/office/drawing/2014/main" id="{62C4D4B9-5378-DF40-0DFB-365F33B4DFFF}"/>
+            </a:ext>
+          </a:extLst>
+        </p:cNvPr>
         <p:cNvGrpSpPr/>
         <p:nvPr/>
       </p:nvGrpSpPr>
@@ -4554,7 +6631,7 @@
           <p:cNvPr id="18" name="Rectangle 17">
             <a:extLst>
               <a:ext uri="{FF2B5EF4-FFF2-40B4-BE49-F238E27FC236}">
-                <a16:creationId xmlns:a16="http://schemas.microsoft.com/office/drawing/2014/main" id="{0D7B6173-1D58-48E2-83CF-37350F315F75}"/>
+                <a16:creationId xmlns:a16="http://schemas.microsoft.com/office/drawing/2014/main" id="{A6EE75FA-836D-273F-8A21-72388ED6F989}"/>
               </a:ext>
               <a:ext uri="{C183D7F6-B498-43B3-948B-1728B52AA6E4}">
                 <adec:decorative xmlns:adec="http://schemas.microsoft.com/office/drawing/2017/decorative" val="1"/>
@@ -4605,7 +6682,7 @@
           <a:lstStyle/>
           <a:p>
             <a:pPr algn="ctr"/>
-            <a:endParaRPr lang="en-US"/>
+            <a:endParaRPr lang="nl-NL" noProof="0" dirty="0"/>
           </a:p>
         </p:txBody>
       </p:sp>
@@ -4614,7 +6691,7 @@
           <p:cNvPr id="20" name="Rectangle 19">
             <a:extLst>
               <a:ext uri="{FF2B5EF4-FFF2-40B4-BE49-F238E27FC236}">
-                <a16:creationId xmlns:a16="http://schemas.microsoft.com/office/drawing/2014/main" id="{8B068B58-6F94-4AFF-A8A7-18573884D6CD}"/>
+                <a16:creationId xmlns:a16="http://schemas.microsoft.com/office/drawing/2014/main" id="{5B6736AB-FC1F-B399-3876-9A32DF0F3C6A}"/>
               </a:ext>
               <a:ext uri="{C183D7F6-B498-43B3-948B-1728B52AA6E4}">
                 <adec:decorative xmlns:adec="http://schemas.microsoft.com/office/drawing/2017/decorative" val="1"/>
@@ -4670,7 +6747,7 @@
           <a:lstStyle/>
           <a:p>
             <a:pPr algn="ctr"/>
-            <a:endParaRPr lang="en-US" dirty="0"/>
+            <a:endParaRPr lang="nl-NL" noProof="0" dirty="0"/>
           </a:p>
         </p:txBody>
       </p:sp>
@@ -4679,7 +6756,7 @@
           <p:cNvPr id="22" name="Picture 21">
             <a:extLst>
               <a:ext uri="{FF2B5EF4-FFF2-40B4-BE49-F238E27FC236}">
-                <a16:creationId xmlns:a16="http://schemas.microsoft.com/office/drawing/2014/main" id="{B0DAC8FB-A162-44E3-A606-C855A03A5B09}"/>
+                <a16:creationId xmlns:a16="http://schemas.microsoft.com/office/drawing/2014/main" id="{E85F9BEB-FE56-BEC2-734A-D3A9F00078E2}"/>
               </a:ext>
               <a:ext uri="{C183D7F6-B498-43B3-948B-1728B52AA6E4}">
                 <adec:decorative xmlns:adec="http://schemas.microsoft.com/office/drawing/2017/decorative" val="1"/>
@@ -4724,7 +6801,7 @@
           <p:cNvPr id="24" name="Rectangle 23">
             <a:extLst>
               <a:ext uri="{FF2B5EF4-FFF2-40B4-BE49-F238E27FC236}">
-                <a16:creationId xmlns:a16="http://schemas.microsoft.com/office/drawing/2014/main" id="{21BDEC81-16A7-4451-B893-C15000083B77}"/>
+                <a16:creationId xmlns:a16="http://schemas.microsoft.com/office/drawing/2014/main" id="{1F0C893C-CB05-FDF2-9CD4-8B9BEA5BF9E9}"/>
               </a:ext>
               <a:ext uri="{C183D7F6-B498-43B3-948B-1728B52AA6E4}">
                 <adec:decorative xmlns:adec="http://schemas.microsoft.com/office/drawing/2017/decorative" val="1"/>
@@ -4780,7 +6857,7 @@
           <a:lstStyle/>
           <a:p>
             <a:pPr algn="ctr"/>
-            <a:endParaRPr lang="en-US" dirty="0"/>
+            <a:endParaRPr lang="nl-NL" noProof="0" dirty="0"/>
           </a:p>
         </p:txBody>
       </p:sp>
@@ -4789,7 +6866,7 @@
           <p:cNvPr id="26" name="Rectangle 25">
             <a:extLst>
               <a:ext uri="{FF2B5EF4-FFF2-40B4-BE49-F238E27FC236}">
-                <a16:creationId xmlns:a16="http://schemas.microsoft.com/office/drawing/2014/main" id="{BE5B028C-7535-45E5-9D2C-32C50D0E0E43}"/>
+                <a16:creationId xmlns:a16="http://schemas.microsoft.com/office/drawing/2014/main" id="{861A5DDF-A82F-A587-93D6-8382E728B8F7}"/>
               </a:ext>
               <a:ext uri="{C183D7F6-B498-43B3-948B-1728B52AA6E4}">
                 <adec:decorative xmlns:adec="http://schemas.microsoft.com/office/drawing/2017/decorative" val="1"/>
@@ -4843,7 +6920,7 @@
           <a:lstStyle/>
           <a:p>
             <a:pPr algn="ctr"/>
-            <a:endParaRPr lang="en-US" b="1">
+            <a:endParaRPr lang="nl-NL" b="1" noProof="0" dirty="0">
               <a:ln w="22225">
                 <a:solidFill>
                   <a:schemeClr val="accent2"/>
@@ -4865,7 +6942,7 @@
           <p:cNvPr id="2" name="Titel 1">
             <a:extLst>
               <a:ext uri="{FF2B5EF4-FFF2-40B4-BE49-F238E27FC236}">
-                <a16:creationId xmlns:a16="http://schemas.microsoft.com/office/drawing/2014/main" id="{A5CC0AE6-9365-E163-F917-92C257C39CE7}"/>
+                <a16:creationId xmlns:a16="http://schemas.microsoft.com/office/drawing/2014/main" id="{CC72FCA3-717C-582F-136E-7C9BDA002D9F}"/>
               </a:ext>
             </a:extLst>
           </p:cNvPr>
@@ -4878,8 +6955,8 @@
         </p:nvSpPr>
         <p:spPr>
           <a:xfrm>
-            <a:off x="1084681" y="1083183"/>
-            <a:ext cx="4997189" cy="1153236"/>
+            <a:off x="1191966" y="900622"/>
+            <a:ext cx="4997189" cy="802172"/>
           </a:xfrm>
         </p:spPr>
         <p:txBody>
@@ -4889,53 +6966,18 @@
           <a:lstStyle/>
           <a:p>
             <a:r>
-              <a:rPr lang="nl-NL" sz="4800" dirty="0"/>
-              <a:t>Opdracht</a:t>
-            </a:r>
-          </a:p>
-        </p:txBody>
-      </p:sp>
-      <p:sp>
-        <p:nvSpPr>
-          <p:cNvPr id="11" name="Tijdelijke aanduiding voor inhoud 10">
-            <a:extLst>
-              <a:ext uri="{FF2B5EF4-FFF2-40B4-BE49-F238E27FC236}">
-                <a16:creationId xmlns:a16="http://schemas.microsoft.com/office/drawing/2014/main" id="{B817103A-577A-14E1-5F0A-BF42A5360782}"/>
-              </a:ext>
-            </a:extLst>
-          </p:cNvPr>
-          <p:cNvSpPr>
-            <a:spLocks noGrp="1"/>
-          </p:cNvSpPr>
-          <p:nvPr>
-            <p:ph idx="1"/>
-          </p:nvPr>
-        </p:nvSpPr>
-        <p:spPr>
-          <a:xfrm>
-            <a:off x="1191966" y="2965593"/>
-            <a:ext cx="4997189" cy="2941544"/>
-          </a:xfrm>
-        </p:spPr>
-        <p:txBody>
-          <a:bodyPr>
-            <a:normAutofit/>
-          </a:bodyPr>
-          <a:lstStyle/>
-          <a:p>
-            <a:r>
-              <a:rPr lang="nl-NL" sz="1800" dirty="0"/>
-              <a:t>Oude situatie</a:t>
+              <a:rPr lang="nl-NL" sz="4800" noProof="0" dirty="0"/>
+              <a:t>Mechanica</a:t>
             </a:r>
           </a:p>
         </p:txBody>
       </p:sp>
       <p:pic>
         <p:nvPicPr>
-          <p:cNvPr id="12" name="Tijdelijke aanduiding voor inhoud 8" descr="Afbeelding met tekst, schermopname, diagram, Lettertype&#10;&#10;Door AI gegenereerde inhoud is mogelijk onjuist.">
-            <a:extLst>
-              <a:ext uri="{FF2B5EF4-FFF2-40B4-BE49-F238E27FC236}">
-                <a16:creationId xmlns:a16="http://schemas.microsoft.com/office/drawing/2014/main" id="{E420B50B-B74A-F5E4-35E9-F60EC9A21C93}"/>
+          <p:cNvPr id="13" name="Afbeelding 12">
+            <a:extLst>
+              <a:ext uri="{FF2B5EF4-FFF2-40B4-BE49-F238E27FC236}">
+                <a16:creationId xmlns:a16="http://schemas.microsoft.com/office/drawing/2014/main" id="{90DBE949-BE5F-3010-8F59-B6440D1999B6}"/>
               </a:ext>
             </a:extLst>
           </p:cNvPr>
@@ -4945,21 +6987,15 @@
           <p:nvPr/>
         </p:nvPicPr>
         <p:blipFill>
-          <a:blip r:embed="rId4">
-            <a:extLst>
-              <a:ext uri="{28A0092B-C50C-407E-A947-70E740481C1C}">
-                <a14:useLocalDpi xmlns:a14="http://schemas.microsoft.com/office/drawing/2010/main" val="0"/>
-              </a:ext>
-            </a:extLst>
-          </a:blip>
+          <a:blip r:embed="rId4"/>
           <a:stretch>
             <a:fillRect/>
           </a:stretch>
         </p:blipFill>
         <p:spPr>
           <a:xfrm>
-            <a:off x="6450272" y="724795"/>
-            <a:ext cx="5025449" cy="3341924"/>
+            <a:off x="10028255" y="830155"/>
+            <a:ext cx="1516935" cy="778117"/>
           </a:xfrm>
           <a:prstGeom prst="rect">
             <a:avLst/>
@@ -4968,10 +7004,10 @@
       </p:pic>
       <p:pic>
         <p:nvPicPr>
-          <p:cNvPr id="13" name="Tijdelijke aanduiding voor inhoud 4" descr="Afbeelding met tekst, schermopname, diagram, Lettertype&#10;&#10;Door AI gegenereerde inhoud is mogelijk onjuist.">
-            <a:extLst>
-              <a:ext uri="{FF2B5EF4-FFF2-40B4-BE49-F238E27FC236}">
-                <a16:creationId xmlns:a16="http://schemas.microsoft.com/office/drawing/2014/main" id="{E9D1CDD7-00EC-3692-08C7-87518BC3B26D}"/>
+          <p:cNvPr id="16" name="Afbeelding 15">
+            <a:extLst>
+              <a:ext uri="{FF2B5EF4-FFF2-40B4-BE49-F238E27FC236}">
+                <a16:creationId xmlns:a16="http://schemas.microsoft.com/office/drawing/2014/main" id="{CCF89E25-339E-592C-E242-23D7831D1D2B}"/>
               </a:ext>
             </a:extLst>
           </p:cNvPr>
@@ -4981,33 +7017,772 @@
           <p:nvPr/>
         </p:nvPicPr>
         <p:blipFill>
-          <a:blip r:embed="rId5">
-            <a:extLst>
-              <a:ext uri="{28A0092B-C50C-407E-A947-70E740481C1C}">
-                <a14:useLocalDpi xmlns:a14="http://schemas.microsoft.com/office/drawing/2010/main" val="0"/>
-              </a:ext>
-            </a:extLst>
-          </a:blip>
+          <a:blip r:embed="rId5"/>
           <a:stretch>
             <a:fillRect/>
           </a:stretch>
         </p:blipFill>
         <p:spPr>
           <a:xfrm>
-            <a:off x="716279" y="3256224"/>
-            <a:ext cx="4807699" cy="2872601"/>
+            <a:off x="977090" y="3429000"/>
+            <a:ext cx="2007270" cy="2293430"/>
           </a:xfrm>
           <a:prstGeom prst="rect">
             <a:avLst/>
           </a:prstGeom>
         </p:spPr>
       </p:pic>
-      <p:sp>
-        <p:nvSpPr>
-          <p:cNvPr id="15" name="Tijdelijke aanduiding voor inhoud 10">
-            <a:extLst>
-              <a:ext uri="{FF2B5EF4-FFF2-40B4-BE49-F238E27FC236}">
-                <a16:creationId xmlns:a16="http://schemas.microsoft.com/office/drawing/2014/main" id="{989C787B-ED24-259D-DA5A-096BBB7B4487}"/>
+      <p:pic>
+        <p:nvPicPr>
+          <p:cNvPr id="19" name="Afbeelding 18">
+            <a:extLst>
+              <a:ext uri="{FF2B5EF4-FFF2-40B4-BE49-F238E27FC236}">
+                <a16:creationId xmlns:a16="http://schemas.microsoft.com/office/drawing/2014/main" id="{0282CC08-B16A-7B52-B510-1EDE03FF75D8}"/>
+              </a:ext>
+            </a:extLst>
+          </p:cNvPr>
+          <p:cNvPicPr>
+            <a:picLocks noChangeAspect="1"/>
+          </p:cNvPicPr>
+          <p:nvPr/>
+        </p:nvPicPr>
+        <p:blipFill>
+          <a:blip r:embed="rId6"/>
+          <a:stretch>
+            <a:fillRect/>
+          </a:stretch>
+        </p:blipFill>
+        <p:spPr>
+          <a:xfrm>
+            <a:off x="3310119" y="3428998"/>
+            <a:ext cx="2251782" cy="2291288"/>
+          </a:xfrm>
+          <a:prstGeom prst="rect">
+            <a:avLst/>
+          </a:prstGeom>
+        </p:spPr>
+      </p:pic>
+      <p:pic>
+        <p:nvPicPr>
+          <p:cNvPr id="27" name="Afbeelding 26">
+            <a:extLst>
+              <a:ext uri="{FF2B5EF4-FFF2-40B4-BE49-F238E27FC236}">
+                <a16:creationId xmlns:a16="http://schemas.microsoft.com/office/drawing/2014/main" id="{39D5C883-EF14-9D7E-6179-A4424B8A2CDB}"/>
+              </a:ext>
+            </a:extLst>
+          </p:cNvPr>
+          <p:cNvPicPr>
+            <a:picLocks noChangeAspect="1"/>
+          </p:cNvPicPr>
+          <p:nvPr/>
+        </p:nvPicPr>
+        <p:blipFill>
+          <a:blip r:embed="rId7"/>
+          <a:stretch>
+            <a:fillRect/>
+          </a:stretch>
+        </p:blipFill>
+        <p:spPr>
+          <a:xfrm>
+            <a:off x="5887661" y="3428998"/>
+            <a:ext cx="2490574" cy="2293431"/>
+          </a:xfrm>
+          <a:prstGeom prst="rect">
+            <a:avLst/>
+          </a:prstGeom>
+        </p:spPr>
+      </p:pic>
+      <p:sp>
+        <p:nvSpPr>
+          <p:cNvPr id="28" name="Tekstvak 27">
+            <a:extLst>
+              <a:ext uri="{FF2B5EF4-FFF2-40B4-BE49-F238E27FC236}">
+                <a16:creationId xmlns:a16="http://schemas.microsoft.com/office/drawing/2014/main" id="{93455183-8DD7-447F-539A-2F8F58F2F0EA}"/>
+              </a:ext>
+            </a:extLst>
+          </p:cNvPr>
+          <p:cNvSpPr txBox="1"/>
+          <p:nvPr/>
+        </p:nvSpPr>
+        <p:spPr>
+          <a:xfrm>
+            <a:off x="977090" y="2431969"/>
+            <a:ext cx="1890774" cy="923330"/>
+          </a:xfrm>
+          <a:prstGeom prst="rect">
+            <a:avLst/>
+          </a:prstGeom>
+          <a:noFill/>
+        </p:spPr>
+        <p:txBody>
+          <a:bodyPr wrap="none" rtlCol="0">
+            <a:spAutoFit/>
+          </a:bodyPr>
+          <a:lstStyle/>
+          <a:p>
+            <a:pPr marL="285750" indent="-285750">
+              <a:buFont typeface="Arial" panose="020B0604020202020204" pitchFamily="34" charset="0"/>
+              <a:buChar char="•"/>
+            </a:pPr>
+            <a:r>
+              <a:rPr lang="nl-NL" noProof="0" dirty="0"/>
+              <a:t>Instabiel</a:t>
+            </a:r>
+          </a:p>
+          <a:p>
+            <a:pPr marL="285750" indent="-285750">
+              <a:buFont typeface="Arial" panose="020B0604020202020204" pitchFamily="34" charset="0"/>
+              <a:buChar char="•"/>
+            </a:pPr>
+            <a:r>
+              <a:rPr lang="nl-NL" noProof="0" dirty="0"/>
+              <a:t>Veel beweging</a:t>
+            </a:r>
+          </a:p>
+          <a:p>
+            <a:pPr marL="285750" indent="-285750">
+              <a:buFont typeface="Arial" panose="020B0604020202020204" pitchFamily="34" charset="0"/>
+              <a:buChar char="•"/>
+            </a:pPr>
+            <a:r>
+              <a:rPr lang="nl-NL" noProof="0" dirty="0"/>
+              <a:t>Y-as vrij</a:t>
+            </a:r>
+          </a:p>
+        </p:txBody>
+      </p:sp>
+      <p:sp>
+        <p:nvSpPr>
+          <p:cNvPr id="29" name="Tekstvak 28">
+            <a:extLst>
+              <a:ext uri="{FF2B5EF4-FFF2-40B4-BE49-F238E27FC236}">
+                <a16:creationId xmlns:a16="http://schemas.microsoft.com/office/drawing/2014/main" id="{5BB025C0-EAFC-A1BD-1E2F-1D0CBDCC71DC}"/>
+              </a:ext>
+            </a:extLst>
+          </p:cNvPr>
+          <p:cNvSpPr txBox="1"/>
+          <p:nvPr/>
+        </p:nvSpPr>
+        <p:spPr>
+          <a:xfrm>
+            <a:off x="3306412" y="2431969"/>
+            <a:ext cx="2132059" cy="923330"/>
+          </a:xfrm>
+          <a:prstGeom prst="rect">
+            <a:avLst/>
+          </a:prstGeom>
+          <a:noFill/>
+        </p:spPr>
+        <p:txBody>
+          <a:bodyPr wrap="none" rtlCol="0">
+            <a:spAutoFit/>
+          </a:bodyPr>
+          <a:lstStyle/>
+          <a:p>
+            <a:pPr marL="285750" indent="-285750">
+              <a:buFont typeface="Arial" panose="020B0604020202020204" pitchFamily="34" charset="0"/>
+              <a:buChar char="•"/>
+            </a:pPr>
+            <a:r>
+              <a:rPr lang="nl-NL" noProof="0" dirty="0"/>
+              <a:t>Stabiel</a:t>
+            </a:r>
+          </a:p>
+          <a:p>
+            <a:pPr marL="285750" indent="-285750">
+              <a:buFont typeface="Arial" panose="020B0604020202020204" pitchFamily="34" charset="0"/>
+              <a:buChar char="•"/>
+            </a:pPr>
+            <a:r>
+              <a:rPr lang="nl-NL" noProof="0" dirty="0"/>
+              <a:t>Weinig beweging</a:t>
+            </a:r>
+          </a:p>
+          <a:p>
+            <a:pPr marL="285750" indent="-285750">
+              <a:buFont typeface="Arial" panose="020B0604020202020204" pitchFamily="34" charset="0"/>
+              <a:buChar char="•"/>
+            </a:pPr>
+            <a:r>
+              <a:rPr lang="nl-NL" noProof="0" dirty="0"/>
+              <a:t>Y-as niet vrij</a:t>
+            </a:r>
+          </a:p>
+        </p:txBody>
+      </p:sp>
+      <p:sp>
+        <p:nvSpPr>
+          <p:cNvPr id="30" name="Tekstvak 29">
+            <a:extLst>
+              <a:ext uri="{FF2B5EF4-FFF2-40B4-BE49-F238E27FC236}">
+                <a16:creationId xmlns:a16="http://schemas.microsoft.com/office/drawing/2014/main" id="{68824EA9-930E-4337-ED12-2DF6BF606324}"/>
+              </a:ext>
+            </a:extLst>
+          </p:cNvPr>
+          <p:cNvSpPr txBox="1"/>
+          <p:nvPr/>
+        </p:nvSpPr>
+        <p:spPr>
+          <a:xfrm>
+            <a:off x="5877019" y="2431969"/>
+            <a:ext cx="2132059" cy="923330"/>
+          </a:xfrm>
+          <a:prstGeom prst="rect">
+            <a:avLst/>
+          </a:prstGeom>
+          <a:noFill/>
+        </p:spPr>
+        <p:txBody>
+          <a:bodyPr wrap="none" rtlCol="0">
+            <a:spAutoFit/>
+          </a:bodyPr>
+          <a:lstStyle/>
+          <a:p>
+            <a:pPr marL="285750" indent="-285750">
+              <a:buFont typeface="Arial" panose="020B0604020202020204" pitchFamily="34" charset="0"/>
+              <a:buChar char="•"/>
+            </a:pPr>
+            <a:r>
+              <a:rPr lang="nl-NL" noProof="0" dirty="0"/>
+              <a:t>Stabiel</a:t>
+            </a:r>
+          </a:p>
+          <a:p>
+            <a:pPr marL="285750" indent="-285750">
+              <a:buFont typeface="Arial" panose="020B0604020202020204" pitchFamily="34" charset="0"/>
+              <a:buChar char="•"/>
+            </a:pPr>
+            <a:r>
+              <a:rPr lang="nl-NL" noProof="0" dirty="0"/>
+              <a:t>Weinig beweging</a:t>
+            </a:r>
+          </a:p>
+          <a:p>
+            <a:pPr marL="285750" indent="-285750">
+              <a:buFont typeface="Arial" panose="020B0604020202020204" pitchFamily="34" charset="0"/>
+              <a:buChar char="•"/>
+            </a:pPr>
+            <a:r>
+              <a:rPr lang="nl-NL" noProof="0" dirty="0"/>
+              <a:t>Y-as vrij</a:t>
+            </a:r>
+          </a:p>
+        </p:txBody>
+      </p:sp>
+      <p:pic>
+        <p:nvPicPr>
+          <p:cNvPr id="32" name="Afbeelding 31" descr="Afbeelding met gereedschap, houten, hout&#10;&#10;Door AI gegenereerde inhoud is mogelijk onjuist.">
+            <a:extLst>
+              <a:ext uri="{FF2B5EF4-FFF2-40B4-BE49-F238E27FC236}">
+                <a16:creationId xmlns:a16="http://schemas.microsoft.com/office/drawing/2014/main" id="{78A0AD3C-DBD8-80F0-03F8-D5EBC07981EF}"/>
+              </a:ext>
+            </a:extLst>
+          </p:cNvPr>
+          <p:cNvPicPr>
+            <a:picLocks noChangeAspect="1"/>
+          </p:cNvPicPr>
+          <p:nvPr/>
+        </p:nvPicPr>
+        <p:blipFill>
+          <a:blip r:embed="rId8">
+            <a:extLst>
+              <a:ext uri="{28A0092B-C50C-407E-A947-70E740481C1C}">
+                <a14:useLocalDpi xmlns:a14="http://schemas.microsoft.com/office/drawing/2010/main" val="0"/>
+              </a:ext>
+            </a:extLst>
+          </a:blip>
+          <a:srcRect t="25194"/>
+          <a:stretch>
+            <a:fillRect/>
+          </a:stretch>
+        </p:blipFill>
+        <p:spPr>
+          <a:xfrm>
+            <a:off x="8698902" y="1709252"/>
+            <a:ext cx="2820505" cy="2812506"/>
+          </a:xfrm>
+          <a:prstGeom prst="rect">
+            <a:avLst/>
+          </a:prstGeom>
+        </p:spPr>
+      </p:pic>
+    </p:spTree>
+    <p:extLst>
+      <p:ext uri="{BB962C8B-B14F-4D97-AF65-F5344CB8AC3E}">
+        <p14:creationId xmlns:p14="http://schemas.microsoft.com/office/powerpoint/2010/main" val="4014724831"/>
+      </p:ext>
+    </p:extLst>
+  </p:cSld>
+  <p:clrMapOvr>
+    <a:masterClrMapping/>
+  </p:clrMapOvr>
+</p:sld>
+</file>
+
+<file path=ppt/slides/slide11.xml><?xml version="1.0" encoding="utf-8"?>
+<p:sld xmlns:a="http://schemas.openxmlformats.org/drawingml/2006/main" xmlns:r="http://schemas.openxmlformats.org/officeDocument/2006/relationships" xmlns:p="http://schemas.openxmlformats.org/presentationml/2006/main">
+  <p:cSld>
+    <p:bg>
+      <p:bgPr>
+        <a:solidFill>
+          <a:schemeClr val="bg1"/>
+        </a:solidFill>
+        <a:effectLst/>
+      </p:bgPr>
+    </p:bg>
+    <p:spTree>
+      <p:nvGrpSpPr>
+        <p:cNvPr id="1" name=""/>
+        <p:cNvGrpSpPr/>
+        <p:nvPr/>
+      </p:nvGrpSpPr>
+      <p:grpSpPr>
+        <a:xfrm>
+          <a:off x="0" y="0"/>
+          <a:ext cx="0" cy="0"/>
+          <a:chOff x="0" y="0"/>
+          <a:chExt cx="0" cy="0"/>
+        </a:xfrm>
+      </p:grpSpPr>
+      <p:sp>
+        <p:nvSpPr>
+          <p:cNvPr id="2" name="Titel 1">
+            <a:extLst>
+              <a:ext uri="{FF2B5EF4-FFF2-40B4-BE49-F238E27FC236}">
+                <a16:creationId xmlns:a16="http://schemas.microsoft.com/office/drawing/2014/main" id="{A6D71FB3-D1DE-8B45-D78A-E3663B1C5D70}"/>
+              </a:ext>
+            </a:extLst>
+          </p:cNvPr>
+          <p:cNvSpPr>
+            <a:spLocks noGrp="1"/>
+          </p:cNvSpPr>
+          <p:nvPr>
+            <p:ph type="title"/>
+          </p:nvPr>
+        </p:nvSpPr>
+        <p:spPr>
+          <a:xfrm>
+            <a:off x="762001" y="1138265"/>
+            <a:ext cx="4603376" cy="2909296"/>
+          </a:xfrm>
+        </p:spPr>
+        <p:txBody>
+          <a:bodyPr anchor="t">
+            <a:normAutofit/>
+          </a:bodyPr>
+          <a:lstStyle/>
+          <a:p>
+            <a:r>
+              <a:rPr lang="nl-NL" sz="3200" noProof="0"/>
+              <a:t>Demo flimpie</a:t>
+            </a:r>
+          </a:p>
+        </p:txBody>
+      </p:sp>
+      <p:cxnSp>
+        <p:nvCxnSpPr>
+          <p:cNvPr id="8" name="Straight Connector 7">
+            <a:extLst>
+              <a:ext uri="{FF2B5EF4-FFF2-40B4-BE49-F238E27FC236}">
+                <a16:creationId xmlns:a16="http://schemas.microsoft.com/office/drawing/2014/main" id="{00CD8E7C-C23B-A3B9-B18A-838AED877A40}"/>
+              </a:ext>
+              <a:ext uri="{C183D7F6-B498-43B3-948B-1728B52AA6E4}">
+                <adec:decorative xmlns:adec="http://schemas.microsoft.com/office/drawing/2017/decorative" val="1"/>
+              </a:ext>
+            </a:extLst>
+          </p:cNvPr>
+          <p:cNvCxnSpPr>
+            <a:cxnSpLocks noGrp="1" noRot="1" noChangeAspect="1" noMove="1" noResize="1" noEditPoints="1" noAdjustHandles="1" noChangeArrowheads="1" noChangeShapeType="1"/>
+          </p:cNvCxnSpPr>
+          <p:nvPr>
+            <p:extLst>
+              <p:ext uri="{386F3935-93C4-4BCD-93E2-E3B085C9AB24}">
+                <p16:designElem xmlns:p16="http://schemas.microsoft.com/office/powerpoint/2015/main" val="1"/>
+              </p:ext>
+            </p:extLst>
+          </p:nvPr>
+        </p:nvCxnSpPr>
+        <p:spPr>
+          <a:xfrm>
+            <a:off x="865140" y="871146"/>
+            <a:ext cx="736939" cy="0"/>
+          </a:xfrm>
+          <a:prstGeom prst="line">
+            <a:avLst/>
+          </a:prstGeom>
+          <a:ln w="57150">
+            <a:solidFill>
+              <a:schemeClr val="accent4"/>
+            </a:solidFill>
+          </a:ln>
+        </p:spPr>
+        <p:style>
+          <a:lnRef idx="1">
+            <a:schemeClr val="accent1"/>
+          </a:lnRef>
+          <a:fillRef idx="0">
+            <a:schemeClr val="accent1"/>
+          </a:fillRef>
+          <a:effectRef idx="0">
+            <a:schemeClr val="accent1"/>
+          </a:effectRef>
+          <a:fontRef idx="minor">
+            <a:schemeClr val="tx1"/>
+          </a:fontRef>
+        </p:style>
+      </p:cxnSp>
+      <p:sp>
+        <p:nvSpPr>
+          <p:cNvPr id="3" name="Tijdelijke aanduiding voor inhoud 2">
+            <a:extLst>
+              <a:ext uri="{FF2B5EF4-FFF2-40B4-BE49-F238E27FC236}">
+                <a16:creationId xmlns:a16="http://schemas.microsoft.com/office/drawing/2014/main" id="{E1278874-EF8C-736B-2439-7F5A36AFAB77}"/>
+              </a:ext>
+            </a:extLst>
+          </p:cNvPr>
+          <p:cNvSpPr>
+            <a:spLocks noGrp="1"/>
+          </p:cNvSpPr>
+          <p:nvPr>
+            <p:ph idx="1"/>
+          </p:nvPr>
+        </p:nvSpPr>
+        <p:spPr>
+          <a:xfrm>
+            <a:off x="6003984" y="1102664"/>
+            <a:ext cx="5257800" cy="5064896"/>
+          </a:xfrm>
+        </p:spPr>
+        <p:txBody>
+          <a:bodyPr>
+            <a:normAutofit/>
+          </a:bodyPr>
+          <a:lstStyle/>
+          <a:p>
+            <a:endParaRPr lang="nl-NL" sz="2000" noProof="0"/>
+          </a:p>
+        </p:txBody>
+      </p:sp>
+    </p:spTree>
+    <p:extLst>
+      <p:ext uri="{BB962C8B-B14F-4D97-AF65-F5344CB8AC3E}">
+        <p14:creationId xmlns:p14="http://schemas.microsoft.com/office/powerpoint/2010/main" val="2800833129"/>
+      </p:ext>
+    </p:extLst>
+  </p:cSld>
+  <p:clrMapOvr>
+    <a:masterClrMapping/>
+  </p:clrMapOvr>
+</p:sld>
+</file>
+
+<file path=ppt/slides/slide12.xml><?xml version="1.0" encoding="utf-8"?>
+<p:sld xmlns:a="http://schemas.openxmlformats.org/drawingml/2006/main" xmlns:r="http://schemas.openxmlformats.org/officeDocument/2006/relationships" xmlns:p="http://schemas.openxmlformats.org/presentationml/2006/main">
+  <p:cSld>
+    <p:bg>
+      <p:bgPr>
+        <a:solidFill>
+          <a:schemeClr val="bg1"/>
+        </a:solidFill>
+        <a:effectLst/>
+      </p:bgPr>
+    </p:bg>
+    <p:spTree>
+      <p:nvGrpSpPr>
+        <p:cNvPr id="1" name="">
+          <a:extLst>
+            <a:ext uri="{FF2B5EF4-FFF2-40B4-BE49-F238E27FC236}">
+              <a16:creationId xmlns:a16="http://schemas.microsoft.com/office/drawing/2014/main" id="{7A0C62BB-17E1-E568-3EB8-319165521D1A}"/>
+            </a:ext>
+          </a:extLst>
+        </p:cNvPr>
+        <p:cNvGrpSpPr/>
+        <p:nvPr/>
+      </p:nvGrpSpPr>
+      <p:grpSpPr>
+        <a:xfrm>
+          <a:off x="0" y="0"/>
+          <a:ext cx="0" cy="0"/>
+          <a:chOff x="0" y="0"/>
+          <a:chExt cx="0" cy="0"/>
+        </a:xfrm>
+      </p:grpSpPr>
+      <p:sp>
+        <p:nvSpPr>
+          <p:cNvPr id="2" name="Titel 1">
+            <a:extLst>
+              <a:ext uri="{FF2B5EF4-FFF2-40B4-BE49-F238E27FC236}">
+                <a16:creationId xmlns:a16="http://schemas.microsoft.com/office/drawing/2014/main" id="{20F4610D-339C-9571-1BB1-CFCF2FC438F7}"/>
+              </a:ext>
+            </a:extLst>
+          </p:cNvPr>
+          <p:cNvSpPr>
+            <a:spLocks noGrp="1"/>
+          </p:cNvSpPr>
+          <p:nvPr>
+            <p:ph type="title"/>
+          </p:nvPr>
+        </p:nvSpPr>
+        <p:spPr>
+          <a:xfrm>
+            <a:off x="762000" y="1138036"/>
+            <a:ext cx="4085665" cy="1402470"/>
+          </a:xfrm>
+        </p:spPr>
+        <p:txBody>
+          <a:bodyPr anchor="t">
+            <a:normAutofit/>
+          </a:bodyPr>
+          <a:lstStyle/>
+          <a:p>
+            <a:r>
+              <a:rPr lang="nl-NL" sz="3200" dirty="0"/>
+              <a:t>Conclusie</a:t>
+            </a:r>
+            <a:endParaRPr lang="nl-NL" sz="3200" noProof="0" dirty="0"/>
+          </a:p>
+        </p:txBody>
+      </p:sp>
+      <p:cxnSp>
+        <p:nvCxnSpPr>
+          <p:cNvPr id="28" name="Straight Connector 27">
+            <a:extLst>
+              <a:ext uri="{FF2B5EF4-FFF2-40B4-BE49-F238E27FC236}">
+                <a16:creationId xmlns:a16="http://schemas.microsoft.com/office/drawing/2014/main" id="{1503BFE4-729B-D9D0-C17B-501E6AF1127A}"/>
+              </a:ext>
+              <a:ext uri="{C183D7F6-B498-43B3-948B-1728B52AA6E4}">
+                <adec:decorative xmlns:adec="http://schemas.microsoft.com/office/drawing/2017/decorative" val="1"/>
+              </a:ext>
+            </a:extLst>
+          </p:cNvPr>
+          <p:cNvCxnSpPr>
+            <a:cxnSpLocks noGrp="1" noRot="1" noChangeAspect="1" noMove="1" noResize="1" noEditPoints="1" noAdjustHandles="1" noChangeArrowheads="1" noChangeShapeType="1"/>
+          </p:cNvCxnSpPr>
+          <p:nvPr>
+            <p:extLst>
+              <p:ext uri="{386F3935-93C4-4BCD-93E2-E3B085C9AB24}">
+                <p16:designElem xmlns:p16="http://schemas.microsoft.com/office/powerpoint/2015/main" val="1"/>
+              </p:ext>
+            </p:extLst>
+          </p:nvPr>
+        </p:nvCxnSpPr>
+        <p:spPr>
+          <a:xfrm>
+            <a:off x="865140" y="871146"/>
+            <a:ext cx="736939" cy="0"/>
+          </a:xfrm>
+          <a:prstGeom prst="line">
+            <a:avLst/>
+          </a:prstGeom>
+          <a:ln w="57150">
+            <a:solidFill>
+              <a:schemeClr val="accent4"/>
+            </a:solidFill>
+          </a:ln>
+        </p:spPr>
+        <p:style>
+          <a:lnRef idx="1">
+            <a:schemeClr val="accent1"/>
+          </a:lnRef>
+          <a:fillRef idx="0">
+            <a:schemeClr val="accent1"/>
+          </a:fillRef>
+          <a:effectRef idx="0">
+            <a:schemeClr val="accent1"/>
+          </a:effectRef>
+          <a:fontRef idx="minor">
+            <a:schemeClr val="tx1"/>
+          </a:fontRef>
+        </p:style>
+      </p:cxnSp>
+      <p:sp>
+        <p:nvSpPr>
+          <p:cNvPr id="3" name="Tijdelijke aanduiding voor inhoud 2">
+            <a:extLst>
+              <a:ext uri="{FF2B5EF4-FFF2-40B4-BE49-F238E27FC236}">
+                <a16:creationId xmlns:a16="http://schemas.microsoft.com/office/drawing/2014/main" id="{F4A3CA43-9F90-AC62-2C66-DD2C72929EF5}"/>
+              </a:ext>
+            </a:extLst>
+          </p:cNvPr>
+          <p:cNvSpPr>
+            <a:spLocks noGrp="1"/>
+          </p:cNvSpPr>
+          <p:nvPr>
+            <p:ph idx="1"/>
+          </p:nvPr>
+        </p:nvSpPr>
+        <p:spPr>
+          <a:xfrm>
+            <a:off x="762000" y="2551176"/>
+            <a:ext cx="4085665" cy="3591207"/>
+          </a:xfrm>
+        </p:spPr>
+        <p:txBody>
+          <a:bodyPr>
+            <a:normAutofit/>
+          </a:bodyPr>
+          <a:lstStyle/>
+          <a:p>
+            <a:r>
+              <a:rPr lang="nl-NL" sz="1600" b="1"/>
+              <a:t>Wat werkt er?</a:t>
+            </a:r>
+          </a:p>
+          <a:p>
+            <a:pPr lvl="1"/>
+            <a:r>
+              <a:rPr lang="nl-NL" sz="1600"/>
+              <a:t>Beweging</a:t>
+            </a:r>
+          </a:p>
+          <a:p>
+            <a:pPr lvl="1"/>
+            <a:r>
+              <a:rPr lang="nl-NL" sz="1600"/>
+              <a:t>Sensor</a:t>
+            </a:r>
+          </a:p>
+          <a:p>
+            <a:pPr lvl="1"/>
+            <a:r>
+              <a:rPr lang="nl-NL" sz="1600"/>
+              <a:t>Modulair</a:t>
+            </a:r>
+            <a:br>
+              <a:rPr lang="en-NL" sz="1600"/>
+            </a:br>
+            <a:endParaRPr lang="nl-NL" sz="1600"/>
+          </a:p>
+          <a:p>
+            <a:r>
+              <a:rPr lang="nl-NL" sz="1600" b="1"/>
+              <a:t>Adviezen</a:t>
+            </a:r>
+          </a:p>
+          <a:p>
+            <a:pPr lvl="1"/>
+            <a:r>
+              <a:rPr lang="nl-NL" sz="1600"/>
+              <a:t>Kalibratie</a:t>
+            </a:r>
+          </a:p>
+          <a:p>
+            <a:pPr lvl="1"/>
+            <a:r>
+              <a:rPr lang="nl-NL" sz="1600"/>
+              <a:t>PCB maken en goede kabels gebruiken.</a:t>
+            </a:r>
+          </a:p>
+          <a:p>
+            <a:pPr lvl="1"/>
+            <a:r>
+              <a:rPr lang="en-NL" sz="1600"/>
+              <a:t>Gcode files op een SD kaart zetten.</a:t>
+            </a:r>
+            <a:endParaRPr lang="nl-NL" sz="1600"/>
+          </a:p>
+          <a:p>
+            <a:pPr lvl="1"/>
+            <a:r>
+              <a:rPr lang="nl-NL" sz="1600"/>
+              <a:t>Sensor uitlezen</a:t>
+            </a:r>
+            <a:r>
+              <a:rPr lang="en-NL" sz="1600"/>
+              <a:t> met module?</a:t>
+            </a:r>
+          </a:p>
+          <a:p>
+            <a:pPr lvl="1"/>
+            <a:r>
+              <a:rPr lang="en-NL" sz="1600"/>
+              <a:t>LCD Scherm</a:t>
+            </a:r>
+            <a:endParaRPr lang="nl-NL" sz="1600"/>
+          </a:p>
+        </p:txBody>
+      </p:sp>
+      <p:pic>
+        <p:nvPicPr>
+          <p:cNvPr id="14" name="Picture 13" descr="Elektronica protoboard">
+            <a:extLst>
+              <a:ext uri="{FF2B5EF4-FFF2-40B4-BE49-F238E27FC236}">
+                <a16:creationId xmlns:a16="http://schemas.microsoft.com/office/drawing/2014/main" id="{0CC8529F-D65D-AD46-B33D-483B6D4AA0BD}"/>
+              </a:ext>
+            </a:extLst>
+          </p:cNvPr>
+          <p:cNvPicPr>
+            <a:picLocks noChangeAspect="1"/>
+          </p:cNvPicPr>
+          <p:nvPr/>
+        </p:nvPicPr>
+        <p:blipFill>
+          <a:blip r:embed="rId3"/>
+          <a:srcRect l="788" r="35546" b="-1"/>
+          <a:stretch>
+            <a:fillRect/>
+          </a:stretch>
+        </p:blipFill>
+        <p:spPr>
+          <a:xfrm>
+            <a:off x="5650992" y="10"/>
+            <a:ext cx="6541008" cy="6857990"/>
+          </a:xfrm>
+          <a:prstGeom prst="rect">
+            <a:avLst/>
+          </a:prstGeom>
+        </p:spPr>
+      </p:pic>
+    </p:spTree>
+    <p:extLst>
+      <p:ext uri="{BB962C8B-B14F-4D97-AF65-F5344CB8AC3E}">
+        <p14:creationId xmlns:p14="http://schemas.microsoft.com/office/powerpoint/2010/main" val="2476883254"/>
+      </p:ext>
+    </p:extLst>
+  </p:cSld>
+  <p:clrMapOvr>
+    <a:masterClrMapping/>
+  </p:clrMapOvr>
+</p:sld>
+</file>
+
+<file path=ppt/slides/slide13.xml><?xml version="1.0" encoding="utf-8"?>
+<p:sld xmlns:a="http://schemas.openxmlformats.org/drawingml/2006/main" xmlns:r="http://schemas.openxmlformats.org/officeDocument/2006/relationships" xmlns:p="http://schemas.openxmlformats.org/presentationml/2006/main">
+  <p:cSld>
+    <p:bg>
+      <p:bgPr>
+        <a:solidFill>
+          <a:schemeClr val="bg1"/>
+        </a:solidFill>
+        <a:effectLst/>
+      </p:bgPr>
+    </p:bg>
+    <p:spTree>
+      <p:nvGrpSpPr>
+        <p:cNvPr id="1" name="">
+          <a:extLst>
+            <a:ext uri="{FF2B5EF4-FFF2-40B4-BE49-F238E27FC236}">
+              <a16:creationId xmlns:a16="http://schemas.microsoft.com/office/drawing/2014/main" id="{327B18FE-51C8-15B3-A20E-D08086FDC234}"/>
+            </a:ext>
+          </a:extLst>
+        </p:cNvPr>
+        <p:cNvGrpSpPr/>
+        <p:nvPr/>
+      </p:nvGrpSpPr>
+      <p:grpSpPr>
+        <a:xfrm>
+          <a:off x="0" y="0"/>
+          <a:ext cx="0" cy="0"/>
+          <a:chOff x="0" y="0"/>
+          <a:chExt cx="0" cy="0"/>
+        </a:xfrm>
+      </p:grpSpPr>
+      <p:sp>
+        <p:nvSpPr>
+          <p:cNvPr id="13" name="Titel 1">
+            <a:extLst>
+              <a:ext uri="{FF2B5EF4-FFF2-40B4-BE49-F238E27FC236}">
+                <a16:creationId xmlns:a16="http://schemas.microsoft.com/office/drawing/2014/main" id="{8FE83C05-FA20-0C57-980C-B85E5C34D691}"/>
               </a:ext>
             </a:extLst>
           </p:cNvPr>
@@ -5018,8 +7793,119 @@
         </p:nvSpPr>
         <p:spPr>
           <a:xfrm>
-            <a:off x="6973293" y="4066719"/>
-            <a:ext cx="4997189" cy="2941544"/>
+            <a:off x="762000" y="1138036"/>
+            <a:ext cx="4085665" cy="1402470"/>
+          </a:xfrm>
+          <a:prstGeom prst="rect">
+            <a:avLst/>
+          </a:prstGeom>
+        </p:spPr>
+        <p:txBody>
+          <a:bodyPr vert="horz" lIns="91440" tIns="45720" rIns="91440" bIns="45720" rtlCol="0" anchor="t">
+            <a:normAutofit/>
+          </a:bodyPr>
+          <a:lstStyle>
+            <a:lvl1pPr algn="l" defTabSz="914400" rtl="0" eaLnBrk="1" latinLnBrk="0" hangingPunct="1">
+              <a:lnSpc>
+                <a:spcPct val="90000"/>
+              </a:lnSpc>
+              <a:spcBef>
+                <a:spcPct val="0"/>
+              </a:spcBef>
+              <a:buNone/>
+              <a:defRPr sz="4400" kern="1200">
+                <a:solidFill>
+                  <a:schemeClr val="tx1"/>
+                </a:solidFill>
+                <a:latin typeface="+mj-lt"/>
+                <a:ea typeface="+mj-ea"/>
+                <a:cs typeface="+mj-cs"/>
+              </a:defRPr>
+            </a:lvl1pPr>
+          </a:lstStyle>
+          <a:p>
+            <a:pPr>
+              <a:spcAft>
+                <a:spcPts val="600"/>
+              </a:spcAft>
+            </a:pPr>
+            <a:r>
+              <a:rPr lang="en-US" sz="3200"/>
+              <a:t>Zelfreflectie</a:t>
+            </a:r>
+          </a:p>
+        </p:txBody>
+      </p:sp>
+      <p:cxnSp>
+        <p:nvCxnSpPr>
+          <p:cNvPr id="40" name="Straight Connector 39">
+            <a:extLst>
+              <a:ext uri="{FF2B5EF4-FFF2-40B4-BE49-F238E27FC236}">
+                <a16:creationId xmlns:a16="http://schemas.microsoft.com/office/drawing/2014/main" id="{1503BFE4-729B-D9D0-C17B-501E6AF1127A}"/>
+              </a:ext>
+              <a:ext uri="{C183D7F6-B498-43B3-948B-1728B52AA6E4}">
+                <adec:decorative xmlns:adec="http://schemas.microsoft.com/office/drawing/2017/decorative" val="1"/>
+              </a:ext>
+            </a:extLst>
+          </p:cNvPr>
+          <p:cNvCxnSpPr>
+            <a:cxnSpLocks noGrp="1" noRot="1" noChangeAspect="1" noMove="1" noResize="1" noEditPoints="1" noAdjustHandles="1" noChangeArrowheads="1" noChangeShapeType="1"/>
+          </p:cNvCxnSpPr>
+          <p:nvPr>
+            <p:extLst>
+              <p:ext uri="{386F3935-93C4-4BCD-93E2-E3B085C9AB24}">
+                <p16:designElem xmlns:p16="http://schemas.microsoft.com/office/powerpoint/2015/main" val="1"/>
+              </p:ext>
+            </p:extLst>
+          </p:nvPr>
+        </p:nvCxnSpPr>
+        <p:spPr>
+          <a:xfrm>
+            <a:off x="865140" y="871146"/>
+            <a:ext cx="736939" cy="0"/>
+          </a:xfrm>
+          <a:prstGeom prst="line">
+            <a:avLst/>
+          </a:prstGeom>
+          <a:ln w="57150">
+            <a:solidFill>
+              <a:schemeClr val="accent4"/>
+            </a:solidFill>
+          </a:ln>
+        </p:spPr>
+        <p:style>
+          <a:lnRef idx="1">
+            <a:schemeClr val="accent1"/>
+          </a:lnRef>
+          <a:fillRef idx="0">
+            <a:schemeClr val="accent1"/>
+          </a:fillRef>
+          <a:effectRef idx="0">
+            <a:schemeClr val="accent1"/>
+          </a:effectRef>
+          <a:fontRef idx="minor">
+            <a:schemeClr val="tx1"/>
+          </a:fontRef>
+        </p:style>
+      </p:cxnSp>
+      <p:sp>
+        <p:nvSpPr>
+          <p:cNvPr id="15" name="Tijdelijke aanduiding voor inhoud 2">
+            <a:extLst>
+              <a:ext uri="{FF2B5EF4-FFF2-40B4-BE49-F238E27FC236}">
+                <a16:creationId xmlns:a16="http://schemas.microsoft.com/office/drawing/2014/main" id="{65AFE048-478D-2BF8-E6E8-96F495701262}"/>
+              </a:ext>
+            </a:extLst>
+          </p:cNvPr>
+          <p:cNvSpPr txBox="1">
+            <a:spLocks/>
+          </p:cNvSpPr>
+          <p:nvPr/>
+        </p:nvSpPr>
+        <p:spPr>
+          <a:xfrm>
+            <a:off x="762000" y="2551176"/>
+            <a:ext cx="4085665" cy="3591207"/>
           </a:xfrm>
           <a:prstGeom prst="rect">
             <a:avLst/>
@@ -5195,16 +8081,91 @@
           </a:lstStyle>
           <a:p>
             <a:r>
-              <a:rPr lang="nl-NL" sz="1800" dirty="0"/>
-              <a:t>Nieuwe situatie</a:t>
-            </a:r>
-          </a:p>
-        </p:txBody>
-      </p:sp>
+              <a:rPr lang="en-US" sz="1900"/>
+              <a:t>Meer gestructureerd.</a:t>
+            </a:r>
+          </a:p>
+          <a:p>
+            <a:pPr lvl="1"/>
+            <a:r>
+              <a:rPr lang="en-US" sz="1900"/>
+              <a:t>Beter planning bijhouden.</a:t>
+            </a:r>
+          </a:p>
+          <a:p>
+            <a:pPr lvl="1"/>
+            <a:r>
+              <a:rPr lang="en-US" sz="1900"/>
+              <a:t>Beter bijhouden wat er nog gedaan moet worden</a:t>
+            </a:r>
+          </a:p>
+          <a:p>
+            <a:r>
+              <a:rPr lang="en-US" sz="1900"/>
+              <a:t>Sneller vragen stellen.</a:t>
+            </a:r>
+          </a:p>
+          <a:p>
+            <a:endParaRPr lang="en-US" sz="1900"/>
+          </a:p>
+          <a:p>
+            <a:endParaRPr lang="en-US" sz="1900"/>
+          </a:p>
+          <a:p>
+            <a:r>
+              <a:rPr lang="en-US" sz="1900"/>
+              <a:t>Veel afgekregen</a:t>
+            </a:r>
+          </a:p>
+          <a:p>
+            <a:r>
+              <a:rPr lang="en-US" sz="1900"/>
+              <a:t>Veel ervaring opgedaan</a:t>
+            </a:r>
+          </a:p>
+          <a:p>
+            <a:r>
+              <a:rPr lang="en-US" sz="1900"/>
+              <a:t>Meer zelfvertrouwen</a:t>
+            </a:r>
+          </a:p>
+        </p:txBody>
+      </p:sp>
+      <p:pic>
+        <p:nvPicPr>
+          <p:cNvPr id="21" name="Picture 13" descr="Close-up van een verlichte printplaat">
+            <a:extLst>
+              <a:ext uri="{FF2B5EF4-FFF2-40B4-BE49-F238E27FC236}">
+                <a16:creationId xmlns:a16="http://schemas.microsoft.com/office/drawing/2014/main" id="{63B28B43-B826-A55B-A4AA-2F7321E35B4C}"/>
+              </a:ext>
+            </a:extLst>
+          </p:cNvPr>
+          <p:cNvPicPr>
+            <a:picLocks noChangeAspect="1"/>
+          </p:cNvPicPr>
+          <p:nvPr/>
+        </p:nvPicPr>
+        <p:blipFill>
+          <a:blip r:embed="rId3"/>
+          <a:srcRect l="12908" r="18897"/>
+          <a:stretch>
+            <a:fillRect/>
+          </a:stretch>
+        </p:blipFill>
+        <p:spPr>
+          <a:xfrm>
+            <a:off x="5650992" y="10"/>
+            <a:ext cx="6541008" cy="6857990"/>
+          </a:xfrm>
+          <a:prstGeom prst="rect">
+            <a:avLst/>
+          </a:prstGeom>
+        </p:spPr>
+      </p:pic>
     </p:spTree>
     <p:extLst>
       <p:ext uri="{BB962C8B-B14F-4D97-AF65-F5344CB8AC3E}">
-        <p14:creationId xmlns:p14="http://schemas.microsoft.com/office/powerpoint/2010/main" val="2119706625"/>
+        <p14:creationId xmlns:p14="http://schemas.microsoft.com/office/powerpoint/2010/main" val="2372288765"/>
       </p:ext>
     </p:extLst>
   </p:cSld>
@@ -5214,9 +8175,17 @@
 </p:sld>
 </file>
 
-<file path=ppt/slides/slide6.xml><?xml version="1.0" encoding="utf-8"?>
+<file path=ppt/slides/slide14.xml><?xml version="1.0" encoding="utf-8"?>
 <p:sld xmlns:a="http://schemas.openxmlformats.org/drawingml/2006/main" xmlns:r="http://schemas.openxmlformats.org/officeDocument/2006/relationships" xmlns:p="http://schemas.openxmlformats.org/presentationml/2006/main">
   <p:cSld>
+    <p:bg>
+      <p:bgPr>
+        <a:solidFill>
+          <a:schemeClr val="bg1"/>
+        </a:solidFill>
+        <a:effectLst/>
+      </p:bgPr>
+    </p:bg>
     <p:spTree>
       <p:nvGrpSpPr>
         <p:cNvPr id="1" name=""/>
@@ -5236,7 +8205,7 @@
           <p:cNvPr id="2" name="Titel 1">
             <a:extLst>
               <a:ext uri="{FF2B5EF4-FFF2-40B4-BE49-F238E27FC236}">
-                <a16:creationId xmlns:a16="http://schemas.microsoft.com/office/drawing/2014/main" id="{C73FA6E9-0A0A-833A-4843-D98B4A031136}"/>
+                <a16:creationId xmlns:a16="http://schemas.microsoft.com/office/drawing/2014/main" id="{A9D0076C-19DC-5657-DBF5-2EDAA9F0938F}"/>
               </a:ext>
             </a:extLst>
           </p:cNvPr>
@@ -5245,83 +8214,251 @@
           </p:cNvSpPr>
           <p:nvPr>
             <p:ph type="title"/>
-          </p:nvPr>
-        </p:nvSpPr>
-        <p:spPr/>
-        <p:txBody>
-          <a:bodyPr/>
-          <a:lstStyle/>
-          <a:p>
-            <a:r>
-              <a:rPr lang="nl-NL"/>
-              <a:t>Wat heb ik gedaan</a:t>
-            </a:r>
-            <a:endParaRPr lang="nl-NL" dirty="0"/>
-          </a:p>
-        </p:txBody>
-      </p:sp>
-      <p:sp>
-        <p:nvSpPr>
-          <p:cNvPr id="3" name="Tijdelijke aanduiding voor inhoud 2">
-            <a:extLst>
-              <a:ext uri="{FF2B5EF4-FFF2-40B4-BE49-F238E27FC236}">
-                <a16:creationId xmlns:a16="http://schemas.microsoft.com/office/drawing/2014/main" id="{A6F1AE2C-58F6-57ED-F461-51AAA2F60CC4}"/>
-              </a:ext>
-            </a:extLst>
-          </p:cNvPr>
-          <p:cNvSpPr>
-            <a:spLocks noGrp="1"/>
-          </p:cNvSpPr>
-          <p:nvPr>
-            <p:ph idx="1"/>
           </p:nvPr>
         </p:nvSpPr>
         <p:spPr>
           <a:xfrm>
-            <a:off x="838200" y="1827213"/>
-            <a:ext cx="10515600" cy="4351338"/>
+            <a:off x="762000" y="1138036"/>
+            <a:ext cx="4085665" cy="1402470"/>
           </a:xfrm>
         </p:spPr>
         <p:txBody>
-          <a:bodyPr/>
+          <a:bodyPr anchor="t">
+            <a:normAutofit/>
+          </a:bodyPr>
           <a:lstStyle/>
           <a:p>
             <a:r>
-              <a:rPr lang="nl-NL" dirty="0"/>
-              <a:t>Hardware</a:t>
-            </a:r>
-          </a:p>
-          <a:p>
-            <a:r>
-              <a:rPr lang="nl-NL" dirty="0"/>
-              <a:t>Software</a:t>
-            </a:r>
-          </a:p>
-          <a:p>
-            <a:r>
-              <a:rPr lang="nl-NL" dirty="0"/>
-              <a:t>Mechanica</a:t>
-            </a:r>
-          </a:p>
-          <a:p>
-            <a:endParaRPr lang="nl-NL" dirty="0"/>
-          </a:p>
-        </p:txBody>
-      </p:sp>
+              <a:rPr lang="nl-NL" sz="3200" noProof="0"/>
+              <a:t>Einde</a:t>
+            </a:r>
+          </a:p>
+        </p:txBody>
+      </p:sp>
+      <p:cxnSp>
+        <p:nvCxnSpPr>
+          <p:cNvPr id="9" name="Straight Connector 8">
+            <a:extLst>
+              <a:ext uri="{FF2B5EF4-FFF2-40B4-BE49-F238E27FC236}">
+                <a16:creationId xmlns:a16="http://schemas.microsoft.com/office/drawing/2014/main" id="{1503BFE4-729B-D9D0-C17B-501E6AF1127A}"/>
+              </a:ext>
+              <a:ext uri="{C183D7F6-B498-43B3-948B-1728B52AA6E4}">
+                <adec:decorative xmlns:adec="http://schemas.microsoft.com/office/drawing/2017/decorative" val="1"/>
+              </a:ext>
+            </a:extLst>
+          </p:cNvPr>
+          <p:cNvCxnSpPr>
+            <a:cxnSpLocks noGrp="1" noRot="1" noChangeAspect="1" noMove="1" noResize="1" noEditPoints="1" noAdjustHandles="1" noChangeArrowheads="1" noChangeShapeType="1"/>
+          </p:cNvCxnSpPr>
+          <p:nvPr>
+            <p:extLst>
+              <p:ext uri="{386F3935-93C4-4BCD-93E2-E3B085C9AB24}">
+                <p16:designElem xmlns:p16="http://schemas.microsoft.com/office/powerpoint/2015/main" val="1"/>
+              </p:ext>
+            </p:extLst>
+          </p:nvPr>
+        </p:nvCxnSpPr>
+        <p:spPr>
+          <a:xfrm>
+            <a:off x="865140" y="871146"/>
+            <a:ext cx="736939" cy="0"/>
+          </a:xfrm>
+          <a:prstGeom prst="line">
+            <a:avLst/>
+          </a:prstGeom>
+          <a:ln w="57150">
+            <a:solidFill>
+              <a:schemeClr val="accent4"/>
+            </a:solidFill>
+          </a:ln>
+        </p:spPr>
+        <p:style>
+          <a:lnRef idx="1">
+            <a:schemeClr val="accent1"/>
+          </a:lnRef>
+          <a:fillRef idx="0">
+            <a:schemeClr val="accent1"/>
+          </a:fillRef>
+          <a:effectRef idx="0">
+            <a:schemeClr val="accent1"/>
+          </a:effectRef>
+          <a:fontRef idx="minor">
+            <a:schemeClr val="tx1"/>
+          </a:fontRef>
+        </p:style>
+      </p:cxnSp>
+      <p:sp>
+        <p:nvSpPr>
+          <p:cNvPr id="3" name="Tijdelijke aanduiding voor inhoud 2">
+            <a:extLst>
+              <a:ext uri="{FF2B5EF4-FFF2-40B4-BE49-F238E27FC236}">
+                <a16:creationId xmlns:a16="http://schemas.microsoft.com/office/drawing/2014/main" id="{12559731-3202-09DA-12C4-167CFCAB3AC7}"/>
+              </a:ext>
+            </a:extLst>
+          </p:cNvPr>
+          <p:cNvSpPr>
+            <a:spLocks noGrp="1"/>
+          </p:cNvSpPr>
+          <p:nvPr>
+            <p:ph idx="1"/>
+          </p:nvPr>
+        </p:nvSpPr>
+        <p:spPr>
+          <a:xfrm>
+            <a:off x="762000" y="2551176"/>
+            <a:ext cx="4085665" cy="3591207"/>
+          </a:xfrm>
+        </p:spPr>
+        <p:txBody>
+          <a:bodyPr>
+            <a:normAutofit/>
+          </a:bodyPr>
+          <a:lstStyle/>
+          <a:p>
+            <a:r>
+              <a:rPr lang="nl-NL" sz="2000" noProof="0"/>
+              <a:t>Zijn er nog vragen</a:t>
+            </a:r>
+          </a:p>
+        </p:txBody>
+      </p:sp>
+      <p:pic>
+        <p:nvPicPr>
+          <p:cNvPr id="5" name="Picture 4" descr="Een grijze ruimte vol vraagtekens met een open uitgang">
+            <a:extLst>
+              <a:ext uri="{FF2B5EF4-FFF2-40B4-BE49-F238E27FC236}">
+                <a16:creationId xmlns:a16="http://schemas.microsoft.com/office/drawing/2014/main" id="{D5B1C056-5D12-60BA-E1AF-B4C7B5F1E305}"/>
+              </a:ext>
+            </a:extLst>
+          </p:cNvPr>
+          <p:cNvPicPr>
+            <a:picLocks noChangeAspect="1"/>
+          </p:cNvPicPr>
+          <p:nvPr/>
+        </p:nvPicPr>
+        <p:blipFill>
+          <a:blip r:embed="rId2"/>
+          <a:srcRect l="19710" r="16624" b="-1"/>
+          <a:stretch>
+            <a:fillRect/>
+          </a:stretch>
+        </p:blipFill>
+        <p:spPr>
+          <a:xfrm>
+            <a:off x="5650992" y="10"/>
+            <a:ext cx="6541008" cy="6857990"/>
+          </a:xfrm>
+          <a:prstGeom prst="rect">
+            <a:avLst/>
+          </a:prstGeom>
+        </p:spPr>
+      </p:pic>
     </p:spTree>
     <p:extLst>
       <p:ext uri="{BB962C8B-B14F-4D97-AF65-F5344CB8AC3E}">
-        <p14:creationId xmlns:p14="http://schemas.microsoft.com/office/powerpoint/2010/main" val="2222343251"/>
+        <p14:creationId xmlns:p14="http://schemas.microsoft.com/office/powerpoint/2010/main" val="1699199363"/>
       </p:ext>
     </p:extLst>
   </p:cSld>
   <p:clrMapOvr>
     <a:masterClrMapping/>
   </p:clrMapOvr>
+  <p:timing>
+    <p:tnLst>
+      <p:par>
+        <p:cTn id="1" dur="indefinite" restart="never" nodeType="tmRoot">
+          <p:childTnLst>
+            <p:seq concurrent="1" nextAc="seek">
+              <p:cTn id="2" dur="indefinite" nodeType="mainSeq">
+                <p:childTnLst>
+                  <p:par>
+                    <p:cTn id="3" fill="hold">
+                      <p:stCondLst>
+                        <p:cond delay="indefinite"/>
+                        <p:cond evt="onBegin" delay="0">
+                          <p:tn val="2"/>
+                        </p:cond>
+                      </p:stCondLst>
+                      <p:childTnLst>
+                        <p:par>
+                          <p:cTn id="4" fill="hold">
+                            <p:stCondLst>
+                              <p:cond delay="0"/>
+                            </p:stCondLst>
+                            <p:childTnLst>
+                              <p:par>
+                                <p:cTn id="5" presetID="10" presetClass="entr" presetSubtype="0" fill="hold" grpId="0" nodeType="withEffect">
+                                  <p:stCondLst>
+                                    <p:cond delay="1000"/>
+                                  </p:stCondLst>
+                                  <p:iterate type="lt">
+                                    <p:tmPct val="10000"/>
+                                  </p:iterate>
+                                  <p:childTnLst>
+                                    <p:set>
+                                      <p:cBhvr>
+                                        <p:cTn id="6" dur="1" fill="hold">
+                                          <p:stCondLst>
+                                            <p:cond delay="0"/>
+                                          </p:stCondLst>
+                                        </p:cTn>
+                                        <p:tgtEl>
+                                          <p:spTgt spid="2"/>
+                                        </p:tgtEl>
+                                        <p:attrNameLst>
+                                          <p:attrName>style.visibility</p:attrName>
+                                        </p:attrNameLst>
+                                      </p:cBhvr>
+                                      <p:to>
+                                        <p:strVal val="visible"/>
+                                      </p:to>
+                                    </p:set>
+                                    <p:animEffect transition="in" filter="fade">
+                                      <p:cBhvr>
+                                        <p:cTn id="7" dur="400"/>
+                                        <p:tgtEl>
+                                          <p:spTgt spid="2"/>
+                                        </p:tgtEl>
+                                      </p:cBhvr>
+                                    </p:animEffect>
+                                  </p:childTnLst>
+                                </p:cTn>
+                              </p:par>
+                            </p:childTnLst>
+                          </p:cTn>
+                        </p:par>
+                      </p:childTnLst>
+                    </p:cTn>
+                  </p:par>
+                </p:childTnLst>
+              </p:cTn>
+              <p:prevCondLst>
+                <p:cond evt="onPrev" delay="0">
+                  <p:tgtEl>
+                    <p:sldTgt/>
+                  </p:tgtEl>
+                </p:cond>
+              </p:prevCondLst>
+              <p:nextCondLst>
+                <p:cond evt="onNext" delay="0">
+                  <p:tgtEl>
+                    <p:sldTgt/>
+                  </p:tgtEl>
+                </p:cond>
+              </p:nextCondLst>
+            </p:seq>
+          </p:childTnLst>
+        </p:cTn>
+      </p:par>
+    </p:tnLst>
+    <p:bldLst>
+      <p:bldP spid="2" grpId="0"/>
+    </p:bldLst>
+  </p:timing>
 </p:sld>
 </file>
 
-<file path=ppt/slides/slide7.xml><?xml version="1.0" encoding="utf-8"?>
+<file path=ppt/slides/slide2.xml><?xml version="1.0" encoding="utf-8"?>
 <p:sld xmlns:a="http://schemas.openxmlformats.org/drawingml/2006/main" xmlns:r="http://schemas.openxmlformats.org/officeDocument/2006/relationships" xmlns:p="http://schemas.openxmlformats.org/presentationml/2006/main">
   <p:cSld>
     <p:bg>
@@ -5337,10 +8474,921 @@
         <p:cNvPr id="1" name="">
           <a:extLst>
             <a:ext uri="{FF2B5EF4-FFF2-40B4-BE49-F238E27FC236}">
-              <a16:creationId xmlns:a16="http://schemas.microsoft.com/office/drawing/2014/main" id="{9E23608E-26BD-7835-E7E3-5D620507B2E3}"/>
+              <a16:creationId xmlns:a16="http://schemas.microsoft.com/office/drawing/2014/main" id="{5B2E4D87-9930-5A14-0DFE-1AE6C9D61C7A}"/>
             </a:ext>
           </a:extLst>
         </p:cNvPr>
+        <p:cNvGrpSpPr/>
+        <p:nvPr/>
+      </p:nvGrpSpPr>
+      <p:grpSpPr>
+        <a:xfrm>
+          <a:off x="0" y="0"/>
+          <a:ext cx="0" cy="0"/>
+          <a:chOff x="0" y="0"/>
+          <a:chExt cx="0" cy="0"/>
+        </a:xfrm>
+      </p:grpSpPr>
+      <p:sp>
+        <p:nvSpPr>
+          <p:cNvPr id="2" name="Titel 1">
+            <a:extLst>
+              <a:ext uri="{FF2B5EF4-FFF2-40B4-BE49-F238E27FC236}">
+                <a16:creationId xmlns:a16="http://schemas.microsoft.com/office/drawing/2014/main" id="{D9D8FBAB-2468-3AE7-CA5F-DD6DE597AEC4}"/>
+              </a:ext>
+            </a:extLst>
+          </p:cNvPr>
+          <p:cNvSpPr>
+            <a:spLocks noGrp="1"/>
+          </p:cNvSpPr>
+          <p:nvPr>
+            <p:ph type="title"/>
+          </p:nvPr>
+        </p:nvSpPr>
+        <p:spPr>
+          <a:xfrm>
+            <a:off x="762000" y="1138036"/>
+            <a:ext cx="4085665" cy="1402470"/>
+          </a:xfrm>
+        </p:spPr>
+        <p:txBody>
+          <a:bodyPr anchor="t">
+            <a:normAutofit/>
+          </a:bodyPr>
+          <a:lstStyle/>
+          <a:p>
+            <a:r>
+              <a:rPr lang="en-NL" sz="3200" dirty="0" err="1"/>
+              <a:t>Inhoud</a:t>
+            </a:r>
+            <a:endParaRPr lang="nl-NL" sz="3200" noProof="0" dirty="0"/>
+          </a:p>
+        </p:txBody>
+      </p:sp>
+      <p:cxnSp>
+        <p:nvCxnSpPr>
+          <p:cNvPr id="23" name="Straight Connector 22">
+            <a:extLst>
+              <a:ext uri="{FF2B5EF4-FFF2-40B4-BE49-F238E27FC236}">
+                <a16:creationId xmlns:a16="http://schemas.microsoft.com/office/drawing/2014/main" id="{FBE9AE3B-09C2-291B-8483-60D1E5C681DE}"/>
+              </a:ext>
+              <a:ext uri="{C183D7F6-B498-43B3-948B-1728B52AA6E4}">
+                <adec:decorative xmlns:adec="http://schemas.microsoft.com/office/drawing/2017/decorative" val="1"/>
+              </a:ext>
+            </a:extLst>
+          </p:cNvPr>
+          <p:cNvCxnSpPr>
+            <a:cxnSpLocks noGrp="1" noRot="1" noChangeAspect="1" noMove="1" noResize="1" noEditPoints="1" noAdjustHandles="1" noChangeArrowheads="1" noChangeShapeType="1"/>
+          </p:cNvCxnSpPr>
+          <p:nvPr>
+            <p:extLst>
+              <p:ext uri="{386F3935-93C4-4BCD-93E2-E3B085C9AB24}">
+                <p16:designElem xmlns:p16="http://schemas.microsoft.com/office/powerpoint/2015/main" val="1"/>
+              </p:ext>
+            </p:extLst>
+          </p:nvPr>
+        </p:nvCxnSpPr>
+        <p:spPr>
+          <a:xfrm>
+            <a:off x="865140" y="871146"/>
+            <a:ext cx="736939" cy="0"/>
+          </a:xfrm>
+          <a:prstGeom prst="line">
+            <a:avLst/>
+          </a:prstGeom>
+          <a:ln w="57150">
+            <a:solidFill>
+              <a:schemeClr val="accent4"/>
+            </a:solidFill>
+          </a:ln>
+        </p:spPr>
+        <p:style>
+          <a:lnRef idx="1">
+            <a:schemeClr val="accent1"/>
+          </a:lnRef>
+          <a:fillRef idx="0">
+            <a:schemeClr val="accent1"/>
+          </a:fillRef>
+          <a:effectRef idx="0">
+            <a:schemeClr val="accent1"/>
+          </a:effectRef>
+          <a:fontRef idx="minor">
+            <a:schemeClr val="tx1"/>
+          </a:fontRef>
+        </p:style>
+      </p:cxnSp>
+      <p:sp>
+        <p:nvSpPr>
+          <p:cNvPr id="4" name="Tijdelijke aanduiding voor inhoud 2">
+            <a:extLst>
+              <a:ext uri="{FF2B5EF4-FFF2-40B4-BE49-F238E27FC236}">
+                <a16:creationId xmlns:a16="http://schemas.microsoft.com/office/drawing/2014/main" id="{FB8180FA-55A2-1B53-C5CA-DA82AB1C9E14}"/>
+              </a:ext>
+            </a:extLst>
+          </p:cNvPr>
+          <p:cNvSpPr>
+            <a:spLocks noGrp="1"/>
+          </p:cNvSpPr>
+          <p:nvPr>
+            <p:ph idx="1"/>
+          </p:nvPr>
+        </p:nvSpPr>
+        <p:spPr>
+          <a:xfrm>
+            <a:off x="838200" y="1825625"/>
+            <a:ext cx="10515600" cy="4351338"/>
+          </a:xfrm>
+        </p:spPr>
+        <p:txBody>
+          <a:bodyPr/>
+          <a:lstStyle/>
+          <a:p>
+            <a:r>
+              <a:rPr lang="nl-NL" noProof="0" dirty="0"/>
+              <a:t>Hebben over</a:t>
+            </a:r>
+          </a:p>
+          <a:p>
+            <a:endParaRPr lang="nl-NL" noProof="0" dirty="0"/>
+          </a:p>
+          <a:p>
+            <a:r>
+              <a:rPr lang="nl-NL" noProof="0" dirty="0"/>
+              <a:t>Context (wat does sens2sea)</a:t>
+            </a:r>
+          </a:p>
+          <a:p>
+            <a:r>
+              <a:rPr lang="nl-NL" noProof="0" dirty="0"/>
+              <a:t>Opdracht (wat houd de opdracht in en waarom)</a:t>
+            </a:r>
+          </a:p>
+          <a:p>
+            <a:r>
+              <a:rPr lang="nl-NL" noProof="0" dirty="0"/>
+              <a:t>Wat heb ik gedaan</a:t>
+            </a:r>
+          </a:p>
+          <a:p>
+            <a:r>
+              <a:rPr lang="nl-NL" noProof="0" dirty="0"/>
+              <a:t>Ontwerp (code??, hardware)</a:t>
+            </a:r>
+          </a:p>
+          <a:p>
+            <a:r>
+              <a:rPr lang="nl-NL" noProof="0" dirty="0"/>
+              <a:t>demo</a:t>
+            </a:r>
+          </a:p>
+          <a:p>
+            <a:endParaRPr lang="nl-NL" noProof="0" dirty="0"/>
+          </a:p>
+        </p:txBody>
+      </p:sp>
+    </p:spTree>
+    <p:extLst>
+      <p:ext uri="{BB962C8B-B14F-4D97-AF65-F5344CB8AC3E}">
+        <p14:creationId xmlns:p14="http://schemas.microsoft.com/office/powerpoint/2010/main" val="2116146769"/>
+      </p:ext>
+    </p:extLst>
+  </p:cSld>
+  <p:clrMapOvr>
+    <a:masterClrMapping/>
+  </p:clrMapOvr>
+</p:sld>
+</file>
+
+<file path=ppt/slides/slide3.xml><?xml version="1.0" encoding="utf-8"?>
+<p:sld xmlns:a="http://schemas.openxmlformats.org/drawingml/2006/main" xmlns:r="http://schemas.openxmlformats.org/officeDocument/2006/relationships" xmlns:p="http://schemas.openxmlformats.org/presentationml/2006/main">
+  <p:cSld>
+    <p:bg>
+      <p:bgPr>
+        <a:solidFill>
+          <a:schemeClr val="bg1"/>
+        </a:solidFill>
+        <a:effectLst/>
+      </p:bgPr>
+    </p:bg>
+    <p:spTree>
+      <p:nvGrpSpPr>
+        <p:cNvPr id="1" name=""/>
+        <p:cNvGrpSpPr/>
+        <p:nvPr/>
+      </p:nvGrpSpPr>
+      <p:grpSpPr>
+        <a:xfrm>
+          <a:off x="0" y="0"/>
+          <a:ext cx="0" cy="0"/>
+          <a:chOff x="0" y="0"/>
+          <a:chExt cx="0" cy="0"/>
+        </a:xfrm>
+      </p:grpSpPr>
+      <p:sp>
+        <p:nvSpPr>
+          <p:cNvPr id="2" name="Titel 1">
+            <a:extLst>
+              <a:ext uri="{FF2B5EF4-FFF2-40B4-BE49-F238E27FC236}">
+                <a16:creationId xmlns:a16="http://schemas.microsoft.com/office/drawing/2014/main" id="{60BA7DD0-C474-FFCB-02CA-E5CF6B26ABFE}"/>
+              </a:ext>
+            </a:extLst>
+          </p:cNvPr>
+          <p:cNvSpPr>
+            <a:spLocks noGrp="1"/>
+          </p:cNvSpPr>
+          <p:nvPr>
+            <p:ph type="title"/>
+          </p:nvPr>
+        </p:nvSpPr>
+        <p:spPr>
+          <a:xfrm>
+            <a:off x="762000" y="1138036"/>
+            <a:ext cx="4085665" cy="1053621"/>
+          </a:xfrm>
+        </p:spPr>
+        <p:txBody>
+          <a:bodyPr anchor="t">
+            <a:normAutofit/>
+          </a:bodyPr>
+          <a:lstStyle/>
+          <a:p>
+            <a:r>
+              <a:rPr lang="nl-NL" sz="3200" noProof="0"/>
+              <a:t>Inhoud</a:t>
+            </a:r>
+          </a:p>
+        </p:txBody>
+      </p:sp>
+      <p:cxnSp>
+        <p:nvCxnSpPr>
+          <p:cNvPr id="9" name="Straight Connector 8">
+            <a:extLst>
+              <a:ext uri="{FF2B5EF4-FFF2-40B4-BE49-F238E27FC236}">
+                <a16:creationId xmlns:a16="http://schemas.microsoft.com/office/drawing/2014/main" id="{1503BFE4-729B-D9D0-C17B-501E6AF1127A}"/>
+              </a:ext>
+              <a:ext uri="{C183D7F6-B498-43B3-948B-1728B52AA6E4}">
+                <adec:decorative xmlns:adec="http://schemas.microsoft.com/office/drawing/2017/decorative" val="1"/>
+              </a:ext>
+            </a:extLst>
+          </p:cNvPr>
+          <p:cNvCxnSpPr>
+            <a:cxnSpLocks noGrp="1" noRot="1" noChangeAspect="1" noMove="1" noResize="1" noEditPoints="1" noAdjustHandles="1" noChangeArrowheads="1" noChangeShapeType="1"/>
+          </p:cNvCxnSpPr>
+          <p:nvPr>
+            <p:extLst>
+              <p:ext uri="{386F3935-93C4-4BCD-93E2-E3B085C9AB24}">
+                <p16:designElem xmlns:p16="http://schemas.microsoft.com/office/powerpoint/2015/main" val="1"/>
+              </p:ext>
+            </p:extLst>
+          </p:nvPr>
+        </p:nvCxnSpPr>
+        <p:spPr>
+          <a:xfrm>
+            <a:off x="865140" y="871146"/>
+            <a:ext cx="736939" cy="0"/>
+          </a:xfrm>
+          <a:prstGeom prst="line">
+            <a:avLst/>
+          </a:prstGeom>
+          <a:ln w="57150">
+            <a:solidFill>
+              <a:schemeClr val="accent4"/>
+            </a:solidFill>
+          </a:ln>
+        </p:spPr>
+        <p:style>
+          <a:lnRef idx="1">
+            <a:schemeClr val="accent1"/>
+          </a:lnRef>
+          <a:fillRef idx="0">
+            <a:schemeClr val="accent1"/>
+          </a:fillRef>
+          <a:effectRef idx="0">
+            <a:schemeClr val="accent1"/>
+          </a:effectRef>
+          <a:fontRef idx="minor">
+            <a:schemeClr val="tx1"/>
+          </a:fontRef>
+        </p:style>
+      </p:cxnSp>
+      <p:sp>
+        <p:nvSpPr>
+          <p:cNvPr id="3" name="Tijdelijke aanduiding voor inhoud 2">
+            <a:extLst>
+              <a:ext uri="{FF2B5EF4-FFF2-40B4-BE49-F238E27FC236}">
+                <a16:creationId xmlns:a16="http://schemas.microsoft.com/office/drawing/2014/main" id="{F616D1B4-C5E0-508A-E90D-2B05A11D31F5}"/>
+              </a:ext>
+            </a:extLst>
+          </p:cNvPr>
+          <p:cNvSpPr>
+            <a:spLocks noGrp="1"/>
+          </p:cNvSpPr>
+          <p:nvPr>
+            <p:ph idx="1"/>
+          </p:nvPr>
+        </p:nvSpPr>
+        <p:spPr>
+          <a:xfrm>
+            <a:off x="762000" y="2551176"/>
+            <a:ext cx="4085665" cy="3591207"/>
+          </a:xfrm>
+        </p:spPr>
+        <p:txBody>
+          <a:bodyPr>
+            <a:normAutofit/>
+          </a:bodyPr>
+          <a:lstStyle/>
+          <a:p>
+            <a:r>
+              <a:rPr lang="en-NL" sz="2000" noProof="0" dirty="0"/>
+              <a:t>Context</a:t>
+            </a:r>
+          </a:p>
+          <a:p>
+            <a:r>
+              <a:rPr lang="en-NL" sz="2000" dirty="0" err="1"/>
+              <a:t>Opdracht</a:t>
+            </a:r>
+            <a:endParaRPr lang="en-NL" sz="2000" dirty="0"/>
+          </a:p>
+          <a:p>
+            <a:r>
+              <a:rPr lang="en-NL" sz="2000" noProof="0" dirty="0" err="1"/>
+              <a:t>Realisatie</a:t>
+            </a:r>
+            <a:endParaRPr lang="en-NL" sz="2000" noProof="0" dirty="0"/>
+          </a:p>
+          <a:p>
+            <a:pPr lvl="1"/>
+            <a:r>
+              <a:rPr lang="en-NL" sz="1600" dirty="0"/>
+              <a:t>Software</a:t>
+            </a:r>
+          </a:p>
+          <a:p>
+            <a:pPr lvl="1"/>
+            <a:r>
+              <a:rPr lang="en-NL" sz="1600" noProof="0" dirty="0"/>
+              <a:t>Hardware</a:t>
+            </a:r>
+          </a:p>
+          <a:p>
+            <a:pPr lvl="1"/>
+            <a:r>
+              <a:rPr lang="en-NL" sz="1600" noProof="0" dirty="0" err="1"/>
+              <a:t>Mechanica</a:t>
+            </a:r>
+            <a:endParaRPr lang="en-NL" sz="1600" noProof="0" dirty="0"/>
+          </a:p>
+          <a:p>
+            <a:r>
+              <a:rPr lang="en-NL" sz="2000" noProof="0" dirty="0"/>
+              <a:t>Demo</a:t>
+            </a:r>
+          </a:p>
+          <a:p>
+            <a:r>
+              <a:rPr lang="en-NL" sz="2000" dirty="0" err="1"/>
+              <a:t>Conclusie</a:t>
+            </a:r>
+            <a:endParaRPr lang="en-NL" sz="2000" dirty="0"/>
+          </a:p>
+          <a:p>
+            <a:r>
+              <a:rPr lang="en-NL" sz="2000" noProof="0" dirty="0" err="1"/>
+              <a:t>Zelfreflectie</a:t>
+            </a:r>
+            <a:endParaRPr lang="en-NL" sz="2000" noProof="0" dirty="0"/>
+          </a:p>
+          <a:p>
+            <a:endParaRPr lang="en-NL" sz="2000" noProof="0" dirty="0"/>
+          </a:p>
+          <a:p>
+            <a:pPr lvl="1"/>
+            <a:endParaRPr lang="nl-NL" sz="1600" noProof="0" dirty="0"/>
+          </a:p>
+        </p:txBody>
+      </p:sp>
+      <p:pic>
+        <p:nvPicPr>
+          <p:cNvPr id="4" name="Picture 13" descr="Close-up van een verlichte printplaat">
+            <a:extLst>
+              <a:ext uri="{FF2B5EF4-FFF2-40B4-BE49-F238E27FC236}">
+                <a16:creationId xmlns:a16="http://schemas.microsoft.com/office/drawing/2014/main" id="{9B40F7D0-F810-7A4F-79AB-AF0119CDAE5E}"/>
+              </a:ext>
+            </a:extLst>
+          </p:cNvPr>
+          <p:cNvPicPr>
+            <a:picLocks noChangeAspect="1"/>
+          </p:cNvPicPr>
+          <p:nvPr/>
+        </p:nvPicPr>
+        <p:blipFill>
+          <a:blip r:embed="rId2"/>
+          <a:srcRect l="12908" r="18897"/>
+          <a:stretch>
+            <a:fillRect/>
+          </a:stretch>
+        </p:blipFill>
+        <p:spPr>
+          <a:xfrm>
+            <a:off x="5650992" y="10"/>
+            <a:ext cx="6541008" cy="6857990"/>
+          </a:xfrm>
+          <a:prstGeom prst="rect">
+            <a:avLst/>
+          </a:prstGeom>
+        </p:spPr>
+      </p:pic>
+    </p:spTree>
+    <p:extLst>
+      <p:ext uri="{BB962C8B-B14F-4D97-AF65-F5344CB8AC3E}">
+        <p14:creationId xmlns:p14="http://schemas.microsoft.com/office/powerpoint/2010/main" val="2680237111"/>
+      </p:ext>
+    </p:extLst>
+  </p:cSld>
+  <p:clrMapOvr>
+    <a:masterClrMapping/>
+  </p:clrMapOvr>
+</p:sld>
+</file>
+
+<file path=ppt/slides/slide4.xml><?xml version="1.0" encoding="utf-8"?>
+<p:sld xmlns:a="http://schemas.openxmlformats.org/drawingml/2006/main" xmlns:r="http://schemas.openxmlformats.org/officeDocument/2006/relationships" xmlns:p="http://schemas.openxmlformats.org/presentationml/2006/main">
+  <p:cSld>
+    <p:bg>
+      <p:bgPr>
+        <a:solidFill>
+          <a:schemeClr val="bg1"/>
+        </a:solidFill>
+        <a:effectLst/>
+      </p:bgPr>
+    </p:bg>
+    <p:spTree>
+      <p:nvGrpSpPr>
+        <p:cNvPr id="1" name="">
+          <a:extLst>
+            <a:ext uri="{FF2B5EF4-FFF2-40B4-BE49-F238E27FC236}">
+              <a16:creationId xmlns:a16="http://schemas.microsoft.com/office/drawing/2014/main" id="{0C28CFA3-307D-6E5D-AD3D-AD4DFD394ADF}"/>
+            </a:ext>
+          </a:extLst>
+        </p:cNvPr>
+        <p:cNvGrpSpPr/>
+        <p:nvPr/>
+      </p:nvGrpSpPr>
+      <p:grpSpPr>
+        <a:xfrm>
+          <a:off x="0" y="0"/>
+          <a:ext cx="0" cy="0"/>
+          <a:chOff x="0" y="0"/>
+          <a:chExt cx="0" cy="0"/>
+        </a:xfrm>
+      </p:grpSpPr>
+      <p:sp>
+        <p:nvSpPr>
+          <p:cNvPr id="2" name="Titel 1">
+            <a:extLst>
+              <a:ext uri="{FF2B5EF4-FFF2-40B4-BE49-F238E27FC236}">
+                <a16:creationId xmlns:a16="http://schemas.microsoft.com/office/drawing/2014/main" id="{BFCD8B8E-F5BB-5D7D-3BC2-2D38C87933F9}"/>
+              </a:ext>
+            </a:extLst>
+          </p:cNvPr>
+          <p:cNvSpPr>
+            <a:spLocks noGrp="1"/>
+          </p:cNvSpPr>
+          <p:nvPr>
+            <p:ph type="title"/>
+          </p:nvPr>
+        </p:nvSpPr>
+        <p:spPr>
+          <a:xfrm>
+            <a:off x="762000" y="1138036"/>
+            <a:ext cx="4085665" cy="1402470"/>
+          </a:xfrm>
+        </p:spPr>
+        <p:txBody>
+          <a:bodyPr anchor="t">
+            <a:normAutofit/>
+          </a:bodyPr>
+          <a:lstStyle/>
+          <a:p>
+            <a:r>
+              <a:rPr lang="nl-NL" sz="3200" noProof="0"/>
+              <a:t>Context</a:t>
+            </a:r>
+          </a:p>
+        </p:txBody>
+      </p:sp>
+      <p:cxnSp>
+        <p:nvCxnSpPr>
+          <p:cNvPr id="23" name="Straight Connector 22">
+            <a:extLst>
+              <a:ext uri="{FF2B5EF4-FFF2-40B4-BE49-F238E27FC236}">
+                <a16:creationId xmlns:a16="http://schemas.microsoft.com/office/drawing/2014/main" id="{A9F81398-4257-5C9B-F410-E1E0EB127DED}"/>
+              </a:ext>
+              <a:ext uri="{C183D7F6-B498-43B3-948B-1728B52AA6E4}">
+                <adec:decorative xmlns:adec="http://schemas.microsoft.com/office/drawing/2017/decorative" val="1"/>
+              </a:ext>
+            </a:extLst>
+          </p:cNvPr>
+          <p:cNvCxnSpPr>
+            <a:cxnSpLocks noGrp="1" noRot="1" noChangeAspect="1" noMove="1" noResize="1" noEditPoints="1" noAdjustHandles="1" noChangeArrowheads="1" noChangeShapeType="1"/>
+          </p:cNvCxnSpPr>
+          <p:nvPr>
+            <p:extLst>
+              <p:ext uri="{386F3935-93C4-4BCD-93E2-E3B085C9AB24}">
+                <p16:designElem xmlns:p16="http://schemas.microsoft.com/office/powerpoint/2015/main" val="1"/>
+              </p:ext>
+            </p:extLst>
+          </p:nvPr>
+        </p:nvCxnSpPr>
+        <p:spPr>
+          <a:xfrm>
+            <a:off x="865140" y="871146"/>
+            <a:ext cx="736939" cy="0"/>
+          </a:xfrm>
+          <a:prstGeom prst="line">
+            <a:avLst/>
+          </a:prstGeom>
+          <a:ln w="57150">
+            <a:solidFill>
+              <a:schemeClr val="accent4"/>
+            </a:solidFill>
+          </a:ln>
+        </p:spPr>
+        <p:style>
+          <a:lnRef idx="1">
+            <a:schemeClr val="accent1"/>
+          </a:lnRef>
+          <a:fillRef idx="0">
+            <a:schemeClr val="accent1"/>
+          </a:fillRef>
+          <a:effectRef idx="0">
+            <a:schemeClr val="accent1"/>
+          </a:effectRef>
+          <a:fontRef idx="minor">
+            <a:schemeClr val="tx1"/>
+          </a:fontRef>
+        </p:style>
+      </p:cxnSp>
+      <p:sp>
+        <p:nvSpPr>
+          <p:cNvPr id="3" name="Tijdelijke aanduiding voor inhoud 2">
+            <a:extLst>
+              <a:ext uri="{FF2B5EF4-FFF2-40B4-BE49-F238E27FC236}">
+                <a16:creationId xmlns:a16="http://schemas.microsoft.com/office/drawing/2014/main" id="{854C7DC2-97C2-83A4-EA0D-ADEEDF11AB3A}"/>
+              </a:ext>
+            </a:extLst>
+          </p:cNvPr>
+          <p:cNvSpPr>
+            <a:spLocks noGrp="1"/>
+          </p:cNvSpPr>
+          <p:nvPr>
+            <p:ph idx="1"/>
+          </p:nvPr>
+        </p:nvSpPr>
+        <p:spPr>
+          <a:xfrm>
+            <a:off x="762000" y="2551176"/>
+            <a:ext cx="4085665" cy="3591207"/>
+          </a:xfrm>
+        </p:spPr>
+        <p:txBody>
+          <a:bodyPr>
+            <a:normAutofit/>
+          </a:bodyPr>
+          <a:lstStyle/>
+          <a:p>
+            <a:r>
+              <a:rPr lang="nl-NL" sz="2000" noProof="0"/>
+              <a:t>Leerbedrijf – RDM</a:t>
+            </a:r>
+          </a:p>
+          <a:p>
+            <a:r>
+              <a:rPr lang="nl-NL" sz="2000" noProof="0"/>
+              <a:t>Radar technologie</a:t>
+            </a:r>
+          </a:p>
+          <a:p>
+            <a:r>
+              <a:rPr lang="nl-NL" sz="2000" noProof="0"/>
+              <a:t>Antennes</a:t>
+            </a:r>
+          </a:p>
+          <a:p>
+            <a:r>
+              <a:rPr lang="nl-NL" sz="2000" noProof="0"/>
+              <a:t>frequentie modulated constant wave (FMCW)</a:t>
+            </a:r>
+          </a:p>
+          <a:p>
+            <a:endParaRPr lang="nl-NL" sz="2000" noProof="0"/>
+          </a:p>
+        </p:txBody>
+      </p:sp>
+      <p:pic>
+        <p:nvPicPr>
+          <p:cNvPr id="5" name="Picture 4" descr="Afbeelding met buitenshuis, hemel, wolk, landschap&#10;&#10;Door AI gegenereerde inhoud is mogelijk onjuist.">
+            <a:extLst>
+              <a:ext uri="{FF2B5EF4-FFF2-40B4-BE49-F238E27FC236}">
+                <a16:creationId xmlns:a16="http://schemas.microsoft.com/office/drawing/2014/main" id="{78696089-2730-7C1A-F8D7-13B898D49B8C}"/>
+              </a:ext>
+            </a:extLst>
+          </p:cNvPr>
+          <p:cNvPicPr>
+            <a:picLocks noChangeAspect="1"/>
+          </p:cNvPicPr>
+          <p:nvPr/>
+        </p:nvPicPr>
+        <p:blipFill>
+          <a:blip r:embed="rId3"/>
+          <a:srcRect l="13197" r="33153"/>
+          <a:stretch>
+            <a:fillRect/>
+          </a:stretch>
+        </p:blipFill>
+        <p:spPr>
+          <a:xfrm>
+            <a:off x="5650992" y="10"/>
+            <a:ext cx="6541008" cy="6857990"/>
+          </a:xfrm>
+          <a:prstGeom prst="rect">
+            <a:avLst/>
+          </a:prstGeom>
+        </p:spPr>
+      </p:pic>
+    </p:spTree>
+    <p:extLst>
+      <p:ext uri="{BB962C8B-B14F-4D97-AF65-F5344CB8AC3E}">
+        <p14:creationId xmlns:p14="http://schemas.microsoft.com/office/powerpoint/2010/main" val="41382606"/>
+      </p:ext>
+    </p:extLst>
+  </p:cSld>
+  <p:clrMapOvr>
+    <a:masterClrMapping/>
+  </p:clrMapOvr>
+</p:sld>
+</file>
+
+<file path=ppt/slides/slide5.xml><?xml version="1.0" encoding="utf-8"?>
+<p:sld xmlns:a="http://schemas.openxmlformats.org/drawingml/2006/main" xmlns:r="http://schemas.openxmlformats.org/officeDocument/2006/relationships" xmlns:p="http://schemas.openxmlformats.org/presentationml/2006/main">
+  <p:cSld>
+    <p:bg>
+      <p:bgPr>
+        <a:solidFill>
+          <a:schemeClr val="bg1"/>
+        </a:solidFill>
+        <a:effectLst/>
+      </p:bgPr>
+    </p:bg>
+    <p:spTree>
+      <p:nvGrpSpPr>
+        <p:cNvPr id="1" name=""/>
+        <p:cNvGrpSpPr/>
+        <p:nvPr/>
+      </p:nvGrpSpPr>
+      <p:grpSpPr>
+        <a:xfrm>
+          <a:off x="0" y="0"/>
+          <a:ext cx="0" cy="0"/>
+          <a:chOff x="0" y="0"/>
+          <a:chExt cx="0" cy="0"/>
+        </a:xfrm>
+      </p:grpSpPr>
+      <p:sp>
+        <p:nvSpPr>
+          <p:cNvPr id="2" name="Titel 1">
+            <a:extLst>
+              <a:ext uri="{FF2B5EF4-FFF2-40B4-BE49-F238E27FC236}">
+                <a16:creationId xmlns:a16="http://schemas.microsoft.com/office/drawing/2014/main" id="{AD49DAC5-765C-EA77-48ED-D34D3F6EF724}"/>
+              </a:ext>
+            </a:extLst>
+          </p:cNvPr>
+          <p:cNvSpPr>
+            <a:spLocks noGrp="1"/>
+          </p:cNvSpPr>
+          <p:nvPr>
+            <p:ph type="title"/>
+          </p:nvPr>
+        </p:nvSpPr>
+        <p:spPr>
+          <a:xfrm>
+            <a:off x="8153400" y="1128094"/>
+            <a:ext cx="3434180" cy="1415270"/>
+          </a:xfrm>
+        </p:spPr>
+        <p:txBody>
+          <a:bodyPr anchor="t">
+            <a:normAutofit/>
+          </a:bodyPr>
+          <a:lstStyle/>
+          <a:p>
+            <a:r>
+              <a:rPr lang="nl-NL" sz="3200" noProof="0"/>
+              <a:t>Opdracht</a:t>
+            </a:r>
+          </a:p>
+        </p:txBody>
+      </p:sp>
+      <p:pic>
+        <p:nvPicPr>
+          <p:cNvPr id="4" name="Picture 13" descr="Elektronica protoboard">
+            <a:extLst>
+              <a:ext uri="{FF2B5EF4-FFF2-40B4-BE49-F238E27FC236}">
+                <a16:creationId xmlns:a16="http://schemas.microsoft.com/office/drawing/2014/main" id="{98BBE916-A869-59BA-09B7-0B48FCAC8A5D}"/>
+              </a:ext>
+            </a:extLst>
+          </p:cNvPr>
+          <p:cNvPicPr>
+            <a:picLocks noChangeAspect="1"/>
+          </p:cNvPicPr>
+          <p:nvPr/>
+        </p:nvPicPr>
+        <p:blipFill>
+          <a:blip r:embed="rId3"/>
+          <a:srcRect r="26294" b="-1"/>
+          <a:stretch>
+            <a:fillRect/>
+          </a:stretch>
+        </p:blipFill>
+        <p:spPr>
+          <a:xfrm>
+            <a:off x="-9886" y="10"/>
+            <a:ext cx="7572605" cy="6857990"/>
+          </a:xfrm>
+          <a:prstGeom prst="rect">
+            <a:avLst/>
+          </a:prstGeom>
+        </p:spPr>
+      </p:pic>
+      <p:cxnSp>
+        <p:nvCxnSpPr>
+          <p:cNvPr id="18" name="Straight Connector 17">
+            <a:extLst>
+              <a:ext uri="{FF2B5EF4-FFF2-40B4-BE49-F238E27FC236}">
+                <a16:creationId xmlns:a16="http://schemas.microsoft.com/office/drawing/2014/main" id="{249EDD1B-F94D-B4E6-ACAA-566B9A26FDE3}"/>
+              </a:ext>
+              <a:ext uri="{C183D7F6-B498-43B3-948B-1728B52AA6E4}">
+                <adec:decorative xmlns:adec="http://schemas.microsoft.com/office/drawing/2017/decorative" val="1"/>
+              </a:ext>
+            </a:extLst>
+          </p:cNvPr>
+          <p:cNvCxnSpPr>
+            <a:cxnSpLocks noGrp="1" noRot="1" noChangeAspect="1" noMove="1" noResize="1" noEditPoints="1" noAdjustHandles="1" noChangeArrowheads="1" noChangeShapeType="1"/>
+          </p:cNvCxnSpPr>
+          <p:nvPr>
+            <p:extLst>
+              <p:ext uri="{386F3935-93C4-4BCD-93E2-E3B085C9AB24}">
+                <p16:designElem xmlns:p16="http://schemas.microsoft.com/office/powerpoint/2015/main" val="1"/>
+              </p:ext>
+            </p:extLst>
+          </p:nvPr>
+        </p:nvCxnSpPr>
+        <p:spPr>
+          <a:xfrm>
+            <a:off x="8199390" y="871146"/>
+            <a:ext cx="736939" cy="0"/>
+          </a:xfrm>
+          <a:prstGeom prst="line">
+            <a:avLst/>
+          </a:prstGeom>
+          <a:ln w="57150">
+            <a:solidFill>
+              <a:schemeClr val="accent4"/>
+            </a:solidFill>
+          </a:ln>
+        </p:spPr>
+        <p:style>
+          <a:lnRef idx="1">
+            <a:schemeClr val="accent1"/>
+          </a:lnRef>
+          <a:fillRef idx="0">
+            <a:schemeClr val="accent1"/>
+          </a:fillRef>
+          <a:effectRef idx="0">
+            <a:schemeClr val="accent1"/>
+          </a:effectRef>
+          <a:fontRef idx="minor">
+            <a:schemeClr val="tx1"/>
+          </a:fontRef>
+        </p:style>
+      </p:cxnSp>
+      <p:sp>
+        <p:nvSpPr>
+          <p:cNvPr id="3" name="Tijdelijke aanduiding voor inhoud 2">
+            <a:extLst>
+              <a:ext uri="{FF2B5EF4-FFF2-40B4-BE49-F238E27FC236}">
+                <a16:creationId xmlns:a16="http://schemas.microsoft.com/office/drawing/2014/main" id="{3F2E7316-7C20-58A8-B103-68F6E84BD183}"/>
+              </a:ext>
+            </a:extLst>
+          </p:cNvPr>
+          <p:cNvSpPr>
+            <a:spLocks noGrp="1"/>
+          </p:cNvSpPr>
+          <p:nvPr>
+            <p:ph idx="1"/>
+          </p:nvPr>
+        </p:nvSpPr>
+        <p:spPr>
+          <a:xfrm>
+            <a:off x="8153400" y="2543364"/>
+            <a:ext cx="3434180" cy="3599019"/>
+          </a:xfrm>
+        </p:spPr>
+        <p:txBody>
+          <a:bodyPr>
+            <a:normAutofit/>
+          </a:bodyPr>
+          <a:lstStyle/>
+          <a:p>
+            <a:r>
+              <a:rPr lang="nl-NL" sz="2000" noProof="0"/>
+              <a:t>3D printen en CNC</a:t>
+            </a:r>
+            <a:r>
+              <a:rPr lang="en-NL" sz="2000" noProof="0"/>
+              <a:t>.</a:t>
+            </a:r>
+            <a:endParaRPr lang="nl-NL" sz="2000" noProof="0"/>
+          </a:p>
+          <a:p>
+            <a:r>
+              <a:rPr lang="nl-NL" sz="2000" noProof="0"/>
+              <a:t>Testen 3D print.</a:t>
+            </a:r>
+          </a:p>
+          <a:p>
+            <a:r>
+              <a:rPr lang="nl-NL" sz="2000" noProof="0"/>
+              <a:t>Locatie bepaling en aansturing scheiden.</a:t>
+            </a:r>
+            <a:endParaRPr lang="en-NL" sz="2000" noProof="0"/>
+          </a:p>
+          <a:p>
+            <a:endParaRPr lang="en-NL" sz="2000"/>
+          </a:p>
+          <a:p>
+            <a:r>
+              <a:rPr lang="en-NL" sz="2000" noProof="0"/>
+              <a:t>Additive, subtractive.</a:t>
+            </a:r>
+          </a:p>
+          <a:p>
+            <a:r>
+              <a:rPr lang="en-NL" sz="2000"/>
+              <a:t>5 assen.</a:t>
+            </a:r>
+          </a:p>
+          <a:p>
+            <a:r>
+              <a:rPr lang="nl-NL" sz="2000" noProof="0"/>
+              <a:t>S</a:t>
+            </a:r>
+            <a:r>
+              <a:rPr lang="en-NL" sz="2000" noProof="0"/>
+              <a:t>ensoren &amp; actuatoren verwisselbaar.</a:t>
+            </a:r>
+            <a:endParaRPr lang="nl-NL" sz="2000" noProof="0"/>
+          </a:p>
+          <a:p>
+            <a:endParaRPr lang="nl-NL" sz="2000" noProof="0"/>
+          </a:p>
+          <a:p>
+            <a:endParaRPr lang="nl-NL" sz="2000" noProof="0"/>
+          </a:p>
+          <a:p>
+            <a:endParaRPr lang="nl-NL" sz="2000" noProof="0"/>
+          </a:p>
+        </p:txBody>
+      </p:sp>
+    </p:spTree>
+    <p:extLst>
+      <p:ext uri="{BB962C8B-B14F-4D97-AF65-F5344CB8AC3E}">
+        <p14:creationId xmlns:p14="http://schemas.microsoft.com/office/powerpoint/2010/main" val="1546574311"/>
+      </p:ext>
+    </p:extLst>
+  </p:cSld>
+  <p:clrMapOvr>
+    <a:masterClrMapping/>
+  </p:clrMapOvr>
+</p:sld>
+</file>
+
+<file path=ppt/slides/slide6.xml><?xml version="1.0" encoding="utf-8"?>
+<p:sld xmlns:a="http://schemas.openxmlformats.org/drawingml/2006/main" xmlns:r="http://schemas.openxmlformats.org/officeDocument/2006/relationships" xmlns:p="http://schemas.openxmlformats.org/presentationml/2006/main">
+  <p:cSld>
+    <p:bg>
+      <p:bgPr>
+        <a:solidFill>
+          <a:schemeClr val="bg1"/>
+        </a:solidFill>
+        <a:effectLst/>
+      </p:bgPr>
+    </p:bg>
+    <p:spTree>
+      <p:nvGrpSpPr>
+        <p:cNvPr id="1" name=""/>
         <p:cNvGrpSpPr/>
         <p:nvPr/>
       </p:nvGrpSpPr>
@@ -5408,7 +9456,7 @@
           <a:lstStyle/>
           <a:p>
             <a:pPr algn="ctr"/>
-            <a:endParaRPr lang="en-US"/>
+            <a:endParaRPr lang="nl-NL" noProof="0" dirty="0"/>
           </a:p>
         </p:txBody>
       </p:sp>
@@ -5473,7 +9521,7 @@
           <a:lstStyle/>
           <a:p>
             <a:pPr algn="ctr"/>
-            <a:endParaRPr lang="en-US" dirty="0"/>
+            <a:endParaRPr lang="nl-NL" noProof="0" dirty="0"/>
           </a:p>
         </p:txBody>
       </p:sp>
@@ -5583,7 +9631,7 @@
           <a:lstStyle/>
           <a:p>
             <a:pPr algn="ctr"/>
-            <a:endParaRPr lang="en-US" dirty="0"/>
+            <a:endParaRPr lang="nl-NL" noProof="0" dirty="0"/>
           </a:p>
         </p:txBody>
       </p:sp>
@@ -5646,7 +9694,7 @@
           <a:lstStyle/>
           <a:p>
             <a:pPr algn="ctr"/>
-            <a:endParaRPr lang="en-US" b="1">
+            <a:endParaRPr lang="nl-NL" b="1" noProof="0" dirty="0">
               <a:ln w="22225">
                 <a:solidFill>
                   <a:schemeClr val="accent2"/>
@@ -5668,6 +9716,973 @@
           <p:cNvPr id="2" name="Titel 1">
             <a:extLst>
               <a:ext uri="{FF2B5EF4-FFF2-40B4-BE49-F238E27FC236}">
+                <a16:creationId xmlns:a16="http://schemas.microsoft.com/office/drawing/2014/main" id="{A5CC0AE6-9365-E163-F917-92C257C39CE7}"/>
+              </a:ext>
+            </a:extLst>
+          </p:cNvPr>
+          <p:cNvSpPr>
+            <a:spLocks noGrp="1"/>
+          </p:cNvSpPr>
+          <p:nvPr>
+            <p:ph type="title"/>
+          </p:nvPr>
+        </p:nvSpPr>
+        <p:spPr>
+          <a:xfrm>
+            <a:off x="1084681" y="1083183"/>
+            <a:ext cx="4997189" cy="1153236"/>
+          </a:xfrm>
+        </p:spPr>
+        <p:txBody>
+          <a:bodyPr anchor="b">
+            <a:normAutofit/>
+          </a:bodyPr>
+          <a:lstStyle/>
+          <a:p>
+            <a:r>
+              <a:rPr lang="nl-NL" sz="4800" noProof="0" dirty="0"/>
+              <a:t>Opdracht</a:t>
+            </a:r>
+          </a:p>
+        </p:txBody>
+      </p:sp>
+      <p:sp>
+        <p:nvSpPr>
+          <p:cNvPr id="11" name="Tijdelijke aanduiding voor inhoud 10">
+            <a:extLst>
+              <a:ext uri="{FF2B5EF4-FFF2-40B4-BE49-F238E27FC236}">
+                <a16:creationId xmlns:a16="http://schemas.microsoft.com/office/drawing/2014/main" id="{B817103A-577A-14E1-5F0A-BF42A5360782}"/>
+              </a:ext>
+            </a:extLst>
+          </p:cNvPr>
+          <p:cNvSpPr>
+            <a:spLocks noGrp="1"/>
+          </p:cNvSpPr>
+          <p:nvPr>
+            <p:ph idx="1"/>
+          </p:nvPr>
+        </p:nvSpPr>
+        <p:spPr>
+          <a:xfrm>
+            <a:off x="1191966" y="2965593"/>
+            <a:ext cx="4997189" cy="2941544"/>
+          </a:xfrm>
+        </p:spPr>
+        <p:txBody>
+          <a:bodyPr>
+            <a:normAutofit/>
+          </a:bodyPr>
+          <a:lstStyle/>
+          <a:p>
+            <a:r>
+              <a:rPr lang="nl-NL" sz="1800" noProof="0" dirty="0"/>
+              <a:t>Oude situatie</a:t>
+            </a:r>
+          </a:p>
+        </p:txBody>
+      </p:sp>
+      <p:pic>
+        <p:nvPicPr>
+          <p:cNvPr id="12" name="Tijdelijke aanduiding voor inhoud 8" descr="Afbeelding met tekst, schermopname, diagram, Lettertype&#10;&#10;Door AI gegenereerde inhoud is mogelijk onjuist.">
+            <a:extLst>
+              <a:ext uri="{FF2B5EF4-FFF2-40B4-BE49-F238E27FC236}">
+                <a16:creationId xmlns:a16="http://schemas.microsoft.com/office/drawing/2014/main" id="{E420B50B-B74A-F5E4-35E9-F60EC9A21C93}"/>
+              </a:ext>
+            </a:extLst>
+          </p:cNvPr>
+          <p:cNvPicPr>
+            <a:picLocks noChangeAspect="1"/>
+          </p:cNvPicPr>
+          <p:nvPr/>
+        </p:nvPicPr>
+        <p:blipFill>
+          <a:blip r:embed="rId4">
+            <a:extLst>
+              <a:ext uri="{28A0092B-C50C-407E-A947-70E740481C1C}">
+                <a14:useLocalDpi xmlns:a14="http://schemas.microsoft.com/office/drawing/2010/main" val="0"/>
+              </a:ext>
+            </a:extLst>
+          </a:blip>
+          <a:stretch>
+            <a:fillRect/>
+          </a:stretch>
+        </p:blipFill>
+        <p:spPr>
+          <a:xfrm>
+            <a:off x="6293515" y="720415"/>
+            <a:ext cx="5025449" cy="3341924"/>
+          </a:xfrm>
+          <a:prstGeom prst="rect">
+            <a:avLst/>
+          </a:prstGeom>
+        </p:spPr>
+      </p:pic>
+      <p:pic>
+        <p:nvPicPr>
+          <p:cNvPr id="13" name="Tijdelijke aanduiding voor inhoud 4" descr="Afbeelding met tekst, schermopname, diagram, Lettertype&#10;&#10;Door AI gegenereerde inhoud is mogelijk onjuist.">
+            <a:extLst>
+              <a:ext uri="{FF2B5EF4-FFF2-40B4-BE49-F238E27FC236}">
+                <a16:creationId xmlns:a16="http://schemas.microsoft.com/office/drawing/2014/main" id="{E9D1CDD7-00EC-3692-08C7-87518BC3B26D}"/>
+              </a:ext>
+            </a:extLst>
+          </p:cNvPr>
+          <p:cNvPicPr>
+            <a:picLocks noChangeAspect="1"/>
+          </p:cNvPicPr>
+          <p:nvPr/>
+        </p:nvPicPr>
+        <p:blipFill>
+          <a:blip r:embed="rId5">
+            <a:extLst>
+              <a:ext uri="{28A0092B-C50C-407E-A947-70E740481C1C}">
+                <a14:useLocalDpi xmlns:a14="http://schemas.microsoft.com/office/drawing/2010/main" val="0"/>
+              </a:ext>
+            </a:extLst>
+          </a:blip>
+          <a:stretch>
+            <a:fillRect/>
+          </a:stretch>
+        </p:blipFill>
+        <p:spPr>
+          <a:xfrm>
+            <a:off x="716279" y="3256224"/>
+            <a:ext cx="4807699" cy="2872601"/>
+          </a:xfrm>
+          <a:prstGeom prst="rect">
+            <a:avLst/>
+          </a:prstGeom>
+        </p:spPr>
+      </p:pic>
+      <p:sp>
+        <p:nvSpPr>
+          <p:cNvPr id="15" name="Tijdelijke aanduiding voor inhoud 10">
+            <a:extLst>
+              <a:ext uri="{FF2B5EF4-FFF2-40B4-BE49-F238E27FC236}">
+                <a16:creationId xmlns:a16="http://schemas.microsoft.com/office/drawing/2014/main" id="{989C787B-ED24-259D-DA5A-096BBB7B4487}"/>
+              </a:ext>
+            </a:extLst>
+          </p:cNvPr>
+          <p:cNvSpPr txBox="1">
+            <a:spLocks/>
+          </p:cNvSpPr>
+          <p:nvPr/>
+        </p:nvSpPr>
+        <p:spPr>
+          <a:xfrm>
+            <a:off x="6973293" y="4066719"/>
+            <a:ext cx="4997189" cy="2941544"/>
+          </a:xfrm>
+          <a:prstGeom prst="rect">
+            <a:avLst/>
+          </a:prstGeom>
+        </p:spPr>
+        <p:txBody>
+          <a:bodyPr vert="horz" lIns="91440" tIns="45720" rIns="91440" bIns="45720" rtlCol="0">
+            <a:normAutofit/>
+          </a:bodyPr>
+          <a:lstStyle>
+            <a:lvl1pPr marL="228600" indent="-228600" algn="l" defTabSz="914400" rtl="0" eaLnBrk="1" latinLnBrk="0" hangingPunct="1">
+              <a:lnSpc>
+                <a:spcPct val="90000"/>
+              </a:lnSpc>
+              <a:spcBef>
+                <a:spcPts val="1000"/>
+              </a:spcBef>
+              <a:buFont typeface="Arial" panose="020B0604020202020204" pitchFamily="34" charset="0"/>
+              <a:buChar char="•"/>
+              <a:defRPr sz="2800" kern="1200">
+                <a:solidFill>
+                  <a:schemeClr val="tx1"/>
+                </a:solidFill>
+                <a:latin typeface="+mn-lt"/>
+                <a:ea typeface="+mn-ea"/>
+                <a:cs typeface="+mn-cs"/>
+              </a:defRPr>
+            </a:lvl1pPr>
+            <a:lvl2pPr marL="685800" indent="-228600" algn="l" defTabSz="914400" rtl="0" eaLnBrk="1" latinLnBrk="0" hangingPunct="1">
+              <a:lnSpc>
+                <a:spcPct val="90000"/>
+              </a:lnSpc>
+              <a:spcBef>
+                <a:spcPts val="500"/>
+              </a:spcBef>
+              <a:buFont typeface="Arial" panose="020B0604020202020204" pitchFamily="34" charset="0"/>
+              <a:buChar char="•"/>
+              <a:defRPr sz="2400" kern="1200">
+                <a:solidFill>
+                  <a:schemeClr val="tx1"/>
+                </a:solidFill>
+                <a:latin typeface="+mn-lt"/>
+                <a:ea typeface="+mn-ea"/>
+                <a:cs typeface="+mn-cs"/>
+              </a:defRPr>
+            </a:lvl2pPr>
+            <a:lvl3pPr marL="1143000" indent="-228600" algn="l" defTabSz="914400" rtl="0" eaLnBrk="1" latinLnBrk="0" hangingPunct="1">
+              <a:lnSpc>
+                <a:spcPct val="90000"/>
+              </a:lnSpc>
+              <a:spcBef>
+                <a:spcPts val="500"/>
+              </a:spcBef>
+              <a:buFont typeface="Arial" panose="020B0604020202020204" pitchFamily="34" charset="0"/>
+              <a:buChar char="•"/>
+              <a:defRPr sz="2000" kern="1200">
+                <a:solidFill>
+                  <a:schemeClr val="tx1"/>
+                </a:solidFill>
+                <a:latin typeface="+mn-lt"/>
+                <a:ea typeface="+mn-ea"/>
+                <a:cs typeface="+mn-cs"/>
+              </a:defRPr>
+            </a:lvl3pPr>
+            <a:lvl4pPr marL="1600200" indent="-228600" algn="l" defTabSz="914400" rtl="0" eaLnBrk="1" latinLnBrk="0" hangingPunct="1">
+              <a:lnSpc>
+                <a:spcPct val="90000"/>
+              </a:lnSpc>
+              <a:spcBef>
+                <a:spcPts val="500"/>
+              </a:spcBef>
+              <a:buFont typeface="Arial" panose="020B0604020202020204" pitchFamily="34" charset="0"/>
+              <a:buChar char="•"/>
+              <a:defRPr sz="1800" kern="1200">
+                <a:solidFill>
+                  <a:schemeClr val="tx1"/>
+                </a:solidFill>
+                <a:latin typeface="+mn-lt"/>
+                <a:ea typeface="+mn-ea"/>
+                <a:cs typeface="+mn-cs"/>
+              </a:defRPr>
+            </a:lvl4pPr>
+            <a:lvl5pPr marL="2057400" indent="-228600" algn="l" defTabSz="914400" rtl="0" eaLnBrk="1" latinLnBrk="0" hangingPunct="1">
+              <a:lnSpc>
+                <a:spcPct val="90000"/>
+              </a:lnSpc>
+              <a:spcBef>
+                <a:spcPts val="500"/>
+              </a:spcBef>
+              <a:buFont typeface="Arial" panose="020B0604020202020204" pitchFamily="34" charset="0"/>
+              <a:buChar char="•"/>
+              <a:defRPr sz="1800" kern="1200">
+                <a:solidFill>
+                  <a:schemeClr val="tx1"/>
+                </a:solidFill>
+                <a:latin typeface="+mn-lt"/>
+                <a:ea typeface="+mn-ea"/>
+                <a:cs typeface="+mn-cs"/>
+              </a:defRPr>
+            </a:lvl5pPr>
+            <a:lvl6pPr marL="2514600" indent="-228600" algn="l" defTabSz="914400" rtl="0" eaLnBrk="1" latinLnBrk="0" hangingPunct="1">
+              <a:lnSpc>
+                <a:spcPct val="90000"/>
+              </a:lnSpc>
+              <a:spcBef>
+                <a:spcPts val="500"/>
+              </a:spcBef>
+              <a:buFont typeface="Arial" panose="020B0604020202020204" pitchFamily="34" charset="0"/>
+              <a:buChar char="•"/>
+              <a:defRPr sz="1800" kern="1200">
+                <a:solidFill>
+                  <a:schemeClr val="tx1"/>
+                </a:solidFill>
+                <a:latin typeface="+mn-lt"/>
+                <a:ea typeface="+mn-ea"/>
+                <a:cs typeface="+mn-cs"/>
+              </a:defRPr>
+            </a:lvl6pPr>
+            <a:lvl7pPr marL="2971800" indent="-228600" algn="l" defTabSz="914400" rtl="0" eaLnBrk="1" latinLnBrk="0" hangingPunct="1">
+              <a:lnSpc>
+                <a:spcPct val="90000"/>
+              </a:lnSpc>
+              <a:spcBef>
+                <a:spcPts val="500"/>
+              </a:spcBef>
+              <a:buFont typeface="Arial" panose="020B0604020202020204" pitchFamily="34" charset="0"/>
+              <a:buChar char="•"/>
+              <a:defRPr sz="1800" kern="1200">
+                <a:solidFill>
+                  <a:schemeClr val="tx1"/>
+                </a:solidFill>
+                <a:latin typeface="+mn-lt"/>
+                <a:ea typeface="+mn-ea"/>
+                <a:cs typeface="+mn-cs"/>
+              </a:defRPr>
+            </a:lvl7pPr>
+            <a:lvl8pPr marL="3429000" indent="-228600" algn="l" defTabSz="914400" rtl="0" eaLnBrk="1" latinLnBrk="0" hangingPunct="1">
+              <a:lnSpc>
+                <a:spcPct val="90000"/>
+              </a:lnSpc>
+              <a:spcBef>
+                <a:spcPts val="500"/>
+              </a:spcBef>
+              <a:buFont typeface="Arial" panose="020B0604020202020204" pitchFamily="34" charset="0"/>
+              <a:buChar char="•"/>
+              <a:defRPr sz="1800" kern="1200">
+                <a:solidFill>
+                  <a:schemeClr val="tx1"/>
+                </a:solidFill>
+                <a:latin typeface="+mn-lt"/>
+                <a:ea typeface="+mn-ea"/>
+                <a:cs typeface="+mn-cs"/>
+              </a:defRPr>
+            </a:lvl8pPr>
+            <a:lvl9pPr marL="3886200" indent="-228600" algn="l" defTabSz="914400" rtl="0" eaLnBrk="1" latinLnBrk="0" hangingPunct="1">
+              <a:lnSpc>
+                <a:spcPct val="90000"/>
+              </a:lnSpc>
+              <a:spcBef>
+                <a:spcPts val="500"/>
+              </a:spcBef>
+              <a:buFont typeface="Arial" panose="020B0604020202020204" pitchFamily="34" charset="0"/>
+              <a:buChar char="•"/>
+              <a:defRPr sz="1800" kern="1200">
+                <a:solidFill>
+                  <a:schemeClr val="tx1"/>
+                </a:solidFill>
+                <a:latin typeface="+mn-lt"/>
+                <a:ea typeface="+mn-ea"/>
+                <a:cs typeface="+mn-cs"/>
+              </a:defRPr>
+            </a:lvl9pPr>
+          </a:lstStyle>
+          <a:p>
+            <a:r>
+              <a:rPr lang="nl-NL" sz="1800" noProof="0" dirty="0"/>
+              <a:t>Nieuwe situatie</a:t>
+            </a:r>
+          </a:p>
+        </p:txBody>
+      </p:sp>
+    </p:spTree>
+    <p:extLst>
+      <p:ext uri="{BB962C8B-B14F-4D97-AF65-F5344CB8AC3E}">
+        <p14:creationId xmlns:p14="http://schemas.microsoft.com/office/powerpoint/2010/main" val="2119706625"/>
+      </p:ext>
+    </p:extLst>
+  </p:cSld>
+  <p:clrMapOvr>
+    <a:masterClrMapping/>
+  </p:clrMapOvr>
+</p:sld>
+</file>
+
+<file path=ppt/slides/slide7.xml><?xml version="1.0" encoding="utf-8"?>
+<p:sld xmlns:a="http://schemas.openxmlformats.org/drawingml/2006/main" xmlns:r="http://schemas.openxmlformats.org/officeDocument/2006/relationships" xmlns:p="http://schemas.openxmlformats.org/presentationml/2006/main">
+  <p:cSld>
+    <p:bg>
+      <p:bgPr>
+        <a:solidFill>
+          <a:schemeClr val="bg1"/>
+        </a:solidFill>
+        <a:effectLst/>
+      </p:bgPr>
+    </p:bg>
+    <p:spTree>
+      <p:nvGrpSpPr>
+        <p:cNvPr id="1" name=""/>
+        <p:cNvGrpSpPr/>
+        <p:nvPr/>
+      </p:nvGrpSpPr>
+      <p:grpSpPr>
+        <a:xfrm>
+          <a:off x="0" y="0"/>
+          <a:ext cx="0" cy="0"/>
+          <a:chOff x="0" y="0"/>
+          <a:chExt cx="0" cy="0"/>
+        </a:xfrm>
+      </p:grpSpPr>
+      <p:sp>
+        <p:nvSpPr>
+          <p:cNvPr id="2" name="Titel 1">
+            <a:extLst>
+              <a:ext uri="{FF2B5EF4-FFF2-40B4-BE49-F238E27FC236}">
+                <a16:creationId xmlns:a16="http://schemas.microsoft.com/office/drawing/2014/main" id="{C73FA6E9-0A0A-833A-4843-D98B4A031136}"/>
+              </a:ext>
+            </a:extLst>
+          </p:cNvPr>
+          <p:cNvSpPr>
+            <a:spLocks noGrp="1"/>
+          </p:cNvSpPr>
+          <p:nvPr>
+            <p:ph type="title"/>
+          </p:nvPr>
+        </p:nvSpPr>
+        <p:spPr>
+          <a:xfrm>
+            <a:off x="8153400" y="1128094"/>
+            <a:ext cx="3434180" cy="1415270"/>
+          </a:xfrm>
+        </p:spPr>
+        <p:txBody>
+          <a:bodyPr anchor="t">
+            <a:normAutofit/>
+          </a:bodyPr>
+          <a:lstStyle/>
+          <a:p>
+            <a:r>
+              <a:rPr lang="nl-NL" sz="3200" noProof="0" dirty="0"/>
+              <a:t>Wat heb ik gerealiseerd</a:t>
+            </a:r>
+          </a:p>
+        </p:txBody>
+      </p:sp>
+      <p:sp>
+        <p:nvSpPr>
+          <p:cNvPr id="10" name="Rectangle 9">
+            <a:extLst>
+              <a:ext uri="{FF2B5EF4-FFF2-40B4-BE49-F238E27FC236}">
+                <a16:creationId xmlns:a16="http://schemas.microsoft.com/office/drawing/2014/main" id="{7ED7575E-88D2-B771-681D-46A7E55415DD}"/>
+              </a:ext>
+              <a:ext uri="{C183D7F6-B498-43B3-948B-1728B52AA6E4}">
+                <adec:decorative xmlns:adec="http://schemas.microsoft.com/office/drawing/2017/decorative" val="1"/>
+              </a:ext>
+            </a:extLst>
+          </p:cNvPr>
+          <p:cNvSpPr>
+            <a:spLocks noGrp="1" noRot="1" noChangeAspect="1" noMove="1" noResize="1" noEditPoints="1" noAdjustHandles="1" noChangeArrowheads="1" noChangeShapeType="1" noTextEdit="1"/>
+          </p:cNvSpPr>
+          <p:nvPr>
+            <p:extLst>
+              <p:ext uri="{386F3935-93C4-4BCD-93E2-E3B085C9AB24}">
+                <p16:designElem xmlns:p16="http://schemas.microsoft.com/office/powerpoint/2015/main" val="1"/>
+              </p:ext>
+            </p:extLst>
+          </p:nvPr>
+        </p:nvSpPr>
+        <p:spPr>
+          <a:xfrm>
+            <a:off x="0" y="0"/>
+            <a:ext cx="7576457" cy="6858000"/>
+          </a:xfrm>
+          <a:prstGeom prst="rect">
+            <a:avLst/>
+          </a:prstGeom>
+          <a:solidFill>
+            <a:schemeClr val="bg1">
+              <a:lumMod val="95000"/>
+              <a:alpha val="65000"/>
+            </a:schemeClr>
+          </a:solidFill>
+          <a:ln>
+            <a:noFill/>
+          </a:ln>
+        </p:spPr>
+        <p:style>
+          <a:lnRef idx="2">
+            <a:schemeClr val="accent1">
+              <a:shade val="50000"/>
+            </a:schemeClr>
+          </a:lnRef>
+          <a:fillRef idx="1">
+            <a:schemeClr val="accent1"/>
+          </a:fillRef>
+          <a:effectRef idx="0">
+            <a:schemeClr val="accent1"/>
+          </a:effectRef>
+          <a:fontRef idx="minor">
+            <a:schemeClr val="lt1"/>
+          </a:fontRef>
+        </p:style>
+        <p:txBody>
+          <a:bodyPr rtlCol="0" anchor="ctr"/>
+          <a:lstStyle/>
+          <a:p>
+            <a:pPr algn="ctr"/>
+            <a:endParaRPr lang="nl-NL" noProof="0" dirty="0"/>
+          </a:p>
+        </p:txBody>
+      </p:sp>
+      <p:cxnSp>
+        <p:nvCxnSpPr>
+          <p:cNvPr id="12" name="Straight Connector 11">
+            <a:extLst>
+              <a:ext uri="{FF2B5EF4-FFF2-40B4-BE49-F238E27FC236}">
+                <a16:creationId xmlns:a16="http://schemas.microsoft.com/office/drawing/2014/main" id="{249EDD1B-F94D-B4E6-ACAA-566B9A26FDE3}"/>
+              </a:ext>
+              <a:ext uri="{C183D7F6-B498-43B3-948B-1728B52AA6E4}">
+                <adec:decorative xmlns:adec="http://schemas.microsoft.com/office/drawing/2017/decorative" val="1"/>
+              </a:ext>
+            </a:extLst>
+          </p:cNvPr>
+          <p:cNvCxnSpPr>
+            <a:cxnSpLocks noGrp="1" noRot="1" noChangeAspect="1" noMove="1" noResize="1" noEditPoints="1" noAdjustHandles="1" noChangeArrowheads="1" noChangeShapeType="1"/>
+          </p:cNvCxnSpPr>
+          <p:nvPr>
+            <p:extLst>
+              <p:ext uri="{386F3935-93C4-4BCD-93E2-E3B085C9AB24}">
+                <p16:designElem xmlns:p16="http://schemas.microsoft.com/office/powerpoint/2015/main" val="1"/>
+              </p:ext>
+            </p:extLst>
+          </p:nvPr>
+        </p:nvCxnSpPr>
+        <p:spPr>
+          <a:xfrm>
+            <a:off x="8199390" y="871146"/>
+            <a:ext cx="736939" cy="0"/>
+          </a:xfrm>
+          <a:prstGeom prst="line">
+            <a:avLst/>
+          </a:prstGeom>
+          <a:ln w="57150">
+            <a:solidFill>
+              <a:schemeClr val="accent4"/>
+            </a:solidFill>
+          </a:ln>
+        </p:spPr>
+        <p:style>
+          <a:lnRef idx="1">
+            <a:schemeClr val="accent1"/>
+          </a:lnRef>
+          <a:fillRef idx="0">
+            <a:schemeClr val="accent1"/>
+          </a:fillRef>
+          <a:effectRef idx="0">
+            <a:schemeClr val="accent1"/>
+          </a:effectRef>
+          <a:fontRef idx="minor">
+            <a:schemeClr val="tx1"/>
+          </a:fontRef>
+        </p:style>
+      </p:cxnSp>
+      <p:sp>
+        <p:nvSpPr>
+          <p:cNvPr id="3" name="Tijdelijke aanduiding voor inhoud 2">
+            <a:extLst>
+              <a:ext uri="{FF2B5EF4-FFF2-40B4-BE49-F238E27FC236}">
+                <a16:creationId xmlns:a16="http://schemas.microsoft.com/office/drawing/2014/main" id="{A6F1AE2C-58F6-57ED-F461-51AAA2F60CC4}"/>
+              </a:ext>
+            </a:extLst>
+          </p:cNvPr>
+          <p:cNvSpPr>
+            <a:spLocks noGrp="1"/>
+          </p:cNvSpPr>
+          <p:nvPr>
+            <p:ph idx="1"/>
+          </p:nvPr>
+        </p:nvSpPr>
+        <p:spPr>
+          <a:xfrm>
+            <a:off x="8153400" y="2543364"/>
+            <a:ext cx="3434180" cy="3599019"/>
+          </a:xfrm>
+        </p:spPr>
+        <p:txBody>
+          <a:bodyPr>
+            <a:normAutofit/>
+          </a:bodyPr>
+          <a:lstStyle/>
+          <a:p>
+            <a:r>
+              <a:rPr lang="nl-NL" sz="2000" noProof="0" dirty="0"/>
+              <a:t>Hardware</a:t>
+            </a:r>
+          </a:p>
+          <a:p>
+            <a:r>
+              <a:rPr lang="nl-NL" sz="2000" noProof="0" dirty="0"/>
+              <a:t>Software</a:t>
+            </a:r>
+          </a:p>
+          <a:p>
+            <a:r>
+              <a:rPr lang="nl-NL" sz="2000" noProof="0" dirty="0"/>
+              <a:t>Mechanica</a:t>
+            </a:r>
+          </a:p>
+          <a:p>
+            <a:endParaRPr lang="nl-NL" sz="2000" noProof="0" dirty="0"/>
+          </a:p>
+        </p:txBody>
+      </p:sp>
+      <p:pic>
+        <p:nvPicPr>
+          <p:cNvPr id="7" name="Afbeelding 6">
+            <a:extLst>
+              <a:ext uri="{FF2B5EF4-FFF2-40B4-BE49-F238E27FC236}">
+                <a16:creationId xmlns:a16="http://schemas.microsoft.com/office/drawing/2014/main" id="{6863DD7F-2A33-79E5-8642-712B9B79B341}"/>
+              </a:ext>
+            </a:extLst>
+          </p:cNvPr>
+          <p:cNvPicPr>
+            <a:picLocks noChangeAspect="1"/>
+          </p:cNvPicPr>
+          <p:nvPr/>
+        </p:nvPicPr>
+        <p:blipFill>
+          <a:blip r:embed="rId2"/>
+          <a:stretch>
+            <a:fillRect/>
+          </a:stretch>
+        </p:blipFill>
+        <p:spPr>
+          <a:xfrm>
+            <a:off x="429797" y="1255119"/>
+            <a:ext cx="6716862" cy="4347762"/>
+          </a:xfrm>
+          <a:prstGeom prst="rect">
+            <a:avLst/>
+          </a:prstGeom>
+        </p:spPr>
+      </p:pic>
+    </p:spTree>
+    <p:extLst>
+      <p:ext uri="{BB962C8B-B14F-4D97-AF65-F5344CB8AC3E}">
+        <p14:creationId xmlns:p14="http://schemas.microsoft.com/office/powerpoint/2010/main" val="2222343251"/>
+      </p:ext>
+    </p:extLst>
+  </p:cSld>
+  <p:clrMapOvr>
+    <a:masterClrMapping/>
+  </p:clrMapOvr>
+</p:sld>
+</file>
+
+<file path=ppt/slides/slide8.xml><?xml version="1.0" encoding="utf-8"?>
+<p:sld xmlns:a="http://schemas.openxmlformats.org/drawingml/2006/main" xmlns:r="http://schemas.openxmlformats.org/officeDocument/2006/relationships" xmlns:p="http://schemas.openxmlformats.org/presentationml/2006/main">
+  <p:cSld>
+    <p:bg>
+      <p:bgPr>
+        <a:solidFill>
+          <a:schemeClr val="bg1"/>
+        </a:solidFill>
+        <a:effectLst/>
+      </p:bgPr>
+    </p:bg>
+    <p:spTree>
+      <p:nvGrpSpPr>
+        <p:cNvPr id="1" name="">
+          <a:extLst>
+            <a:ext uri="{FF2B5EF4-FFF2-40B4-BE49-F238E27FC236}">
+              <a16:creationId xmlns:a16="http://schemas.microsoft.com/office/drawing/2014/main" id="{9E23608E-26BD-7835-E7E3-5D620507B2E3}"/>
+            </a:ext>
+          </a:extLst>
+        </p:cNvPr>
+        <p:cNvGrpSpPr/>
+        <p:nvPr/>
+      </p:nvGrpSpPr>
+      <p:grpSpPr>
+        <a:xfrm>
+          <a:off x="0" y="0"/>
+          <a:ext cx="0" cy="0"/>
+          <a:chOff x="0" y="0"/>
+          <a:chExt cx="0" cy="0"/>
+        </a:xfrm>
+      </p:grpSpPr>
+      <p:sp useBgFill="1">
+        <p:nvSpPr>
+          <p:cNvPr id="18" name="Rectangle 17">
+            <a:extLst>
+              <a:ext uri="{FF2B5EF4-FFF2-40B4-BE49-F238E27FC236}">
+                <a16:creationId xmlns:a16="http://schemas.microsoft.com/office/drawing/2014/main" id="{0D7B6173-1D58-48E2-83CF-37350F315F75}"/>
+              </a:ext>
+              <a:ext uri="{C183D7F6-B498-43B3-948B-1728B52AA6E4}">
+                <adec:decorative xmlns:adec="http://schemas.microsoft.com/office/drawing/2017/decorative" val="1"/>
+              </a:ext>
+            </a:extLst>
+          </p:cNvPr>
+          <p:cNvSpPr>
+            <a:spLocks noGrp="1" noRot="1" noChangeAspect="1" noMove="1" noResize="1" noEditPoints="1" noAdjustHandles="1" noChangeArrowheads="1" noChangeShapeType="1" noTextEdit="1"/>
+          </p:cNvSpPr>
+          <p:nvPr>
+            <p:extLst>
+              <p:ext uri="{386F3935-93C4-4BCD-93E2-E3B085C9AB24}">
+                <p16:designElem xmlns:p16="http://schemas.microsoft.com/office/powerpoint/2015/main" val="1"/>
+              </p:ext>
+            </p:extLst>
+          </p:nvPr>
+        </p:nvSpPr>
+        <p:spPr>
+          <a:xfrm>
+            <a:off x="0" y="-1"/>
+            <a:ext cx="12188952" cy="6858000"/>
+          </a:xfrm>
+          <a:prstGeom prst="rect">
+            <a:avLst/>
+          </a:prstGeom>
+          <a:ln>
+            <a:noFill/>
+          </a:ln>
+        </p:spPr>
+        <p:style>
+          <a:lnRef idx="2">
+            <a:schemeClr val="accent1">
+              <a:shade val="50000"/>
+            </a:schemeClr>
+          </a:lnRef>
+          <a:fillRef idx="1">
+            <a:schemeClr val="accent1"/>
+          </a:fillRef>
+          <a:effectRef idx="0">
+            <a:schemeClr val="accent1"/>
+          </a:effectRef>
+          <a:fontRef idx="minor">
+            <a:schemeClr val="lt1"/>
+          </a:fontRef>
+        </p:style>
+        <p:txBody>
+          <a:bodyPr rtlCol="0" anchor="ctr"/>
+          <a:lstStyle/>
+          <a:p>
+            <a:pPr algn="ctr"/>
+            <a:endParaRPr lang="nl-NL" noProof="0" dirty="0"/>
+          </a:p>
+        </p:txBody>
+      </p:sp>
+      <p:sp>
+        <p:nvSpPr>
+          <p:cNvPr id="20" name="Rectangle 19">
+            <a:extLst>
+              <a:ext uri="{FF2B5EF4-FFF2-40B4-BE49-F238E27FC236}">
+                <a16:creationId xmlns:a16="http://schemas.microsoft.com/office/drawing/2014/main" id="{8B068B58-6F94-4AFF-A8A7-18573884D6CD}"/>
+              </a:ext>
+              <a:ext uri="{C183D7F6-B498-43B3-948B-1728B52AA6E4}">
+                <adec:decorative xmlns:adec="http://schemas.microsoft.com/office/drawing/2017/decorative" val="1"/>
+              </a:ext>
+            </a:extLst>
+          </p:cNvPr>
+          <p:cNvSpPr>
+            <a:spLocks noGrp="1" noRot="1" noChangeAspect="1" noMove="1" noResize="1" noEditPoints="1" noAdjustHandles="1" noChangeArrowheads="1" noChangeShapeType="1" noTextEdit="1"/>
+          </p:cNvSpPr>
+          <p:nvPr>
+            <p:extLst>
+              <p:ext uri="{386F3935-93C4-4BCD-93E2-E3B085C9AB24}">
+                <p16:designElem xmlns:p16="http://schemas.microsoft.com/office/powerpoint/2015/main" val="1"/>
+              </p:ext>
+            </p:extLst>
+          </p:nvPr>
+        </p:nvSpPr>
+        <p:spPr>
+          <a:xfrm>
+            <a:off x="0" y="0"/>
+            <a:ext cx="12188952" cy="6858000"/>
+          </a:xfrm>
+          <a:prstGeom prst="rect">
+            <a:avLst/>
+          </a:prstGeom>
+          <a:solidFill>
+            <a:schemeClr val="bg2">
+              <a:alpha val="50000"/>
+            </a:schemeClr>
+          </a:solidFill>
+          <a:ln>
+            <a:noFill/>
+          </a:ln>
+        </p:spPr>
+        <p:style>
+          <a:lnRef idx="2">
+            <a:schemeClr val="accent1">
+              <a:shade val="50000"/>
+            </a:schemeClr>
+          </a:lnRef>
+          <a:fillRef idx="1">
+            <a:schemeClr val="accent1"/>
+          </a:fillRef>
+          <a:effectRef idx="0">
+            <a:schemeClr val="accent1"/>
+          </a:effectRef>
+          <a:fontRef idx="minor">
+            <a:schemeClr val="lt1"/>
+          </a:fontRef>
+        </p:style>
+        <p:txBody>
+          <a:bodyPr rtlCol="0" anchor="ctr"/>
+          <a:lstStyle/>
+          <a:p>
+            <a:pPr algn="ctr"/>
+            <a:endParaRPr lang="nl-NL" noProof="0" dirty="0"/>
+          </a:p>
+        </p:txBody>
+      </p:sp>
+      <p:pic>
+        <p:nvPicPr>
+          <p:cNvPr id="22" name="Picture 21">
+            <a:extLst>
+              <a:ext uri="{FF2B5EF4-FFF2-40B4-BE49-F238E27FC236}">
+                <a16:creationId xmlns:a16="http://schemas.microsoft.com/office/drawing/2014/main" id="{B0DAC8FB-A162-44E3-A606-C855A03A5B09}"/>
+              </a:ext>
+              <a:ext uri="{C183D7F6-B498-43B3-948B-1728B52AA6E4}">
+                <adec:decorative xmlns:adec="http://schemas.microsoft.com/office/drawing/2017/decorative" val="1"/>
+              </a:ext>
+            </a:extLst>
+          </p:cNvPr>
+          <p:cNvPicPr>
+            <a:picLocks noGrp="1" noRot="1" noChangeAspect="1" noMove="1" noResize="1" noEditPoints="1" noAdjustHandles="1" noChangeArrowheads="1" noChangeShapeType="1" noCrop="1"/>
+          </p:cNvPicPr>
+          <p:nvPr>
+            <p:extLst>
+              <p:ext uri="{386F3935-93C4-4BCD-93E2-E3B085C9AB24}">
+                <p16:designElem xmlns:p16="http://schemas.microsoft.com/office/powerpoint/2015/main" val="1"/>
+              </p:ext>
+            </p:extLst>
+          </p:nvPr>
+        </p:nvPicPr>
+        <p:blipFill>
+          <a:blip r:embed="rId3">
+            <a:extLst>
+              <a:ext uri="{28A0092B-C50C-407E-A947-70E740481C1C}">
+                <a14:useLocalDpi xmlns:a14="http://schemas.microsoft.com/office/drawing/2010/main" val="0"/>
+              </a:ext>
+            </a:extLst>
+          </a:blip>
+          <a:stretch>
+            <a:fillRect/>
+          </a:stretch>
+        </p:blipFill>
+        <p:spPr>
+          <a:xfrm>
+            <a:off x="0" y="0"/>
+            <a:ext cx="12188952" cy="6862380"/>
+          </a:xfrm>
+          <a:prstGeom prst="rect">
+            <a:avLst/>
+          </a:prstGeom>
+        </p:spPr>
+      </p:pic>
+      <p:sp>
+        <p:nvSpPr>
+          <p:cNvPr id="24" name="Rectangle 23">
+            <a:extLst>
+              <a:ext uri="{FF2B5EF4-FFF2-40B4-BE49-F238E27FC236}">
+                <a16:creationId xmlns:a16="http://schemas.microsoft.com/office/drawing/2014/main" id="{21BDEC81-16A7-4451-B893-C15000083B77}"/>
+              </a:ext>
+              <a:ext uri="{C183D7F6-B498-43B3-948B-1728B52AA6E4}">
+                <adec:decorative xmlns:adec="http://schemas.microsoft.com/office/drawing/2017/decorative" val="1"/>
+              </a:ext>
+            </a:extLst>
+          </p:cNvPr>
+          <p:cNvSpPr>
+            <a:spLocks noGrp="1" noRot="1" noChangeAspect="1" noMove="1" noResize="1" noEditPoints="1" noAdjustHandles="1" noChangeArrowheads="1" noChangeShapeType="1" noTextEdit="1"/>
+          </p:cNvSpPr>
+          <p:nvPr>
+            <p:extLst>
+              <p:ext uri="{386F3935-93C4-4BCD-93E2-E3B085C9AB24}">
+                <p16:designElem xmlns:p16="http://schemas.microsoft.com/office/powerpoint/2015/main" val="1"/>
+              </p:ext>
+            </p:extLst>
+          </p:nvPr>
+        </p:nvSpPr>
+        <p:spPr>
+          <a:xfrm>
+            <a:off x="0" y="0"/>
+            <a:ext cx="12188952" cy="6858000"/>
+          </a:xfrm>
+          <a:prstGeom prst="rect">
+            <a:avLst/>
+          </a:prstGeom>
+          <a:solidFill>
+            <a:schemeClr val="accent1">
+              <a:alpha val="20000"/>
+            </a:schemeClr>
+          </a:solidFill>
+          <a:ln>
+            <a:noFill/>
+          </a:ln>
+        </p:spPr>
+        <p:style>
+          <a:lnRef idx="2">
+            <a:schemeClr val="accent1">
+              <a:shade val="50000"/>
+            </a:schemeClr>
+          </a:lnRef>
+          <a:fillRef idx="1">
+            <a:schemeClr val="accent1"/>
+          </a:fillRef>
+          <a:effectRef idx="0">
+            <a:schemeClr val="accent1"/>
+          </a:effectRef>
+          <a:fontRef idx="minor">
+            <a:schemeClr val="lt1"/>
+          </a:fontRef>
+        </p:style>
+        <p:txBody>
+          <a:bodyPr rtlCol="0" anchor="ctr"/>
+          <a:lstStyle/>
+          <a:p>
+            <a:pPr algn="ctr"/>
+            <a:endParaRPr lang="nl-NL" noProof="0" dirty="0"/>
+          </a:p>
+        </p:txBody>
+      </p:sp>
+      <p:sp>
+        <p:nvSpPr>
+          <p:cNvPr id="26" name="Rectangle 25">
+            <a:extLst>
+              <a:ext uri="{FF2B5EF4-FFF2-40B4-BE49-F238E27FC236}">
+                <a16:creationId xmlns:a16="http://schemas.microsoft.com/office/drawing/2014/main" id="{BE5B028C-7535-45E5-9D2C-32C50D0E0E43}"/>
+              </a:ext>
+              <a:ext uri="{C183D7F6-B498-43B3-948B-1728B52AA6E4}">
+                <adec:decorative xmlns:adec="http://schemas.microsoft.com/office/drawing/2017/decorative" val="1"/>
+              </a:ext>
+            </a:extLst>
+          </p:cNvPr>
+          <p:cNvSpPr>
+            <a:spLocks noGrp="1" noRot="1" noChangeAspect="1" noMove="1" noResize="1" noEditPoints="1" noAdjustHandles="1" noChangeArrowheads="1" noChangeShapeType="1" noTextEdit="1"/>
+          </p:cNvSpPr>
+          <p:nvPr>
+            <p:extLst>
+              <p:ext uri="{386F3935-93C4-4BCD-93E2-E3B085C9AB24}">
+                <p16:designElem xmlns:p16="http://schemas.microsoft.com/office/powerpoint/2015/main" val="1"/>
+              </p:ext>
+            </p:extLst>
+          </p:nvPr>
+        </p:nvSpPr>
+        <p:spPr>
+          <a:xfrm>
+            <a:off x="538542" y="729175"/>
+            <a:ext cx="11099352" cy="5399650"/>
+          </a:xfrm>
+          <a:prstGeom prst="rect">
+            <a:avLst/>
+          </a:prstGeom>
+          <a:solidFill>
+            <a:schemeClr val="bg1"/>
+          </a:solidFill>
+          <a:ln w="34925">
+            <a:noFill/>
+          </a:ln>
+        </p:spPr>
+        <p:style>
+          <a:lnRef idx="2">
+            <a:schemeClr val="accent1">
+              <a:shade val="50000"/>
+            </a:schemeClr>
+          </a:lnRef>
+          <a:fillRef idx="1">
+            <a:schemeClr val="accent1"/>
+          </a:fillRef>
+          <a:effectRef idx="0">
+            <a:schemeClr val="accent1"/>
+          </a:effectRef>
+          <a:fontRef idx="minor">
+            <a:schemeClr val="lt1"/>
+          </a:fontRef>
+        </p:style>
+        <p:txBody>
+          <a:bodyPr rtlCol="0" anchor="ctr"/>
+          <a:lstStyle/>
+          <a:p>
+            <a:pPr algn="ctr"/>
+            <a:endParaRPr lang="nl-NL" b="1" noProof="0" dirty="0">
+              <a:ln w="22225">
+                <a:solidFill>
+                  <a:schemeClr val="accent2"/>
+                </a:solidFill>
+                <a:prstDash val="solid"/>
+              </a:ln>
+              <a:solidFill>
+                <a:schemeClr val="accent2">
+                  <a:lumMod val="40000"/>
+                  <a:lumOff val="60000"/>
+                </a:schemeClr>
+              </a:solidFill>
+            </a:endParaRPr>
+          </a:p>
+        </p:txBody>
+      </p:sp>
+      <p:sp>
+        <p:nvSpPr>
+          <p:cNvPr id="2" name="Titel 1">
+            <a:extLst>
+              <a:ext uri="{FF2B5EF4-FFF2-40B4-BE49-F238E27FC236}">
                 <a16:creationId xmlns:a16="http://schemas.microsoft.com/office/drawing/2014/main" id="{942F5DBF-D4F7-3D4B-C2AD-55B381BAFCBA}"/>
               </a:ext>
             </a:extLst>
@@ -5692,7 +10707,7 @@
           <a:lstStyle/>
           <a:p>
             <a:r>
-              <a:rPr lang="nl-NL" sz="4800"/>
+              <a:rPr lang="nl-NL" sz="4800" noProof="0" dirty="0"/>
               <a:t>Ontwerpen software</a:t>
             </a:r>
           </a:p>
@@ -5730,7 +10745,7 @@
               <a:buNone/>
             </a:pPr>
             <a:r>
-              <a:rPr lang="nl-NL" sz="1800" dirty="0"/>
+              <a:rPr lang="nl-NL" sz="1800" noProof="0" dirty="0"/>
               <a:t>Rechte beweging model. (G0, G1</a:t>
             </a:r>
           </a:p>
@@ -5858,7 +10873,7 @@
               <a:buNone/>
             </a:pPr>
             <a:r>
-              <a:rPr lang="nl-NL" sz="1800" dirty="0"/>
+              <a:rPr lang="nl-NL" sz="1800" noProof="0" dirty="0"/>
               <a:t>Cirkel beweging model. (G2, G3)</a:t>
             </a:r>
           </a:p>
@@ -5877,12 +10892,26 @@
 </p:sld>
 </file>
 
-<file path=ppt/slides/slide8.xml><?xml version="1.0" encoding="utf-8"?>
+<file path=ppt/slides/slide9.xml><?xml version="1.0" encoding="utf-8"?>
 <p:sld xmlns:a="http://schemas.openxmlformats.org/drawingml/2006/main" xmlns:r="http://schemas.openxmlformats.org/officeDocument/2006/relationships" xmlns:p="http://schemas.openxmlformats.org/presentationml/2006/main">
   <p:cSld>
+    <p:bg>
+      <p:bgPr>
+        <a:solidFill>
+          <a:schemeClr val="bg1"/>
+        </a:solidFill>
+        <a:effectLst/>
+      </p:bgPr>
+    </p:bg>
     <p:spTree>
       <p:nvGrpSpPr>
-        <p:cNvPr id="1" name=""/>
+        <p:cNvPr id="1" name="">
+          <a:extLst>
+            <a:ext uri="{FF2B5EF4-FFF2-40B4-BE49-F238E27FC236}">
+              <a16:creationId xmlns:a16="http://schemas.microsoft.com/office/drawing/2014/main" id="{BF9C519F-593D-EB9D-FBAE-B2CF49E0A661}"/>
+            </a:ext>
+          </a:extLst>
+        </p:cNvPr>
         <p:cNvGrpSpPr/>
         <p:nvPr/>
       </p:nvGrpSpPr>
@@ -5894,12 +10923,323 @@
           <a:chExt cx="0" cy="0"/>
         </a:xfrm>
       </p:grpSpPr>
+      <p:sp useBgFill="1">
+        <p:nvSpPr>
+          <p:cNvPr id="18" name="Rectangle 17">
+            <a:extLst>
+              <a:ext uri="{FF2B5EF4-FFF2-40B4-BE49-F238E27FC236}">
+                <a16:creationId xmlns:a16="http://schemas.microsoft.com/office/drawing/2014/main" id="{96FA63AC-DA05-5D3E-C08B-E40A46E04864}"/>
+              </a:ext>
+              <a:ext uri="{C183D7F6-B498-43B3-948B-1728B52AA6E4}">
+                <adec:decorative xmlns:adec="http://schemas.microsoft.com/office/drawing/2017/decorative" val="1"/>
+              </a:ext>
+            </a:extLst>
+          </p:cNvPr>
+          <p:cNvSpPr>
+            <a:spLocks noGrp="1" noRot="1" noChangeAspect="1" noMove="1" noResize="1" noEditPoints="1" noAdjustHandles="1" noChangeArrowheads="1" noChangeShapeType="1" noTextEdit="1"/>
+          </p:cNvSpPr>
+          <p:nvPr>
+            <p:extLst>
+              <p:ext uri="{386F3935-93C4-4BCD-93E2-E3B085C9AB24}">
+                <p16:designElem xmlns:p16="http://schemas.microsoft.com/office/powerpoint/2015/main" val="1"/>
+              </p:ext>
+            </p:extLst>
+          </p:nvPr>
+        </p:nvSpPr>
+        <p:spPr>
+          <a:xfrm>
+            <a:off x="0" y="-1"/>
+            <a:ext cx="12188952" cy="6858000"/>
+          </a:xfrm>
+          <a:prstGeom prst="rect">
+            <a:avLst/>
+          </a:prstGeom>
+          <a:ln>
+            <a:noFill/>
+          </a:ln>
+        </p:spPr>
+        <p:style>
+          <a:lnRef idx="2">
+            <a:schemeClr val="accent1">
+              <a:shade val="50000"/>
+            </a:schemeClr>
+          </a:lnRef>
+          <a:fillRef idx="1">
+            <a:schemeClr val="accent1"/>
+          </a:fillRef>
+          <a:effectRef idx="0">
+            <a:schemeClr val="accent1"/>
+          </a:effectRef>
+          <a:fontRef idx="minor">
+            <a:schemeClr val="lt1"/>
+          </a:fontRef>
+        </p:style>
+        <p:txBody>
+          <a:bodyPr rtlCol="0" anchor="ctr"/>
+          <a:lstStyle/>
+          <a:p>
+            <a:pPr algn="ctr"/>
+            <a:endParaRPr lang="nl-NL" noProof="0" dirty="0"/>
+          </a:p>
+        </p:txBody>
+      </p:sp>
+      <p:sp>
+        <p:nvSpPr>
+          <p:cNvPr id="20" name="Rectangle 19">
+            <a:extLst>
+              <a:ext uri="{FF2B5EF4-FFF2-40B4-BE49-F238E27FC236}">
+                <a16:creationId xmlns:a16="http://schemas.microsoft.com/office/drawing/2014/main" id="{9F17E71F-ADC4-471C-3C2E-46D3BC1B228B}"/>
+              </a:ext>
+              <a:ext uri="{C183D7F6-B498-43B3-948B-1728B52AA6E4}">
+                <adec:decorative xmlns:adec="http://schemas.microsoft.com/office/drawing/2017/decorative" val="1"/>
+              </a:ext>
+            </a:extLst>
+          </p:cNvPr>
+          <p:cNvSpPr>
+            <a:spLocks noGrp="1" noRot="1" noChangeAspect="1" noMove="1" noResize="1" noEditPoints="1" noAdjustHandles="1" noChangeArrowheads="1" noChangeShapeType="1" noTextEdit="1"/>
+          </p:cNvSpPr>
+          <p:nvPr>
+            <p:extLst>
+              <p:ext uri="{386F3935-93C4-4BCD-93E2-E3B085C9AB24}">
+                <p16:designElem xmlns:p16="http://schemas.microsoft.com/office/powerpoint/2015/main" val="1"/>
+              </p:ext>
+            </p:extLst>
+          </p:nvPr>
+        </p:nvSpPr>
+        <p:spPr>
+          <a:xfrm>
+            <a:off x="0" y="0"/>
+            <a:ext cx="12188952" cy="6858000"/>
+          </a:xfrm>
+          <a:prstGeom prst="rect">
+            <a:avLst/>
+          </a:prstGeom>
+          <a:solidFill>
+            <a:schemeClr val="bg2">
+              <a:alpha val="50000"/>
+            </a:schemeClr>
+          </a:solidFill>
+          <a:ln>
+            <a:noFill/>
+          </a:ln>
+        </p:spPr>
+        <p:style>
+          <a:lnRef idx="2">
+            <a:schemeClr val="accent1">
+              <a:shade val="50000"/>
+            </a:schemeClr>
+          </a:lnRef>
+          <a:fillRef idx="1">
+            <a:schemeClr val="accent1"/>
+          </a:fillRef>
+          <a:effectRef idx="0">
+            <a:schemeClr val="accent1"/>
+          </a:effectRef>
+          <a:fontRef idx="minor">
+            <a:schemeClr val="lt1"/>
+          </a:fontRef>
+        </p:style>
+        <p:txBody>
+          <a:bodyPr rtlCol="0" anchor="ctr"/>
+          <a:lstStyle/>
+          <a:p>
+            <a:pPr algn="ctr"/>
+            <a:endParaRPr lang="nl-NL" noProof="0" dirty="0"/>
+          </a:p>
+        </p:txBody>
+      </p:sp>
+      <p:pic>
+        <p:nvPicPr>
+          <p:cNvPr id="22" name="Picture 21">
+            <a:extLst>
+              <a:ext uri="{FF2B5EF4-FFF2-40B4-BE49-F238E27FC236}">
+                <a16:creationId xmlns:a16="http://schemas.microsoft.com/office/drawing/2014/main" id="{C177F71B-8566-B8F2-0C14-200D9FC7C12B}"/>
+              </a:ext>
+              <a:ext uri="{C183D7F6-B498-43B3-948B-1728B52AA6E4}">
+                <adec:decorative xmlns:adec="http://schemas.microsoft.com/office/drawing/2017/decorative" val="1"/>
+              </a:ext>
+            </a:extLst>
+          </p:cNvPr>
+          <p:cNvPicPr>
+            <a:picLocks noGrp="1" noRot="1" noChangeAspect="1" noMove="1" noResize="1" noEditPoints="1" noAdjustHandles="1" noChangeArrowheads="1" noChangeShapeType="1" noCrop="1"/>
+          </p:cNvPicPr>
+          <p:nvPr>
+            <p:extLst>
+              <p:ext uri="{386F3935-93C4-4BCD-93E2-E3B085C9AB24}">
+                <p16:designElem xmlns:p16="http://schemas.microsoft.com/office/powerpoint/2015/main" val="1"/>
+              </p:ext>
+            </p:extLst>
+          </p:nvPr>
+        </p:nvPicPr>
+        <p:blipFill>
+          <a:blip r:embed="rId3">
+            <a:extLst>
+              <a:ext uri="{28A0092B-C50C-407E-A947-70E740481C1C}">
+                <a14:useLocalDpi xmlns:a14="http://schemas.microsoft.com/office/drawing/2010/main" val="0"/>
+              </a:ext>
+            </a:extLst>
+          </a:blip>
+          <a:stretch>
+            <a:fillRect/>
+          </a:stretch>
+        </p:blipFill>
+        <p:spPr>
+          <a:xfrm>
+            <a:off x="0" y="0"/>
+            <a:ext cx="12188952" cy="6862380"/>
+          </a:xfrm>
+          <a:prstGeom prst="rect">
+            <a:avLst/>
+          </a:prstGeom>
+        </p:spPr>
+      </p:pic>
+      <p:sp>
+        <p:nvSpPr>
+          <p:cNvPr id="24" name="Rectangle 23">
+            <a:extLst>
+              <a:ext uri="{FF2B5EF4-FFF2-40B4-BE49-F238E27FC236}">
+                <a16:creationId xmlns:a16="http://schemas.microsoft.com/office/drawing/2014/main" id="{2877D40B-35AC-0018-8002-2F7BAAE612D2}"/>
+              </a:ext>
+              <a:ext uri="{C183D7F6-B498-43B3-948B-1728B52AA6E4}">
+                <adec:decorative xmlns:adec="http://schemas.microsoft.com/office/drawing/2017/decorative" val="1"/>
+              </a:ext>
+            </a:extLst>
+          </p:cNvPr>
+          <p:cNvSpPr>
+            <a:spLocks noGrp="1" noRot="1" noChangeAspect="1" noMove="1" noResize="1" noEditPoints="1" noAdjustHandles="1" noChangeArrowheads="1" noChangeShapeType="1" noTextEdit="1"/>
+          </p:cNvSpPr>
+          <p:nvPr>
+            <p:extLst>
+              <p:ext uri="{386F3935-93C4-4BCD-93E2-E3B085C9AB24}">
+                <p16:designElem xmlns:p16="http://schemas.microsoft.com/office/powerpoint/2015/main" val="1"/>
+              </p:ext>
+            </p:extLst>
+          </p:nvPr>
+        </p:nvSpPr>
+        <p:spPr>
+          <a:xfrm>
+            <a:off x="0" y="0"/>
+            <a:ext cx="12188952" cy="6858000"/>
+          </a:xfrm>
+          <a:prstGeom prst="rect">
+            <a:avLst/>
+          </a:prstGeom>
+          <a:solidFill>
+            <a:schemeClr val="accent1">
+              <a:alpha val="20000"/>
+            </a:schemeClr>
+          </a:solidFill>
+          <a:ln>
+            <a:noFill/>
+          </a:ln>
+        </p:spPr>
+        <p:style>
+          <a:lnRef idx="2">
+            <a:schemeClr val="accent1">
+              <a:shade val="50000"/>
+            </a:schemeClr>
+          </a:lnRef>
+          <a:fillRef idx="1">
+            <a:schemeClr val="accent1"/>
+          </a:fillRef>
+          <a:effectRef idx="0">
+            <a:schemeClr val="accent1"/>
+          </a:effectRef>
+          <a:fontRef idx="minor">
+            <a:schemeClr val="lt1"/>
+          </a:fontRef>
+        </p:style>
+        <p:txBody>
+          <a:bodyPr rtlCol="0" anchor="ctr"/>
+          <a:lstStyle/>
+          <a:p>
+            <a:pPr algn="ctr"/>
+            <a:endParaRPr lang="nl-NL" noProof="0" dirty="0"/>
+          </a:p>
+        </p:txBody>
+      </p:sp>
+      <p:sp>
+        <p:nvSpPr>
+          <p:cNvPr id="26" name="Rectangle 25">
+            <a:extLst>
+              <a:ext uri="{FF2B5EF4-FFF2-40B4-BE49-F238E27FC236}">
+                <a16:creationId xmlns:a16="http://schemas.microsoft.com/office/drawing/2014/main" id="{A3D38DE2-B013-9D76-B54C-372C05582E93}"/>
+              </a:ext>
+              <a:ext uri="{C183D7F6-B498-43B3-948B-1728B52AA6E4}">
+                <adec:decorative xmlns:adec="http://schemas.microsoft.com/office/drawing/2017/decorative" val="1"/>
+              </a:ext>
+            </a:extLst>
+          </p:cNvPr>
+          <p:cNvSpPr>
+            <a:spLocks noGrp="1" noRot="1" noChangeAspect="1" noMove="1" noResize="1" noEditPoints="1" noAdjustHandles="1" noChangeArrowheads="1" noChangeShapeType="1" noTextEdit="1"/>
+          </p:cNvSpPr>
+          <p:nvPr>
+            <p:extLst>
+              <p:ext uri="{386F3935-93C4-4BCD-93E2-E3B085C9AB24}">
+                <p16:designElem xmlns:p16="http://schemas.microsoft.com/office/powerpoint/2015/main" val="1"/>
+              </p:ext>
+            </p:extLst>
+          </p:nvPr>
+        </p:nvSpPr>
+        <p:spPr>
+          <a:xfrm>
+            <a:off x="538542" y="729175"/>
+            <a:ext cx="11099352" cy="5399650"/>
+          </a:xfrm>
+          <a:prstGeom prst="rect">
+            <a:avLst/>
+          </a:prstGeom>
+          <a:solidFill>
+            <a:schemeClr val="bg1"/>
+          </a:solidFill>
+          <a:ln w="34925">
+            <a:noFill/>
+          </a:ln>
+        </p:spPr>
+        <p:style>
+          <a:lnRef idx="2">
+            <a:schemeClr val="accent1">
+              <a:shade val="50000"/>
+            </a:schemeClr>
+          </a:lnRef>
+          <a:fillRef idx="1">
+            <a:schemeClr val="accent1"/>
+          </a:fillRef>
+          <a:effectRef idx="0">
+            <a:schemeClr val="accent1"/>
+          </a:effectRef>
+          <a:fontRef idx="minor">
+            <a:schemeClr val="lt1"/>
+          </a:fontRef>
+        </p:style>
+        <p:txBody>
+          <a:bodyPr rtlCol="0" anchor="ctr"/>
+          <a:lstStyle/>
+          <a:p>
+            <a:pPr algn="ctr"/>
+            <a:endParaRPr lang="nl-NL" b="1" noProof="0" dirty="0">
+              <a:ln w="22225">
+                <a:solidFill>
+                  <a:schemeClr val="accent2"/>
+                </a:solidFill>
+                <a:prstDash val="solid"/>
+              </a:ln>
+              <a:solidFill>
+                <a:schemeClr val="accent2">
+                  <a:lumMod val="40000"/>
+                  <a:lumOff val="60000"/>
+                </a:schemeClr>
+              </a:solidFill>
+            </a:endParaRPr>
+          </a:p>
+        </p:txBody>
+      </p:sp>
       <p:sp>
         <p:nvSpPr>
           <p:cNvPr id="2" name="Titel 1">
             <a:extLst>
               <a:ext uri="{FF2B5EF4-FFF2-40B4-BE49-F238E27FC236}">
-                <a16:creationId xmlns:a16="http://schemas.microsoft.com/office/drawing/2014/main" id="{AB02454B-4BD8-E02B-66B9-1F1708B7013D}"/>
+                <a16:creationId xmlns:a16="http://schemas.microsoft.com/office/drawing/2014/main" id="{096B59F4-2B6F-6D1D-5E4D-52C38B452D8A}"/>
               </a:ext>
             </a:extLst>
           </p:cNvPr>
@@ -5910,13 +11250,20 @@
             <p:ph type="title"/>
           </p:nvPr>
         </p:nvSpPr>
-        <p:spPr/>
-        <p:txBody>
-          <a:bodyPr/>
+        <p:spPr>
+          <a:xfrm>
+            <a:off x="1191966" y="900622"/>
+            <a:ext cx="4997189" cy="802172"/>
+          </a:xfrm>
+        </p:spPr>
+        <p:txBody>
+          <a:bodyPr anchor="b">
+            <a:normAutofit/>
+          </a:bodyPr>
           <a:lstStyle/>
           <a:p>
             <a:r>
-              <a:rPr lang="nl-NL" dirty="0"/>
+              <a:rPr lang="nl-NL" sz="4800" noProof="0" dirty="0"/>
               <a:t>Hardware</a:t>
             </a:r>
           </a:p>
@@ -5927,7 +11274,7 @@
           <p:cNvPr id="3" name="Tijdelijke aanduiding voor inhoud 2">
             <a:extLst>
               <a:ext uri="{FF2B5EF4-FFF2-40B4-BE49-F238E27FC236}">
-                <a16:creationId xmlns:a16="http://schemas.microsoft.com/office/drawing/2014/main" id="{6EFBD0D7-88F2-C747-5E3E-EAB03424DC46}"/>
+                <a16:creationId xmlns:a16="http://schemas.microsoft.com/office/drawing/2014/main" id="{B1B5944A-5114-1B82-0833-A8FBF784A4D6}"/>
               </a:ext>
             </a:extLst>
           </p:cNvPr>
@@ -5938,105 +11285,247 @@
             <p:ph idx="1"/>
           </p:nvPr>
         </p:nvSpPr>
-        <p:spPr/>
-        <p:txBody>
-          <a:bodyPr/>
+        <p:spPr>
+          <a:xfrm>
+            <a:off x="1047661" y="1874241"/>
+            <a:ext cx="3159184" cy="1824613"/>
+          </a:xfrm>
+        </p:spPr>
+        <p:txBody>
+          <a:bodyPr>
+            <a:normAutofit/>
+          </a:bodyPr>
           <a:lstStyle/>
           <a:p>
             <a:r>
-              <a:rPr lang="nl-NL" dirty="0"/>
-              <a:t>E</a:t>
-            </a:r>
-          </a:p>
-        </p:txBody>
-      </p:sp>
+              <a:rPr lang="nl-NL" sz="1800" b="1" noProof="0" dirty="0"/>
+              <a:t>Sensor</a:t>
+            </a:r>
+          </a:p>
+          <a:p>
+            <a:pPr lvl="1"/>
+            <a:r>
+              <a:rPr lang="nl-NL" sz="1400" noProof="0" dirty="0"/>
+              <a:t>Goedkoop</a:t>
+            </a:r>
+          </a:p>
+          <a:p>
+            <a:pPr lvl="1"/>
+            <a:r>
+              <a:rPr lang="nl-NL" sz="1400" noProof="0" dirty="0"/>
+              <a:t>Nauwkeurig</a:t>
+            </a:r>
+          </a:p>
+          <a:p>
+            <a:pPr lvl="1"/>
+            <a:r>
+              <a:rPr lang="nl-NL" sz="1400" noProof="0" dirty="0"/>
+              <a:t>Flexibel</a:t>
+            </a:r>
+          </a:p>
+        </p:txBody>
+      </p:sp>
+      <p:pic>
+        <p:nvPicPr>
+          <p:cNvPr id="6" name="Picture 2" descr="Rotary Encoder 600P/R 2 Channel 6mm (5V NPN) - RobotShop">
+            <a:extLst>
+              <a:ext uri="{FF2B5EF4-FFF2-40B4-BE49-F238E27FC236}">
+                <a16:creationId xmlns:a16="http://schemas.microsoft.com/office/drawing/2014/main" id="{26563E49-D377-81B1-F826-A94F101B9284}"/>
+              </a:ext>
+            </a:extLst>
+          </p:cNvPr>
+          <p:cNvPicPr>
+            <a:picLocks noChangeAspect="1" noChangeArrowheads="1"/>
+          </p:cNvPicPr>
+          <p:nvPr/>
+        </p:nvPicPr>
+        <p:blipFill>
+          <a:blip r:embed="rId4">
+            <a:extLst>
+              <a:ext uri="{28A0092B-C50C-407E-A947-70E740481C1C}">
+                <a14:useLocalDpi xmlns:a14="http://schemas.microsoft.com/office/drawing/2010/main" val="0"/>
+              </a:ext>
+            </a:extLst>
+          </a:blip>
+          <a:srcRect/>
+          <a:stretch>
+            <a:fillRect/>
+          </a:stretch>
+        </p:blipFill>
+        <p:spPr bwMode="auto">
+          <a:xfrm>
+            <a:off x="2385471" y="2945385"/>
+            <a:ext cx="2696626" cy="2696626"/>
+          </a:xfrm>
+          <a:prstGeom prst="rect">
+            <a:avLst/>
+          </a:prstGeom>
+          <a:noFill/>
+          <a:extLst>
+            <a:ext uri="{909E8E84-426E-40DD-AFC4-6F175D3DCCD1}">
+              <a14:hiddenFill xmlns:a14="http://schemas.microsoft.com/office/drawing/2010/main">
+                <a:solidFill>
+                  <a:srgbClr val="FFFFFF"/>
+                </a:solidFill>
+              </a14:hiddenFill>
+            </a:ext>
+          </a:extLst>
+        </p:spPr>
+      </p:pic>
+      <p:pic>
+        <p:nvPicPr>
+          <p:cNvPr id="2050" name="Picture 2" descr="Arduino A000067">
+            <a:extLst>
+              <a:ext uri="{FF2B5EF4-FFF2-40B4-BE49-F238E27FC236}">
+                <a16:creationId xmlns:a16="http://schemas.microsoft.com/office/drawing/2014/main" id="{B7E6D4AB-8D3A-08ED-FC86-948088BD5F9B}"/>
+              </a:ext>
+            </a:extLst>
+          </p:cNvPr>
+          <p:cNvPicPr>
+            <a:picLocks noChangeAspect="1" noChangeArrowheads="1"/>
+          </p:cNvPicPr>
+          <p:nvPr/>
+        </p:nvPicPr>
+        <p:blipFill>
+          <a:blip r:embed="rId5">
+            <a:extLst>
+              <a:ext uri="{28A0092B-C50C-407E-A947-70E740481C1C}">
+                <a14:useLocalDpi xmlns:a14="http://schemas.microsoft.com/office/drawing/2010/main" val="0"/>
+              </a:ext>
+            </a:extLst>
+          </a:blip>
+          <a:srcRect/>
+          <a:stretch>
+            <a:fillRect/>
+          </a:stretch>
+        </p:blipFill>
+        <p:spPr bwMode="auto">
+          <a:xfrm>
+            <a:off x="7732279" y="2504765"/>
+            <a:ext cx="3378127" cy="2533596"/>
+          </a:xfrm>
+          <a:prstGeom prst="rect">
+            <a:avLst/>
+          </a:prstGeom>
+          <a:noFill/>
+          <a:extLst>
+            <a:ext uri="{909E8E84-426E-40DD-AFC4-6F175D3DCCD1}">
+              <a14:hiddenFill xmlns:a14="http://schemas.microsoft.com/office/drawing/2010/main">
+                <a:solidFill>
+                  <a:srgbClr val="FFFFFF"/>
+                </a:solidFill>
+              </a14:hiddenFill>
+            </a:ext>
+          </a:extLst>
+        </p:spPr>
+      </p:pic>
+      <p:sp>
+        <p:nvSpPr>
+          <p:cNvPr id="15" name="Tekstvak 14">
+            <a:extLst>
+              <a:ext uri="{FF2B5EF4-FFF2-40B4-BE49-F238E27FC236}">
+                <a16:creationId xmlns:a16="http://schemas.microsoft.com/office/drawing/2014/main" id="{7E9167F8-919C-2FE6-1105-D16E90FAF403}"/>
+              </a:ext>
+            </a:extLst>
+          </p:cNvPr>
+          <p:cNvSpPr txBox="1"/>
+          <p:nvPr/>
+        </p:nvSpPr>
+        <p:spPr>
+          <a:xfrm>
+            <a:off x="7109904" y="4626348"/>
+            <a:ext cx="3778266" cy="1015663"/>
+          </a:xfrm>
+          <a:prstGeom prst="rect">
+            <a:avLst/>
+          </a:prstGeom>
+          <a:noFill/>
+        </p:spPr>
+        <p:txBody>
+          <a:bodyPr wrap="square">
+            <a:spAutoFit/>
+          </a:bodyPr>
+          <a:lstStyle/>
+          <a:p>
+            <a:pPr marL="285750" indent="-285750">
+              <a:buFont typeface="Arial" panose="020B0604020202020204" pitchFamily="34" charset="0"/>
+              <a:buChar char="•"/>
+            </a:pPr>
+            <a:r>
+              <a:rPr lang="nl-NL" sz="1800" b="1" noProof="0" dirty="0"/>
+              <a:t>Microcontroller</a:t>
+            </a:r>
+          </a:p>
+          <a:p>
+            <a:pPr marL="742950" lvl="1" indent="-285750">
+              <a:buFont typeface="Arial" panose="020B0604020202020204" pitchFamily="34" charset="0"/>
+              <a:buChar char="•"/>
+            </a:pPr>
+            <a:r>
+              <a:rPr lang="nl-NL" sz="1400" noProof="0" dirty="0"/>
+              <a:t>Pinnen</a:t>
+            </a:r>
+          </a:p>
+          <a:p>
+            <a:pPr marL="742950" lvl="1" indent="-285750">
+              <a:buFont typeface="Arial" panose="020B0604020202020204" pitchFamily="34" charset="0"/>
+              <a:buChar char="•"/>
+            </a:pPr>
+            <a:r>
+              <a:rPr lang="nl-NL" sz="1400" noProof="0" dirty="0"/>
+              <a:t>Rekenkracht</a:t>
+            </a:r>
+          </a:p>
+          <a:p>
+            <a:pPr marL="742950" lvl="1" indent="-285750">
+              <a:buFont typeface="Arial" panose="020B0604020202020204" pitchFamily="34" charset="0"/>
+              <a:buChar char="•"/>
+            </a:pPr>
+            <a:r>
+              <a:rPr lang="nl-NL" sz="1400" noProof="0" dirty="0" err="1"/>
+              <a:t>Proof</a:t>
+            </a:r>
+            <a:r>
+              <a:rPr lang="nl-NL" sz="1400" noProof="0" dirty="0"/>
+              <a:t> dat het kan werken</a:t>
+            </a:r>
+          </a:p>
+        </p:txBody>
+      </p:sp>
+      <p:pic>
+        <p:nvPicPr>
+          <p:cNvPr id="12" name="Afbeelding 11">
+            <a:extLst>
+              <a:ext uri="{FF2B5EF4-FFF2-40B4-BE49-F238E27FC236}">
+                <a16:creationId xmlns:a16="http://schemas.microsoft.com/office/drawing/2014/main" id="{643825D8-A028-1460-08B1-BE640050AB8A}"/>
+              </a:ext>
+            </a:extLst>
+          </p:cNvPr>
+          <p:cNvPicPr>
+            <a:picLocks noChangeAspect="1"/>
+          </p:cNvPicPr>
+          <p:nvPr/>
+        </p:nvPicPr>
+        <p:blipFill>
+          <a:blip r:embed="rId6"/>
+          <a:stretch>
+            <a:fillRect/>
+          </a:stretch>
+        </p:blipFill>
+        <p:spPr>
+          <a:xfrm>
+            <a:off x="10169279" y="900622"/>
+            <a:ext cx="1437782" cy="683302"/>
+          </a:xfrm>
+          <a:prstGeom prst="rect">
+            <a:avLst/>
+          </a:prstGeom>
+        </p:spPr>
+      </p:pic>
     </p:spTree>
     <p:extLst>
       <p:ext uri="{BB962C8B-B14F-4D97-AF65-F5344CB8AC3E}">
-        <p14:creationId xmlns:p14="http://schemas.microsoft.com/office/powerpoint/2010/main" val="1280369618"/>
-      </p:ext>
-    </p:extLst>
-  </p:cSld>
-  <p:clrMapOvr>
-    <a:masterClrMapping/>
-  </p:clrMapOvr>
-</p:sld>
-</file>
-
-<file path=ppt/slides/slide9.xml><?xml version="1.0" encoding="utf-8"?>
-<p:sld xmlns:a="http://schemas.openxmlformats.org/drawingml/2006/main" xmlns:r="http://schemas.openxmlformats.org/officeDocument/2006/relationships" xmlns:p="http://schemas.openxmlformats.org/presentationml/2006/main">
-  <p:cSld>
-    <p:spTree>
-      <p:nvGrpSpPr>
-        <p:cNvPr id="1" name=""/>
-        <p:cNvGrpSpPr/>
-        <p:nvPr/>
-      </p:nvGrpSpPr>
-      <p:grpSpPr>
-        <a:xfrm>
-          <a:off x="0" y="0"/>
-          <a:ext cx="0" cy="0"/>
-          <a:chOff x="0" y="0"/>
-          <a:chExt cx="0" cy="0"/>
-        </a:xfrm>
-      </p:grpSpPr>
-      <p:sp>
-        <p:nvSpPr>
-          <p:cNvPr id="2" name="Titel 1">
-            <a:extLst>
-              <a:ext uri="{FF2B5EF4-FFF2-40B4-BE49-F238E27FC236}">
-                <a16:creationId xmlns:a16="http://schemas.microsoft.com/office/drawing/2014/main" id="{C334BF8B-8FA6-2321-B771-08C723A15F15}"/>
-              </a:ext>
-            </a:extLst>
-          </p:cNvPr>
-          <p:cNvSpPr>
-            <a:spLocks noGrp="1"/>
-          </p:cNvSpPr>
-          <p:nvPr>
-            <p:ph type="title"/>
-          </p:nvPr>
-        </p:nvSpPr>
-        <p:spPr/>
-        <p:txBody>
-          <a:bodyPr/>
-          <a:lstStyle/>
-          <a:p>
-            <a:r>
-              <a:rPr lang="nl-NL" dirty="0"/>
-              <a:t>Mechanica</a:t>
-            </a:r>
-          </a:p>
-        </p:txBody>
-      </p:sp>
-      <p:sp>
-        <p:nvSpPr>
-          <p:cNvPr id="3" name="Tijdelijke aanduiding voor inhoud 2">
-            <a:extLst>
-              <a:ext uri="{FF2B5EF4-FFF2-40B4-BE49-F238E27FC236}">
-                <a16:creationId xmlns:a16="http://schemas.microsoft.com/office/drawing/2014/main" id="{0AC49E4E-DADB-459E-A7E1-9B0211D5D41D}"/>
-              </a:ext>
-            </a:extLst>
-          </p:cNvPr>
-          <p:cNvSpPr>
-            <a:spLocks noGrp="1"/>
-          </p:cNvSpPr>
-          <p:nvPr>
-            <p:ph idx="1"/>
-          </p:nvPr>
-        </p:nvSpPr>
-        <p:spPr/>
-        <p:txBody>
-          <a:bodyPr/>
-          <a:lstStyle/>
-          <a:p>
-            <a:endParaRPr lang="nl-NL"/>
-          </a:p>
-        </p:txBody>
-      </p:sp>
-    </p:spTree>
-    <p:extLst>
-      <p:ext uri="{BB962C8B-B14F-4D97-AF65-F5344CB8AC3E}">
-        <p14:creationId xmlns:p14="http://schemas.microsoft.com/office/powerpoint/2010/main" val="3758924747"/>
+        <p14:creationId xmlns:p14="http://schemas.microsoft.com/office/powerpoint/2010/main" val="2305425918"/>
       </p:ext>
     </p:extLst>
   </p:cSld>

--- a/documentatie/Presentaties/95presentatie.pptx
+++ b/documentatie/Presentaties/95presentatie.pptx
@@ -5,23 +5,22 @@
     <p:sldMasterId id="2147483648" r:id="rId1"/>
   </p:sldMasterIdLst>
   <p:notesMasterIdLst>
-    <p:notesMasterId r:id="rId16"/>
+    <p:notesMasterId r:id="rId15"/>
   </p:notesMasterIdLst>
   <p:sldIdLst>
     <p:sldId id="278" r:id="rId2"/>
-    <p:sldId id="277" r:id="rId3"/>
-    <p:sldId id="257" r:id="rId4"/>
-    <p:sldId id="276" r:id="rId5"/>
-    <p:sldId id="259" r:id="rId6"/>
-    <p:sldId id="260" r:id="rId7"/>
-    <p:sldId id="261" r:id="rId8"/>
-    <p:sldId id="262" r:id="rId9"/>
-    <p:sldId id="265" r:id="rId10"/>
-    <p:sldId id="266" r:id="rId11"/>
-    <p:sldId id="267" r:id="rId12"/>
-    <p:sldId id="272" r:id="rId13"/>
-    <p:sldId id="273" r:id="rId14"/>
-    <p:sldId id="269" r:id="rId15"/>
+    <p:sldId id="257" r:id="rId3"/>
+    <p:sldId id="276" r:id="rId4"/>
+    <p:sldId id="259" r:id="rId5"/>
+    <p:sldId id="260" r:id="rId6"/>
+    <p:sldId id="261" r:id="rId7"/>
+    <p:sldId id="262" r:id="rId8"/>
+    <p:sldId id="265" r:id="rId9"/>
+    <p:sldId id="266" r:id="rId10"/>
+    <p:sldId id="267" r:id="rId11"/>
+    <p:sldId id="272" r:id="rId12"/>
+    <p:sldId id="273" r:id="rId13"/>
+    <p:sldId id="269" r:id="rId14"/>
   </p:sldIdLst>
   <p:sldSz cx="12192000" cy="6858000"/>
   <p:notesSz cx="6858000" cy="9144000"/>
@@ -585,530 +584,7 @@
 </p:notes>
 </file>
 
-<file path=ppt/notesSlides/notesSlide10.xml><?xml version="1.0" encoding="utf-8"?>
-<p:notes xmlns:a="http://schemas.openxmlformats.org/drawingml/2006/main" xmlns:r="http://schemas.openxmlformats.org/officeDocument/2006/relationships" xmlns:p="http://schemas.openxmlformats.org/presentationml/2006/main">
-  <p:cSld>
-    <p:spTree>
-      <p:nvGrpSpPr>
-        <p:cNvPr id="1" name=""/>
-        <p:cNvGrpSpPr/>
-        <p:nvPr/>
-      </p:nvGrpSpPr>
-      <p:grpSpPr>
-        <a:xfrm>
-          <a:off x="0" y="0"/>
-          <a:ext cx="0" cy="0"/>
-          <a:chOff x="0" y="0"/>
-          <a:chExt cx="0" cy="0"/>
-        </a:xfrm>
-      </p:grpSpPr>
-      <p:sp>
-        <p:nvSpPr>
-          <p:cNvPr id="2" name="Tijdelijke aanduiding voor dia-afbeelding 1"/>
-          <p:cNvSpPr>
-            <a:spLocks noGrp="1" noRot="1" noChangeAspect="1"/>
-          </p:cNvSpPr>
-          <p:nvPr>
-            <p:ph type="sldImg"/>
-          </p:nvPr>
-        </p:nvSpPr>
-        <p:spPr/>
-      </p:sp>
-      <p:sp>
-        <p:nvSpPr>
-          <p:cNvPr id="3" name="Tijdelijke aanduiding voor notities 2"/>
-          <p:cNvSpPr>
-            <a:spLocks noGrp="1"/>
-          </p:cNvSpPr>
-          <p:nvPr>
-            <p:ph type="body" idx="1"/>
-          </p:nvPr>
-        </p:nvSpPr>
-        <p:spPr/>
-        <p:txBody>
-          <a:bodyPr/>
-          <a:lstStyle/>
-          <a:p>
-            <a:r>
-              <a:rPr lang="en-NL" dirty="0"/>
-              <a:t>De </a:t>
-            </a:r>
-            <a:r>
-              <a:rPr lang="en-NL" dirty="0" err="1"/>
-              <a:t>freesbank</a:t>
-            </a:r>
-            <a:r>
-              <a:rPr lang="en-NL" dirty="0"/>
-              <a:t> </a:t>
-            </a:r>
-            <a:r>
-              <a:rPr lang="en-NL" dirty="0" err="1"/>
-              <a:t>werkt</a:t>
-            </a:r>
-            <a:r>
-              <a:rPr lang="en-NL" dirty="0"/>
-              <a:t> in 3 </a:t>
-            </a:r>
-            <a:r>
-              <a:rPr lang="en-NL" dirty="0" err="1"/>
-              <a:t>assen</a:t>
-            </a:r>
-            <a:r>
-              <a:rPr lang="en-NL" dirty="0"/>
-              <a:t>, met 2 </a:t>
-            </a:r>
-            <a:r>
-              <a:rPr lang="en-NL" dirty="0" err="1"/>
-              <a:t>mogelijkheden</a:t>
-            </a:r>
-            <a:r>
-              <a:rPr lang="en-NL" dirty="0"/>
-              <a:t> in </a:t>
-            </a:r>
-            <a:r>
-              <a:rPr lang="en-NL" dirty="0" err="1"/>
-              <a:t>beweging</a:t>
-            </a:r>
-            <a:r>
-              <a:rPr lang="en-NL" dirty="0"/>
-              <a:t>, circle </a:t>
-            </a:r>
-            <a:r>
-              <a:rPr lang="en-NL" dirty="0" err="1"/>
-              <a:t>en</a:t>
-            </a:r>
-            <a:r>
-              <a:rPr lang="en-NL" dirty="0"/>
-              <a:t> </a:t>
-            </a:r>
-            <a:r>
-              <a:rPr lang="en-NL" dirty="0" err="1"/>
-              <a:t>rechte</a:t>
-            </a:r>
-            <a:r>
-              <a:rPr lang="en-NL" dirty="0"/>
-              <a:t> </a:t>
-            </a:r>
-            <a:r>
-              <a:rPr lang="en-NL" dirty="0" err="1"/>
-              <a:t>lijn</a:t>
-            </a:r>
-            <a:r>
-              <a:rPr lang="en-NL" dirty="0"/>
-              <a:t> (G2-3, G0-1).</a:t>
-            </a:r>
-          </a:p>
-          <a:p>
-            <a:r>
-              <a:rPr lang="nl-NL" dirty="0"/>
-              <a:t>I</a:t>
-            </a:r>
-            <a:r>
-              <a:rPr lang="en-NL" dirty="0" err="1"/>
-              <a:t>nput</a:t>
-            </a:r>
-            <a:r>
-              <a:rPr lang="en-NL" dirty="0"/>
-              <a:t> </a:t>
-            </a:r>
-            <a:r>
-              <a:rPr lang="en-NL" dirty="0" err="1"/>
-              <a:t>kan</a:t>
-            </a:r>
-            <a:r>
-              <a:rPr lang="en-NL" dirty="0"/>
-              <a:t> </a:t>
-            </a:r>
-            <a:r>
-              <a:rPr lang="en-NL" dirty="0" err="1"/>
-              <a:t>bepaald</a:t>
-            </a:r>
-            <a:r>
-              <a:rPr lang="en-NL" dirty="0"/>
-              <a:t> </a:t>
-            </a:r>
-            <a:r>
-              <a:rPr lang="en-NL" dirty="0" err="1"/>
-              <a:t>worden</a:t>
-            </a:r>
-            <a:r>
-              <a:rPr lang="en-NL" dirty="0"/>
-              <a:t> door </a:t>
-            </a:r>
-            <a:r>
-              <a:rPr lang="en-NL" dirty="0" err="1"/>
-              <a:t>sensoren</a:t>
-            </a:r>
-            <a:endParaRPr lang="en-NL" dirty="0"/>
-          </a:p>
-          <a:p>
-            <a:r>
-              <a:rPr lang="nl-NL" dirty="0"/>
-              <a:t>M</a:t>
-            </a:r>
-            <a:r>
-              <a:rPr lang="en-NL" dirty="0" err="1"/>
-              <a:t>odulair</a:t>
-            </a:r>
-            <a:r>
-              <a:rPr lang="en-NL" dirty="0"/>
-              <a:t> (door het </a:t>
-            </a:r>
-            <a:r>
-              <a:rPr lang="en-NL" dirty="0" err="1"/>
-              <a:t>modulaire</a:t>
-            </a:r>
-            <a:r>
-              <a:rPr lang="en-NL" dirty="0"/>
-              <a:t> </a:t>
-            </a:r>
-            <a:r>
-              <a:rPr lang="en-NL" dirty="0" err="1"/>
-              <a:t>ontwerp</a:t>
-            </a:r>
-            <a:r>
-              <a:rPr lang="en-NL" dirty="0"/>
-              <a:t> </a:t>
-            </a:r>
-            <a:r>
-              <a:rPr lang="en-NL" dirty="0" err="1"/>
-              <a:t>kunnen</a:t>
-            </a:r>
-            <a:r>
-              <a:rPr lang="en-NL" dirty="0"/>
-              <a:t> </a:t>
-            </a:r>
-            <a:r>
-              <a:rPr lang="en-NL" dirty="0" err="1"/>
-              <a:t>meerdere</a:t>
-            </a:r>
-            <a:r>
-              <a:rPr lang="en-NL" dirty="0"/>
-              <a:t> </a:t>
-            </a:r>
-            <a:r>
-              <a:rPr lang="en-NL" dirty="0" err="1"/>
-              <a:t>manieren</a:t>
-            </a:r>
-            <a:r>
-              <a:rPr lang="en-NL" dirty="0"/>
-              <a:t> van </a:t>
-            </a:r>
-            <a:r>
-              <a:rPr lang="en-NL" dirty="0" err="1"/>
-              <a:t>locatie</a:t>
-            </a:r>
-            <a:r>
-              <a:rPr lang="en-NL" dirty="0"/>
-              <a:t> </a:t>
-            </a:r>
-            <a:r>
-              <a:rPr lang="en-NL" dirty="0" err="1"/>
-              <a:t>bepaling</a:t>
-            </a:r>
-            <a:r>
-              <a:rPr lang="en-NL" dirty="0"/>
-              <a:t> </a:t>
-            </a:r>
-            <a:r>
-              <a:rPr lang="en-NL" dirty="0" err="1"/>
-              <a:t>gebruikt</a:t>
-            </a:r>
-            <a:r>
-              <a:rPr lang="en-NL" dirty="0"/>
-              <a:t> </a:t>
-            </a:r>
-            <a:r>
-              <a:rPr lang="en-NL" dirty="0" err="1"/>
-              <a:t>worden</a:t>
-            </a:r>
-            <a:r>
-              <a:rPr lang="en-NL" dirty="0"/>
-              <a:t>)</a:t>
-            </a:r>
-          </a:p>
-          <a:p>
-            <a:endParaRPr lang="en-NL" dirty="0"/>
-          </a:p>
-          <a:p>
-            <a:r>
-              <a:rPr lang="nl-NL" dirty="0"/>
-              <a:t>D</a:t>
-            </a:r>
-            <a:r>
-              <a:rPr lang="en-NL" dirty="0" err="1"/>
-              <a:t>ata</a:t>
-            </a:r>
-            <a:r>
-              <a:rPr lang="en-NL" dirty="0"/>
-              <a:t> </a:t>
-            </a:r>
-            <a:r>
-              <a:rPr lang="en-NL" dirty="0" err="1"/>
-              <a:t>opslaan</a:t>
-            </a:r>
-            <a:r>
-              <a:rPr lang="en-NL" dirty="0"/>
-              <a:t> op </a:t>
-            </a:r>
-            <a:r>
-              <a:rPr lang="en-NL" dirty="0" err="1"/>
-              <a:t>een</a:t>
-            </a:r>
-            <a:r>
-              <a:rPr lang="en-NL" dirty="0"/>
-              <a:t> </a:t>
-            </a:r>
-            <a:r>
-              <a:rPr lang="en-NL" dirty="0" err="1"/>
-              <a:t>sd</a:t>
-            </a:r>
-            <a:r>
-              <a:rPr lang="en-NL" dirty="0"/>
-              <a:t> </a:t>
-            </a:r>
-            <a:r>
-              <a:rPr lang="en-NL" dirty="0" err="1"/>
-              <a:t>kaart</a:t>
-            </a:r>
-            <a:r>
-              <a:rPr lang="en-NL" dirty="0"/>
-              <a:t> </a:t>
-            </a:r>
-            <a:r>
-              <a:rPr lang="en-NL" dirty="0" err="1"/>
-              <a:t>zoals</a:t>
-            </a:r>
-            <a:r>
-              <a:rPr lang="en-NL" dirty="0"/>
-              <a:t> </a:t>
-            </a:r>
-            <a:r>
-              <a:rPr lang="en-NL" dirty="0" err="1"/>
-              <a:t>waar</a:t>
-            </a:r>
-            <a:r>
-              <a:rPr lang="en-NL" dirty="0"/>
-              <a:t> </a:t>
-            </a:r>
-            <a:r>
-              <a:rPr lang="en-NL" dirty="0" err="1"/>
-              <a:t>deze</a:t>
-            </a:r>
-            <a:r>
-              <a:rPr lang="en-NL" dirty="0"/>
-              <a:t> is </a:t>
-            </a:r>
-            <a:r>
-              <a:rPr lang="en-NL" dirty="0" err="1"/>
-              <a:t>gebleven</a:t>
-            </a:r>
-            <a:r>
-              <a:rPr lang="en-NL" dirty="0"/>
-              <a:t> met </a:t>
-            </a:r>
-            <a:r>
-              <a:rPr lang="en-NL" dirty="0" err="1"/>
-              <a:t>printen</a:t>
-            </a:r>
-            <a:r>
-              <a:rPr lang="en-NL" dirty="0"/>
-              <a:t>.</a:t>
-            </a:r>
-          </a:p>
-          <a:p>
-            <a:r>
-              <a:rPr lang="nl-NL" dirty="0"/>
-              <a:t>D</a:t>
-            </a:r>
-            <a:r>
-              <a:rPr lang="en-NL" dirty="0"/>
-              <a:t>e files van </a:t>
-            </a:r>
-            <a:r>
-              <a:rPr lang="en-NL" dirty="0" err="1"/>
-              <a:t>een</a:t>
-            </a:r>
-            <a:r>
-              <a:rPr lang="en-NL" dirty="0"/>
-              <a:t> </a:t>
-            </a:r>
-            <a:r>
-              <a:rPr lang="en-NL" dirty="0" err="1"/>
-              <a:t>sd</a:t>
-            </a:r>
-            <a:r>
-              <a:rPr lang="en-NL" dirty="0"/>
-              <a:t> </a:t>
-            </a:r>
-            <a:r>
-              <a:rPr lang="en-NL" dirty="0" err="1"/>
-              <a:t>kaart</a:t>
-            </a:r>
-            <a:r>
-              <a:rPr lang="en-NL" dirty="0"/>
-              <a:t> </a:t>
-            </a:r>
-            <a:r>
-              <a:rPr lang="en-NL" dirty="0" err="1"/>
-              <a:t>aflezen</a:t>
-            </a:r>
-            <a:r>
-              <a:rPr lang="en-NL" dirty="0"/>
-              <a:t>.</a:t>
-            </a:r>
-            <a:endParaRPr lang="nl-NL" dirty="0"/>
-          </a:p>
-          <a:p>
-            <a:endParaRPr lang="nl-NL" dirty="0"/>
-          </a:p>
-        </p:txBody>
-      </p:sp>
-      <p:sp>
-        <p:nvSpPr>
-          <p:cNvPr id="4" name="Tijdelijke aanduiding voor dianummer 3"/>
-          <p:cNvSpPr>
-            <a:spLocks noGrp="1"/>
-          </p:cNvSpPr>
-          <p:nvPr>
-            <p:ph type="sldNum" sz="quarter" idx="5"/>
-          </p:nvPr>
-        </p:nvSpPr>
-        <p:spPr/>
-        <p:txBody>
-          <a:bodyPr/>
-          <a:lstStyle/>
-          <a:p>
-            <a:fld id="{7F456FD9-521A-4E48-B277-6DB742BC5019}" type="slidenum">
-              <a:rPr lang="nl-NL" smtClean="0"/>
-              <a:t>13</a:t>
-            </a:fld>
-            <a:endParaRPr lang="nl-NL"/>
-          </a:p>
-        </p:txBody>
-      </p:sp>
-    </p:spTree>
-    <p:extLst>
-      <p:ext uri="{BB962C8B-B14F-4D97-AF65-F5344CB8AC3E}">
-        <p14:creationId xmlns:p14="http://schemas.microsoft.com/office/powerpoint/2010/main" val="3394254308"/>
-      </p:ext>
-    </p:extLst>
-  </p:cSld>
-  <p:clrMapOvr>
-    <a:masterClrMapping/>
-  </p:clrMapOvr>
-</p:notes>
-</file>
-
 <file path=ppt/notesSlides/notesSlide2.xml><?xml version="1.0" encoding="utf-8"?>
-<p:notes xmlns:a="http://schemas.openxmlformats.org/drawingml/2006/main" xmlns:r="http://schemas.openxmlformats.org/officeDocument/2006/relationships" xmlns:p="http://schemas.openxmlformats.org/presentationml/2006/main">
-  <p:cSld>
-    <p:spTree>
-      <p:nvGrpSpPr>
-        <p:cNvPr id="1" name="">
-          <a:extLst>
-            <a:ext uri="{FF2B5EF4-FFF2-40B4-BE49-F238E27FC236}">
-              <a16:creationId xmlns:a16="http://schemas.microsoft.com/office/drawing/2014/main" id="{22851B25-B18A-0AED-7D39-6E54342EA4AF}"/>
-            </a:ext>
-          </a:extLst>
-        </p:cNvPr>
-        <p:cNvGrpSpPr/>
-        <p:nvPr/>
-      </p:nvGrpSpPr>
-      <p:grpSpPr>
-        <a:xfrm>
-          <a:off x="0" y="0"/>
-          <a:ext cx="0" cy="0"/>
-          <a:chOff x="0" y="0"/>
-          <a:chExt cx="0" cy="0"/>
-        </a:xfrm>
-      </p:grpSpPr>
-      <p:sp>
-        <p:nvSpPr>
-          <p:cNvPr id="2" name="Tijdelijke aanduiding voor dia-afbeelding 1">
-            <a:extLst>
-              <a:ext uri="{FF2B5EF4-FFF2-40B4-BE49-F238E27FC236}">
-                <a16:creationId xmlns:a16="http://schemas.microsoft.com/office/drawing/2014/main" id="{24EACE2E-1310-745D-5B53-F9151BD8A3D7}"/>
-              </a:ext>
-            </a:extLst>
-          </p:cNvPr>
-          <p:cNvSpPr>
-            <a:spLocks noGrp="1" noRot="1" noChangeAspect="1"/>
-          </p:cNvSpPr>
-          <p:nvPr>
-            <p:ph type="sldImg"/>
-          </p:nvPr>
-        </p:nvSpPr>
-        <p:spPr/>
-      </p:sp>
-      <p:sp>
-        <p:nvSpPr>
-          <p:cNvPr id="3" name="Tijdelijke aanduiding voor notities 2">
-            <a:extLst>
-              <a:ext uri="{FF2B5EF4-FFF2-40B4-BE49-F238E27FC236}">
-                <a16:creationId xmlns:a16="http://schemas.microsoft.com/office/drawing/2014/main" id="{DA00C334-3E81-8774-8521-A1DC756A798C}"/>
-              </a:ext>
-            </a:extLst>
-          </p:cNvPr>
-          <p:cNvSpPr>
-            <a:spLocks noGrp="1"/>
-          </p:cNvSpPr>
-          <p:nvPr>
-            <p:ph type="body" idx="1"/>
-          </p:nvPr>
-        </p:nvSpPr>
-        <p:spPr/>
-        <p:txBody>
-          <a:bodyPr/>
-          <a:lstStyle/>
-          <a:p>
-            <a:endParaRPr lang="nl-NL" dirty="0"/>
-          </a:p>
-        </p:txBody>
-      </p:sp>
-      <p:sp>
-        <p:nvSpPr>
-          <p:cNvPr id="4" name="Tijdelijke aanduiding voor dianummer 3">
-            <a:extLst>
-              <a:ext uri="{FF2B5EF4-FFF2-40B4-BE49-F238E27FC236}">
-                <a16:creationId xmlns:a16="http://schemas.microsoft.com/office/drawing/2014/main" id="{B838E3F3-710F-D0DD-4D18-3AA14844658E}"/>
-              </a:ext>
-            </a:extLst>
-          </p:cNvPr>
-          <p:cNvSpPr>
-            <a:spLocks noGrp="1"/>
-          </p:cNvSpPr>
-          <p:nvPr>
-            <p:ph type="sldNum" sz="quarter" idx="5"/>
-          </p:nvPr>
-        </p:nvSpPr>
-        <p:spPr/>
-        <p:txBody>
-          <a:bodyPr/>
-          <a:lstStyle/>
-          <a:p>
-            <a:fld id="{7F456FD9-521A-4E48-B277-6DB742BC5019}" type="slidenum">
-              <a:rPr lang="nl-NL" smtClean="0"/>
-              <a:t>2</a:t>
-            </a:fld>
-            <a:endParaRPr lang="nl-NL"/>
-          </a:p>
-        </p:txBody>
-      </p:sp>
-    </p:spTree>
-    <p:extLst>
-      <p:ext uri="{BB962C8B-B14F-4D97-AF65-F5344CB8AC3E}">
-        <p14:creationId xmlns:p14="http://schemas.microsoft.com/office/powerpoint/2010/main" val="2580179396"/>
-      </p:ext>
-    </p:extLst>
-  </p:cSld>
-  <p:clrMapOvr>
-    <a:masterClrMapping/>
-  </p:clrMapOvr>
-</p:notes>
-</file>
-
-<file path=ppt/notesSlides/notesSlide3.xml><?xml version="1.0" encoding="utf-8"?>
 <p:notes xmlns:a="http://schemas.openxmlformats.org/drawingml/2006/main" xmlns:r="http://schemas.openxmlformats.org/officeDocument/2006/relationships" xmlns:p="http://schemas.openxmlformats.org/presentationml/2006/main">
   <p:cSld>
     <p:spTree>
@@ -1229,7 +705,7 @@
           <a:p>
             <a:fld id="{7F456FD9-521A-4E48-B277-6DB742BC5019}" type="slidenum">
               <a:rPr lang="nl-NL" smtClean="0"/>
-              <a:t>4</a:t>
+              <a:t>3</a:t>
             </a:fld>
             <a:endParaRPr lang="nl-NL"/>
           </a:p>
@@ -1239,6 +715,538 @@
     <p:extLst>
       <p:ext uri="{BB962C8B-B14F-4D97-AF65-F5344CB8AC3E}">
         <p14:creationId xmlns:p14="http://schemas.microsoft.com/office/powerpoint/2010/main" val="1120562752"/>
+      </p:ext>
+    </p:extLst>
+  </p:cSld>
+  <p:clrMapOvr>
+    <a:masterClrMapping/>
+  </p:clrMapOvr>
+</p:notes>
+</file>
+
+<file path=ppt/notesSlides/notesSlide3.xml><?xml version="1.0" encoding="utf-8"?>
+<p:notes xmlns:a="http://schemas.openxmlformats.org/drawingml/2006/main" xmlns:r="http://schemas.openxmlformats.org/officeDocument/2006/relationships" xmlns:p="http://schemas.openxmlformats.org/presentationml/2006/main">
+  <p:cSld>
+    <p:spTree>
+      <p:nvGrpSpPr>
+        <p:cNvPr id="1" name=""/>
+        <p:cNvGrpSpPr/>
+        <p:nvPr/>
+      </p:nvGrpSpPr>
+      <p:grpSpPr>
+        <a:xfrm>
+          <a:off x="0" y="0"/>
+          <a:ext cx="0" cy="0"/>
+          <a:chOff x="0" y="0"/>
+          <a:chExt cx="0" cy="0"/>
+        </a:xfrm>
+      </p:grpSpPr>
+      <p:sp>
+        <p:nvSpPr>
+          <p:cNvPr id="2" name="Tijdelijke aanduiding voor dia-afbeelding 1"/>
+          <p:cNvSpPr>
+            <a:spLocks noGrp="1" noRot="1" noChangeAspect="1"/>
+          </p:cNvSpPr>
+          <p:nvPr>
+            <p:ph type="sldImg"/>
+          </p:nvPr>
+        </p:nvSpPr>
+        <p:spPr/>
+      </p:sp>
+      <p:sp>
+        <p:nvSpPr>
+          <p:cNvPr id="3" name="Tijdelijke aanduiding voor notities 2"/>
+          <p:cNvSpPr>
+            <a:spLocks noGrp="1"/>
+          </p:cNvSpPr>
+          <p:nvPr>
+            <p:ph type="body" idx="1"/>
+          </p:nvPr>
+        </p:nvSpPr>
+        <p:spPr/>
+        <p:txBody>
+          <a:bodyPr/>
+          <a:lstStyle/>
+          <a:p>
+            <a:r>
+              <a:rPr lang="nl-NL" dirty="0"/>
+              <a:t>Hierom wilt sens2sea zelf de antennes fabriceren doormiddel van 3d printen</a:t>
+            </a:r>
+            <a:r>
+              <a:rPr lang="en-NL" dirty="0"/>
+              <a:t> </a:t>
+            </a:r>
+            <a:r>
+              <a:rPr lang="en-NL" dirty="0" err="1"/>
+              <a:t>en</a:t>
+            </a:r>
+            <a:r>
+              <a:rPr lang="en-NL" dirty="0"/>
+              <a:t> </a:t>
+            </a:r>
+            <a:r>
+              <a:rPr lang="en-NL" dirty="0" err="1"/>
+              <a:t>snijden</a:t>
+            </a:r>
+            <a:r>
+              <a:rPr lang="nl-NL" dirty="0"/>
+              <a:t>. er zijn al testen mee gedaan door de radar op te splitsen in kleine onderdelen. Dit werkt, alleen kan de vorm anders worden tijdens het hechten van de onderdelen. Dus wilt Sens2sea de antenne in 1 keer fabriceren. </a:t>
+            </a:r>
+            <a:endParaRPr lang="en-NL" dirty="0"/>
+          </a:p>
+          <a:p>
+            <a:endParaRPr lang="en-NL" dirty="0"/>
+          </a:p>
+          <a:p>
+            <a:r>
+              <a:rPr lang="en-NL" dirty="0"/>
+              <a:t>Om </a:t>
+            </a:r>
+            <a:r>
+              <a:rPr lang="en-NL" dirty="0" err="1"/>
+              <a:t>dit</a:t>
+            </a:r>
+            <a:r>
+              <a:rPr lang="en-NL" dirty="0"/>
+              <a:t> </a:t>
+            </a:r>
+            <a:r>
+              <a:rPr lang="en-NL" dirty="0" err="1"/>
+              <a:t>te</a:t>
+            </a:r>
+            <a:r>
+              <a:rPr lang="en-NL" dirty="0"/>
+              <a:t> </a:t>
+            </a:r>
+            <a:r>
+              <a:rPr lang="en-NL" dirty="0" err="1"/>
+              <a:t>maken</a:t>
+            </a:r>
+            <a:r>
+              <a:rPr lang="en-NL" dirty="0"/>
+              <a:t> </a:t>
+            </a:r>
+            <a:r>
+              <a:rPr lang="en-NL" dirty="0" err="1"/>
+              <a:t>zijn</a:t>
+            </a:r>
+            <a:r>
+              <a:rPr lang="en-NL" dirty="0"/>
+              <a:t> er opensource </a:t>
+            </a:r>
+            <a:r>
+              <a:rPr lang="en-NL" dirty="0" err="1"/>
+              <a:t>oplossingen</a:t>
+            </a:r>
+            <a:r>
+              <a:rPr lang="en-NL" dirty="0"/>
+              <a:t> </a:t>
+            </a:r>
+            <a:r>
+              <a:rPr lang="en-NL" dirty="0" err="1"/>
+              <a:t>zoals</a:t>
+            </a:r>
+            <a:r>
+              <a:rPr lang="en-NL" dirty="0"/>
+              <a:t> GRBL.</a:t>
+            </a:r>
+            <a:r>
+              <a:rPr lang="nl-NL" dirty="0"/>
+              <a:t> </a:t>
+            </a:r>
+            <a:r>
+              <a:rPr lang="en-NL" dirty="0" err="1"/>
+              <a:t>Helaas</a:t>
+            </a:r>
+            <a:r>
+              <a:rPr lang="en-NL" dirty="0"/>
+              <a:t> </a:t>
+            </a:r>
+            <a:r>
+              <a:rPr lang="en-NL" dirty="0" err="1"/>
+              <a:t>zijn</a:t>
+            </a:r>
+            <a:r>
+              <a:rPr lang="en-NL" dirty="0"/>
+              <a:t> </a:t>
+            </a:r>
+            <a:r>
+              <a:rPr lang="en-NL" dirty="0" err="1"/>
+              <a:t>deze</a:t>
+            </a:r>
+            <a:r>
+              <a:rPr lang="en-NL" dirty="0"/>
+              <a:t> </a:t>
+            </a:r>
+            <a:r>
+              <a:rPr lang="en-NL" dirty="0" err="1"/>
+              <a:t>freesmachines</a:t>
+            </a:r>
+            <a:r>
+              <a:rPr lang="en-NL" dirty="0"/>
+              <a:t> </a:t>
+            </a:r>
+            <a:r>
+              <a:rPr lang="en-NL" dirty="0" err="1"/>
+              <a:t>niet</a:t>
+            </a:r>
+            <a:r>
+              <a:rPr lang="en-NL" dirty="0"/>
+              <a:t> </a:t>
+            </a:r>
+            <a:r>
+              <a:rPr lang="en-NL" dirty="0" err="1"/>
+              <a:t>aan</a:t>
+            </a:r>
+            <a:r>
+              <a:rPr lang="en-NL" dirty="0"/>
+              <a:t> </a:t>
+            </a:r>
+            <a:r>
+              <a:rPr lang="en-NL" dirty="0" err="1"/>
+              <a:t>te</a:t>
+            </a:r>
+            <a:r>
+              <a:rPr lang="en-NL" dirty="0"/>
+              <a:t> </a:t>
+            </a:r>
+            <a:r>
+              <a:rPr lang="en-NL" dirty="0" err="1"/>
+              <a:t>passen</a:t>
+            </a:r>
+            <a:r>
+              <a:rPr lang="en-NL" dirty="0"/>
+              <a:t> </a:t>
+            </a:r>
+            <a:r>
+              <a:rPr lang="en-NL" dirty="0" err="1"/>
+              <a:t>naar</a:t>
+            </a:r>
+            <a:r>
+              <a:rPr lang="en-NL" dirty="0"/>
+              <a:t> de </a:t>
+            </a:r>
+            <a:r>
+              <a:rPr lang="en-NL" dirty="0" err="1"/>
+              <a:t>wensen</a:t>
+            </a:r>
+            <a:r>
+              <a:rPr lang="en-NL" dirty="0"/>
+              <a:t> van het </a:t>
+            </a:r>
+            <a:r>
+              <a:rPr lang="en-NL" dirty="0" err="1"/>
+              <a:t>bedrijf</a:t>
+            </a:r>
+            <a:r>
+              <a:rPr lang="en-NL" dirty="0"/>
+              <a:t>. </a:t>
+            </a:r>
+            <a:r>
+              <a:rPr lang="en-NL" dirty="0" err="1"/>
+              <a:t>Hiervan</a:t>
+            </a:r>
+            <a:r>
+              <a:rPr lang="en-NL" dirty="0"/>
+              <a:t> is nu de </a:t>
+            </a:r>
+            <a:r>
+              <a:rPr lang="en-NL" dirty="0" err="1"/>
+              <a:t>belangrijkste</a:t>
+            </a:r>
+            <a:r>
+              <a:rPr lang="en-NL" dirty="0"/>
+              <a:t> </a:t>
+            </a:r>
+            <a:r>
+              <a:rPr lang="en-NL" dirty="0" err="1"/>
+              <a:t>dat</a:t>
+            </a:r>
+            <a:r>
+              <a:rPr lang="en-NL" dirty="0"/>
+              <a:t> de </a:t>
+            </a:r>
+            <a:r>
+              <a:rPr lang="en-NL" dirty="0" err="1"/>
+              <a:t>locatie</a:t>
+            </a:r>
+            <a:r>
+              <a:rPr lang="en-NL" dirty="0"/>
+              <a:t> </a:t>
+            </a:r>
+            <a:r>
+              <a:rPr lang="en-NL" dirty="0" err="1"/>
+              <a:t>bepaling</a:t>
+            </a:r>
+            <a:r>
+              <a:rPr lang="en-NL" dirty="0"/>
+              <a:t> </a:t>
+            </a:r>
+            <a:r>
+              <a:rPr lang="en-NL" dirty="0" err="1"/>
+              <a:t>en</a:t>
+            </a:r>
+            <a:r>
+              <a:rPr lang="en-NL" dirty="0"/>
+              <a:t> </a:t>
+            </a:r>
+            <a:r>
+              <a:rPr lang="en-NL" dirty="0" err="1"/>
+              <a:t>aansturing</a:t>
+            </a:r>
+            <a:r>
+              <a:rPr lang="en-NL" dirty="0"/>
+              <a:t> </a:t>
+            </a:r>
+            <a:r>
+              <a:rPr lang="en-NL" dirty="0" err="1"/>
+              <a:t>gescheiden</a:t>
+            </a:r>
+            <a:r>
+              <a:rPr lang="en-NL" dirty="0"/>
+              <a:t> </a:t>
+            </a:r>
+            <a:r>
+              <a:rPr lang="en-NL" dirty="0" err="1"/>
+              <a:t>moet</a:t>
+            </a:r>
+            <a:r>
+              <a:rPr lang="en-NL" dirty="0"/>
+              <a:t> </a:t>
+            </a:r>
+            <a:r>
+              <a:rPr lang="en-NL" dirty="0" err="1"/>
+              <a:t>worden</a:t>
+            </a:r>
+            <a:r>
+              <a:rPr lang="nl-NL" dirty="0"/>
+              <a:t>.</a:t>
+            </a:r>
+            <a:r>
+              <a:rPr lang="en-NL" dirty="0"/>
+              <a:t> Verder </a:t>
+            </a:r>
+            <a:r>
+              <a:rPr lang="en-NL" dirty="0" err="1"/>
+              <a:t>zijn</a:t>
+            </a:r>
+            <a:r>
+              <a:rPr lang="en-NL" dirty="0"/>
+              <a:t> er later </a:t>
+            </a:r>
+            <a:r>
+              <a:rPr lang="en-NL" dirty="0" err="1"/>
+              <a:t>wensen</a:t>
+            </a:r>
+            <a:r>
+              <a:rPr lang="en-NL" dirty="0"/>
+              <a:t> om de machine </a:t>
+            </a:r>
+            <a:r>
+              <a:rPr lang="en-NL" dirty="0" err="1"/>
+              <a:t>te</a:t>
+            </a:r>
+            <a:r>
+              <a:rPr lang="en-NL" dirty="0"/>
+              <a:t> laten </a:t>
+            </a:r>
+            <a:r>
+              <a:rPr lang="en-NL" dirty="0" err="1"/>
+              <a:t>printen</a:t>
+            </a:r>
+            <a:r>
+              <a:rPr lang="en-NL" dirty="0"/>
+              <a:t> </a:t>
+            </a:r>
+            <a:r>
+              <a:rPr lang="en-NL" dirty="0" err="1"/>
+              <a:t>en</a:t>
+            </a:r>
+            <a:r>
+              <a:rPr lang="en-NL" dirty="0"/>
+              <a:t> </a:t>
+            </a:r>
+            <a:r>
+              <a:rPr lang="en-NL" dirty="0" err="1"/>
+              <a:t>freesen</a:t>
+            </a:r>
+            <a:r>
+              <a:rPr lang="en-NL" dirty="0"/>
+              <a:t>, 5 assig </a:t>
+            </a:r>
+            <a:r>
+              <a:rPr lang="en-NL" dirty="0" err="1"/>
+              <a:t>te</a:t>
+            </a:r>
+            <a:r>
+              <a:rPr lang="en-NL" dirty="0"/>
+              <a:t> </a:t>
+            </a:r>
+            <a:r>
+              <a:rPr lang="en-NL" dirty="0" err="1"/>
+              <a:t>maken</a:t>
+            </a:r>
+            <a:r>
+              <a:rPr lang="en-NL" dirty="0"/>
+              <a:t> </a:t>
+            </a:r>
+            <a:r>
+              <a:rPr lang="en-NL" dirty="0" err="1"/>
+              <a:t>en</a:t>
+            </a:r>
+            <a:r>
+              <a:rPr lang="en-NL" dirty="0"/>
+              <a:t> </a:t>
+            </a:r>
+            <a:r>
+              <a:rPr lang="en-NL" dirty="0" err="1"/>
+              <a:t>sensoren</a:t>
+            </a:r>
+            <a:r>
+              <a:rPr lang="en-NL" dirty="0"/>
+              <a:t> </a:t>
+            </a:r>
+            <a:r>
+              <a:rPr lang="en-NL" dirty="0" err="1"/>
+              <a:t>kunnen</a:t>
+            </a:r>
+            <a:r>
+              <a:rPr lang="en-NL" dirty="0"/>
+              <a:t> </a:t>
+            </a:r>
+            <a:r>
+              <a:rPr lang="en-NL" dirty="0" err="1"/>
+              <a:t>verwisselen</a:t>
+            </a:r>
+            <a:r>
+              <a:rPr lang="nl-NL" dirty="0"/>
+              <a:t>.</a:t>
+            </a:r>
+            <a:r>
+              <a:rPr lang="en-NL" dirty="0"/>
+              <a:t> </a:t>
+            </a:r>
+            <a:r>
+              <a:rPr lang="en-NL" dirty="0" err="1"/>
+              <a:t>Hierdoor</a:t>
+            </a:r>
+            <a:r>
+              <a:rPr lang="en-NL" dirty="0"/>
+              <a:t> is het </a:t>
+            </a:r>
+            <a:r>
+              <a:rPr lang="en-NL" dirty="0" err="1"/>
+              <a:t>belangrijk</a:t>
+            </a:r>
+            <a:r>
+              <a:rPr lang="en-NL" dirty="0"/>
+              <a:t> </a:t>
+            </a:r>
+            <a:r>
+              <a:rPr lang="en-NL" dirty="0" err="1"/>
+              <a:t>dat</a:t>
+            </a:r>
+            <a:r>
+              <a:rPr lang="en-NL" dirty="0"/>
+              <a:t> de </a:t>
+            </a:r>
+            <a:r>
+              <a:rPr lang="en-NL" dirty="0" err="1"/>
+              <a:t>oplossing</a:t>
+            </a:r>
+            <a:r>
+              <a:rPr lang="en-NL" dirty="0"/>
+              <a:t> </a:t>
+            </a:r>
+            <a:r>
+              <a:rPr lang="en-NL" dirty="0" err="1"/>
+              <a:t>modulair</a:t>
+            </a:r>
+            <a:r>
+              <a:rPr lang="en-NL" dirty="0"/>
+              <a:t> </a:t>
+            </a:r>
+            <a:r>
+              <a:rPr lang="en-NL" dirty="0" err="1"/>
+              <a:t>wordt</a:t>
+            </a:r>
+            <a:r>
+              <a:rPr lang="en-NL" dirty="0"/>
+              <a:t> </a:t>
+            </a:r>
+            <a:r>
+              <a:rPr lang="en-NL" dirty="0" err="1"/>
+              <a:t>en</a:t>
+            </a:r>
+            <a:r>
+              <a:rPr lang="en-NL" dirty="0"/>
+              <a:t> </a:t>
+            </a:r>
+            <a:r>
+              <a:rPr lang="en-NL" dirty="0" err="1"/>
+              <a:t>zijn</a:t>
+            </a:r>
+            <a:r>
+              <a:rPr lang="en-NL" dirty="0"/>
+              <a:t> de opensource </a:t>
+            </a:r>
+            <a:r>
+              <a:rPr lang="en-NL" dirty="0" err="1"/>
+              <a:t>oplossingen</a:t>
+            </a:r>
+            <a:r>
+              <a:rPr lang="en-NL" dirty="0"/>
+              <a:t> </a:t>
+            </a:r>
+            <a:r>
+              <a:rPr lang="en-NL" dirty="0" err="1"/>
+              <a:t>niet</a:t>
+            </a:r>
+            <a:r>
+              <a:rPr lang="en-NL" dirty="0"/>
+              <a:t> </a:t>
+            </a:r>
+            <a:r>
+              <a:rPr lang="en-NL" dirty="0" err="1"/>
+              <a:t>genoeg</a:t>
+            </a:r>
+            <a:r>
+              <a:rPr lang="en-NL" dirty="0"/>
+              <a:t>.</a:t>
+            </a:r>
+          </a:p>
+          <a:p>
+            <a:endParaRPr lang="en-NL" dirty="0"/>
+          </a:p>
+        </p:txBody>
+      </p:sp>
+      <p:sp>
+        <p:nvSpPr>
+          <p:cNvPr id="4" name="Tijdelijke aanduiding voor dianummer 3"/>
+          <p:cNvSpPr>
+            <a:spLocks noGrp="1"/>
+          </p:cNvSpPr>
+          <p:nvPr>
+            <p:ph type="sldNum" sz="quarter" idx="5"/>
+          </p:nvPr>
+        </p:nvSpPr>
+        <p:spPr/>
+        <p:txBody>
+          <a:bodyPr/>
+          <a:lstStyle/>
+          <a:p>
+            <a:fld id="{7F456FD9-521A-4E48-B277-6DB742BC5019}" type="slidenum">
+              <a:rPr lang="nl-NL" smtClean="0"/>
+              <a:t>4</a:t>
+            </a:fld>
+            <a:endParaRPr lang="nl-NL"/>
+          </a:p>
+        </p:txBody>
+      </p:sp>
+    </p:spTree>
+    <p:extLst>
+      <p:ext uri="{BB962C8B-B14F-4D97-AF65-F5344CB8AC3E}">
+        <p14:creationId xmlns:p14="http://schemas.microsoft.com/office/powerpoint/2010/main" val="2467563178"/>
       </p:ext>
     </p:extLst>
   </p:cSld>
@@ -1293,8 +1301,89 @@
           <a:lstStyle/>
           <a:p>
             <a:r>
+              <a:rPr lang="en-NL" dirty="0" err="1"/>
+              <a:t>Mijn</a:t>
+            </a:r>
+            <a:r>
+              <a:rPr lang="en-NL" dirty="0"/>
+              <a:t> </a:t>
+            </a:r>
+            <a:r>
+              <a:rPr lang="en-NL" dirty="0" err="1"/>
+              <a:t>opdracht</a:t>
+            </a:r>
+            <a:r>
+              <a:rPr lang="en-NL" dirty="0"/>
+              <a:t> is om de </a:t>
+            </a:r>
+            <a:r>
+              <a:rPr lang="en-NL" dirty="0" err="1"/>
+              <a:t>aansturing</a:t>
+            </a:r>
+            <a:r>
+              <a:rPr lang="en-NL" dirty="0"/>
+              <a:t> </a:t>
+            </a:r>
+            <a:r>
+              <a:rPr lang="en-NL" dirty="0" err="1"/>
+              <a:t>en</a:t>
+            </a:r>
+            <a:r>
+              <a:rPr lang="en-NL" dirty="0"/>
+              <a:t> de </a:t>
+            </a:r>
+            <a:r>
+              <a:rPr lang="en-NL" dirty="0" err="1"/>
+              <a:t>locatie</a:t>
+            </a:r>
+            <a:r>
+              <a:rPr lang="en-NL" dirty="0"/>
+              <a:t> </a:t>
+            </a:r>
+            <a:r>
+              <a:rPr lang="en-NL" dirty="0" err="1"/>
+              <a:t>bepaling</a:t>
+            </a:r>
+            <a:r>
+              <a:rPr lang="en-NL" dirty="0"/>
+              <a:t> </a:t>
+            </a:r>
+            <a:r>
+              <a:rPr lang="en-NL" dirty="0" err="1"/>
+              <a:t>te</a:t>
+            </a:r>
+            <a:r>
+              <a:rPr lang="en-NL" dirty="0"/>
+              <a:t> </a:t>
+            </a:r>
+            <a:r>
+              <a:rPr lang="en-NL" dirty="0" err="1"/>
+              <a:t>scheiden</a:t>
+            </a:r>
+            <a:r>
+              <a:rPr lang="en-NL" dirty="0"/>
+              <a:t>.</a:t>
+            </a:r>
+          </a:p>
+          <a:p>
+            <a:endParaRPr lang="en-NL" dirty="0"/>
+          </a:p>
+          <a:p>
+            <a:r>
               <a:rPr lang="nl-NL" dirty="0"/>
-              <a:t>Hierom wilt sens2sea zelf de antennes fabriceren doormiddel van 3d printen</a:t>
+              <a:t>H</a:t>
+            </a:r>
+            <a:r>
+              <a:rPr lang="en-NL" dirty="0" err="1"/>
+              <a:t>ier</a:t>
+            </a:r>
+            <a:r>
+              <a:rPr lang="en-NL" dirty="0"/>
+              <a:t> is </a:t>
+            </a:r>
+            <a:r>
+              <a:rPr lang="en-NL" dirty="0" err="1"/>
+              <a:t>een</a:t>
             </a:r>
             <a:r>
               <a:rPr lang="en-NL" dirty="0"/>
@@ -1302,6 +1391,22 @@
             </a:r>
             <a:r>
               <a:rPr lang="en-NL" dirty="0" err="1"/>
+              <a:t>plaatje</a:t>
+            </a:r>
+            <a:r>
+              <a:rPr lang="en-NL" dirty="0"/>
+              <a:t> met de </a:t>
+            </a:r>
+            <a:r>
+              <a:rPr lang="en-NL" dirty="0" err="1"/>
+              <a:t>oude</a:t>
+            </a:r>
+            <a:r>
+              <a:rPr lang="en-NL" dirty="0"/>
+              <a:t> </a:t>
+            </a:r>
+            <a:r>
+              <a:rPr lang="en-NL" dirty="0" err="1"/>
               <a:t>en</a:t>
             </a:r>
             <a:r>
@@ -1310,25 +1415,240 @@
             </a:r>
             <a:r>
               <a:rPr lang="en-NL" dirty="0" err="1"/>
-              <a:t>snijden</a:t>
+              <a:t>nieuwe</a:t>
+            </a:r>
+            <a:r>
+              <a:rPr lang="en-NL" dirty="0"/>
+              <a:t> </a:t>
+            </a:r>
+            <a:r>
+              <a:rPr lang="en-NL" dirty="0" err="1"/>
+              <a:t>situatie</a:t>
+            </a:r>
+            <a:r>
+              <a:rPr lang="en-NL" dirty="0"/>
+              <a:t>.</a:t>
+            </a:r>
+          </a:p>
+          <a:p>
+            <a:r>
+              <a:rPr lang="en-NL" dirty="0"/>
+              <a:t>De </a:t>
+            </a:r>
+            <a:r>
+              <a:rPr lang="en-NL" dirty="0" err="1"/>
+              <a:t>oude</a:t>
+            </a:r>
+            <a:r>
+              <a:rPr lang="en-NL" dirty="0"/>
+              <a:t> </a:t>
+            </a:r>
+            <a:r>
+              <a:rPr lang="en-NL" dirty="0" err="1"/>
+              <a:t>situatie</a:t>
+            </a:r>
+            <a:r>
+              <a:rPr lang="en-NL" dirty="0"/>
+              <a:t> is </a:t>
+            </a:r>
+            <a:r>
+              <a:rPr lang="en-NL" dirty="0" err="1"/>
+              <a:t>gebaseerd</a:t>
+            </a:r>
+            <a:r>
+              <a:rPr lang="en-NL" dirty="0"/>
+              <a:t> op GRBL die </a:t>
+            </a:r>
+            <a:r>
+              <a:rPr lang="en-NL" dirty="0" err="1"/>
+              <a:t>alleen</a:t>
+            </a:r>
+            <a:r>
+              <a:rPr lang="en-NL" dirty="0"/>
+              <a:t> de </a:t>
+            </a:r>
+            <a:r>
+              <a:rPr lang="en-NL" dirty="0" err="1"/>
+              <a:t>actuatoren</a:t>
+            </a:r>
+            <a:r>
+              <a:rPr lang="en-NL" dirty="0"/>
+              <a:t> </a:t>
+            </a:r>
+            <a:r>
+              <a:rPr lang="en-NL" dirty="0" err="1"/>
+              <a:t>aansturen</a:t>
+            </a:r>
+            <a:r>
+              <a:rPr lang="en-NL" dirty="0"/>
+              <a:t>.</a:t>
+            </a:r>
+          </a:p>
+          <a:p>
+            <a:r>
+              <a:rPr lang="en-NL" dirty="0"/>
+              <a:t>Er is </a:t>
+            </a:r>
+            <a:r>
+              <a:rPr lang="en-NL" dirty="0" err="1"/>
+              <a:t>te</a:t>
+            </a:r>
+            <a:r>
+              <a:rPr lang="en-NL" dirty="0"/>
+              <a:t> </a:t>
+            </a:r>
+            <a:r>
+              <a:rPr lang="en-NL" dirty="0" err="1"/>
+              <a:t>zien</a:t>
+            </a:r>
+            <a:r>
+              <a:rPr lang="en-NL" dirty="0"/>
+              <a:t> </a:t>
+            </a:r>
+            <a:r>
+              <a:rPr lang="en-NL" dirty="0" err="1"/>
+              <a:t>dat</a:t>
+            </a:r>
+            <a:r>
+              <a:rPr lang="en-NL" dirty="0"/>
+              <a:t> er </a:t>
+            </a:r>
+            <a:r>
+              <a:rPr lang="en-NL" dirty="0" err="1"/>
+              <a:t>een</a:t>
+            </a:r>
+            <a:r>
+              <a:rPr lang="en-NL" dirty="0"/>
+              <a:t> circle </a:t>
+            </a:r>
+            <a:r>
+              <a:rPr lang="en-NL" dirty="0" err="1"/>
+              <a:t>ontstaat</a:t>
+            </a:r>
+            <a:r>
+              <a:rPr lang="en-NL" dirty="0"/>
+              <a:t> </a:t>
+            </a:r>
+            <a:r>
+              <a:rPr lang="en-NL" dirty="0" err="1"/>
+              <a:t>bij</a:t>
+            </a:r>
+            <a:r>
+              <a:rPr lang="en-NL" dirty="0"/>
+              <a:t> de </a:t>
+            </a:r>
+            <a:r>
+              <a:rPr lang="en-NL" dirty="0" err="1"/>
+              <a:t>nieuwe</a:t>
+            </a:r>
+            <a:r>
+              <a:rPr lang="en-NL" dirty="0"/>
+              <a:t> </a:t>
+            </a:r>
+            <a:r>
+              <a:rPr lang="en-NL" dirty="0" err="1"/>
+              <a:t>situatie</a:t>
+            </a:r>
+            <a:r>
+              <a:rPr lang="en-NL" dirty="0"/>
+              <a:t> </a:t>
+            </a:r>
+            <a:r>
+              <a:rPr lang="en-NL" dirty="0" err="1"/>
+              <a:t>en</a:t>
+            </a:r>
+            <a:r>
+              <a:rPr lang="en-NL" dirty="0"/>
+              <a:t> </a:t>
+            </a:r>
+            <a:r>
+              <a:rPr lang="en-NL" dirty="0" err="1"/>
+              <a:t>dat</a:t>
+            </a:r>
+            <a:r>
+              <a:rPr lang="en-NL" dirty="0"/>
+              <a:t> de </a:t>
+            </a:r>
+            <a:r>
+              <a:rPr lang="en-NL" dirty="0" err="1"/>
+              <a:t>beweging</a:t>
+            </a:r>
+            <a:r>
+              <a:rPr lang="en-NL" dirty="0"/>
+              <a:t> van de </a:t>
+            </a:r>
+            <a:r>
+              <a:rPr lang="en-NL" dirty="0" err="1"/>
+              <a:t>motoren</a:t>
+            </a:r>
+            <a:r>
+              <a:rPr lang="en-NL" dirty="0"/>
+              <a:t> </a:t>
+            </a:r>
+            <a:r>
+              <a:rPr lang="en-NL" dirty="0" err="1"/>
+              <a:t>i</a:t>
             </a:r>
             <a:r>
               <a:rPr lang="nl-NL" dirty="0"/>
-              <a:t>. er zijn al testen mee gedaan door de radar op te splitsen in kleine onderdelen. Dit werkt, alleen kan de vorm anders worden tijdens het hechten van de onderdelen. Dus wilt Sens2sea de antenne in 1 keer fabriceren. </a:t>
-            </a:r>
+              <a:t>m</a:t>
+            </a:r>
+            <a:r>
+              <a:rPr lang="en-NL" dirty="0"/>
+              <a:t>pact </a:t>
+            </a:r>
+            <a:r>
+              <a:rPr lang="en-NL" dirty="0" err="1"/>
+              <a:t>hebben</a:t>
+            </a:r>
+            <a:r>
+              <a:rPr lang="en-NL" dirty="0"/>
+              <a:t> op de </a:t>
+            </a:r>
+            <a:r>
+              <a:rPr lang="en-NL" dirty="0" err="1"/>
+              <a:t>bewegingen</a:t>
+            </a:r>
+            <a:r>
+              <a:rPr lang="en-NL" dirty="0"/>
+              <a:t> die </a:t>
+            </a:r>
+            <a:r>
+              <a:rPr lang="en-NL" dirty="0" err="1"/>
+              <a:t>verstuurd</a:t>
+            </a:r>
+            <a:r>
+              <a:rPr lang="en-NL" dirty="0"/>
+              <a:t> </a:t>
+            </a:r>
+            <a:r>
+              <a:rPr lang="en-NL" dirty="0" err="1"/>
+              <a:t>zullen</a:t>
+            </a:r>
+            <a:r>
+              <a:rPr lang="en-NL" dirty="0"/>
+              <a:t> </a:t>
+            </a:r>
+            <a:r>
+              <a:rPr lang="en-NL" dirty="0" err="1"/>
+              <a:t>worden</a:t>
+            </a:r>
+            <a:r>
+              <a:rPr lang="en-NL" dirty="0"/>
+              <a:t>.</a:t>
+            </a:r>
+          </a:p>
+          <a:p>
             <a:endParaRPr lang="en-NL" dirty="0"/>
           </a:p>
           <a:p>
-            <a:endParaRPr lang="en-NL" dirty="0"/>
-          </a:p>
-          <a:p>
-            <a:r>
-              <a:rPr lang="en-NL" dirty="0"/>
-              <a:t>Om </a:t>
-            </a:r>
-            <a:r>
-              <a:rPr lang="en-NL" dirty="0" err="1"/>
-              <a:t>dit</a:t>
+            <a:r>
+              <a:rPr lang="en-NL" dirty="0"/>
+              <a:t>Bij </a:t>
+            </a:r>
+            <a:r>
+              <a:rPr lang="en-NL" dirty="0" err="1"/>
+              <a:t>deze</a:t>
             </a:r>
             <a:r>
               <a:rPr lang="en-NL" dirty="0"/>
@@ -1336,7 +1656,15 @@
             </a:r>
             <a:r>
               <a:rPr lang="en-NL" dirty="0" err="1"/>
-              <a:t>te</a:t>
+              <a:t>opdracht</a:t>
+            </a:r>
+            <a:r>
+              <a:rPr lang="en-NL" dirty="0"/>
+              <a:t> is </a:t>
+            </a:r>
+            <a:r>
+              <a:rPr lang="en-NL" dirty="0" err="1"/>
+              <a:t>belangrijk</a:t>
             </a:r>
             <a:r>
               <a:rPr lang="en-NL" dirty="0"/>
@@ -1344,7 +1672,29 @@
             </a:r>
             <a:r>
               <a:rPr lang="en-NL" dirty="0" err="1"/>
-              <a:t>maken</a:t>
+              <a:t>dat</a:t>
+            </a:r>
+            <a:r>
+              <a:rPr lang="en-NL" dirty="0"/>
+              <a:t>:</a:t>
+            </a:r>
+          </a:p>
+          <a:p>
+            <a:r>
+              <a:rPr lang="en-NL" dirty="0"/>
+              <a:t>de </a:t>
+            </a:r>
+            <a:r>
+              <a:rPr lang="en-NL" dirty="0" err="1"/>
+              <a:t>locatie</a:t>
+            </a:r>
+            <a:r>
+              <a:rPr lang="en-NL" dirty="0"/>
+              <a:t> van de </a:t>
+            </a:r>
+            <a:r>
+              <a:rPr lang="en-NL" dirty="0" err="1"/>
+              <a:t>snijkop</a:t>
             </a:r>
             <a:r>
               <a:rPr lang="en-NL" dirty="0"/>
@@ -1352,15 +1702,7 @@
             </a:r>
             <a:r>
               <a:rPr lang="en-NL" dirty="0" err="1"/>
-              <a:t>zijn</a:t>
-            </a:r>
-            <a:r>
-              <a:rPr lang="en-NL" dirty="0"/>
-              <a:t> er opensource </a:t>
-            </a:r>
-            <a:r>
-              <a:rPr lang="en-NL" dirty="0" err="1"/>
-              <a:t>oplossingen</a:t>
+              <a:t>bepaald</a:t>
             </a:r>
             <a:r>
               <a:rPr lang="en-NL" dirty="0"/>
@@ -1368,375 +1710,97 @@
             </a:r>
             <a:r>
               <a:rPr lang="en-NL" dirty="0" err="1"/>
-              <a:t>zoals</a:t>
-            </a:r>
-            <a:r>
-              <a:rPr lang="en-NL" dirty="0"/>
-              <a:t> GRBL.</a:t>
-            </a:r>
+              <a:t>kan</a:t>
+            </a:r>
+            <a:r>
+              <a:rPr lang="en-NL" dirty="0"/>
+              <a:t> </a:t>
+            </a:r>
+            <a:r>
+              <a:rPr lang="en-NL" dirty="0" err="1"/>
+              <a:t>worden</a:t>
+            </a:r>
+            <a:r>
+              <a:rPr lang="en-NL" dirty="0"/>
+              <a:t> door </a:t>
+            </a:r>
+            <a:r>
+              <a:rPr lang="en-NL" dirty="0" err="1"/>
+              <a:t>een</a:t>
+            </a:r>
+            <a:r>
+              <a:rPr lang="en-NL" dirty="0"/>
+              <a:t> sensor.</a:t>
+            </a:r>
+          </a:p>
+          <a:p>
+            <a:r>
+              <a:rPr lang="en-NL" dirty="0"/>
+              <a:t>De machine over 3 </a:t>
+            </a:r>
+            <a:r>
+              <a:rPr lang="en-NL" dirty="0" err="1"/>
+              <a:t>assen</a:t>
+            </a:r>
+            <a:r>
+              <a:rPr lang="en-NL" dirty="0"/>
+              <a:t> </a:t>
+            </a:r>
+            <a:r>
+              <a:rPr lang="en-NL" dirty="0" err="1"/>
+              <a:t>kan</a:t>
+            </a:r>
+            <a:r>
+              <a:rPr lang="en-NL" dirty="0"/>
+              <a:t> </a:t>
+            </a:r>
+            <a:r>
+              <a:rPr lang="en-NL" dirty="0" err="1"/>
+              <a:t>beweging</a:t>
+            </a:r>
+            <a:r>
+              <a:rPr lang="en-NL" dirty="0"/>
+              <a:t>.</a:t>
+            </a:r>
+          </a:p>
+          <a:p>
+            <a:r>
+              <a:rPr lang="en-NL" dirty="0" err="1"/>
+              <a:t>Gcode</a:t>
+            </a:r>
+            <a:r>
+              <a:rPr lang="en-NL" dirty="0"/>
+              <a:t> </a:t>
+            </a:r>
+            <a:r>
+              <a:rPr lang="en-NL" dirty="0" err="1"/>
+              <a:t>kan</a:t>
+            </a:r>
+            <a:r>
+              <a:rPr lang="en-NL" dirty="0"/>
+              <a:t> </a:t>
+            </a:r>
+            <a:r>
+              <a:rPr lang="en-NL" dirty="0" err="1"/>
+              <a:t>gebruiken</a:t>
+            </a:r>
+            <a:r>
+              <a:rPr lang="en-NL" dirty="0"/>
+              <a:t>.</a:t>
+            </a:r>
+          </a:p>
+          <a:p>
             <a:r>
               <a:rPr lang="nl-NL" dirty="0"/>
-              <a:t> </a:t>
-            </a:r>
-            <a:r>
-              <a:rPr lang="en-NL" dirty="0" err="1"/>
-              <a:t>Helaas</a:t>
-            </a:r>
-            <a:r>
-              <a:rPr lang="en-NL" dirty="0"/>
-              <a:t> </a:t>
-            </a:r>
-            <a:r>
-              <a:rPr lang="en-NL" dirty="0" err="1"/>
-              <a:t>zijn</a:t>
-            </a:r>
-            <a:r>
-              <a:rPr lang="en-NL" dirty="0"/>
-              <a:t> </a:t>
-            </a:r>
-            <a:r>
-              <a:rPr lang="en-NL" dirty="0" err="1"/>
-              <a:t>deze</a:t>
-            </a:r>
-            <a:r>
-              <a:rPr lang="en-NL" dirty="0"/>
-              <a:t> </a:t>
-            </a:r>
-            <a:r>
-              <a:rPr lang="en-NL" dirty="0" err="1"/>
-              <a:t>freesmachines</a:t>
-            </a:r>
-            <a:r>
-              <a:rPr lang="en-NL" dirty="0"/>
-              <a:t> </a:t>
-            </a:r>
-            <a:r>
-              <a:rPr lang="en-NL" dirty="0" err="1"/>
-              <a:t>niet</a:t>
-            </a:r>
-            <a:r>
-              <a:rPr lang="en-NL" dirty="0"/>
-              <a:t> </a:t>
-            </a:r>
-            <a:r>
-              <a:rPr lang="en-NL" dirty="0" err="1"/>
-              <a:t>aan</a:t>
-            </a:r>
-            <a:r>
-              <a:rPr lang="en-NL" dirty="0"/>
-              <a:t> </a:t>
-            </a:r>
-            <a:r>
-              <a:rPr lang="en-NL" dirty="0" err="1"/>
-              <a:t>te</a:t>
-            </a:r>
-            <a:r>
-              <a:rPr lang="en-NL" dirty="0"/>
-              <a:t> </a:t>
-            </a:r>
-            <a:r>
-              <a:rPr lang="en-NL" dirty="0" err="1"/>
-              <a:t>passen</a:t>
-            </a:r>
-            <a:r>
-              <a:rPr lang="en-NL" dirty="0"/>
-              <a:t> </a:t>
-            </a:r>
-            <a:r>
-              <a:rPr lang="en-NL" dirty="0" err="1"/>
-              <a:t>naar</a:t>
-            </a:r>
-            <a:r>
-              <a:rPr lang="en-NL" dirty="0"/>
-              <a:t> de </a:t>
-            </a:r>
-            <a:r>
-              <a:rPr lang="en-NL" dirty="0" err="1"/>
-              <a:t>wensen</a:t>
-            </a:r>
-            <a:r>
-              <a:rPr lang="en-NL" dirty="0"/>
-              <a:t> van het </a:t>
-            </a:r>
-            <a:r>
-              <a:rPr lang="en-NL" dirty="0" err="1"/>
-              <a:t>bedrijf</a:t>
-            </a:r>
-            <a:r>
-              <a:rPr lang="en-NL" dirty="0"/>
-              <a:t>. </a:t>
-            </a:r>
-            <a:r>
-              <a:rPr lang="en-NL" dirty="0" err="1"/>
-              <a:t>Hiervan</a:t>
-            </a:r>
-            <a:r>
-              <a:rPr lang="en-NL" dirty="0"/>
-              <a:t> is nu de </a:t>
-            </a:r>
-            <a:r>
-              <a:rPr lang="en-NL" dirty="0" err="1"/>
-              <a:t>belangrijkste</a:t>
-            </a:r>
-            <a:r>
-              <a:rPr lang="en-NL" dirty="0"/>
-              <a:t> </a:t>
-            </a:r>
-            <a:r>
-              <a:rPr lang="en-NL" dirty="0" err="1"/>
-              <a:t>dat</a:t>
-            </a:r>
-            <a:r>
-              <a:rPr lang="en-NL" dirty="0"/>
-              <a:t> de </a:t>
-            </a:r>
-            <a:r>
-              <a:rPr lang="en-NL" dirty="0" err="1"/>
-              <a:t>locatie</a:t>
-            </a:r>
-            <a:r>
-              <a:rPr lang="en-NL" dirty="0"/>
-              <a:t> </a:t>
-            </a:r>
-            <a:r>
-              <a:rPr lang="en-NL" dirty="0" err="1"/>
-              <a:t>bepaling</a:t>
-            </a:r>
-            <a:r>
-              <a:rPr lang="en-NL" dirty="0"/>
-              <a:t> </a:t>
-            </a:r>
-            <a:r>
-              <a:rPr lang="en-NL" dirty="0" err="1"/>
-              <a:t>en</a:t>
-            </a:r>
-            <a:r>
-              <a:rPr lang="en-NL" dirty="0"/>
-              <a:t> </a:t>
-            </a:r>
-            <a:r>
-              <a:rPr lang="en-NL" dirty="0" err="1"/>
-              <a:t>aansturing</a:t>
-            </a:r>
-            <a:r>
-              <a:rPr lang="en-NL" dirty="0"/>
-              <a:t> </a:t>
-            </a:r>
-            <a:r>
-              <a:rPr lang="en-NL" dirty="0" err="1"/>
-              <a:t>gescheiden</a:t>
-            </a:r>
-            <a:r>
-              <a:rPr lang="en-NL" dirty="0"/>
-              <a:t> </a:t>
-            </a:r>
-            <a:r>
-              <a:rPr lang="en-NL" dirty="0" err="1"/>
-              <a:t>moet</a:t>
-            </a:r>
-            <a:r>
-              <a:rPr lang="en-NL" dirty="0"/>
-              <a:t> </a:t>
-            </a:r>
-            <a:r>
-              <a:rPr lang="en-NL" dirty="0" err="1"/>
-              <a:t>worden</a:t>
-            </a:r>
-            <a:r>
-              <a:rPr lang="nl-NL" dirty="0"/>
-              <a:t>.</a:t>
-            </a:r>
-            <a:r>
-              <a:rPr lang="en-NL" dirty="0"/>
-              <a:t> Verder </a:t>
-            </a:r>
-            <a:r>
-              <a:rPr lang="en-NL" dirty="0" err="1"/>
-              <a:t>zijn</a:t>
-            </a:r>
-            <a:r>
-              <a:rPr lang="en-NL" dirty="0"/>
-              <a:t> er later </a:t>
-            </a:r>
-            <a:r>
-              <a:rPr lang="en-NL" dirty="0" err="1"/>
-              <a:t>wensen</a:t>
-            </a:r>
-            <a:r>
-              <a:rPr lang="en-NL" dirty="0"/>
-              <a:t> om de machine </a:t>
-            </a:r>
-            <a:r>
-              <a:rPr lang="en-NL" dirty="0" err="1"/>
-              <a:t>te</a:t>
-            </a:r>
-            <a:r>
-              <a:rPr lang="en-NL" dirty="0"/>
-              <a:t> laten </a:t>
-            </a:r>
-            <a:r>
-              <a:rPr lang="en-NL" dirty="0" err="1"/>
-              <a:t>printen</a:t>
-            </a:r>
-            <a:r>
-              <a:rPr lang="en-NL" dirty="0"/>
-              <a:t> </a:t>
-            </a:r>
-            <a:r>
-              <a:rPr lang="en-NL" dirty="0" err="1"/>
-              <a:t>en</a:t>
-            </a:r>
-            <a:r>
-              <a:rPr lang="en-NL" dirty="0"/>
-              <a:t> </a:t>
-            </a:r>
-            <a:r>
-              <a:rPr lang="en-NL" dirty="0" err="1"/>
-              <a:t>freesen</a:t>
-            </a:r>
-            <a:r>
-              <a:rPr lang="en-NL" dirty="0"/>
-              <a:t>, 5 assig </a:t>
-            </a:r>
-            <a:r>
-              <a:rPr lang="en-NL" dirty="0" err="1"/>
-              <a:t>te</a:t>
-            </a:r>
-            <a:r>
-              <a:rPr lang="en-NL" dirty="0"/>
-              <a:t> </a:t>
-            </a:r>
-            <a:r>
-              <a:rPr lang="en-NL" dirty="0" err="1"/>
-              <a:t>maken</a:t>
-            </a:r>
-            <a:r>
-              <a:rPr lang="en-NL" dirty="0"/>
-              <a:t> </a:t>
-            </a:r>
-            <a:r>
-              <a:rPr lang="en-NL" dirty="0" err="1"/>
-              <a:t>en</a:t>
-            </a:r>
-            <a:r>
-              <a:rPr lang="en-NL" dirty="0"/>
-              <a:t> </a:t>
-            </a:r>
-            <a:r>
-              <a:rPr lang="en-NL" dirty="0" err="1"/>
-              <a:t>sensoren</a:t>
-            </a:r>
-            <a:r>
-              <a:rPr lang="en-NL" dirty="0"/>
-              <a:t> </a:t>
-            </a:r>
-            <a:r>
-              <a:rPr lang="en-NL" dirty="0" err="1"/>
-              <a:t>kunnen</a:t>
-            </a:r>
-            <a:r>
-              <a:rPr lang="en-NL" dirty="0"/>
-              <a:t> </a:t>
-            </a:r>
-            <a:r>
-              <a:rPr lang="en-NL" dirty="0" err="1"/>
-              <a:t>verwisselen</a:t>
-            </a:r>
-            <a:r>
-              <a:rPr lang="nl-NL" dirty="0"/>
-              <a:t>.</a:t>
-            </a:r>
-            <a:r>
-              <a:rPr lang="en-NL" dirty="0"/>
-              <a:t> </a:t>
-            </a:r>
-            <a:r>
-              <a:rPr lang="en-NL" dirty="0" err="1"/>
-              <a:t>Hierdoor</a:t>
-            </a:r>
-            <a:r>
-              <a:rPr lang="en-NL" dirty="0"/>
-              <a:t> is het </a:t>
-            </a:r>
-            <a:r>
-              <a:rPr lang="en-NL" dirty="0" err="1"/>
-              <a:t>belangrijk</a:t>
-            </a:r>
-            <a:r>
-              <a:rPr lang="en-NL" dirty="0"/>
-              <a:t> </a:t>
-            </a:r>
-            <a:r>
-              <a:rPr lang="en-NL" dirty="0" err="1"/>
-              <a:t>dat</a:t>
-            </a:r>
-            <a:r>
-              <a:rPr lang="en-NL" dirty="0"/>
-              <a:t> de </a:t>
-            </a:r>
-            <a:r>
-              <a:rPr lang="en-NL" dirty="0" err="1"/>
-              <a:t>oplossing</a:t>
-            </a:r>
-            <a:r>
-              <a:rPr lang="en-NL" dirty="0"/>
-              <a:t> </a:t>
-            </a:r>
-            <a:r>
-              <a:rPr lang="en-NL" dirty="0" err="1"/>
-              <a:t>modulair</a:t>
-            </a:r>
-            <a:r>
-              <a:rPr lang="en-NL" dirty="0"/>
-              <a:t> </a:t>
-            </a:r>
-            <a:r>
-              <a:rPr lang="en-NL" dirty="0" err="1"/>
-              <a:t>wordt</a:t>
-            </a:r>
-            <a:r>
-              <a:rPr lang="en-NL" dirty="0"/>
-              <a:t> </a:t>
-            </a:r>
-            <a:r>
-              <a:rPr lang="en-NL" dirty="0" err="1"/>
-              <a:t>en</a:t>
-            </a:r>
-            <a:r>
-              <a:rPr lang="en-NL" dirty="0"/>
-              <a:t> </a:t>
-            </a:r>
-            <a:r>
-              <a:rPr lang="en-NL" dirty="0" err="1"/>
-              <a:t>zijn</a:t>
-            </a:r>
-            <a:r>
-              <a:rPr lang="en-NL" dirty="0"/>
-              <a:t> de opensource </a:t>
-            </a:r>
-            <a:r>
-              <a:rPr lang="en-NL" dirty="0" err="1"/>
-              <a:t>oplossingen</a:t>
-            </a:r>
-            <a:r>
-              <a:rPr lang="en-NL" dirty="0"/>
-              <a:t> </a:t>
-            </a:r>
-            <a:r>
-              <a:rPr lang="en-NL" dirty="0" err="1"/>
-              <a:t>niet</a:t>
-            </a:r>
-            <a:r>
-              <a:rPr lang="en-NL" dirty="0"/>
-              <a:t> </a:t>
-            </a:r>
-            <a:r>
-              <a:rPr lang="en-NL" dirty="0" err="1"/>
-              <a:t>genoeg</a:t>
-            </a:r>
-            <a:r>
-              <a:rPr lang="en-NL" dirty="0"/>
-              <a:t>.</a:t>
+              <a:t>M</a:t>
+            </a:r>
+            <a:r>
+              <a:rPr lang="en-NL" dirty="0" err="1"/>
+              <a:t>odulair</a:t>
+            </a:r>
+            <a:r>
+              <a:rPr lang="en-NL" dirty="0"/>
+              <a:t> is</a:t>
             </a:r>
           </a:p>
           <a:p>
@@ -1770,7 +1834,7 @@
     </p:spTree>
     <p:extLst>
       <p:ext uri="{BB962C8B-B14F-4D97-AF65-F5344CB8AC3E}">
-        <p14:creationId xmlns:p14="http://schemas.microsoft.com/office/powerpoint/2010/main" val="2467563178"/>
+        <p14:creationId xmlns:p14="http://schemas.microsoft.com/office/powerpoint/2010/main" val="860948573"/>
       </p:ext>
     </p:extLst>
   </p:cSld>
@@ -1824,511 +1888,7 @@
           <a:bodyPr/>
           <a:lstStyle/>
           <a:p>
-            <a:r>
-              <a:rPr lang="en-NL" dirty="0" err="1"/>
-              <a:t>Mijn</a:t>
-            </a:r>
-            <a:r>
-              <a:rPr lang="en-NL" dirty="0"/>
-              <a:t> </a:t>
-            </a:r>
-            <a:r>
-              <a:rPr lang="en-NL" dirty="0" err="1"/>
-              <a:t>opdracht</a:t>
-            </a:r>
-            <a:r>
-              <a:rPr lang="en-NL" dirty="0"/>
-              <a:t> is om de </a:t>
-            </a:r>
-            <a:r>
-              <a:rPr lang="en-NL" dirty="0" err="1"/>
-              <a:t>aansturing</a:t>
-            </a:r>
-            <a:r>
-              <a:rPr lang="en-NL" dirty="0"/>
-              <a:t> </a:t>
-            </a:r>
-            <a:r>
-              <a:rPr lang="en-NL" dirty="0" err="1"/>
-              <a:t>en</a:t>
-            </a:r>
-            <a:r>
-              <a:rPr lang="en-NL" dirty="0"/>
-              <a:t> de </a:t>
-            </a:r>
-            <a:r>
-              <a:rPr lang="en-NL" dirty="0" err="1"/>
-              <a:t>locatie</a:t>
-            </a:r>
-            <a:r>
-              <a:rPr lang="en-NL" dirty="0"/>
-              <a:t> </a:t>
-            </a:r>
-            <a:r>
-              <a:rPr lang="en-NL" dirty="0" err="1"/>
-              <a:t>bepaling</a:t>
-            </a:r>
-            <a:r>
-              <a:rPr lang="en-NL" dirty="0"/>
-              <a:t> </a:t>
-            </a:r>
-            <a:r>
-              <a:rPr lang="en-NL" dirty="0" err="1"/>
-              <a:t>te</a:t>
-            </a:r>
-            <a:r>
-              <a:rPr lang="en-NL" dirty="0"/>
-              <a:t> </a:t>
-            </a:r>
-            <a:r>
-              <a:rPr lang="en-NL" dirty="0" err="1"/>
-              <a:t>scheiden</a:t>
-            </a:r>
-            <a:r>
-              <a:rPr lang="en-NL" dirty="0"/>
-              <a:t>.</a:t>
-            </a:r>
-          </a:p>
-          <a:p>
-            <a:endParaRPr lang="en-NL" dirty="0"/>
-          </a:p>
-          <a:p>
-            <a:r>
-              <a:rPr lang="nl-NL" dirty="0"/>
-              <a:t>H</a:t>
-            </a:r>
-            <a:r>
-              <a:rPr lang="en-NL" dirty="0" err="1"/>
-              <a:t>ier</a:t>
-            </a:r>
-            <a:r>
-              <a:rPr lang="en-NL" dirty="0"/>
-              <a:t> is </a:t>
-            </a:r>
-            <a:r>
-              <a:rPr lang="en-NL" dirty="0" err="1"/>
-              <a:t>een</a:t>
-            </a:r>
-            <a:r>
-              <a:rPr lang="en-NL" dirty="0"/>
-              <a:t> </a:t>
-            </a:r>
-            <a:r>
-              <a:rPr lang="en-NL" dirty="0" err="1"/>
-              <a:t>plaatje</a:t>
-            </a:r>
-            <a:r>
-              <a:rPr lang="en-NL" dirty="0"/>
-              <a:t> met de </a:t>
-            </a:r>
-            <a:r>
-              <a:rPr lang="en-NL" dirty="0" err="1"/>
-              <a:t>oude</a:t>
-            </a:r>
-            <a:r>
-              <a:rPr lang="en-NL" dirty="0"/>
-              <a:t> </a:t>
-            </a:r>
-            <a:r>
-              <a:rPr lang="en-NL" dirty="0" err="1"/>
-              <a:t>en</a:t>
-            </a:r>
-            <a:r>
-              <a:rPr lang="en-NL" dirty="0"/>
-              <a:t> </a:t>
-            </a:r>
-            <a:r>
-              <a:rPr lang="en-NL" dirty="0" err="1"/>
-              <a:t>nieuwe</a:t>
-            </a:r>
-            <a:r>
-              <a:rPr lang="en-NL" dirty="0"/>
-              <a:t> </a:t>
-            </a:r>
-            <a:r>
-              <a:rPr lang="en-NL" dirty="0" err="1"/>
-              <a:t>situatie</a:t>
-            </a:r>
-            <a:r>
-              <a:rPr lang="en-NL" dirty="0"/>
-              <a:t>.</a:t>
-            </a:r>
-          </a:p>
-          <a:p>
-            <a:r>
-              <a:rPr lang="en-NL" dirty="0"/>
-              <a:t>De </a:t>
-            </a:r>
-            <a:r>
-              <a:rPr lang="en-NL" dirty="0" err="1"/>
-              <a:t>oude</a:t>
-            </a:r>
-            <a:r>
-              <a:rPr lang="en-NL" dirty="0"/>
-              <a:t> </a:t>
-            </a:r>
-            <a:r>
-              <a:rPr lang="en-NL" dirty="0" err="1"/>
-              <a:t>situatie</a:t>
-            </a:r>
-            <a:r>
-              <a:rPr lang="en-NL" dirty="0"/>
-              <a:t> is </a:t>
-            </a:r>
-            <a:r>
-              <a:rPr lang="en-NL" dirty="0" err="1"/>
-              <a:t>gebaseerd</a:t>
-            </a:r>
-            <a:r>
-              <a:rPr lang="en-NL" dirty="0"/>
-              <a:t> op GRBL die </a:t>
-            </a:r>
-            <a:r>
-              <a:rPr lang="en-NL" dirty="0" err="1"/>
-              <a:t>alleen</a:t>
-            </a:r>
-            <a:r>
-              <a:rPr lang="en-NL" dirty="0"/>
-              <a:t> de </a:t>
-            </a:r>
-            <a:r>
-              <a:rPr lang="en-NL" dirty="0" err="1"/>
-              <a:t>actuatoren</a:t>
-            </a:r>
-            <a:r>
-              <a:rPr lang="en-NL" dirty="0"/>
-              <a:t> </a:t>
-            </a:r>
-            <a:r>
-              <a:rPr lang="en-NL" dirty="0" err="1"/>
-              <a:t>aansturen</a:t>
-            </a:r>
-            <a:r>
-              <a:rPr lang="en-NL" dirty="0"/>
-              <a:t>.</a:t>
-            </a:r>
-          </a:p>
-          <a:p>
-            <a:r>
-              <a:rPr lang="en-NL" dirty="0"/>
-              <a:t>Er is </a:t>
-            </a:r>
-            <a:r>
-              <a:rPr lang="en-NL" dirty="0" err="1"/>
-              <a:t>te</a:t>
-            </a:r>
-            <a:r>
-              <a:rPr lang="en-NL" dirty="0"/>
-              <a:t> </a:t>
-            </a:r>
-            <a:r>
-              <a:rPr lang="en-NL" dirty="0" err="1"/>
-              <a:t>zien</a:t>
-            </a:r>
-            <a:r>
-              <a:rPr lang="en-NL" dirty="0"/>
-              <a:t> </a:t>
-            </a:r>
-            <a:r>
-              <a:rPr lang="en-NL" dirty="0" err="1"/>
-              <a:t>dat</a:t>
-            </a:r>
-            <a:r>
-              <a:rPr lang="en-NL" dirty="0"/>
-              <a:t> er </a:t>
-            </a:r>
-            <a:r>
-              <a:rPr lang="en-NL" dirty="0" err="1"/>
-              <a:t>een</a:t>
-            </a:r>
-            <a:r>
-              <a:rPr lang="en-NL" dirty="0"/>
-              <a:t> circle </a:t>
-            </a:r>
-            <a:r>
-              <a:rPr lang="en-NL" dirty="0" err="1"/>
-              <a:t>ontstaat</a:t>
-            </a:r>
-            <a:r>
-              <a:rPr lang="en-NL" dirty="0"/>
-              <a:t> </a:t>
-            </a:r>
-            <a:r>
-              <a:rPr lang="en-NL" dirty="0" err="1"/>
-              <a:t>bij</a:t>
-            </a:r>
-            <a:r>
-              <a:rPr lang="en-NL" dirty="0"/>
-              <a:t> de </a:t>
-            </a:r>
-            <a:r>
-              <a:rPr lang="en-NL" dirty="0" err="1"/>
-              <a:t>nieuwe</a:t>
-            </a:r>
-            <a:r>
-              <a:rPr lang="en-NL" dirty="0"/>
-              <a:t> </a:t>
-            </a:r>
-            <a:r>
-              <a:rPr lang="en-NL" dirty="0" err="1"/>
-              <a:t>situatie</a:t>
-            </a:r>
-            <a:r>
-              <a:rPr lang="en-NL" dirty="0"/>
-              <a:t> </a:t>
-            </a:r>
-            <a:r>
-              <a:rPr lang="en-NL" dirty="0" err="1"/>
-              <a:t>en</a:t>
-            </a:r>
-            <a:r>
-              <a:rPr lang="en-NL" dirty="0"/>
-              <a:t> </a:t>
-            </a:r>
-            <a:r>
-              <a:rPr lang="en-NL" dirty="0" err="1"/>
-              <a:t>dat</a:t>
-            </a:r>
-            <a:r>
-              <a:rPr lang="en-NL" dirty="0"/>
-              <a:t> de </a:t>
-            </a:r>
-            <a:r>
-              <a:rPr lang="en-NL" dirty="0" err="1"/>
-              <a:t>beweging</a:t>
-            </a:r>
-            <a:r>
-              <a:rPr lang="en-NL" dirty="0"/>
-              <a:t> van de </a:t>
-            </a:r>
-            <a:r>
-              <a:rPr lang="en-NL" dirty="0" err="1"/>
-              <a:t>motoren</a:t>
-            </a:r>
-            <a:r>
-              <a:rPr lang="en-NL" dirty="0"/>
-              <a:t> </a:t>
-            </a:r>
-            <a:r>
-              <a:rPr lang="en-NL" dirty="0" err="1"/>
-              <a:t>i</a:t>
-            </a:r>
-            <a:r>
-              <a:rPr lang="nl-NL" dirty="0"/>
-              <a:t>m</a:t>
-            </a:r>
-            <a:r>
-              <a:rPr lang="en-NL" dirty="0"/>
-              <a:t>pact </a:t>
-            </a:r>
-            <a:r>
-              <a:rPr lang="en-NL" dirty="0" err="1"/>
-              <a:t>hebben</a:t>
-            </a:r>
-            <a:r>
-              <a:rPr lang="en-NL" dirty="0"/>
-              <a:t> op de </a:t>
-            </a:r>
-            <a:r>
-              <a:rPr lang="en-NL" dirty="0" err="1"/>
-              <a:t>bewegingen</a:t>
-            </a:r>
-            <a:r>
-              <a:rPr lang="en-NL" dirty="0"/>
-              <a:t> die </a:t>
-            </a:r>
-            <a:r>
-              <a:rPr lang="en-NL" dirty="0" err="1"/>
-              <a:t>verstuurd</a:t>
-            </a:r>
-            <a:r>
-              <a:rPr lang="en-NL" dirty="0"/>
-              <a:t> </a:t>
-            </a:r>
-            <a:r>
-              <a:rPr lang="en-NL" dirty="0" err="1"/>
-              <a:t>zullen</a:t>
-            </a:r>
-            <a:r>
-              <a:rPr lang="en-NL" dirty="0"/>
-              <a:t> </a:t>
-            </a:r>
-            <a:r>
-              <a:rPr lang="en-NL" dirty="0" err="1"/>
-              <a:t>worden</a:t>
-            </a:r>
-            <a:r>
-              <a:rPr lang="en-NL" dirty="0"/>
-              <a:t>.</a:t>
-            </a:r>
-          </a:p>
-          <a:p>
-            <a:endParaRPr lang="en-NL" dirty="0"/>
-          </a:p>
-          <a:p>
-            <a:r>
-              <a:rPr lang="en-NL" dirty="0"/>
-              <a:t>Bij </a:t>
-            </a:r>
-            <a:r>
-              <a:rPr lang="en-NL" dirty="0" err="1"/>
-              <a:t>deze</a:t>
-            </a:r>
-            <a:r>
-              <a:rPr lang="en-NL" dirty="0"/>
-              <a:t> </a:t>
-            </a:r>
-            <a:r>
-              <a:rPr lang="en-NL" dirty="0" err="1"/>
-              <a:t>opdracht</a:t>
-            </a:r>
-            <a:r>
-              <a:rPr lang="en-NL" dirty="0"/>
-              <a:t> is </a:t>
-            </a:r>
-            <a:r>
-              <a:rPr lang="en-NL" dirty="0" err="1"/>
-              <a:t>belangrijk</a:t>
-            </a:r>
-            <a:r>
-              <a:rPr lang="en-NL" dirty="0"/>
-              <a:t> </a:t>
-            </a:r>
-            <a:r>
-              <a:rPr lang="en-NL" dirty="0" err="1"/>
-              <a:t>dat</a:t>
-            </a:r>
-            <a:r>
-              <a:rPr lang="en-NL" dirty="0"/>
-              <a:t>:</a:t>
-            </a:r>
-          </a:p>
-          <a:p>
-            <a:r>
-              <a:rPr lang="en-NL" dirty="0"/>
-              <a:t>de </a:t>
-            </a:r>
-            <a:r>
-              <a:rPr lang="en-NL" dirty="0" err="1"/>
-              <a:t>locatie</a:t>
-            </a:r>
-            <a:r>
-              <a:rPr lang="en-NL" dirty="0"/>
-              <a:t> van de </a:t>
-            </a:r>
-            <a:r>
-              <a:rPr lang="en-NL" dirty="0" err="1"/>
-              <a:t>snijkop</a:t>
-            </a:r>
-            <a:r>
-              <a:rPr lang="en-NL" dirty="0"/>
-              <a:t> </a:t>
-            </a:r>
-            <a:r>
-              <a:rPr lang="en-NL" dirty="0" err="1"/>
-              <a:t>bepaald</a:t>
-            </a:r>
-            <a:r>
-              <a:rPr lang="en-NL" dirty="0"/>
-              <a:t> </a:t>
-            </a:r>
-            <a:r>
-              <a:rPr lang="en-NL" dirty="0" err="1"/>
-              <a:t>kan</a:t>
-            </a:r>
-            <a:r>
-              <a:rPr lang="en-NL" dirty="0"/>
-              <a:t> </a:t>
-            </a:r>
-            <a:r>
-              <a:rPr lang="en-NL" dirty="0" err="1"/>
-              <a:t>worden</a:t>
-            </a:r>
-            <a:r>
-              <a:rPr lang="en-NL" dirty="0"/>
-              <a:t> door </a:t>
-            </a:r>
-            <a:r>
-              <a:rPr lang="en-NL" dirty="0" err="1"/>
-              <a:t>een</a:t>
-            </a:r>
-            <a:r>
-              <a:rPr lang="en-NL" dirty="0"/>
-              <a:t> sensor.</a:t>
-            </a:r>
-          </a:p>
-          <a:p>
-            <a:r>
-              <a:rPr lang="en-NL" dirty="0"/>
-              <a:t>De machine over 3 </a:t>
-            </a:r>
-            <a:r>
-              <a:rPr lang="en-NL" dirty="0" err="1"/>
-              <a:t>assen</a:t>
-            </a:r>
-            <a:r>
-              <a:rPr lang="en-NL" dirty="0"/>
-              <a:t> </a:t>
-            </a:r>
-            <a:r>
-              <a:rPr lang="en-NL" dirty="0" err="1"/>
-              <a:t>kan</a:t>
-            </a:r>
-            <a:r>
-              <a:rPr lang="en-NL" dirty="0"/>
-              <a:t> </a:t>
-            </a:r>
-            <a:r>
-              <a:rPr lang="en-NL" dirty="0" err="1"/>
-              <a:t>beweging</a:t>
-            </a:r>
-            <a:r>
-              <a:rPr lang="en-NL" dirty="0"/>
-              <a:t>.</a:t>
-            </a:r>
-          </a:p>
-          <a:p>
-            <a:r>
-              <a:rPr lang="en-NL" dirty="0" err="1"/>
-              <a:t>Gcode</a:t>
-            </a:r>
-            <a:r>
-              <a:rPr lang="en-NL" dirty="0"/>
-              <a:t> </a:t>
-            </a:r>
-            <a:r>
-              <a:rPr lang="en-NL" dirty="0" err="1"/>
-              <a:t>kan</a:t>
-            </a:r>
-            <a:r>
-              <a:rPr lang="en-NL" dirty="0"/>
-              <a:t> </a:t>
-            </a:r>
-            <a:r>
-              <a:rPr lang="en-NL" dirty="0" err="1"/>
-              <a:t>gebruiken</a:t>
-            </a:r>
-            <a:r>
-              <a:rPr lang="en-NL" dirty="0"/>
-              <a:t>.</a:t>
-            </a:r>
-          </a:p>
-          <a:p>
-            <a:r>
-              <a:rPr lang="nl-NL" dirty="0"/>
-              <a:t>M</a:t>
-            </a:r>
-            <a:r>
-              <a:rPr lang="en-NL" dirty="0" err="1"/>
-              <a:t>odulair</a:t>
-            </a:r>
-            <a:r>
-              <a:rPr lang="en-NL" dirty="0"/>
-              <a:t> is</a:t>
-            </a:r>
-          </a:p>
-          <a:p>
-            <a:endParaRPr lang="en-NL" dirty="0"/>
+            <a:endParaRPr lang="nl-NL" dirty="0"/>
           </a:p>
         </p:txBody>
       </p:sp>
@@ -2349,102 +1909,7 @@
           <a:p>
             <a:fld id="{7F456FD9-521A-4E48-B277-6DB742BC5019}" type="slidenum">
               <a:rPr lang="nl-NL" smtClean="0"/>
-              <a:t>6</a:t>
-            </a:fld>
-            <a:endParaRPr lang="nl-NL"/>
-          </a:p>
-        </p:txBody>
-      </p:sp>
-    </p:spTree>
-    <p:extLst>
-      <p:ext uri="{BB962C8B-B14F-4D97-AF65-F5344CB8AC3E}">
-        <p14:creationId xmlns:p14="http://schemas.microsoft.com/office/powerpoint/2010/main" val="860948573"/>
-      </p:ext>
-    </p:extLst>
-  </p:cSld>
-  <p:clrMapOvr>
-    <a:masterClrMapping/>
-  </p:clrMapOvr>
-</p:notes>
-</file>
-
-<file path=ppt/notesSlides/notesSlide6.xml><?xml version="1.0" encoding="utf-8"?>
-<p:notes xmlns:a="http://schemas.openxmlformats.org/drawingml/2006/main" xmlns:r="http://schemas.openxmlformats.org/officeDocument/2006/relationships" xmlns:p="http://schemas.openxmlformats.org/presentationml/2006/main">
-  <p:cSld>
-    <p:spTree>
-      <p:nvGrpSpPr>
-        <p:cNvPr id="1" name=""/>
-        <p:cNvGrpSpPr/>
-        <p:nvPr/>
-      </p:nvGrpSpPr>
-      <p:grpSpPr>
-        <a:xfrm>
-          <a:off x="0" y="0"/>
-          <a:ext cx="0" cy="0"/>
-          <a:chOff x="0" y="0"/>
-          <a:chExt cx="0" cy="0"/>
-        </a:xfrm>
-      </p:grpSpPr>
-      <p:sp>
-        <p:nvSpPr>
-          <p:cNvPr id="2" name="Tijdelijke aanduiding voor dia-afbeelding 1"/>
-          <p:cNvSpPr>
-            <a:spLocks noGrp="1" noRot="1" noChangeAspect="1"/>
-          </p:cNvSpPr>
-          <p:nvPr>
-            <p:ph type="sldImg"/>
-          </p:nvPr>
-        </p:nvSpPr>
-        <p:spPr/>
-      </p:sp>
-      <p:sp>
-        <p:nvSpPr>
-          <p:cNvPr id="3" name="Tijdelijke aanduiding voor notities 2"/>
-          <p:cNvSpPr>
-            <a:spLocks noGrp="1"/>
-          </p:cNvSpPr>
-          <p:nvPr>
-            <p:ph type="body" idx="1"/>
-          </p:nvPr>
-        </p:nvSpPr>
-        <p:spPr/>
-        <p:txBody>
-          <a:bodyPr/>
-          <a:lstStyle/>
-          <a:p>
-            <a:r>
-              <a:rPr lang="nl-NL" dirty="0"/>
-              <a:t>Voor de software heb ik meerdere commando’s </a:t>
-            </a:r>
-            <a:r>
-              <a:rPr lang="nl-NL" dirty="0" err="1"/>
-              <a:t>geimplementeerd</a:t>
-            </a:r>
-            <a:r>
-              <a:rPr lang="nl-NL" dirty="0"/>
-              <a:t>. $?, G1, G0, G2, G3. Voor deze </a:t>
-            </a:r>
-          </a:p>
-        </p:txBody>
-      </p:sp>
-      <p:sp>
-        <p:nvSpPr>
-          <p:cNvPr id="4" name="Tijdelijke aanduiding voor dianummer 3"/>
-          <p:cNvSpPr>
-            <a:spLocks noGrp="1"/>
-          </p:cNvSpPr>
-          <p:nvPr>
-            <p:ph type="sldNum" sz="quarter" idx="5"/>
-          </p:nvPr>
-        </p:nvSpPr>
-        <p:spPr/>
-        <p:txBody>
-          <a:bodyPr/>
-          <a:lstStyle/>
-          <a:p>
-            <a:fld id="{7F456FD9-521A-4E48-B277-6DB742BC5019}" type="slidenum">
-              <a:rPr lang="nl-NL" smtClean="0"/>
-              <a:t>8</a:t>
+              <a:t>7</a:t>
             </a:fld>
             <a:endParaRPr lang="nl-NL"/>
           </a:p>
@@ -2463,7 +1928,7 @@
 </p:notes>
 </file>
 
-<file path=ppt/notesSlides/notesSlide7.xml><?xml version="1.0" encoding="utf-8"?>
+<file path=ppt/notesSlides/notesSlide6.xml><?xml version="1.0" encoding="utf-8"?>
 <p:notes xmlns:a="http://schemas.openxmlformats.org/drawingml/2006/main" xmlns:r="http://schemas.openxmlformats.org/officeDocument/2006/relationships" xmlns:p="http://schemas.openxmlformats.org/presentationml/2006/main">
   <p:cSld>
     <p:spTree>
@@ -2525,18 +1990,7 @@
           <a:bodyPr/>
           <a:lstStyle/>
           <a:p>
-            <a:r>
-              <a:rPr lang="nl-NL" dirty="0"/>
-              <a:t>Voor de software heb ik meerdere commando’s </a:t>
-            </a:r>
-            <a:r>
-              <a:rPr lang="nl-NL" dirty="0" err="1"/>
-              <a:t>geimplementeerd</a:t>
-            </a:r>
-            <a:r>
-              <a:rPr lang="nl-NL" dirty="0"/>
-              <a:t>. $?, G1, G0, G2, G3. Voor deze </a:t>
-            </a:r>
+            <a:endParaRPr lang="nl-NL" dirty="0"/>
           </a:p>
         </p:txBody>
       </p:sp>
@@ -2563,7 +2017,7 @@
           <a:p>
             <a:fld id="{7F456FD9-521A-4E48-B277-6DB742BC5019}" type="slidenum">
               <a:rPr lang="nl-NL" smtClean="0"/>
-              <a:t>9</a:t>
+              <a:t>8</a:t>
             </a:fld>
             <a:endParaRPr lang="nl-NL"/>
           </a:p>
@@ -2582,7 +2036,7 @@
 </p:notes>
 </file>
 
-<file path=ppt/notesSlides/notesSlide8.xml><?xml version="1.0" encoding="utf-8"?>
+<file path=ppt/notesSlides/notesSlide7.xml><?xml version="1.0" encoding="utf-8"?>
 <p:notes xmlns:a="http://schemas.openxmlformats.org/drawingml/2006/main" xmlns:r="http://schemas.openxmlformats.org/officeDocument/2006/relationships" xmlns:p="http://schemas.openxmlformats.org/presentationml/2006/main">
   <p:cSld>
     <p:spTree>
@@ -2644,18 +2098,7 @@
           <a:bodyPr/>
           <a:lstStyle/>
           <a:p>
-            <a:r>
-              <a:rPr lang="nl-NL" dirty="0"/>
-              <a:t>Voor de software heb ik meerdere commando’s </a:t>
-            </a:r>
-            <a:r>
-              <a:rPr lang="nl-NL" dirty="0" err="1"/>
-              <a:t>geimplementeerd</a:t>
-            </a:r>
-            <a:r>
-              <a:rPr lang="nl-NL" dirty="0"/>
-              <a:t>. $?, G1, G0, G2, G3. Voor deze </a:t>
-            </a:r>
+            <a:endParaRPr lang="nl-NL" dirty="0"/>
           </a:p>
         </p:txBody>
       </p:sp>
@@ -2682,7 +2125,7 @@
           <a:p>
             <a:fld id="{7F456FD9-521A-4E48-B277-6DB742BC5019}" type="slidenum">
               <a:rPr lang="nl-NL" smtClean="0"/>
-              <a:t>10</a:t>
+              <a:t>9</a:t>
             </a:fld>
             <a:endParaRPr lang="nl-NL"/>
           </a:p>
@@ -2692,6 +2135,421 @@
     <p:extLst>
       <p:ext uri="{BB962C8B-B14F-4D97-AF65-F5344CB8AC3E}">
         <p14:creationId xmlns:p14="http://schemas.microsoft.com/office/powerpoint/2010/main" val="1352013804"/>
+      </p:ext>
+    </p:extLst>
+  </p:cSld>
+  <p:clrMapOvr>
+    <a:masterClrMapping/>
+  </p:clrMapOvr>
+</p:notes>
+</file>
+
+<file path=ppt/notesSlides/notesSlide8.xml><?xml version="1.0" encoding="utf-8"?>
+<p:notes xmlns:a="http://schemas.openxmlformats.org/drawingml/2006/main" xmlns:r="http://schemas.openxmlformats.org/officeDocument/2006/relationships" xmlns:p="http://schemas.openxmlformats.org/presentationml/2006/main">
+  <p:cSld>
+    <p:spTree>
+      <p:nvGrpSpPr>
+        <p:cNvPr id="1" name=""/>
+        <p:cNvGrpSpPr/>
+        <p:nvPr/>
+      </p:nvGrpSpPr>
+      <p:grpSpPr>
+        <a:xfrm>
+          <a:off x="0" y="0"/>
+          <a:ext cx="0" cy="0"/>
+          <a:chOff x="0" y="0"/>
+          <a:chExt cx="0" cy="0"/>
+        </a:xfrm>
+      </p:grpSpPr>
+      <p:sp>
+        <p:nvSpPr>
+          <p:cNvPr id="2" name="Tijdelijke aanduiding voor dia-afbeelding 1"/>
+          <p:cNvSpPr>
+            <a:spLocks noGrp="1" noRot="1" noChangeAspect="1"/>
+          </p:cNvSpPr>
+          <p:nvPr>
+            <p:ph type="sldImg"/>
+          </p:nvPr>
+        </p:nvSpPr>
+        <p:spPr/>
+      </p:sp>
+      <p:sp>
+        <p:nvSpPr>
+          <p:cNvPr id="3" name="Tijdelijke aanduiding voor notities 2"/>
+          <p:cNvSpPr>
+            <a:spLocks noGrp="1"/>
+          </p:cNvSpPr>
+          <p:nvPr>
+            <p:ph type="body" idx="1"/>
+          </p:nvPr>
+        </p:nvSpPr>
+        <p:spPr/>
+        <p:txBody>
+          <a:bodyPr/>
+          <a:lstStyle/>
+          <a:p>
+            <a:r>
+              <a:rPr lang="en-NL" dirty="0"/>
+              <a:t>De </a:t>
+            </a:r>
+            <a:r>
+              <a:rPr lang="en-NL" dirty="0" err="1"/>
+              <a:t>freesbank</a:t>
+            </a:r>
+            <a:r>
+              <a:rPr lang="en-NL" dirty="0"/>
+              <a:t> </a:t>
+            </a:r>
+            <a:r>
+              <a:rPr lang="en-NL" dirty="0" err="1"/>
+              <a:t>werkt</a:t>
+            </a:r>
+            <a:r>
+              <a:rPr lang="en-NL" dirty="0"/>
+              <a:t> in 3 </a:t>
+            </a:r>
+            <a:r>
+              <a:rPr lang="en-NL" dirty="0" err="1"/>
+              <a:t>assen</a:t>
+            </a:r>
+            <a:r>
+              <a:rPr lang="en-NL" dirty="0"/>
+              <a:t>, met 2 </a:t>
+            </a:r>
+            <a:r>
+              <a:rPr lang="en-NL" dirty="0" err="1"/>
+              <a:t>mogelijkheden</a:t>
+            </a:r>
+            <a:r>
+              <a:rPr lang="en-NL" dirty="0"/>
+              <a:t> in </a:t>
+            </a:r>
+            <a:r>
+              <a:rPr lang="en-NL" dirty="0" err="1"/>
+              <a:t>beweging</a:t>
+            </a:r>
+            <a:r>
+              <a:rPr lang="en-NL" dirty="0"/>
+              <a:t>, circle </a:t>
+            </a:r>
+            <a:r>
+              <a:rPr lang="en-NL" dirty="0" err="1"/>
+              <a:t>en</a:t>
+            </a:r>
+            <a:r>
+              <a:rPr lang="en-NL" dirty="0"/>
+              <a:t> </a:t>
+            </a:r>
+            <a:r>
+              <a:rPr lang="en-NL" dirty="0" err="1"/>
+              <a:t>rechte</a:t>
+            </a:r>
+            <a:r>
+              <a:rPr lang="en-NL" dirty="0"/>
+              <a:t> </a:t>
+            </a:r>
+            <a:r>
+              <a:rPr lang="en-NL" dirty="0" err="1"/>
+              <a:t>lijn</a:t>
+            </a:r>
+            <a:r>
+              <a:rPr lang="en-NL" dirty="0"/>
+              <a:t> (G2-3, G0-1).</a:t>
+            </a:r>
+          </a:p>
+          <a:p>
+            <a:r>
+              <a:rPr lang="nl-NL" dirty="0"/>
+              <a:t>I</a:t>
+            </a:r>
+            <a:r>
+              <a:rPr lang="en-NL" dirty="0" err="1"/>
+              <a:t>nput</a:t>
+            </a:r>
+            <a:r>
+              <a:rPr lang="en-NL" dirty="0"/>
+              <a:t> </a:t>
+            </a:r>
+            <a:r>
+              <a:rPr lang="en-NL" dirty="0" err="1"/>
+              <a:t>kan</a:t>
+            </a:r>
+            <a:r>
+              <a:rPr lang="en-NL" dirty="0"/>
+              <a:t> </a:t>
+            </a:r>
+            <a:r>
+              <a:rPr lang="en-NL" dirty="0" err="1"/>
+              <a:t>bepaald</a:t>
+            </a:r>
+            <a:r>
+              <a:rPr lang="en-NL" dirty="0"/>
+              <a:t> </a:t>
+            </a:r>
+            <a:r>
+              <a:rPr lang="en-NL" dirty="0" err="1"/>
+              <a:t>worden</a:t>
+            </a:r>
+            <a:r>
+              <a:rPr lang="en-NL" dirty="0"/>
+              <a:t> door </a:t>
+            </a:r>
+            <a:r>
+              <a:rPr lang="en-NL" dirty="0" err="1"/>
+              <a:t>sensoren</a:t>
+            </a:r>
+            <a:endParaRPr lang="en-NL" dirty="0"/>
+          </a:p>
+          <a:p>
+            <a:r>
+              <a:rPr lang="nl-NL" dirty="0"/>
+              <a:t>M</a:t>
+            </a:r>
+            <a:r>
+              <a:rPr lang="en-NL" dirty="0" err="1"/>
+              <a:t>odulair</a:t>
+            </a:r>
+            <a:r>
+              <a:rPr lang="en-NL" dirty="0"/>
+              <a:t> (door het </a:t>
+            </a:r>
+            <a:r>
+              <a:rPr lang="en-NL" dirty="0" err="1"/>
+              <a:t>modulaire</a:t>
+            </a:r>
+            <a:r>
+              <a:rPr lang="en-NL" dirty="0"/>
+              <a:t> </a:t>
+            </a:r>
+            <a:r>
+              <a:rPr lang="en-NL" dirty="0" err="1"/>
+              <a:t>ontwerp</a:t>
+            </a:r>
+            <a:r>
+              <a:rPr lang="en-NL" dirty="0"/>
+              <a:t> </a:t>
+            </a:r>
+            <a:r>
+              <a:rPr lang="en-NL" dirty="0" err="1"/>
+              <a:t>kunnen</a:t>
+            </a:r>
+            <a:r>
+              <a:rPr lang="en-NL" dirty="0"/>
+              <a:t> </a:t>
+            </a:r>
+            <a:r>
+              <a:rPr lang="en-NL" dirty="0" err="1"/>
+              <a:t>meerdere</a:t>
+            </a:r>
+            <a:r>
+              <a:rPr lang="en-NL" dirty="0"/>
+              <a:t> </a:t>
+            </a:r>
+            <a:r>
+              <a:rPr lang="en-NL" dirty="0" err="1"/>
+              <a:t>manieren</a:t>
+            </a:r>
+            <a:r>
+              <a:rPr lang="en-NL" dirty="0"/>
+              <a:t> van </a:t>
+            </a:r>
+            <a:r>
+              <a:rPr lang="en-NL" dirty="0" err="1"/>
+              <a:t>locatie</a:t>
+            </a:r>
+            <a:r>
+              <a:rPr lang="en-NL" dirty="0"/>
+              <a:t> </a:t>
+            </a:r>
+            <a:r>
+              <a:rPr lang="en-NL" dirty="0" err="1"/>
+              <a:t>bepaling</a:t>
+            </a:r>
+            <a:r>
+              <a:rPr lang="en-NL" dirty="0"/>
+              <a:t> </a:t>
+            </a:r>
+            <a:r>
+              <a:rPr lang="en-NL" dirty="0" err="1"/>
+              <a:t>gebruikt</a:t>
+            </a:r>
+            <a:r>
+              <a:rPr lang="en-NL" dirty="0"/>
+              <a:t> </a:t>
+            </a:r>
+            <a:r>
+              <a:rPr lang="en-NL" dirty="0" err="1"/>
+              <a:t>worden</a:t>
+            </a:r>
+            <a:r>
+              <a:rPr lang="en-NL" dirty="0"/>
+              <a:t>)</a:t>
+            </a:r>
+          </a:p>
+          <a:p>
+            <a:endParaRPr lang="en-NL" dirty="0"/>
+          </a:p>
+          <a:p>
+            <a:r>
+              <a:rPr lang="nl-NL" dirty="0"/>
+              <a:t>D</a:t>
+            </a:r>
+            <a:r>
+              <a:rPr lang="en-NL" dirty="0" err="1"/>
+              <a:t>ata</a:t>
+            </a:r>
+            <a:r>
+              <a:rPr lang="en-NL" dirty="0"/>
+              <a:t> </a:t>
+            </a:r>
+            <a:r>
+              <a:rPr lang="en-NL" dirty="0" err="1"/>
+              <a:t>opslaan</a:t>
+            </a:r>
+            <a:r>
+              <a:rPr lang="en-NL" dirty="0"/>
+              <a:t> op </a:t>
+            </a:r>
+            <a:r>
+              <a:rPr lang="en-NL" dirty="0" err="1"/>
+              <a:t>een</a:t>
+            </a:r>
+            <a:r>
+              <a:rPr lang="en-NL" dirty="0"/>
+              <a:t> </a:t>
+            </a:r>
+            <a:r>
+              <a:rPr lang="en-NL" dirty="0" err="1"/>
+              <a:t>sd</a:t>
+            </a:r>
+            <a:r>
+              <a:rPr lang="en-NL" dirty="0"/>
+              <a:t> </a:t>
+            </a:r>
+            <a:r>
+              <a:rPr lang="en-NL" dirty="0" err="1"/>
+              <a:t>kaart</a:t>
+            </a:r>
+            <a:r>
+              <a:rPr lang="en-NL" dirty="0"/>
+              <a:t> </a:t>
+            </a:r>
+            <a:r>
+              <a:rPr lang="en-NL" dirty="0" err="1"/>
+              <a:t>zoals</a:t>
+            </a:r>
+            <a:r>
+              <a:rPr lang="en-NL" dirty="0"/>
+              <a:t> </a:t>
+            </a:r>
+            <a:r>
+              <a:rPr lang="en-NL" dirty="0" err="1"/>
+              <a:t>waar</a:t>
+            </a:r>
+            <a:r>
+              <a:rPr lang="en-NL" dirty="0"/>
+              <a:t> </a:t>
+            </a:r>
+            <a:r>
+              <a:rPr lang="en-NL" dirty="0" err="1"/>
+              <a:t>deze</a:t>
+            </a:r>
+            <a:r>
+              <a:rPr lang="en-NL" dirty="0"/>
+              <a:t> is </a:t>
+            </a:r>
+            <a:r>
+              <a:rPr lang="en-NL" dirty="0" err="1"/>
+              <a:t>gebleven</a:t>
+            </a:r>
+            <a:r>
+              <a:rPr lang="en-NL" dirty="0"/>
+              <a:t> met </a:t>
+            </a:r>
+            <a:r>
+              <a:rPr lang="en-NL" dirty="0" err="1"/>
+              <a:t>printen</a:t>
+            </a:r>
+            <a:r>
+              <a:rPr lang="en-NL" dirty="0"/>
+              <a:t>.</a:t>
+            </a:r>
+          </a:p>
+          <a:p>
+            <a:r>
+              <a:rPr lang="nl-NL" dirty="0"/>
+              <a:t>D</a:t>
+            </a:r>
+            <a:r>
+              <a:rPr lang="en-NL" dirty="0"/>
+              <a:t>e files van </a:t>
+            </a:r>
+            <a:r>
+              <a:rPr lang="en-NL" dirty="0" err="1"/>
+              <a:t>een</a:t>
+            </a:r>
+            <a:r>
+              <a:rPr lang="en-NL" dirty="0"/>
+              <a:t> </a:t>
+            </a:r>
+            <a:r>
+              <a:rPr lang="en-NL" dirty="0" err="1"/>
+              <a:t>sd</a:t>
+            </a:r>
+            <a:r>
+              <a:rPr lang="en-NL" dirty="0"/>
+              <a:t> </a:t>
+            </a:r>
+            <a:r>
+              <a:rPr lang="en-NL" dirty="0" err="1"/>
+              <a:t>kaart</a:t>
+            </a:r>
+            <a:r>
+              <a:rPr lang="en-NL" dirty="0"/>
+              <a:t> </a:t>
+            </a:r>
+            <a:r>
+              <a:rPr lang="en-NL" dirty="0" err="1"/>
+              <a:t>aflezen</a:t>
+            </a:r>
+            <a:r>
+              <a:rPr lang="en-NL" dirty="0"/>
+              <a:t>.</a:t>
+            </a:r>
+            <a:endParaRPr lang="nl-NL" dirty="0"/>
+          </a:p>
+          <a:p>
+            <a:endParaRPr lang="nl-NL" dirty="0"/>
+          </a:p>
+        </p:txBody>
+      </p:sp>
+      <p:sp>
+        <p:nvSpPr>
+          <p:cNvPr id="4" name="Tijdelijke aanduiding voor dianummer 3"/>
+          <p:cNvSpPr>
+            <a:spLocks noGrp="1"/>
+          </p:cNvSpPr>
+          <p:nvPr>
+            <p:ph type="sldNum" sz="quarter" idx="5"/>
+          </p:nvPr>
+        </p:nvSpPr>
+        <p:spPr/>
+        <p:txBody>
+          <a:bodyPr/>
+          <a:lstStyle/>
+          <a:p>
+            <a:fld id="{7F456FD9-521A-4E48-B277-6DB742BC5019}" type="slidenum">
+              <a:rPr lang="nl-NL" smtClean="0"/>
+              <a:t>11</a:t>
+            </a:fld>
+            <a:endParaRPr lang="nl-NL"/>
+          </a:p>
+        </p:txBody>
+      </p:sp>
+    </p:spTree>
+    <p:extLst>
+      <p:ext uri="{BB962C8B-B14F-4D97-AF65-F5344CB8AC3E}">
+        <p14:creationId xmlns:p14="http://schemas.microsoft.com/office/powerpoint/2010/main" val="2844014676"/>
       </p:ext>
     </p:extLst>
   </p:cSld>
@@ -2745,337 +2603,6 @@
           <a:bodyPr/>
           <a:lstStyle/>
           <a:p>
-            <a:r>
-              <a:rPr lang="en-NL" dirty="0"/>
-              <a:t>De </a:t>
-            </a:r>
-            <a:r>
-              <a:rPr lang="en-NL" dirty="0" err="1"/>
-              <a:t>freesbank</a:t>
-            </a:r>
-            <a:r>
-              <a:rPr lang="en-NL" dirty="0"/>
-              <a:t> </a:t>
-            </a:r>
-            <a:r>
-              <a:rPr lang="en-NL" dirty="0" err="1"/>
-              <a:t>werkt</a:t>
-            </a:r>
-            <a:r>
-              <a:rPr lang="en-NL" dirty="0"/>
-              <a:t> in 3 </a:t>
-            </a:r>
-            <a:r>
-              <a:rPr lang="en-NL" dirty="0" err="1"/>
-              <a:t>assen</a:t>
-            </a:r>
-            <a:r>
-              <a:rPr lang="en-NL" dirty="0"/>
-              <a:t>, met 2 </a:t>
-            </a:r>
-            <a:r>
-              <a:rPr lang="en-NL" dirty="0" err="1"/>
-              <a:t>mogelijkheden</a:t>
-            </a:r>
-            <a:r>
-              <a:rPr lang="en-NL" dirty="0"/>
-              <a:t> in </a:t>
-            </a:r>
-            <a:r>
-              <a:rPr lang="en-NL" dirty="0" err="1"/>
-              <a:t>beweging</a:t>
-            </a:r>
-            <a:r>
-              <a:rPr lang="en-NL" dirty="0"/>
-              <a:t>, circle </a:t>
-            </a:r>
-            <a:r>
-              <a:rPr lang="en-NL" dirty="0" err="1"/>
-              <a:t>en</a:t>
-            </a:r>
-            <a:r>
-              <a:rPr lang="en-NL" dirty="0"/>
-              <a:t> </a:t>
-            </a:r>
-            <a:r>
-              <a:rPr lang="en-NL" dirty="0" err="1"/>
-              <a:t>rechte</a:t>
-            </a:r>
-            <a:r>
-              <a:rPr lang="en-NL" dirty="0"/>
-              <a:t> </a:t>
-            </a:r>
-            <a:r>
-              <a:rPr lang="en-NL" dirty="0" err="1"/>
-              <a:t>lijn</a:t>
-            </a:r>
-            <a:r>
-              <a:rPr lang="en-NL" dirty="0"/>
-              <a:t> (G2-3, G0-1).</a:t>
-            </a:r>
-          </a:p>
-          <a:p>
-            <a:r>
-              <a:rPr lang="nl-NL" dirty="0"/>
-              <a:t>I</a:t>
-            </a:r>
-            <a:r>
-              <a:rPr lang="en-NL" dirty="0" err="1"/>
-              <a:t>nput</a:t>
-            </a:r>
-            <a:r>
-              <a:rPr lang="en-NL" dirty="0"/>
-              <a:t> </a:t>
-            </a:r>
-            <a:r>
-              <a:rPr lang="en-NL" dirty="0" err="1"/>
-              <a:t>kan</a:t>
-            </a:r>
-            <a:r>
-              <a:rPr lang="en-NL" dirty="0"/>
-              <a:t> </a:t>
-            </a:r>
-            <a:r>
-              <a:rPr lang="en-NL" dirty="0" err="1"/>
-              <a:t>bepaald</a:t>
-            </a:r>
-            <a:r>
-              <a:rPr lang="en-NL" dirty="0"/>
-              <a:t> </a:t>
-            </a:r>
-            <a:r>
-              <a:rPr lang="en-NL" dirty="0" err="1"/>
-              <a:t>worden</a:t>
-            </a:r>
-            <a:r>
-              <a:rPr lang="en-NL" dirty="0"/>
-              <a:t> door </a:t>
-            </a:r>
-            <a:r>
-              <a:rPr lang="en-NL" dirty="0" err="1"/>
-              <a:t>sensoren</a:t>
-            </a:r>
-            <a:endParaRPr lang="en-NL" dirty="0"/>
-          </a:p>
-          <a:p>
-            <a:r>
-              <a:rPr lang="nl-NL" dirty="0"/>
-              <a:t>M</a:t>
-            </a:r>
-            <a:r>
-              <a:rPr lang="en-NL" dirty="0" err="1"/>
-              <a:t>odulair</a:t>
-            </a:r>
-            <a:r>
-              <a:rPr lang="en-NL" dirty="0"/>
-              <a:t> (door het </a:t>
-            </a:r>
-            <a:r>
-              <a:rPr lang="en-NL" dirty="0" err="1"/>
-              <a:t>modulaire</a:t>
-            </a:r>
-            <a:r>
-              <a:rPr lang="en-NL" dirty="0"/>
-              <a:t> </a:t>
-            </a:r>
-            <a:r>
-              <a:rPr lang="en-NL" dirty="0" err="1"/>
-              <a:t>ontwerp</a:t>
-            </a:r>
-            <a:r>
-              <a:rPr lang="en-NL" dirty="0"/>
-              <a:t> </a:t>
-            </a:r>
-            <a:r>
-              <a:rPr lang="en-NL" dirty="0" err="1"/>
-              <a:t>kunnen</a:t>
-            </a:r>
-            <a:r>
-              <a:rPr lang="en-NL" dirty="0"/>
-              <a:t> </a:t>
-            </a:r>
-            <a:r>
-              <a:rPr lang="en-NL" dirty="0" err="1"/>
-              <a:t>meerdere</a:t>
-            </a:r>
-            <a:r>
-              <a:rPr lang="en-NL" dirty="0"/>
-              <a:t> </a:t>
-            </a:r>
-            <a:r>
-              <a:rPr lang="en-NL" dirty="0" err="1"/>
-              <a:t>manieren</a:t>
-            </a:r>
-            <a:r>
-              <a:rPr lang="en-NL" dirty="0"/>
-              <a:t> van </a:t>
-            </a:r>
-            <a:r>
-              <a:rPr lang="en-NL" dirty="0" err="1"/>
-              <a:t>locatie</a:t>
-            </a:r>
-            <a:r>
-              <a:rPr lang="en-NL" dirty="0"/>
-              <a:t> </a:t>
-            </a:r>
-            <a:r>
-              <a:rPr lang="en-NL" dirty="0" err="1"/>
-              <a:t>bepaling</a:t>
-            </a:r>
-            <a:r>
-              <a:rPr lang="en-NL" dirty="0"/>
-              <a:t> </a:t>
-            </a:r>
-            <a:r>
-              <a:rPr lang="en-NL" dirty="0" err="1"/>
-              <a:t>gebruikt</a:t>
-            </a:r>
-            <a:r>
-              <a:rPr lang="en-NL" dirty="0"/>
-              <a:t> </a:t>
-            </a:r>
-            <a:r>
-              <a:rPr lang="en-NL" dirty="0" err="1"/>
-              <a:t>worden</a:t>
-            </a:r>
-            <a:r>
-              <a:rPr lang="en-NL" dirty="0"/>
-              <a:t>)</a:t>
-            </a:r>
-          </a:p>
-          <a:p>
-            <a:endParaRPr lang="en-NL" dirty="0"/>
-          </a:p>
-          <a:p>
-            <a:r>
-              <a:rPr lang="nl-NL" dirty="0"/>
-              <a:t>D</a:t>
-            </a:r>
-            <a:r>
-              <a:rPr lang="en-NL" dirty="0" err="1"/>
-              <a:t>ata</a:t>
-            </a:r>
-            <a:r>
-              <a:rPr lang="en-NL" dirty="0"/>
-              <a:t> </a:t>
-            </a:r>
-            <a:r>
-              <a:rPr lang="en-NL" dirty="0" err="1"/>
-              <a:t>opslaan</a:t>
-            </a:r>
-            <a:r>
-              <a:rPr lang="en-NL" dirty="0"/>
-              <a:t> op </a:t>
-            </a:r>
-            <a:r>
-              <a:rPr lang="en-NL" dirty="0" err="1"/>
-              <a:t>een</a:t>
-            </a:r>
-            <a:r>
-              <a:rPr lang="en-NL" dirty="0"/>
-              <a:t> </a:t>
-            </a:r>
-            <a:r>
-              <a:rPr lang="en-NL" dirty="0" err="1"/>
-              <a:t>sd</a:t>
-            </a:r>
-            <a:r>
-              <a:rPr lang="en-NL" dirty="0"/>
-              <a:t> </a:t>
-            </a:r>
-            <a:r>
-              <a:rPr lang="en-NL" dirty="0" err="1"/>
-              <a:t>kaart</a:t>
-            </a:r>
-            <a:r>
-              <a:rPr lang="en-NL" dirty="0"/>
-              <a:t> </a:t>
-            </a:r>
-            <a:r>
-              <a:rPr lang="en-NL" dirty="0" err="1"/>
-              <a:t>zoals</a:t>
-            </a:r>
-            <a:r>
-              <a:rPr lang="en-NL" dirty="0"/>
-              <a:t> </a:t>
-            </a:r>
-            <a:r>
-              <a:rPr lang="en-NL" dirty="0" err="1"/>
-              <a:t>waar</a:t>
-            </a:r>
-            <a:r>
-              <a:rPr lang="en-NL" dirty="0"/>
-              <a:t> </a:t>
-            </a:r>
-            <a:r>
-              <a:rPr lang="en-NL" dirty="0" err="1"/>
-              <a:t>deze</a:t>
-            </a:r>
-            <a:r>
-              <a:rPr lang="en-NL" dirty="0"/>
-              <a:t> is </a:t>
-            </a:r>
-            <a:r>
-              <a:rPr lang="en-NL" dirty="0" err="1"/>
-              <a:t>gebleven</a:t>
-            </a:r>
-            <a:r>
-              <a:rPr lang="en-NL" dirty="0"/>
-              <a:t> met </a:t>
-            </a:r>
-            <a:r>
-              <a:rPr lang="en-NL" dirty="0" err="1"/>
-              <a:t>printen</a:t>
-            </a:r>
-            <a:r>
-              <a:rPr lang="en-NL" dirty="0"/>
-              <a:t>.</a:t>
-            </a:r>
-          </a:p>
-          <a:p>
-            <a:r>
-              <a:rPr lang="nl-NL" dirty="0"/>
-              <a:t>D</a:t>
-            </a:r>
-            <a:r>
-              <a:rPr lang="en-NL" dirty="0"/>
-              <a:t>e files van </a:t>
-            </a:r>
-            <a:r>
-              <a:rPr lang="en-NL" dirty="0" err="1"/>
-              <a:t>een</a:t>
-            </a:r>
-            <a:r>
-              <a:rPr lang="en-NL" dirty="0"/>
-              <a:t> </a:t>
-            </a:r>
-            <a:r>
-              <a:rPr lang="en-NL" dirty="0" err="1"/>
-              <a:t>sd</a:t>
-            </a:r>
-            <a:r>
-              <a:rPr lang="en-NL" dirty="0"/>
-              <a:t> </a:t>
-            </a:r>
-            <a:r>
-              <a:rPr lang="en-NL" dirty="0" err="1"/>
-              <a:t>kaart</a:t>
-            </a:r>
-            <a:r>
-              <a:rPr lang="en-NL" dirty="0"/>
-              <a:t> </a:t>
-            </a:r>
-            <a:r>
-              <a:rPr lang="en-NL" dirty="0" err="1"/>
-              <a:t>aflezen</a:t>
-            </a:r>
-            <a:r>
-              <a:rPr lang="en-NL" dirty="0"/>
-              <a:t>.</a:t>
-            </a:r>
-            <a:endParaRPr lang="nl-NL" dirty="0"/>
-          </a:p>
-          <a:p>
             <a:endParaRPr lang="nl-NL" dirty="0"/>
           </a:p>
         </p:txBody>
@@ -3106,7 +2633,7 @@
     </p:spTree>
     <p:extLst>
       <p:ext uri="{BB962C8B-B14F-4D97-AF65-F5344CB8AC3E}">
-        <p14:creationId xmlns:p14="http://schemas.microsoft.com/office/powerpoint/2010/main" val="2844014676"/>
+        <p14:creationId xmlns:p14="http://schemas.microsoft.com/office/powerpoint/2010/main" val="3394254308"/>
       </p:ext>
     </p:extLst>
   </p:cSld>
@@ -6387,7 +5914,7 @@
         </p:nvSpPr>
         <p:spPr>
           <a:xfrm>
-            <a:off x="8512602" y="4852851"/>
+            <a:off x="8501717" y="5143620"/>
             <a:ext cx="3821373" cy="1714380"/>
           </a:xfrm>
           <a:prstGeom prst="rect">
@@ -6608,730 +6135,6 @@
     </p:bg>
     <p:spTree>
       <p:nvGrpSpPr>
-        <p:cNvPr id="1" name="">
-          <a:extLst>
-            <a:ext uri="{FF2B5EF4-FFF2-40B4-BE49-F238E27FC236}">
-              <a16:creationId xmlns:a16="http://schemas.microsoft.com/office/drawing/2014/main" id="{62C4D4B9-5378-DF40-0DFB-365F33B4DFFF}"/>
-            </a:ext>
-          </a:extLst>
-        </p:cNvPr>
-        <p:cNvGrpSpPr/>
-        <p:nvPr/>
-      </p:nvGrpSpPr>
-      <p:grpSpPr>
-        <a:xfrm>
-          <a:off x="0" y="0"/>
-          <a:ext cx="0" cy="0"/>
-          <a:chOff x="0" y="0"/>
-          <a:chExt cx="0" cy="0"/>
-        </a:xfrm>
-      </p:grpSpPr>
-      <p:sp useBgFill="1">
-        <p:nvSpPr>
-          <p:cNvPr id="18" name="Rectangle 17">
-            <a:extLst>
-              <a:ext uri="{FF2B5EF4-FFF2-40B4-BE49-F238E27FC236}">
-                <a16:creationId xmlns:a16="http://schemas.microsoft.com/office/drawing/2014/main" id="{A6EE75FA-836D-273F-8A21-72388ED6F989}"/>
-              </a:ext>
-              <a:ext uri="{C183D7F6-B498-43B3-948B-1728B52AA6E4}">
-                <adec:decorative xmlns:adec="http://schemas.microsoft.com/office/drawing/2017/decorative" val="1"/>
-              </a:ext>
-            </a:extLst>
-          </p:cNvPr>
-          <p:cNvSpPr>
-            <a:spLocks noGrp="1" noRot="1" noChangeAspect="1" noMove="1" noResize="1" noEditPoints="1" noAdjustHandles="1" noChangeArrowheads="1" noChangeShapeType="1" noTextEdit="1"/>
-          </p:cNvSpPr>
-          <p:nvPr>
-            <p:extLst>
-              <p:ext uri="{386F3935-93C4-4BCD-93E2-E3B085C9AB24}">
-                <p16:designElem xmlns:p16="http://schemas.microsoft.com/office/powerpoint/2015/main" val="1"/>
-              </p:ext>
-            </p:extLst>
-          </p:nvPr>
-        </p:nvSpPr>
-        <p:spPr>
-          <a:xfrm>
-            <a:off x="0" y="-1"/>
-            <a:ext cx="12188952" cy="6858000"/>
-          </a:xfrm>
-          <a:prstGeom prst="rect">
-            <a:avLst/>
-          </a:prstGeom>
-          <a:ln>
-            <a:noFill/>
-          </a:ln>
-        </p:spPr>
-        <p:style>
-          <a:lnRef idx="2">
-            <a:schemeClr val="accent1">
-              <a:shade val="50000"/>
-            </a:schemeClr>
-          </a:lnRef>
-          <a:fillRef idx="1">
-            <a:schemeClr val="accent1"/>
-          </a:fillRef>
-          <a:effectRef idx="0">
-            <a:schemeClr val="accent1"/>
-          </a:effectRef>
-          <a:fontRef idx="minor">
-            <a:schemeClr val="lt1"/>
-          </a:fontRef>
-        </p:style>
-        <p:txBody>
-          <a:bodyPr rtlCol="0" anchor="ctr"/>
-          <a:lstStyle/>
-          <a:p>
-            <a:pPr algn="ctr"/>
-            <a:endParaRPr lang="nl-NL" noProof="0" dirty="0"/>
-          </a:p>
-        </p:txBody>
-      </p:sp>
-      <p:sp>
-        <p:nvSpPr>
-          <p:cNvPr id="20" name="Rectangle 19">
-            <a:extLst>
-              <a:ext uri="{FF2B5EF4-FFF2-40B4-BE49-F238E27FC236}">
-                <a16:creationId xmlns:a16="http://schemas.microsoft.com/office/drawing/2014/main" id="{5B6736AB-FC1F-B399-3876-9A32DF0F3C6A}"/>
-              </a:ext>
-              <a:ext uri="{C183D7F6-B498-43B3-948B-1728B52AA6E4}">
-                <adec:decorative xmlns:adec="http://schemas.microsoft.com/office/drawing/2017/decorative" val="1"/>
-              </a:ext>
-            </a:extLst>
-          </p:cNvPr>
-          <p:cNvSpPr>
-            <a:spLocks noGrp="1" noRot="1" noChangeAspect="1" noMove="1" noResize="1" noEditPoints="1" noAdjustHandles="1" noChangeArrowheads="1" noChangeShapeType="1" noTextEdit="1"/>
-          </p:cNvSpPr>
-          <p:nvPr>
-            <p:extLst>
-              <p:ext uri="{386F3935-93C4-4BCD-93E2-E3B085C9AB24}">
-                <p16:designElem xmlns:p16="http://schemas.microsoft.com/office/powerpoint/2015/main" val="1"/>
-              </p:ext>
-            </p:extLst>
-          </p:nvPr>
-        </p:nvSpPr>
-        <p:spPr>
-          <a:xfrm>
-            <a:off x="0" y="0"/>
-            <a:ext cx="12188952" cy="6858000"/>
-          </a:xfrm>
-          <a:prstGeom prst="rect">
-            <a:avLst/>
-          </a:prstGeom>
-          <a:solidFill>
-            <a:schemeClr val="bg2">
-              <a:alpha val="50000"/>
-            </a:schemeClr>
-          </a:solidFill>
-          <a:ln>
-            <a:noFill/>
-          </a:ln>
-        </p:spPr>
-        <p:style>
-          <a:lnRef idx="2">
-            <a:schemeClr val="accent1">
-              <a:shade val="50000"/>
-            </a:schemeClr>
-          </a:lnRef>
-          <a:fillRef idx="1">
-            <a:schemeClr val="accent1"/>
-          </a:fillRef>
-          <a:effectRef idx="0">
-            <a:schemeClr val="accent1"/>
-          </a:effectRef>
-          <a:fontRef idx="minor">
-            <a:schemeClr val="lt1"/>
-          </a:fontRef>
-        </p:style>
-        <p:txBody>
-          <a:bodyPr rtlCol="0" anchor="ctr"/>
-          <a:lstStyle/>
-          <a:p>
-            <a:pPr algn="ctr"/>
-            <a:endParaRPr lang="nl-NL" noProof="0" dirty="0"/>
-          </a:p>
-        </p:txBody>
-      </p:sp>
-      <p:pic>
-        <p:nvPicPr>
-          <p:cNvPr id="22" name="Picture 21">
-            <a:extLst>
-              <a:ext uri="{FF2B5EF4-FFF2-40B4-BE49-F238E27FC236}">
-                <a16:creationId xmlns:a16="http://schemas.microsoft.com/office/drawing/2014/main" id="{E85F9BEB-FE56-BEC2-734A-D3A9F00078E2}"/>
-              </a:ext>
-              <a:ext uri="{C183D7F6-B498-43B3-948B-1728B52AA6E4}">
-                <adec:decorative xmlns:adec="http://schemas.microsoft.com/office/drawing/2017/decorative" val="1"/>
-              </a:ext>
-            </a:extLst>
-          </p:cNvPr>
-          <p:cNvPicPr>
-            <a:picLocks noGrp="1" noRot="1" noChangeAspect="1" noMove="1" noResize="1" noEditPoints="1" noAdjustHandles="1" noChangeArrowheads="1" noChangeShapeType="1" noCrop="1"/>
-          </p:cNvPicPr>
-          <p:nvPr>
-            <p:extLst>
-              <p:ext uri="{386F3935-93C4-4BCD-93E2-E3B085C9AB24}">
-                <p16:designElem xmlns:p16="http://schemas.microsoft.com/office/powerpoint/2015/main" val="1"/>
-              </p:ext>
-            </p:extLst>
-          </p:nvPr>
-        </p:nvPicPr>
-        <p:blipFill>
-          <a:blip r:embed="rId3">
-            <a:extLst>
-              <a:ext uri="{28A0092B-C50C-407E-A947-70E740481C1C}">
-                <a14:useLocalDpi xmlns:a14="http://schemas.microsoft.com/office/drawing/2010/main" val="0"/>
-              </a:ext>
-            </a:extLst>
-          </a:blip>
-          <a:stretch>
-            <a:fillRect/>
-          </a:stretch>
-        </p:blipFill>
-        <p:spPr>
-          <a:xfrm>
-            <a:off x="0" y="0"/>
-            <a:ext cx="12188952" cy="6862380"/>
-          </a:xfrm>
-          <a:prstGeom prst="rect">
-            <a:avLst/>
-          </a:prstGeom>
-        </p:spPr>
-      </p:pic>
-      <p:sp>
-        <p:nvSpPr>
-          <p:cNvPr id="24" name="Rectangle 23">
-            <a:extLst>
-              <a:ext uri="{FF2B5EF4-FFF2-40B4-BE49-F238E27FC236}">
-                <a16:creationId xmlns:a16="http://schemas.microsoft.com/office/drawing/2014/main" id="{1F0C893C-CB05-FDF2-9CD4-8B9BEA5BF9E9}"/>
-              </a:ext>
-              <a:ext uri="{C183D7F6-B498-43B3-948B-1728B52AA6E4}">
-                <adec:decorative xmlns:adec="http://schemas.microsoft.com/office/drawing/2017/decorative" val="1"/>
-              </a:ext>
-            </a:extLst>
-          </p:cNvPr>
-          <p:cNvSpPr>
-            <a:spLocks noGrp="1" noRot="1" noChangeAspect="1" noMove="1" noResize="1" noEditPoints="1" noAdjustHandles="1" noChangeArrowheads="1" noChangeShapeType="1" noTextEdit="1"/>
-          </p:cNvSpPr>
-          <p:nvPr>
-            <p:extLst>
-              <p:ext uri="{386F3935-93C4-4BCD-93E2-E3B085C9AB24}">
-                <p16:designElem xmlns:p16="http://schemas.microsoft.com/office/powerpoint/2015/main" val="1"/>
-              </p:ext>
-            </p:extLst>
-          </p:nvPr>
-        </p:nvSpPr>
-        <p:spPr>
-          <a:xfrm>
-            <a:off x="0" y="0"/>
-            <a:ext cx="12188952" cy="6858000"/>
-          </a:xfrm>
-          <a:prstGeom prst="rect">
-            <a:avLst/>
-          </a:prstGeom>
-          <a:solidFill>
-            <a:schemeClr val="accent1">
-              <a:alpha val="20000"/>
-            </a:schemeClr>
-          </a:solidFill>
-          <a:ln>
-            <a:noFill/>
-          </a:ln>
-        </p:spPr>
-        <p:style>
-          <a:lnRef idx="2">
-            <a:schemeClr val="accent1">
-              <a:shade val="50000"/>
-            </a:schemeClr>
-          </a:lnRef>
-          <a:fillRef idx="1">
-            <a:schemeClr val="accent1"/>
-          </a:fillRef>
-          <a:effectRef idx="0">
-            <a:schemeClr val="accent1"/>
-          </a:effectRef>
-          <a:fontRef idx="minor">
-            <a:schemeClr val="lt1"/>
-          </a:fontRef>
-        </p:style>
-        <p:txBody>
-          <a:bodyPr rtlCol="0" anchor="ctr"/>
-          <a:lstStyle/>
-          <a:p>
-            <a:pPr algn="ctr"/>
-            <a:endParaRPr lang="nl-NL" noProof="0" dirty="0"/>
-          </a:p>
-        </p:txBody>
-      </p:sp>
-      <p:sp>
-        <p:nvSpPr>
-          <p:cNvPr id="26" name="Rectangle 25">
-            <a:extLst>
-              <a:ext uri="{FF2B5EF4-FFF2-40B4-BE49-F238E27FC236}">
-                <a16:creationId xmlns:a16="http://schemas.microsoft.com/office/drawing/2014/main" id="{861A5DDF-A82F-A587-93D6-8382E728B8F7}"/>
-              </a:ext>
-              <a:ext uri="{C183D7F6-B498-43B3-948B-1728B52AA6E4}">
-                <adec:decorative xmlns:adec="http://schemas.microsoft.com/office/drawing/2017/decorative" val="1"/>
-              </a:ext>
-            </a:extLst>
-          </p:cNvPr>
-          <p:cNvSpPr>
-            <a:spLocks noGrp="1" noRot="1" noChangeAspect="1" noMove="1" noResize="1" noEditPoints="1" noAdjustHandles="1" noChangeArrowheads="1" noChangeShapeType="1" noTextEdit="1"/>
-          </p:cNvSpPr>
-          <p:nvPr>
-            <p:extLst>
-              <p:ext uri="{386F3935-93C4-4BCD-93E2-E3B085C9AB24}">
-                <p16:designElem xmlns:p16="http://schemas.microsoft.com/office/powerpoint/2015/main" val="1"/>
-              </p:ext>
-            </p:extLst>
-          </p:nvPr>
-        </p:nvSpPr>
-        <p:spPr>
-          <a:xfrm>
-            <a:off x="538542" y="729175"/>
-            <a:ext cx="11099352" cy="5399650"/>
-          </a:xfrm>
-          <a:prstGeom prst="rect">
-            <a:avLst/>
-          </a:prstGeom>
-          <a:solidFill>
-            <a:schemeClr val="bg1"/>
-          </a:solidFill>
-          <a:ln w="34925">
-            <a:noFill/>
-          </a:ln>
-        </p:spPr>
-        <p:style>
-          <a:lnRef idx="2">
-            <a:schemeClr val="accent1">
-              <a:shade val="50000"/>
-            </a:schemeClr>
-          </a:lnRef>
-          <a:fillRef idx="1">
-            <a:schemeClr val="accent1"/>
-          </a:fillRef>
-          <a:effectRef idx="0">
-            <a:schemeClr val="accent1"/>
-          </a:effectRef>
-          <a:fontRef idx="minor">
-            <a:schemeClr val="lt1"/>
-          </a:fontRef>
-        </p:style>
-        <p:txBody>
-          <a:bodyPr rtlCol="0" anchor="ctr"/>
-          <a:lstStyle/>
-          <a:p>
-            <a:pPr algn="ctr"/>
-            <a:endParaRPr lang="nl-NL" b="1" noProof="0" dirty="0">
-              <a:ln w="22225">
-                <a:solidFill>
-                  <a:schemeClr val="accent2"/>
-                </a:solidFill>
-                <a:prstDash val="solid"/>
-              </a:ln>
-              <a:solidFill>
-                <a:schemeClr val="accent2">
-                  <a:lumMod val="40000"/>
-                  <a:lumOff val="60000"/>
-                </a:schemeClr>
-              </a:solidFill>
-            </a:endParaRPr>
-          </a:p>
-        </p:txBody>
-      </p:sp>
-      <p:sp>
-        <p:nvSpPr>
-          <p:cNvPr id="2" name="Titel 1">
-            <a:extLst>
-              <a:ext uri="{FF2B5EF4-FFF2-40B4-BE49-F238E27FC236}">
-                <a16:creationId xmlns:a16="http://schemas.microsoft.com/office/drawing/2014/main" id="{CC72FCA3-717C-582F-136E-7C9BDA002D9F}"/>
-              </a:ext>
-            </a:extLst>
-          </p:cNvPr>
-          <p:cNvSpPr>
-            <a:spLocks noGrp="1"/>
-          </p:cNvSpPr>
-          <p:nvPr>
-            <p:ph type="title"/>
-          </p:nvPr>
-        </p:nvSpPr>
-        <p:spPr>
-          <a:xfrm>
-            <a:off x="1191966" y="900622"/>
-            <a:ext cx="4997189" cy="802172"/>
-          </a:xfrm>
-        </p:spPr>
-        <p:txBody>
-          <a:bodyPr anchor="b">
-            <a:normAutofit/>
-          </a:bodyPr>
-          <a:lstStyle/>
-          <a:p>
-            <a:r>
-              <a:rPr lang="nl-NL" sz="4800" noProof="0" dirty="0"/>
-              <a:t>Mechanica</a:t>
-            </a:r>
-          </a:p>
-        </p:txBody>
-      </p:sp>
-      <p:pic>
-        <p:nvPicPr>
-          <p:cNvPr id="13" name="Afbeelding 12">
-            <a:extLst>
-              <a:ext uri="{FF2B5EF4-FFF2-40B4-BE49-F238E27FC236}">
-                <a16:creationId xmlns:a16="http://schemas.microsoft.com/office/drawing/2014/main" id="{90DBE949-BE5F-3010-8F59-B6440D1999B6}"/>
-              </a:ext>
-            </a:extLst>
-          </p:cNvPr>
-          <p:cNvPicPr>
-            <a:picLocks noChangeAspect="1"/>
-          </p:cNvPicPr>
-          <p:nvPr/>
-        </p:nvPicPr>
-        <p:blipFill>
-          <a:blip r:embed="rId4"/>
-          <a:stretch>
-            <a:fillRect/>
-          </a:stretch>
-        </p:blipFill>
-        <p:spPr>
-          <a:xfrm>
-            <a:off x="10028255" y="830155"/>
-            <a:ext cx="1516935" cy="778117"/>
-          </a:xfrm>
-          <a:prstGeom prst="rect">
-            <a:avLst/>
-          </a:prstGeom>
-        </p:spPr>
-      </p:pic>
-      <p:pic>
-        <p:nvPicPr>
-          <p:cNvPr id="16" name="Afbeelding 15">
-            <a:extLst>
-              <a:ext uri="{FF2B5EF4-FFF2-40B4-BE49-F238E27FC236}">
-                <a16:creationId xmlns:a16="http://schemas.microsoft.com/office/drawing/2014/main" id="{CCF89E25-339E-592C-E242-23D7831D1D2B}"/>
-              </a:ext>
-            </a:extLst>
-          </p:cNvPr>
-          <p:cNvPicPr>
-            <a:picLocks noChangeAspect="1"/>
-          </p:cNvPicPr>
-          <p:nvPr/>
-        </p:nvPicPr>
-        <p:blipFill>
-          <a:blip r:embed="rId5"/>
-          <a:stretch>
-            <a:fillRect/>
-          </a:stretch>
-        </p:blipFill>
-        <p:spPr>
-          <a:xfrm>
-            <a:off x="977090" y="3429000"/>
-            <a:ext cx="2007270" cy="2293430"/>
-          </a:xfrm>
-          <a:prstGeom prst="rect">
-            <a:avLst/>
-          </a:prstGeom>
-        </p:spPr>
-      </p:pic>
-      <p:pic>
-        <p:nvPicPr>
-          <p:cNvPr id="19" name="Afbeelding 18">
-            <a:extLst>
-              <a:ext uri="{FF2B5EF4-FFF2-40B4-BE49-F238E27FC236}">
-                <a16:creationId xmlns:a16="http://schemas.microsoft.com/office/drawing/2014/main" id="{0282CC08-B16A-7B52-B510-1EDE03FF75D8}"/>
-              </a:ext>
-            </a:extLst>
-          </p:cNvPr>
-          <p:cNvPicPr>
-            <a:picLocks noChangeAspect="1"/>
-          </p:cNvPicPr>
-          <p:nvPr/>
-        </p:nvPicPr>
-        <p:blipFill>
-          <a:blip r:embed="rId6"/>
-          <a:stretch>
-            <a:fillRect/>
-          </a:stretch>
-        </p:blipFill>
-        <p:spPr>
-          <a:xfrm>
-            <a:off x="3310119" y="3428998"/>
-            <a:ext cx="2251782" cy="2291288"/>
-          </a:xfrm>
-          <a:prstGeom prst="rect">
-            <a:avLst/>
-          </a:prstGeom>
-        </p:spPr>
-      </p:pic>
-      <p:pic>
-        <p:nvPicPr>
-          <p:cNvPr id="27" name="Afbeelding 26">
-            <a:extLst>
-              <a:ext uri="{FF2B5EF4-FFF2-40B4-BE49-F238E27FC236}">
-                <a16:creationId xmlns:a16="http://schemas.microsoft.com/office/drawing/2014/main" id="{39D5C883-EF14-9D7E-6179-A4424B8A2CDB}"/>
-              </a:ext>
-            </a:extLst>
-          </p:cNvPr>
-          <p:cNvPicPr>
-            <a:picLocks noChangeAspect="1"/>
-          </p:cNvPicPr>
-          <p:nvPr/>
-        </p:nvPicPr>
-        <p:blipFill>
-          <a:blip r:embed="rId7"/>
-          <a:stretch>
-            <a:fillRect/>
-          </a:stretch>
-        </p:blipFill>
-        <p:spPr>
-          <a:xfrm>
-            <a:off x="5887661" y="3428998"/>
-            <a:ext cx="2490574" cy="2293431"/>
-          </a:xfrm>
-          <a:prstGeom prst="rect">
-            <a:avLst/>
-          </a:prstGeom>
-        </p:spPr>
-      </p:pic>
-      <p:sp>
-        <p:nvSpPr>
-          <p:cNvPr id="28" name="Tekstvak 27">
-            <a:extLst>
-              <a:ext uri="{FF2B5EF4-FFF2-40B4-BE49-F238E27FC236}">
-                <a16:creationId xmlns:a16="http://schemas.microsoft.com/office/drawing/2014/main" id="{93455183-8DD7-447F-539A-2F8F58F2F0EA}"/>
-              </a:ext>
-            </a:extLst>
-          </p:cNvPr>
-          <p:cNvSpPr txBox="1"/>
-          <p:nvPr/>
-        </p:nvSpPr>
-        <p:spPr>
-          <a:xfrm>
-            <a:off x="977090" y="2431969"/>
-            <a:ext cx="1890774" cy="923330"/>
-          </a:xfrm>
-          <a:prstGeom prst="rect">
-            <a:avLst/>
-          </a:prstGeom>
-          <a:noFill/>
-        </p:spPr>
-        <p:txBody>
-          <a:bodyPr wrap="none" rtlCol="0">
-            <a:spAutoFit/>
-          </a:bodyPr>
-          <a:lstStyle/>
-          <a:p>
-            <a:pPr marL="285750" indent="-285750">
-              <a:buFont typeface="Arial" panose="020B0604020202020204" pitchFamily="34" charset="0"/>
-              <a:buChar char="•"/>
-            </a:pPr>
-            <a:r>
-              <a:rPr lang="nl-NL" noProof="0" dirty="0"/>
-              <a:t>Instabiel</a:t>
-            </a:r>
-          </a:p>
-          <a:p>
-            <a:pPr marL="285750" indent="-285750">
-              <a:buFont typeface="Arial" panose="020B0604020202020204" pitchFamily="34" charset="0"/>
-              <a:buChar char="•"/>
-            </a:pPr>
-            <a:r>
-              <a:rPr lang="nl-NL" noProof="0" dirty="0"/>
-              <a:t>Veel beweging</a:t>
-            </a:r>
-          </a:p>
-          <a:p>
-            <a:pPr marL="285750" indent="-285750">
-              <a:buFont typeface="Arial" panose="020B0604020202020204" pitchFamily="34" charset="0"/>
-              <a:buChar char="•"/>
-            </a:pPr>
-            <a:r>
-              <a:rPr lang="nl-NL" noProof="0" dirty="0"/>
-              <a:t>Y-as vrij</a:t>
-            </a:r>
-          </a:p>
-        </p:txBody>
-      </p:sp>
-      <p:sp>
-        <p:nvSpPr>
-          <p:cNvPr id="29" name="Tekstvak 28">
-            <a:extLst>
-              <a:ext uri="{FF2B5EF4-FFF2-40B4-BE49-F238E27FC236}">
-                <a16:creationId xmlns:a16="http://schemas.microsoft.com/office/drawing/2014/main" id="{5BB025C0-EAFC-A1BD-1E2F-1D0CBDCC71DC}"/>
-              </a:ext>
-            </a:extLst>
-          </p:cNvPr>
-          <p:cNvSpPr txBox="1"/>
-          <p:nvPr/>
-        </p:nvSpPr>
-        <p:spPr>
-          <a:xfrm>
-            <a:off x="3306412" y="2431969"/>
-            <a:ext cx="2132059" cy="923330"/>
-          </a:xfrm>
-          <a:prstGeom prst="rect">
-            <a:avLst/>
-          </a:prstGeom>
-          <a:noFill/>
-        </p:spPr>
-        <p:txBody>
-          <a:bodyPr wrap="none" rtlCol="0">
-            <a:spAutoFit/>
-          </a:bodyPr>
-          <a:lstStyle/>
-          <a:p>
-            <a:pPr marL="285750" indent="-285750">
-              <a:buFont typeface="Arial" panose="020B0604020202020204" pitchFamily="34" charset="0"/>
-              <a:buChar char="•"/>
-            </a:pPr>
-            <a:r>
-              <a:rPr lang="nl-NL" noProof="0" dirty="0"/>
-              <a:t>Stabiel</a:t>
-            </a:r>
-          </a:p>
-          <a:p>
-            <a:pPr marL="285750" indent="-285750">
-              <a:buFont typeface="Arial" panose="020B0604020202020204" pitchFamily="34" charset="0"/>
-              <a:buChar char="•"/>
-            </a:pPr>
-            <a:r>
-              <a:rPr lang="nl-NL" noProof="0" dirty="0"/>
-              <a:t>Weinig beweging</a:t>
-            </a:r>
-          </a:p>
-          <a:p>
-            <a:pPr marL="285750" indent="-285750">
-              <a:buFont typeface="Arial" panose="020B0604020202020204" pitchFamily="34" charset="0"/>
-              <a:buChar char="•"/>
-            </a:pPr>
-            <a:r>
-              <a:rPr lang="nl-NL" noProof="0" dirty="0"/>
-              <a:t>Y-as niet vrij</a:t>
-            </a:r>
-          </a:p>
-        </p:txBody>
-      </p:sp>
-      <p:sp>
-        <p:nvSpPr>
-          <p:cNvPr id="30" name="Tekstvak 29">
-            <a:extLst>
-              <a:ext uri="{FF2B5EF4-FFF2-40B4-BE49-F238E27FC236}">
-                <a16:creationId xmlns:a16="http://schemas.microsoft.com/office/drawing/2014/main" id="{68824EA9-930E-4337-ED12-2DF6BF606324}"/>
-              </a:ext>
-            </a:extLst>
-          </p:cNvPr>
-          <p:cNvSpPr txBox="1"/>
-          <p:nvPr/>
-        </p:nvSpPr>
-        <p:spPr>
-          <a:xfrm>
-            <a:off x="5877019" y="2431969"/>
-            <a:ext cx="2132059" cy="923330"/>
-          </a:xfrm>
-          <a:prstGeom prst="rect">
-            <a:avLst/>
-          </a:prstGeom>
-          <a:noFill/>
-        </p:spPr>
-        <p:txBody>
-          <a:bodyPr wrap="none" rtlCol="0">
-            <a:spAutoFit/>
-          </a:bodyPr>
-          <a:lstStyle/>
-          <a:p>
-            <a:pPr marL="285750" indent="-285750">
-              <a:buFont typeface="Arial" panose="020B0604020202020204" pitchFamily="34" charset="0"/>
-              <a:buChar char="•"/>
-            </a:pPr>
-            <a:r>
-              <a:rPr lang="nl-NL" noProof="0" dirty="0"/>
-              <a:t>Stabiel</a:t>
-            </a:r>
-          </a:p>
-          <a:p>
-            <a:pPr marL="285750" indent="-285750">
-              <a:buFont typeface="Arial" panose="020B0604020202020204" pitchFamily="34" charset="0"/>
-              <a:buChar char="•"/>
-            </a:pPr>
-            <a:r>
-              <a:rPr lang="nl-NL" noProof="0" dirty="0"/>
-              <a:t>Weinig beweging</a:t>
-            </a:r>
-          </a:p>
-          <a:p>
-            <a:pPr marL="285750" indent="-285750">
-              <a:buFont typeface="Arial" panose="020B0604020202020204" pitchFamily="34" charset="0"/>
-              <a:buChar char="•"/>
-            </a:pPr>
-            <a:r>
-              <a:rPr lang="nl-NL" noProof="0" dirty="0"/>
-              <a:t>Y-as vrij</a:t>
-            </a:r>
-          </a:p>
-        </p:txBody>
-      </p:sp>
-      <p:pic>
-        <p:nvPicPr>
-          <p:cNvPr id="32" name="Afbeelding 31" descr="Afbeelding met gereedschap, houten, hout&#10;&#10;Door AI gegenereerde inhoud is mogelijk onjuist.">
-            <a:extLst>
-              <a:ext uri="{FF2B5EF4-FFF2-40B4-BE49-F238E27FC236}">
-                <a16:creationId xmlns:a16="http://schemas.microsoft.com/office/drawing/2014/main" id="{78A0AD3C-DBD8-80F0-03F8-D5EBC07981EF}"/>
-              </a:ext>
-            </a:extLst>
-          </p:cNvPr>
-          <p:cNvPicPr>
-            <a:picLocks noChangeAspect="1"/>
-          </p:cNvPicPr>
-          <p:nvPr/>
-        </p:nvPicPr>
-        <p:blipFill>
-          <a:blip r:embed="rId8">
-            <a:extLst>
-              <a:ext uri="{28A0092B-C50C-407E-A947-70E740481C1C}">
-                <a14:useLocalDpi xmlns:a14="http://schemas.microsoft.com/office/drawing/2010/main" val="0"/>
-              </a:ext>
-            </a:extLst>
-          </a:blip>
-          <a:srcRect t="25194"/>
-          <a:stretch>
-            <a:fillRect/>
-          </a:stretch>
-        </p:blipFill>
-        <p:spPr>
-          <a:xfrm>
-            <a:off x="8698902" y="1709252"/>
-            <a:ext cx="2820505" cy="2812506"/>
-          </a:xfrm>
-          <a:prstGeom prst="rect">
-            <a:avLst/>
-          </a:prstGeom>
-        </p:spPr>
-      </p:pic>
-    </p:spTree>
-    <p:extLst>
-      <p:ext uri="{BB962C8B-B14F-4D97-AF65-F5344CB8AC3E}">
-        <p14:creationId xmlns:p14="http://schemas.microsoft.com/office/powerpoint/2010/main" val="4014724831"/>
-      </p:ext>
-    </p:extLst>
-  </p:cSld>
-  <p:clrMapOvr>
-    <a:masterClrMapping/>
-  </p:clrMapOvr>
-</p:sld>
-</file>
-
-<file path=ppt/slides/slide11.xml><?xml version="1.0" encoding="utf-8"?>
-<p:sld xmlns:a="http://schemas.openxmlformats.org/drawingml/2006/main" xmlns:r="http://schemas.openxmlformats.org/officeDocument/2006/relationships" xmlns:p="http://schemas.openxmlformats.org/presentationml/2006/main">
-  <p:cSld>
-    <p:bg>
-      <p:bgPr>
-        <a:solidFill>
-          <a:schemeClr val="bg1"/>
-        </a:solidFill>
-        <a:effectLst/>
-      </p:bgPr>
-    </p:bg>
-    <p:spTree>
-      <p:nvGrpSpPr>
         <p:cNvPr id="1" name=""/>
         <p:cNvGrpSpPr/>
         <p:nvPr/>
@@ -7476,7 +6279,7 @@
 </p:sld>
 </file>
 
-<file path=ppt/slides/slide12.xml><?xml version="1.0" encoding="utf-8"?>
+<file path=ppt/slides/slide11.xml><?xml version="1.0" encoding="utf-8"?>
 <p:sld xmlns:a="http://schemas.openxmlformats.org/drawingml/2006/main" xmlns:r="http://schemas.openxmlformats.org/officeDocument/2006/relationships" xmlns:p="http://schemas.openxmlformats.org/presentationml/2006/main">
   <p:cSld>
     <p:bg>
@@ -7746,7 +6549,7 @@
 </p:sld>
 </file>
 
-<file path=ppt/slides/slide13.xml><?xml version="1.0" encoding="utf-8"?>
+<file path=ppt/slides/slide12.xml><?xml version="1.0" encoding="utf-8"?>
 <p:sld xmlns:a="http://schemas.openxmlformats.org/drawingml/2006/main" xmlns:r="http://schemas.openxmlformats.org/officeDocument/2006/relationships" xmlns:p="http://schemas.openxmlformats.org/presentationml/2006/main">
   <p:cSld>
     <p:bg>
@@ -8175,7 +6978,7 @@
 </p:sld>
 </file>
 
-<file path=ppt/slides/slide14.xml><?xml version="1.0" encoding="utf-8"?>
+<file path=ppt/slides/slide13.xml><?xml version="1.0" encoding="utf-8"?>
 <p:sld xmlns:a="http://schemas.openxmlformats.org/drawingml/2006/main" xmlns:r="http://schemas.openxmlformats.org/officeDocument/2006/relationships" xmlns:p="http://schemas.openxmlformats.org/presentationml/2006/main">
   <p:cSld>
     <p:bg>
@@ -8471,207 +7274,6 @@
     </p:bg>
     <p:spTree>
       <p:nvGrpSpPr>
-        <p:cNvPr id="1" name="">
-          <a:extLst>
-            <a:ext uri="{FF2B5EF4-FFF2-40B4-BE49-F238E27FC236}">
-              <a16:creationId xmlns:a16="http://schemas.microsoft.com/office/drawing/2014/main" id="{5B2E4D87-9930-5A14-0DFE-1AE6C9D61C7A}"/>
-            </a:ext>
-          </a:extLst>
-        </p:cNvPr>
-        <p:cNvGrpSpPr/>
-        <p:nvPr/>
-      </p:nvGrpSpPr>
-      <p:grpSpPr>
-        <a:xfrm>
-          <a:off x="0" y="0"/>
-          <a:ext cx="0" cy="0"/>
-          <a:chOff x="0" y="0"/>
-          <a:chExt cx="0" cy="0"/>
-        </a:xfrm>
-      </p:grpSpPr>
-      <p:sp>
-        <p:nvSpPr>
-          <p:cNvPr id="2" name="Titel 1">
-            <a:extLst>
-              <a:ext uri="{FF2B5EF4-FFF2-40B4-BE49-F238E27FC236}">
-                <a16:creationId xmlns:a16="http://schemas.microsoft.com/office/drawing/2014/main" id="{D9D8FBAB-2468-3AE7-CA5F-DD6DE597AEC4}"/>
-              </a:ext>
-            </a:extLst>
-          </p:cNvPr>
-          <p:cNvSpPr>
-            <a:spLocks noGrp="1"/>
-          </p:cNvSpPr>
-          <p:nvPr>
-            <p:ph type="title"/>
-          </p:nvPr>
-        </p:nvSpPr>
-        <p:spPr>
-          <a:xfrm>
-            <a:off x="762000" y="1138036"/>
-            <a:ext cx="4085665" cy="1402470"/>
-          </a:xfrm>
-        </p:spPr>
-        <p:txBody>
-          <a:bodyPr anchor="t">
-            <a:normAutofit/>
-          </a:bodyPr>
-          <a:lstStyle/>
-          <a:p>
-            <a:r>
-              <a:rPr lang="en-NL" sz="3200" dirty="0" err="1"/>
-              <a:t>Inhoud</a:t>
-            </a:r>
-            <a:endParaRPr lang="nl-NL" sz="3200" noProof="0" dirty="0"/>
-          </a:p>
-        </p:txBody>
-      </p:sp>
-      <p:cxnSp>
-        <p:nvCxnSpPr>
-          <p:cNvPr id="23" name="Straight Connector 22">
-            <a:extLst>
-              <a:ext uri="{FF2B5EF4-FFF2-40B4-BE49-F238E27FC236}">
-                <a16:creationId xmlns:a16="http://schemas.microsoft.com/office/drawing/2014/main" id="{FBE9AE3B-09C2-291B-8483-60D1E5C681DE}"/>
-              </a:ext>
-              <a:ext uri="{C183D7F6-B498-43B3-948B-1728B52AA6E4}">
-                <adec:decorative xmlns:adec="http://schemas.microsoft.com/office/drawing/2017/decorative" val="1"/>
-              </a:ext>
-            </a:extLst>
-          </p:cNvPr>
-          <p:cNvCxnSpPr>
-            <a:cxnSpLocks noGrp="1" noRot="1" noChangeAspect="1" noMove="1" noResize="1" noEditPoints="1" noAdjustHandles="1" noChangeArrowheads="1" noChangeShapeType="1"/>
-          </p:cNvCxnSpPr>
-          <p:nvPr>
-            <p:extLst>
-              <p:ext uri="{386F3935-93C4-4BCD-93E2-E3B085C9AB24}">
-                <p16:designElem xmlns:p16="http://schemas.microsoft.com/office/powerpoint/2015/main" val="1"/>
-              </p:ext>
-            </p:extLst>
-          </p:nvPr>
-        </p:nvCxnSpPr>
-        <p:spPr>
-          <a:xfrm>
-            <a:off x="865140" y="871146"/>
-            <a:ext cx="736939" cy="0"/>
-          </a:xfrm>
-          <a:prstGeom prst="line">
-            <a:avLst/>
-          </a:prstGeom>
-          <a:ln w="57150">
-            <a:solidFill>
-              <a:schemeClr val="accent4"/>
-            </a:solidFill>
-          </a:ln>
-        </p:spPr>
-        <p:style>
-          <a:lnRef idx="1">
-            <a:schemeClr val="accent1"/>
-          </a:lnRef>
-          <a:fillRef idx="0">
-            <a:schemeClr val="accent1"/>
-          </a:fillRef>
-          <a:effectRef idx="0">
-            <a:schemeClr val="accent1"/>
-          </a:effectRef>
-          <a:fontRef idx="minor">
-            <a:schemeClr val="tx1"/>
-          </a:fontRef>
-        </p:style>
-      </p:cxnSp>
-      <p:sp>
-        <p:nvSpPr>
-          <p:cNvPr id="4" name="Tijdelijke aanduiding voor inhoud 2">
-            <a:extLst>
-              <a:ext uri="{FF2B5EF4-FFF2-40B4-BE49-F238E27FC236}">
-                <a16:creationId xmlns:a16="http://schemas.microsoft.com/office/drawing/2014/main" id="{FB8180FA-55A2-1B53-C5CA-DA82AB1C9E14}"/>
-              </a:ext>
-            </a:extLst>
-          </p:cNvPr>
-          <p:cNvSpPr>
-            <a:spLocks noGrp="1"/>
-          </p:cNvSpPr>
-          <p:nvPr>
-            <p:ph idx="1"/>
-          </p:nvPr>
-        </p:nvSpPr>
-        <p:spPr>
-          <a:xfrm>
-            <a:off x="838200" y="1825625"/>
-            <a:ext cx="10515600" cy="4351338"/>
-          </a:xfrm>
-        </p:spPr>
-        <p:txBody>
-          <a:bodyPr/>
-          <a:lstStyle/>
-          <a:p>
-            <a:r>
-              <a:rPr lang="nl-NL" noProof="0" dirty="0"/>
-              <a:t>Hebben over</a:t>
-            </a:r>
-          </a:p>
-          <a:p>
-            <a:endParaRPr lang="nl-NL" noProof="0" dirty="0"/>
-          </a:p>
-          <a:p>
-            <a:r>
-              <a:rPr lang="nl-NL" noProof="0" dirty="0"/>
-              <a:t>Context (wat does sens2sea)</a:t>
-            </a:r>
-          </a:p>
-          <a:p>
-            <a:r>
-              <a:rPr lang="nl-NL" noProof="0" dirty="0"/>
-              <a:t>Opdracht (wat houd de opdracht in en waarom)</a:t>
-            </a:r>
-          </a:p>
-          <a:p>
-            <a:r>
-              <a:rPr lang="nl-NL" noProof="0" dirty="0"/>
-              <a:t>Wat heb ik gedaan</a:t>
-            </a:r>
-          </a:p>
-          <a:p>
-            <a:r>
-              <a:rPr lang="nl-NL" noProof="0" dirty="0"/>
-              <a:t>Ontwerp (code??, hardware)</a:t>
-            </a:r>
-          </a:p>
-          <a:p>
-            <a:r>
-              <a:rPr lang="nl-NL" noProof="0" dirty="0"/>
-              <a:t>demo</a:t>
-            </a:r>
-          </a:p>
-          <a:p>
-            <a:endParaRPr lang="nl-NL" noProof="0" dirty="0"/>
-          </a:p>
-        </p:txBody>
-      </p:sp>
-    </p:spTree>
-    <p:extLst>
-      <p:ext uri="{BB962C8B-B14F-4D97-AF65-F5344CB8AC3E}">
-        <p14:creationId xmlns:p14="http://schemas.microsoft.com/office/powerpoint/2010/main" val="2116146769"/>
-      </p:ext>
-    </p:extLst>
-  </p:cSld>
-  <p:clrMapOvr>
-    <a:masterClrMapping/>
-  </p:clrMapOvr>
-</p:sld>
-</file>
-
-<file path=ppt/slides/slide3.xml><?xml version="1.0" encoding="utf-8"?>
-<p:sld xmlns:a="http://schemas.openxmlformats.org/drawingml/2006/main" xmlns:r="http://schemas.openxmlformats.org/officeDocument/2006/relationships" xmlns:p="http://schemas.openxmlformats.org/presentationml/2006/main">
-  <p:cSld>
-    <p:bg>
-      <p:bgPr>
-        <a:solidFill>
-          <a:schemeClr val="bg1"/>
-        </a:solidFill>
-        <a:effectLst/>
-      </p:bgPr>
-    </p:bg>
-    <p:spTree>
-      <p:nvGrpSpPr>
         <p:cNvPr id="1" name=""/>
         <p:cNvGrpSpPr/>
         <p:nvPr/>
@@ -8913,7 +7515,7 @@
 </p:sld>
 </file>
 
-<file path=ppt/slides/slide4.xml><?xml version="1.0" encoding="utf-8"?>
+<file path=ppt/slides/slide3.xml><?xml version="1.0" encoding="utf-8"?>
 <p:sld xmlns:a="http://schemas.openxmlformats.org/drawingml/2006/main" xmlns:r="http://schemas.openxmlformats.org/officeDocument/2006/relationships" xmlns:p="http://schemas.openxmlformats.org/presentationml/2006/main">
   <p:cSld>
     <p:bg>
@@ -9131,7 +7733,7 @@
 </p:sld>
 </file>
 
-<file path=ppt/slides/slide5.xml><?xml version="1.0" encoding="utf-8"?>
+<file path=ppt/slides/slide4.xml><?xml version="1.0" encoding="utf-8"?>
 <p:sld xmlns:a="http://schemas.openxmlformats.org/drawingml/2006/main" xmlns:r="http://schemas.openxmlformats.org/officeDocument/2006/relationships" xmlns:p="http://schemas.openxmlformats.org/presentationml/2006/main">
   <p:cSld>
     <p:bg>
@@ -9375,7 +7977,7 @@
 </p:sld>
 </file>
 
-<file path=ppt/slides/slide6.xml><?xml version="1.0" encoding="utf-8"?>
+<file path=ppt/slides/slide5.xml><?xml version="1.0" encoding="utf-8"?>
 <p:sld xmlns:a="http://schemas.openxmlformats.org/drawingml/2006/main" xmlns:r="http://schemas.openxmlformats.org/officeDocument/2006/relationships" xmlns:p="http://schemas.openxmlformats.org/presentationml/2006/main">
   <p:cSld>
     <p:bg>
@@ -10065,7 +8667,7 @@
 </p:sld>
 </file>
 
-<file path=ppt/slides/slide7.xml><?xml version="1.0" encoding="utf-8"?>
+<file path=ppt/slides/slide6.xml><?xml version="1.0" encoding="utf-8"?>
 <p:sld xmlns:a="http://schemas.openxmlformats.org/drawingml/2006/main" xmlns:r="http://schemas.openxmlformats.org/officeDocument/2006/relationships" xmlns:p="http://schemas.openxmlformats.org/presentationml/2006/main">
   <p:cSld>
     <p:bg>
@@ -10336,7 +8938,7 @@
 </p:sld>
 </file>
 
-<file path=ppt/slides/slide8.xml><?xml version="1.0" encoding="utf-8"?>
+<file path=ppt/slides/slide7.xml><?xml version="1.0" encoding="utf-8"?>
 <p:sld xmlns:a="http://schemas.openxmlformats.org/drawingml/2006/main" xmlns:r="http://schemas.openxmlformats.org/officeDocument/2006/relationships" xmlns:p="http://schemas.openxmlformats.org/presentationml/2006/main">
   <p:cSld>
     <p:bg>
@@ -10892,7 +9494,7 @@
 </p:sld>
 </file>
 
-<file path=ppt/slides/slide9.xml><?xml version="1.0" encoding="utf-8"?>
+<file path=ppt/slides/slide8.xml><?xml version="1.0" encoding="utf-8"?>
 <p:sld xmlns:a="http://schemas.openxmlformats.org/drawingml/2006/main" xmlns:r="http://schemas.openxmlformats.org/officeDocument/2006/relationships" xmlns:p="http://schemas.openxmlformats.org/presentationml/2006/main">
   <p:cSld>
     <p:bg>
@@ -11526,6 +10128,730 @@
     <p:extLst>
       <p:ext uri="{BB962C8B-B14F-4D97-AF65-F5344CB8AC3E}">
         <p14:creationId xmlns:p14="http://schemas.microsoft.com/office/powerpoint/2010/main" val="2305425918"/>
+      </p:ext>
+    </p:extLst>
+  </p:cSld>
+  <p:clrMapOvr>
+    <a:masterClrMapping/>
+  </p:clrMapOvr>
+</p:sld>
+</file>
+
+<file path=ppt/slides/slide9.xml><?xml version="1.0" encoding="utf-8"?>
+<p:sld xmlns:a="http://schemas.openxmlformats.org/drawingml/2006/main" xmlns:r="http://schemas.openxmlformats.org/officeDocument/2006/relationships" xmlns:p="http://schemas.openxmlformats.org/presentationml/2006/main">
+  <p:cSld>
+    <p:bg>
+      <p:bgPr>
+        <a:solidFill>
+          <a:schemeClr val="bg1"/>
+        </a:solidFill>
+        <a:effectLst/>
+      </p:bgPr>
+    </p:bg>
+    <p:spTree>
+      <p:nvGrpSpPr>
+        <p:cNvPr id="1" name="">
+          <a:extLst>
+            <a:ext uri="{FF2B5EF4-FFF2-40B4-BE49-F238E27FC236}">
+              <a16:creationId xmlns:a16="http://schemas.microsoft.com/office/drawing/2014/main" id="{62C4D4B9-5378-DF40-0DFB-365F33B4DFFF}"/>
+            </a:ext>
+          </a:extLst>
+        </p:cNvPr>
+        <p:cNvGrpSpPr/>
+        <p:nvPr/>
+      </p:nvGrpSpPr>
+      <p:grpSpPr>
+        <a:xfrm>
+          <a:off x="0" y="0"/>
+          <a:ext cx="0" cy="0"/>
+          <a:chOff x="0" y="0"/>
+          <a:chExt cx="0" cy="0"/>
+        </a:xfrm>
+      </p:grpSpPr>
+      <p:sp useBgFill="1">
+        <p:nvSpPr>
+          <p:cNvPr id="18" name="Rectangle 17">
+            <a:extLst>
+              <a:ext uri="{FF2B5EF4-FFF2-40B4-BE49-F238E27FC236}">
+                <a16:creationId xmlns:a16="http://schemas.microsoft.com/office/drawing/2014/main" id="{A6EE75FA-836D-273F-8A21-72388ED6F989}"/>
+              </a:ext>
+              <a:ext uri="{C183D7F6-B498-43B3-948B-1728B52AA6E4}">
+                <adec:decorative xmlns:adec="http://schemas.microsoft.com/office/drawing/2017/decorative" val="1"/>
+              </a:ext>
+            </a:extLst>
+          </p:cNvPr>
+          <p:cNvSpPr>
+            <a:spLocks noGrp="1" noRot="1" noChangeAspect="1" noMove="1" noResize="1" noEditPoints="1" noAdjustHandles="1" noChangeArrowheads="1" noChangeShapeType="1" noTextEdit="1"/>
+          </p:cNvSpPr>
+          <p:nvPr>
+            <p:extLst>
+              <p:ext uri="{386F3935-93C4-4BCD-93E2-E3B085C9AB24}">
+                <p16:designElem xmlns:p16="http://schemas.microsoft.com/office/powerpoint/2015/main" val="1"/>
+              </p:ext>
+            </p:extLst>
+          </p:nvPr>
+        </p:nvSpPr>
+        <p:spPr>
+          <a:xfrm>
+            <a:off x="0" y="-1"/>
+            <a:ext cx="12188952" cy="6858000"/>
+          </a:xfrm>
+          <a:prstGeom prst="rect">
+            <a:avLst/>
+          </a:prstGeom>
+          <a:ln>
+            <a:noFill/>
+          </a:ln>
+        </p:spPr>
+        <p:style>
+          <a:lnRef idx="2">
+            <a:schemeClr val="accent1">
+              <a:shade val="50000"/>
+            </a:schemeClr>
+          </a:lnRef>
+          <a:fillRef idx="1">
+            <a:schemeClr val="accent1"/>
+          </a:fillRef>
+          <a:effectRef idx="0">
+            <a:schemeClr val="accent1"/>
+          </a:effectRef>
+          <a:fontRef idx="minor">
+            <a:schemeClr val="lt1"/>
+          </a:fontRef>
+        </p:style>
+        <p:txBody>
+          <a:bodyPr rtlCol="0" anchor="ctr"/>
+          <a:lstStyle/>
+          <a:p>
+            <a:pPr algn="ctr"/>
+            <a:endParaRPr lang="nl-NL" noProof="0" dirty="0"/>
+          </a:p>
+        </p:txBody>
+      </p:sp>
+      <p:sp>
+        <p:nvSpPr>
+          <p:cNvPr id="20" name="Rectangle 19">
+            <a:extLst>
+              <a:ext uri="{FF2B5EF4-FFF2-40B4-BE49-F238E27FC236}">
+                <a16:creationId xmlns:a16="http://schemas.microsoft.com/office/drawing/2014/main" id="{5B6736AB-FC1F-B399-3876-9A32DF0F3C6A}"/>
+              </a:ext>
+              <a:ext uri="{C183D7F6-B498-43B3-948B-1728B52AA6E4}">
+                <adec:decorative xmlns:adec="http://schemas.microsoft.com/office/drawing/2017/decorative" val="1"/>
+              </a:ext>
+            </a:extLst>
+          </p:cNvPr>
+          <p:cNvSpPr>
+            <a:spLocks noGrp="1" noRot="1" noChangeAspect="1" noMove="1" noResize="1" noEditPoints="1" noAdjustHandles="1" noChangeArrowheads="1" noChangeShapeType="1" noTextEdit="1"/>
+          </p:cNvSpPr>
+          <p:nvPr>
+            <p:extLst>
+              <p:ext uri="{386F3935-93C4-4BCD-93E2-E3B085C9AB24}">
+                <p16:designElem xmlns:p16="http://schemas.microsoft.com/office/powerpoint/2015/main" val="1"/>
+              </p:ext>
+            </p:extLst>
+          </p:nvPr>
+        </p:nvSpPr>
+        <p:spPr>
+          <a:xfrm>
+            <a:off x="0" y="0"/>
+            <a:ext cx="12188952" cy="6858000"/>
+          </a:xfrm>
+          <a:prstGeom prst="rect">
+            <a:avLst/>
+          </a:prstGeom>
+          <a:solidFill>
+            <a:schemeClr val="bg2">
+              <a:alpha val="50000"/>
+            </a:schemeClr>
+          </a:solidFill>
+          <a:ln>
+            <a:noFill/>
+          </a:ln>
+        </p:spPr>
+        <p:style>
+          <a:lnRef idx="2">
+            <a:schemeClr val="accent1">
+              <a:shade val="50000"/>
+            </a:schemeClr>
+          </a:lnRef>
+          <a:fillRef idx="1">
+            <a:schemeClr val="accent1"/>
+          </a:fillRef>
+          <a:effectRef idx="0">
+            <a:schemeClr val="accent1"/>
+          </a:effectRef>
+          <a:fontRef idx="minor">
+            <a:schemeClr val="lt1"/>
+          </a:fontRef>
+        </p:style>
+        <p:txBody>
+          <a:bodyPr rtlCol="0" anchor="ctr"/>
+          <a:lstStyle/>
+          <a:p>
+            <a:pPr algn="ctr"/>
+            <a:endParaRPr lang="nl-NL" noProof="0" dirty="0"/>
+          </a:p>
+        </p:txBody>
+      </p:sp>
+      <p:pic>
+        <p:nvPicPr>
+          <p:cNvPr id="22" name="Picture 21">
+            <a:extLst>
+              <a:ext uri="{FF2B5EF4-FFF2-40B4-BE49-F238E27FC236}">
+                <a16:creationId xmlns:a16="http://schemas.microsoft.com/office/drawing/2014/main" id="{E85F9BEB-FE56-BEC2-734A-D3A9F00078E2}"/>
+              </a:ext>
+              <a:ext uri="{C183D7F6-B498-43B3-948B-1728B52AA6E4}">
+                <adec:decorative xmlns:adec="http://schemas.microsoft.com/office/drawing/2017/decorative" val="1"/>
+              </a:ext>
+            </a:extLst>
+          </p:cNvPr>
+          <p:cNvPicPr>
+            <a:picLocks noGrp="1" noRot="1" noChangeAspect="1" noMove="1" noResize="1" noEditPoints="1" noAdjustHandles="1" noChangeArrowheads="1" noChangeShapeType="1" noCrop="1"/>
+          </p:cNvPicPr>
+          <p:nvPr>
+            <p:extLst>
+              <p:ext uri="{386F3935-93C4-4BCD-93E2-E3B085C9AB24}">
+                <p16:designElem xmlns:p16="http://schemas.microsoft.com/office/powerpoint/2015/main" val="1"/>
+              </p:ext>
+            </p:extLst>
+          </p:nvPr>
+        </p:nvPicPr>
+        <p:blipFill>
+          <a:blip r:embed="rId3">
+            <a:extLst>
+              <a:ext uri="{28A0092B-C50C-407E-A947-70E740481C1C}">
+                <a14:useLocalDpi xmlns:a14="http://schemas.microsoft.com/office/drawing/2010/main" val="0"/>
+              </a:ext>
+            </a:extLst>
+          </a:blip>
+          <a:stretch>
+            <a:fillRect/>
+          </a:stretch>
+        </p:blipFill>
+        <p:spPr>
+          <a:xfrm>
+            <a:off x="0" y="0"/>
+            <a:ext cx="12188952" cy="6862380"/>
+          </a:xfrm>
+          <a:prstGeom prst="rect">
+            <a:avLst/>
+          </a:prstGeom>
+        </p:spPr>
+      </p:pic>
+      <p:sp>
+        <p:nvSpPr>
+          <p:cNvPr id="24" name="Rectangle 23">
+            <a:extLst>
+              <a:ext uri="{FF2B5EF4-FFF2-40B4-BE49-F238E27FC236}">
+                <a16:creationId xmlns:a16="http://schemas.microsoft.com/office/drawing/2014/main" id="{1F0C893C-CB05-FDF2-9CD4-8B9BEA5BF9E9}"/>
+              </a:ext>
+              <a:ext uri="{C183D7F6-B498-43B3-948B-1728B52AA6E4}">
+                <adec:decorative xmlns:adec="http://schemas.microsoft.com/office/drawing/2017/decorative" val="1"/>
+              </a:ext>
+            </a:extLst>
+          </p:cNvPr>
+          <p:cNvSpPr>
+            <a:spLocks noGrp="1" noRot="1" noChangeAspect="1" noMove="1" noResize="1" noEditPoints="1" noAdjustHandles="1" noChangeArrowheads="1" noChangeShapeType="1" noTextEdit="1"/>
+          </p:cNvSpPr>
+          <p:nvPr>
+            <p:extLst>
+              <p:ext uri="{386F3935-93C4-4BCD-93E2-E3B085C9AB24}">
+                <p16:designElem xmlns:p16="http://schemas.microsoft.com/office/powerpoint/2015/main" val="1"/>
+              </p:ext>
+            </p:extLst>
+          </p:nvPr>
+        </p:nvSpPr>
+        <p:spPr>
+          <a:xfrm>
+            <a:off x="0" y="0"/>
+            <a:ext cx="12188952" cy="6858000"/>
+          </a:xfrm>
+          <a:prstGeom prst="rect">
+            <a:avLst/>
+          </a:prstGeom>
+          <a:solidFill>
+            <a:schemeClr val="accent1">
+              <a:alpha val="20000"/>
+            </a:schemeClr>
+          </a:solidFill>
+          <a:ln>
+            <a:noFill/>
+          </a:ln>
+        </p:spPr>
+        <p:style>
+          <a:lnRef idx="2">
+            <a:schemeClr val="accent1">
+              <a:shade val="50000"/>
+            </a:schemeClr>
+          </a:lnRef>
+          <a:fillRef idx="1">
+            <a:schemeClr val="accent1"/>
+          </a:fillRef>
+          <a:effectRef idx="0">
+            <a:schemeClr val="accent1"/>
+          </a:effectRef>
+          <a:fontRef idx="minor">
+            <a:schemeClr val="lt1"/>
+          </a:fontRef>
+        </p:style>
+        <p:txBody>
+          <a:bodyPr rtlCol="0" anchor="ctr"/>
+          <a:lstStyle/>
+          <a:p>
+            <a:pPr algn="ctr"/>
+            <a:endParaRPr lang="nl-NL" noProof="0" dirty="0"/>
+          </a:p>
+        </p:txBody>
+      </p:sp>
+      <p:sp>
+        <p:nvSpPr>
+          <p:cNvPr id="26" name="Rectangle 25">
+            <a:extLst>
+              <a:ext uri="{FF2B5EF4-FFF2-40B4-BE49-F238E27FC236}">
+                <a16:creationId xmlns:a16="http://schemas.microsoft.com/office/drawing/2014/main" id="{861A5DDF-A82F-A587-93D6-8382E728B8F7}"/>
+              </a:ext>
+              <a:ext uri="{C183D7F6-B498-43B3-948B-1728B52AA6E4}">
+                <adec:decorative xmlns:adec="http://schemas.microsoft.com/office/drawing/2017/decorative" val="1"/>
+              </a:ext>
+            </a:extLst>
+          </p:cNvPr>
+          <p:cNvSpPr>
+            <a:spLocks noGrp="1" noRot="1" noChangeAspect="1" noMove="1" noResize="1" noEditPoints="1" noAdjustHandles="1" noChangeArrowheads="1" noChangeShapeType="1" noTextEdit="1"/>
+          </p:cNvSpPr>
+          <p:nvPr>
+            <p:extLst>
+              <p:ext uri="{386F3935-93C4-4BCD-93E2-E3B085C9AB24}">
+                <p16:designElem xmlns:p16="http://schemas.microsoft.com/office/powerpoint/2015/main" val="1"/>
+              </p:ext>
+            </p:extLst>
+          </p:nvPr>
+        </p:nvSpPr>
+        <p:spPr>
+          <a:xfrm>
+            <a:off x="538542" y="729175"/>
+            <a:ext cx="11099352" cy="5399650"/>
+          </a:xfrm>
+          <a:prstGeom prst="rect">
+            <a:avLst/>
+          </a:prstGeom>
+          <a:solidFill>
+            <a:schemeClr val="bg1"/>
+          </a:solidFill>
+          <a:ln w="34925">
+            <a:noFill/>
+          </a:ln>
+        </p:spPr>
+        <p:style>
+          <a:lnRef idx="2">
+            <a:schemeClr val="accent1">
+              <a:shade val="50000"/>
+            </a:schemeClr>
+          </a:lnRef>
+          <a:fillRef idx="1">
+            <a:schemeClr val="accent1"/>
+          </a:fillRef>
+          <a:effectRef idx="0">
+            <a:schemeClr val="accent1"/>
+          </a:effectRef>
+          <a:fontRef idx="minor">
+            <a:schemeClr val="lt1"/>
+          </a:fontRef>
+        </p:style>
+        <p:txBody>
+          <a:bodyPr rtlCol="0" anchor="ctr"/>
+          <a:lstStyle/>
+          <a:p>
+            <a:pPr algn="ctr"/>
+            <a:endParaRPr lang="nl-NL" b="1" noProof="0" dirty="0">
+              <a:ln w="22225">
+                <a:solidFill>
+                  <a:schemeClr val="accent2"/>
+                </a:solidFill>
+                <a:prstDash val="solid"/>
+              </a:ln>
+              <a:solidFill>
+                <a:schemeClr val="accent2">
+                  <a:lumMod val="40000"/>
+                  <a:lumOff val="60000"/>
+                </a:schemeClr>
+              </a:solidFill>
+            </a:endParaRPr>
+          </a:p>
+        </p:txBody>
+      </p:sp>
+      <p:sp>
+        <p:nvSpPr>
+          <p:cNvPr id="2" name="Titel 1">
+            <a:extLst>
+              <a:ext uri="{FF2B5EF4-FFF2-40B4-BE49-F238E27FC236}">
+                <a16:creationId xmlns:a16="http://schemas.microsoft.com/office/drawing/2014/main" id="{CC72FCA3-717C-582F-136E-7C9BDA002D9F}"/>
+              </a:ext>
+            </a:extLst>
+          </p:cNvPr>
+          <p:cNvSpPr>
+            <a:spLocks noGrp="1"/>
+          </p:cNvSpPr>
+          <p:nvPr>
+            <p:ph type="title"/>
+          </p:nvPr>
+        </p:nvSpPr>
+        <p:spPr>
+          <a:xfrm>
+            <a:off x="1191966" y="900622"/>
+            <a:ext cx="4997189" cy="802172"/>
+          </a:xfrm>
+        </p:spPr>
+        <p:txBody>
+          <a:bodyPr anchor="b">
+            <a:normAutofit/>
+          </a:bodyPr>
+          <a:lstStyle/>
+          <a:p>
+            <a:r>
+              <a:rPr lang="nl-NL" sz="4800" noProof="0" dirty="0"/>
+              <a:t>Mechanica</a:t>
+            </a:r>
+          </a:p>
+        </p:txBody>
+      </p:sp>
+      <p:pic>
+        <p:nvPicPr>
+          <p:cNvPr id="13" name="Afbeelding 12">
+            <a:extLst>
+              <a:ext uri="{FF2B5EF4-FFF2-40B4-BE49-F238E27FC236}">
+                <a16:creationId xmlns:a16="http://schemas.microsoft.com/office/drawing/2014/main" id="{90DBE949-BE5F-3010-8F59-B6440D1999B6}"/>
+              </a:ext>
+            </a:extLst>
+          </p:cNvPr>
+          <p:cNvPicPr>
+            <a:picLocks noChangeAspect="1"/>
+          </p:cNvPicPr>
+          <p:nvPr/>
+        </p:nvPicPr>
+        <p:blipFill>
+          <a:blip r:embed="rId4"/>
+          <a:stretch>
+            <a:fillRect/>
+          </a:stretch>
+        </p:blipFill>
+        <p:spPr>
+          <a:xfrm>
+            <a:off x="10028255" y="830155"/>
+            <a:ext cx="1516935" cy="778117"/>
+          </a:xfrm>
+          <a:prstGeom prst="rect">
+            <a:avLst/>
+          </a:prstGeom>
+        </p:spPr>
+      </p:pic>
+      <p:pic>
+        <p:nvPicPr>
+          <p:cNvPr id="16" name="Afbeelding 15">
+            <a:extLst>
+              <a:ext uri="{FF2B5EF4-FFF2-40B4-BE49-F238E27FC236}">
+                <a16:creationId xmlns:a16="http://schemas.microsoft.com/office/drawing/2014/main" id="{CCF89E25-339E-592C-E242-23D7831D1D2B}"/>
+              </a:ext>
+            </a:extLst>
+          </p:cNvPr>
+          <p:cNvPicPr>
+            <a:picLocks noChangeAspect="1"/>
+          </p:cNvPicPr>
+          <p:nvPr/>
+        </p:nvPicPr>
+        <p:blipFill>
+          <a:blip r:embed="rId5"/>
+          <a:stretch>
+            <a:fillRect/>
+          </a:stretch>
+        </p:blipFill>
+        <p:spPr>
+          <a:xfrm>
+            <a:off x="977090" y="3429000"/>
+            <a:ext cx="2007270" cy="2293430"/>
+          </a:xfrm>
+          <a:prstGeom prst="rect">
+            <a:avLst/>
+          </a:prstGeom>
+        </p:spPr>
+      </p:pic>
+      <p:pic>
+        <p:nvPicPr>
+          <p:cNvPr id="19" name="Afbeelding 18">
+            <a:extLst>
+              <a:ext uri="{FF2B5EF4-FFF2-40B4-BE49-F238E27FC236}">
+                <a16:creationId xmlns:a16="http://schemas.microsoft.com/office/drawing/2014/main" id="{0282CC08-B16A-7B52-B510-1EDE03FF75D8}"/>
+              </a:ext>
+            </a:extLst>
+          </p:cNvPr>
+          <p:cNvPicPr>
+            <a:picLocks noChangeAspect="1"/>
+          </p:cNvPicPr>
+          <p:nvPr/>
+        </p:nvPicPr>
+        <p:blipFill>
+          <a:blip r:embed="rId6"/>
+          <a:stretch>
+            <a:fillRect/>
+          </a:stretch>
+        </p:blipFill>
+        <p:spPr>
+          <a:xfrm>
+            <a:off x="3310119" y="3428998"/>
+            <a:ext cx="2251782" cy="2291288"/>
+          </a:xfrm>
+          <a:prstGeom prst="rect">
+            <a:avLst/>
+          </a:prstGeom>
+        </p:spPr>
+      </p:pic>
+      <p:pic>
+        <p:nvPicPr>
+          <p:cNvPr id="27" name="Afbeelding 26">
+            <a:extLst>
+              <a:ext uri="{FF2B5EF4-FFF2-40B4-BE49-F238E27FC236}">
+                <a16:creationId xmlns:a16="http://schemas.microsoft.com/office/drawing/2014/main" id="{39D5C883-EF14-9D7E-6179-A4424B8A2CDB}"/>
+              </a:ext>
+            </a:extLst>
+          </p:cNvPr>
+          <p:cNvPicPr>
+            <a:picLocks noChangeAspect="1"/>
+          </p:cNvPicPr>
+          <p:nvPr/>
+        </p:nvPicPr>
+        <p:blipFill>
+          <a:blip r:embed="rId7"/>
+          <a:stretch>
+            <a:fillRect/>
+          </a:stretch>
+        </p:blipFill>
+        <p:spPr>
+          <a:xfrm>
+            <a:off x="5887661" y="3428998"/>
+            <a:ext cx="2490574" cy="2293431"/>
+          </a:xfrm>
+          <a:prstGeom prst="rect">
+            <a:avLst/>
+          </a:prstGeom>
+        </p:spPr>
+      </p:pic>
+      <p:sp>
+        <p:nvSpPr>
+          <p:cNvPr id="28" name="Tekstvak 27">
+            <a:extLst>
+              <a:ext uri="{FF2B5EF4-FFF2-40B4-BE49-F238E27FC236}">
+                <a16:creationId xmlns:a16="http://schemas.microsoft.com/office/drawing/2014/main" id="{93455183-8DD7-447F-539A-2F8F58F2F0EA}"/>
+              </a:ext>
+            </a:extLst>
+          </p:cNvPr>
+          <p:cNvSpPr txBox="1"/>
+          <p:nvPr/>
+        </p:nvSpPr>
+        <p:spPr>
+          <a:xfrm>
+            <a:off x="977090" y="2431969"/>
+            <a:ext cx="1890774" cy="923330"/>
+          </a:xfrm>
+          <a:prstGeom prst="rect">
+            <a:avLst/>
+          </a:prstGeom>
+          <a:noFill/>
+        </p:spPr>
+        <p:txBody>
+          <a:bodyPr wrap="none" rtlCol="0">
+            <a:spAutoFit/>
+          </a:bodyPr>
+          <a:lstStyle/>
+          <a:p>
+            <a:pPr marL="285750" indent="-285750">
+              <a:buFont typeface="Arial" panose="020B0604020202020204" pitchFamily="34" charset="0"/>
+              <a:buChar char="•"/>
+            </a:pPr>
+            <a:r>
+              <a:rPr lang="nl-NL" noProof="0" dirty="0"/>
+              <a:t>Instabiel</a:t>
+            </a:r>
+          </a:p>
+          <a:p>
+            <a:pPr marL="285750" indent="-285750">
+              <a:buFont typeface="Arial" panose="020B0604020202020204" pitchFamily="34" charset="0"/>
+              <a:buChar char="•"/>
+            </a:pPr>
+            <a:r>
+              <a:rPr lang="nl-NL" noProof="0" dirty="0"/>
+              <a:t>Veel beweging</a:t>
+            </a:r>
+          </a:p>
+          <a:p>
+            <a:pPr marL="285750" indent="-285750">
+              <a:buFont typeface="Arial" panose="020B0604020202020204" pitchFamily="34" charset="0"/>
+              <a:buChar char="•"/>
+            </a:pPr>
+            <a:r>
+              <a:rPr lang="nl-NL" noProof="0" dirty="0"/>
+              <a:t>Y-as vrij</a:t>
+            </a:r>
+          </a:p>
+        </p:txBody>
+      </p:sp>
+      <p:sp>
+        <p:nvSpPr>
+          <p:cNvPr id="29" name="Tekstvak 28">
+            <a:extLst>
+              <a:ext uri="{FF2B5EF4-FFF2-40B4-BE49-F238E27FC236}">
+                <a16:creationId xmlns:a16="http://schemas.microsoft.com/office/drawing/2014/main" id="{5BB025C0-EAFC-A1BD-1E2F-1D0CBDCC71DC}"/>
+              </a:ext>
+            </a:extLst>
+          </p:cNvPr>
+          <p:cNvSpPr txBox="1"/>
+          <p:nvPr/>
+        </p:nvSpPr>
+        <p:spPr>
+          <a:xfrm>
+            <a:off x="3306412" y="2431969"/>
+            <a:ext cx="2132059" cy="923330"/>
+          </a:xfrm>
+          <a:prstGeom prst="rect">
+            <a:avLst/>
+          </a:prstGeom>
+          <a:noFill/>
+        </p:spPr>
+        <p:txBody>
+          <a:bodyPr wrap="none" rtlCol="0">
+            <a:spAutoFit/>
+          </a:bodyPr>
+          <a:lstStyle/>
+          <a:p>
+            <a:pPr marL="285750" indent="-285750">
+              <a:buFont typeface="Arial" panose="020B0604020202020204" pitchFamily="34" charset="0"/>
+              <a:buChar char="•"/>
+            </a:pPr>
+            <a:r>
+              <a:rPr lang="nl-NL" noProof="0" dirty="0"/>
+              <a:t>Stabiel</a:t>
+            </a:r>
+          </a:p>
+          <a:p>
+            <a:pPr marL="285750" indent="-285750">
+              <a:buFont typeface="Arial" panose="020B0604020202020204" pitchFamily="34" charset="0"/>
+              <a:buChar char="•"/>
+            </a:pPr>
+            <a:r>
+              <a:rPr lang="nl-NL" noProof="0" dirty="0"/>
+              <a:t>Weinig beweging</a:t>
+            </a:r>
+          </a:p>
+          <a:p>
+            <a:pPr marL="285750" indent="-285750">
+              <a:buFont typeface="Arial" panose="020B0604020202020204" pitchFamily="34" charset="0"/>
+              <a:buChar char="•"/>
+            </a:pPr>
+            <a:r>
+              <a:rPr lang="nl-NL" noProof="0" dirty="0"/>
+              <a:t>Y-as niet vrij</a:t>
+            </a:r>
+          </a:p>
+        </p:txBody>
+      </p:sp>
+      <p:sp>
+        <p:nvSpPr>
+          <p:cNvPr id="30" name="Tekstvak 29">
+            <a:extLst>
+              <a:ext uri="{FF2B5EF4-FFF2-40B4-BE49-F238E27FC236}">
+                <a16:creationId xmlns:a16="http://schemas.microsoft.com/office/drawing/2014/main" id="{68824EA9-930E-4337-ED12-2DF6BF606324}"/>
+              </a:ext>
+            </a:extLst>
+          </p:cNvPr>
+          <p:cNvSpPr txBox="1"/>
+          <p:nvPr/>
+        </p:nvSpPr>
+        <p:spPr>
+          <a:xfrm>
+            <a:off x="5877019" y="2431969"/>
+            <a:ext cx="2132059" cy="923330"/>
+          </a:xfrm>
+          <a:prstGeom prst="rect">
+            <a:avLst/>
+          </a:prstGeom>
+          <a:noFill/>
+        </p:spPr>
+        <p:txBody>
+          <a:bodyPr wrap="none" rtlCol="0">
+            <a:spAutoFit/>
+          </a:bodyPr>
+          <a:lstStyle/>
+          <a:p>
+            <a:pPr marL="285750" indent="-285750">
+              <a:buFont typeface="Arial" panose="020B0604020202020204" pitchFamily="34" charset="0"/>
+              <a:buChar char="•"/>
+            </a:pPr>
+            <a:r>
+              <a:rPr lang="nl-NL" noProof="0" dirty="0"/>
+              <a:t>Stabiel</a:t>
+            </a:r>
+          </a:p>
+          <a:p>
+            <a:pPr marL="285750" indent="-285750">
+              <a:buFont typeface="Arial" panose="020B0604020202020204" pitchFamily="34" charset="0"/>
+              <a:buChar char="•"/>
+            </a:pPr>
+            <a:r>
+              <a:rPr lang="nl-NL" noProof="0" dirty="0"/>
+              <a:t>Weinig beweging</a:t>
+            </a:r>
+          </a:p>
+          <a:p>
+            <a:pPr marL="285750" indent="-285750">
+              <a:buFont typeface="Arial" panose="020B0604020202020204" pitchFamily="34" charset="0"/>
+              <a:buChar char="•"/>
+            </a:pPr>
+            <a:r>
+              <a:rPr lang="nl-NL" noProof="0" dirty="0"/>
+              <a:t>Y-as vrij</a:t>
+            </a:r>
+          </a:p>
+        </p:txBody>
+      </p:sp>
+      <p:pic>
+        <p:nvPicPr>
+          <p:cNvPr id="32" name="Afbeelding 31" descr="Afbeelding met gereedschap, houten, hout&#10;&#10;Door AI gegenereerde inhoud is mogelijk onjuist.">
+            <a:extLst>
+              <a:ext uri="{FF2B5EF4-FFF2-40B4-BE49-F238E27FC236}">
+                <a16:creationId xmlns:a16="http://schemas.microsoft.com/office/drawing/2014/main" id="{78A0AD3C-DBD8-80F0-03F8-D5EBC07981EF}"/>
+              </a:ext>
+            </a:extLst>
+          </p:cNvPr>
+          <p:cNvPicPr>
+            <a:picLocks noChangeAspect="1"/>
+          </p:cNvPicPr>
+          <p:nvPr/>
+        </p:nvPicPr>
+        <p:blipFill>
+          <a:blip r:embed="rId8">
+            <a:extLst>
+              <a:ext uri="{28A0092B-C50C-407E-A947-70E740481C1C}">
+                <a14:useLocalDpi xmlns:a14="http://schemas.microsoft.com/office/drawing/2010/main" val="0"/>
+              </a:ext>
+            </a:extLst>
+          </a:blip>
+          <a:srcRect t="25194"/>
+          <a:stretch>
+            <a:fillRect/>
+          </a:stretch>
+        </p:blipFill>
+        <p:spPr>
+          <a:xfrm>
+            <a:off x="8698902" y="1709252"/>
+            <a:ext cx="2820505" cy="2812506"/>
+          </a:xfrm>
+          <a:prstGeom prst="rect">
+            <a:avLst/>
+          </a:prstGeom>
+        </p:spPr>
+      </p:pic>
+    </p:spTree>
+    <p:extLst>
+      <p:ext uri="{BB962C8B-B14F-4D97-AF65-F5344CB8AC3E}">
+        <p14:creationId xmlns:p14="http://schemas.microsoft.com/office/powerpoint/2010/main" val="4014724831"/>
       </p:ext>
     </p:extLst>
   </p:cSld>
